--- a/Zeroth Review 2.pptx
+++ b/Zeroth Review 2.pptx
@@ -11,8 +11,11 @@
     <p:sldId id="259" r:id="rId5"/>
     <p:sldId id="260" r:id="rId6"/>
     <p:sldId id="261" r:id="rId7"/>
-    <p:sldId id="262" r:id="rId8"/>
-    <p:sldId id="263" r:id="rId9"/>
+    <p:sldId id="264" r:id="rId8"/>
+    <p:sldId id="265" r:id="rId9"/>
+    <p:sldId id="266" r:id="rId10"/>
+    <p:sldId id="262" r:id="rId11"/>
+    <p:sldId id="263" r:id="rId12"/>
   </p:sldIdLst>
   <p:sldSz cx="12192000" cy="6858000"/>
   <p:notesSz cx="6858000" cy="9144000"/>
@@ -289,7 +292,7 @@
             <a:fld id="{87DE6118-2437-4B30-8E3C-4D2BE6020583}" type="datetimeFigureOut">
               <a:rPr lang="en-US" dirty="0"/>
               <a:pPr/>
-              <a:t>8/17/23</a:t>
+              <a:t>9/9/23</a:t>
             </a:fld>
             <a:endParaRPr lang="en-US" dirty="0"/>
           </a:p>
@@ -615,7 +618,7 @@
           <a:p>
             <a:fld id="{87DE6118-2437-4B30-8E3C-4D2BE6020583}" type="datetimeFigureOut">
               <a:rPr lang="en-US" dirty="0"/>
-              <a:t>8/17/23</a:t>
+              <a:t>9/9/23</a:t>
             </a:fld>
             <a:endParaRPr lang="en-US" dirty="0"/>
           </a:p>
@@ -790,7 +793,7 @@
           <a:p>
             <a:fld id="{87DE6118-2437-4B30-8E3C-4D2BE6020583}" type="datetimeFigureOut">
               <a:rPr lang="en-US" dirty="0"/>
-              <a:t>8/17/23</a:t>
+              <a:t>9/9/23</a:t>
             </a:fld>
             <a:endParaRPr lang="en-US" dirty="0"/>
           </a:p>
@@ -955,7 +958,7 @@
           <a:p>
             <a:fld id="{87DE6118-2437-4B30-8E3C-4D2BE6020583}" type="datetimeFigureOut">
               <a:rPr lang="en-US" dirty="0"/>
-              <a:t>8/17/23</a:t>
+              <a:t>9/9/23</a:t>
             </a:fld>
             <a:endParaRPr lang="en-US" dirty="0"/>
           </a:p>
@@ -1228,7 +1231,7 @@
             <a:fld id="{87DE6118-2437-4B30-8E3C-4D2BE6020583}" type="datetimeFigureOut">
               <a:rPr lang="en-US" dirty="0"/>
               <a:pPr/>
-              <a:t>8/17/23</a:t>
+              <a:t>9/9/23</a:t>
             </a:fld>
             <a:endParaRPr lang="en-US" dirty="0"/>
           </a:p>
@@ -1618,7 +1621,7 @@
           <a:p>
             <a:fld id="{87DE6118-2437-4B30-8E3C-4D2BE6020583}" type="datetimeFigureOut">
               <a:rPr lang="en-US" dirty="0"/>
-              <a:t>8/17/23</a:t>
+              <a:t>9/9/23</a:t>
             </a:fld>
             <a:endParaRPr lang="en-US" dirty="0"/>
           </a:p>
@@ -2090,7 +2093,7 @@
           <a:p>
             <a:fld id="{87DE6118-2437-4B30-8E3C-4D2BE6020583}" type="datetimeFigureOut">
               <a:rPr lang="en-US" dirty="0"/>
-              <a:t>8/17/23</a:t>
+              <a:t>9/9/23</a:t>
             </a:fld>
             <a:endParaRPr lang="en-US" dirty="0"/>
           </a:p>
@@ -2203,7 +2206,7 @@
           <a:p>
             <a:fld id="{87DE6118-2437-4B30-8E3C-4D2BE6020583}" type="datetimeFigureOut">
               <a:rPr lang="en-US" dirty="0"/>
-              <a:t>8/17/23</a:t>
+              <a:t>9/9/23</a:t>
             </a:fld>
             <a:endParaRPr lang="en-US" dirty="0"/>
           </a:p>
@@ -2293,7 +2296,7 @@
           <a:p>
             <a:fld id="{87DE6118-2437-4B30-8E3C-4D2BE6020583}" type="datetimeFigureOut">
               <a:rPr lang="en-US" dirty="0"/>
-              <a:t>8/17/23</a:t>
+              <a:t>9/9/23</a:t>
             </a:fld>
             <a:endParaRPr lang="en-US" dirty="0"/>
           </a:p>
@@ -2635,7 +2638,7 @@
             <a:fld id="{87DE6118-2437-4B30-8E3C-4D2BE6020583}" type="datetimeFigureOut">
               <a:rPr lang="en-US" dirty="0"/>
               <a:pPr/>
-              <a:t>8/17/23</a:t>
+              <a:t>9/9/23</a:t>
             </a:fld>
             <a:endParaRPr lang="en-US" dirty="0"/>
           </a:p>
@@ -3020,7 +3023,7 @@
             <a:fld id="{87DE6118-2437-4B30-8E3C-4D2BE6020583}" type="datetimeFigureOut">
               <a:rPr lang="en-US" dirty="0"/>
               <a:pPr/>
-              <a:t>8/17/23</a:t>
+              <a:t>9/9/23</a:t>
             </a:fld>
             <a:endParaRPr lang="en-US" dirty="0"/>
           </a:p>
@@ -3295,7 +3298,7 @@
             <a:fld id="{87DE6118-2437-4B30-8E3C-4D2BE6020583}" type="datetimeFigureOut">
               <a:rPr lang="en-US" dirty="0"/>
               <a:pPr/>
-              <a:t>8/17/23</a:t>
+              <a:t>9/9/23</a:t>
             </a:fld>
             <a:endParaRPr lang="en-US" dirty="0"/>
           </a:p>
@@ -3879,6 +3882,351 @@
 </p:sld>
 </file>
 
+<file path=ppt/slides/slide10.xml><?xml version="1.0" encoding="utf-8"?>
+<p:sld xmlns:a="http://schemas.openxmlformats.org/drawingml/2006/main" xmlns:r="http://schemas.openxmlformats.org/officeDocument/2006/relationships" xmlns:p="http://schemas.openxmlformats.org/presentationml/2006/main">
+  <p:cSld>
+    <p:spTree>
+      <p:nvGrpSpPr>
+        <p:cNvPr id="1" name=""/>
+        <p:cNvGrpSpPr/>
+        <p:nvPr/>
+      </p:nvGrpSpPr>
+      <p:grpSpPr>
+        <a:xfrm>
+          <a:off x="0" y="0"/>
+          <a:ext cx="0" cy="0"/>
+          <a:chOff x="0" y="0"/>
+          <a:chExt cx="0" cy="0"/>
+        </a:xfrm>
+      </p:grpSpPr>
+      <p:sp>
+        <p:nvSpPr>
+          <p:cNvPr id="2" name="Title 1">
+            <a:extLst>
+              <a:ext uri="{FF2B5EF4-FFF2-40B4-BE49-F238E27FC236}">
+                <a16:creationId xmlns:a16="http://schemas.microsoft.com/office/drawing/2014/main" id="{C64D622F-0F18-3313-B19D-A3C712DBC0CC}"/>
+              </a:ext>
+            </a:extLst>
+          </p:cNvPr>
+          <p:cNvSpPr>
+            <a:spLocks noGrp="1"/>
+          </p:cNvSpPr>
+          <p:nvPr>
+            <p:ph type="title"/>
+          </p:nvPr>
+        </p:nvSpPr>
+        <p:spPr/>
+        <p:txBody>
+          <a:bodyPr/>
+          <a:lstStyle/>
+          <a:p>
+            <a:pPr algn="ctr"/>
+            <a:r>
+              <a:rPr lang="en-US" dirty="0"/>
+              <a:t>Scope</a:t>
+            </a:r>
+          </a:p>
+        </p:txBody>
+      </p:sp>
+      <p:sp>
+        <p:nvSpPr>
+          <p:cNvPr id="3" name="Content Placeholder 2">
+            <a:extLst>
+              <a:ext uri="{FF2B5EF4-FFF2-40B4-BE49-F238E27FC236}">
+                <a16:creationId xmlns:a16="http://schemas.microsoft.com/office/drawing/2014/main" id="{25CF0D0A-4A45-4C97-47C6-87F20BF2B66C}"/>
+              </a:ext>
+            </a:extLst>
+          </p:cNvPr>
+          <p:cNvSpPr>
+            <a:spLocks noGrp="1"/>
+          </p:cNvSpPr>
+          <p:nvPr>
+            <p:ph idx="1"/>
+          </p:nvPr>
+        </p:nvSpPr>
+        <p:spPr>
+          <a:xfrm>
+            <a:off x="1295400" y="1680340"/>
+            <a:ext cx="9601200" cy="3581400"/>
+          </a:xfrm>
+        </p:spPr>
+        <p:txBody>
+          <a:bodyPr/>
+          <a:lstStyle/>
+          <a:p>
+            <a:pPr algn="just">
+              <a:buFont typeface="Wingdings" pitchFamily="2" charset="2"/>
+              <a:buChar char="§"/>
+            </a:pPr>
+            <a:r>
+              <a:rPr lang="en-IN" dirty="0"/>
+              <a:t>The project's scope involves creating an </a:t>
+            </a:r>
+            <a:r>
+              <a:rPr lang="en-IN" b="1" i="1" dirty="0"/>
+              <a:t>accurate traffic sign detection system </a:t>
+            </a:r>
+          </a:p>
+          <a:p>
+            <a:pPr algn="just">
+              <a:buFont typeface="Wingdings" pitchFamily="2" charset="2"/>
+              <a:buChar char="§"/>
+            </a:pPr>
+            <a:r>
+              <a:rPr lang="en-IN" dirty="0"/>
+              <a:t>We are using advanced </a:t>
+            </a:r>
+            <a:r>
+              <a:rPr lang="en-IN" b="1" i="1" dirty="0"/>
+              <a:t>computer vision </a:t>
+            </a:r>
+            <a:r>
+              <a:rPr lang="en-IN" dirty="0"/>
+              <a:t>and </a:t>
+            </a:r>
+            <a:r>
+              <a:rPr lang="en-IN" b="1" i="1" dirty="0"/>
+              <a:t>deep learning techniques</a:t>
+            </a:r>
+            <a:r>
+              <a:rPr lang="en-IN" dirty="0"/>
+              <a:t>. </a:t>
+            </a:r>
+          </a:p>
+          <a:p>
+            <a:pPr algn="just">
+              <a:buFont typeface="Wingdings" pitchFamily="2" charset="2"/>
+              <a:buChar char="§"/>
+            </a:pPr>
+            <a:r>
+              <a:rPr lang="en-IN" dirty="0"/>
+              <a:t>This includes data collection, algorithm development, model training, and real-time processing. </a:t>
+            </a:r>
+          </a:p>
+          <a:p>
+            <a:pPr algn="just">
+              <a:buFont typeface="Wingdings" pitchFamily="2" charset="2"/>
+              <a:buChar char="§"/>
+            </a:pPr>
+            <a:r>
+              <a:rPr lang="en-IN" dirty="0"/>
+              <a:t>The system will accurately locate and classify different types of traffic signs, addressing challenges like varying conditions. </a:t>
+            </a:r>
+          </a:p>
+          <a:p>
+            <a:pPr algn="just">
+              <a:buFont typeface="Wingdings" pitchFamily="2" charset="2"/>
+              <a:buChar char="§"/>
+            </a:pPr>
+            <a:r>
+              <a:rPr lang="en-IN" dirty="0"/>
+              <a:t>It aims to enhance road safety and traffic management, with potential for future expansion and integration into various applications.</a:t>
+            </a:r>
+            <a:endParaRPr lang="en-US" dirty="0"/>
+          </a:p>
+        </p:txBody>
+      </p:sp>
+    </p:spTree>
+    <p:extLst>
+      <p:ext uri="{BB962C8B-B14F-4D97-AF65-F5344CB8AC3E}">
+        <p14:creationId xmlns:p14="http://schemas.microsoft.com/office/powerpoint/2010/main" val="2493971527"/>
+      </p:ext>
+    </p:extLst>
+  </p:cSld>
+  <p:clrMapOvr>
+    <a:masterClrMapping/>
+  </p:clrMapOvr>
+</p:sld>
+</file>
+
+<file path=ppt/slides/slide11.xml><?xml version="1.0" encoding="utf-8"?>
+<p:sld xmlns:a="http://schemas.openxmlformats.org/drawingml/2006/main" xmlns:r="http://schemas.openxmlformats.org/officeDocument/2006/relationships" xmlns:p="http://schemas.openxmlformats.org/presentationml/2006/main">
+  <p:cSld>
+    <p:spTree>
+      <p:nvGrpSpPr>
+        <p:cNvPr id="1" name=""/>
+        <p:cNvGrpSpPr/>
+        <p:nvPr/>
+      </p:nvGrpSpPr>
+      <p:grpSpPr>
+        <a:xfrm>
+          <a:off x="0" y="0"/>
+          <a:ext cx="0" cy="0"/>
+          <a:chOff x="0" y="0"/>
+          <a:chExt cx="0" cy="0"/>
+        </a:xfrm>
+      </p:grpSpPr>
+      <p:sp>
+        <p:nvSpPr>
+          <p:cNvPr id="2" name="Title 1">
+            <a:extLst>
+              <a:ext uri="{FF2B5EF4-FFF2-40B4-BE49-F238E27FC236}">
+                <a16:creationId xmlns:a16="http://schemas.microsoft.com/office/drawing/2014/main" id="{14702EC7-957B-3D7B-C591-0AFC4D35B4CF}"/>
+              </a:ext>
+            </a:extLst>
+          </p:cNvPr>
+          <p:cNvSpPr>
+            <a:spLocks noGrp="1"/>
+          </p:cNvSpPr>
+          <p:nvPr>
+            <p:ph type="title"/>
+          </p:nvPr>
+        </p:nvSpPr>
+        <p:spPr>
+          <a:xfrm>
+            <a:off x="1371600" y="685800"/>
+            <a:ext cx="9601200" cy="722586"/>
+          </a:xfrm>
+        </p:spPr>
+        <p:txBody>
+          <a:bodyPr/>
+          <a:lstStyle/>
+          <a:p>
+            <a:pPr algn="ctr"/>
+            <a:r>
+              <a:rPr lang="en-US" dirty="0"/>
+              <a:t>Reference</a:t>
+            </a:r>
+          </a:p>
+        </p:txBody>
+      </p:sp>
+      <p:sp>
+        <p:nvSpPr>
+          <p:cNvPr id="3" name="Content Placeholder 2">
+            <a:extLst>
+              <a:ext uri="{FF2B5EF4-FFF2-40B4-BE49-F238E27FC236}">
+                <a16:creationId xmlns:a16="http://schemas.microsoft.com/office/drawing/2014/main" id="{F136895F-0CA2-7D8D-B819-BF4EABBFFA60}"/>
+              </a:ext>
+            </a:extLst>
+          </p:cNvPr>
+          <p:cNvSpPr>
+            <a:spLocks noGrp="1"/>
+          </p:cNvSpPr>
+          <p:nvPr>
+            <p:ph idx="1"/>
+          </p:nvPr>
+        </p:nvSpPr>
+        <p:spPr>
+          <a:xfrm>
+            <a:off x="1371600" y="1638299"/>
+            <a:ext cx="9601200" cy="3932183"/>
+          </a:xfrm>
+        </p:spPr>
+        <p:txBody>
+          <a:bodyPr/>
+          <a:lstStyle/>
+          <a:p>
+            <a:pPr>
+              <a:buFont typeface="Wingdings" pitchFamily="2" charset="2"/>
+              <a:buChar char="§"/>
+            </a:pPr>
+            <a:r>
+              <a:rPr lang="en-US" dirty="0"/>
+              <a:t>Dataset Kaggle (</a:t>
+            </a:r>
+            <a:r>
+              <a:rPr lang="en-US" dirty="0">
+                <a:hlinkClick r:id="rId2"/>
+              </a:rPr>
+              <a:t>LINK</a:t>
+            </a:r>
+            <a:r>
+              <a:rPr lang="en-US" dirty="0"/>
+              <a:t>)</a:t>
+            </a:r>
+          </a:p>
+          <a:p>
+            <a:pPr>
+              <a:buFont typeface="Wingdings" pitchFamily="2" charset="2"/>
+              <a:buChar char="§"/>
+            </a:pPr>
+            <a:r>
+              <a:rPr lang="en-US" dirty="0"/>
+              <a:t>Crash Statistics Wikipedia (</a:t>
+            </a:r>
+            <a:r>
+              <a:rPr lang="en-US" dirty="0">
+                <a:hlinkClick r:id="rId3"/>
+              </a:rPr>
+              <a:t>LINK</a:t>
+            </a:r>
+            <a:r>
+              <a:rPr lang="en-US" dirty="0"/>
+              <a:t>)</a:t>
+            </a:r>
+          </a:p>
+          <a:p>
+            <a:pPr>
+              <a:buFont typeface="Wingdings" pitchFamily="2" charset="2"/>
+              <a:buChar char="§"/>
+            </a:pPr>
+            <a:r>
+              <a:rPr lang="en-US" dirty="0"/>
+              <a:t>Research Papers (</a:t>
+            </a:r>
+            <a:r>
+              <a:rPr lang="en-US" dirty="0">
+                <a:hlinkClick r:id="rId4"/>
+              </a:rPr>
+              <a:t>LINK</a:t>
+            </a:r>
+            <a:r>
+              <a:rPr lang="en-US" dirty="0"/>
+              <a:t> </a:t>
+            </a:r>
+            <a:r>
+              <a:rPr lang="en-US" dirty="0">
+                <a:hlinkClick r:id="rId5"/>
+              </a:rPr>
+              <a:t>LINK</a:t>
+            </a:r>
+            <a:r>
+              <a:rPr lang="en-US" dirty="0"/>
+              <a:t>)</a:t>
+            </a:r>
+          </a:p>
+          <a:p>
+            <a:pPr>
+              <a:buFont typeface="Wingdings" pitchFamily="2" charset="2"/>
+              <a:buChar char="§"/>
+            </a:pPr>
+            <a:r>
+              <a:rPr lang="en-US" dirty="0"/>
+              <a:t>Algorithms (</a:t>
+            </a:r>
+            <a:r>
+              <a:rPr lang="en-US" dirty="0">
+                <a:hlinkClick r:id="rId6"/>
+              </a:rPr>
+              <a:t>LINK</a:t>
+            </a:r>
+            <a:r>
+              <a:rPr lang="en-US" dirty="0"/>
+              <a:t>)</a:t>
+            </a:r>
+          </a:p>
+          <a:p>
+            <a:pPr>
+              <a:buFont typeface="Wingdings" pitchFamily="2" charset="2"/>
+              <a:buChar char="§"/>
+            </a:pPr>
+            <a:endParaRPr lang="en-US" dirty="0"/>
+          </a:p>
+        </p:txBody>
+      </p:sp>
+    </p:spTree>
+    <p:extLst>
+      <p:ext uri="{BB962C8B-B14F-4D97-AF65-F5344CB8AC3E}">
+        <p14:creationId xmlns:p14="http://schemas.microsoft.com/office/powerpoint/2010/main" val="1081541707"/>
+      </p:ext>
+    </p:extLst>
+  </p:cSld>
+  <p:clrMapOvr>
+    <a:masterClrMapping/>
+  </p:clrMapOvr>
+</p:sld>
+</file>
+
 <file path=ppt/slides/slide2.xml><?xml version="1.0" encoding="utf-8"?>
 <p:sld xmlns:a="http://schemas.openxmlformats.org/drawingml/2006/main" xmlns:r="http://schemas.openxmlformats.org/officeDocument/2006/relationships" xmlns:p="http://schemas.openxmlformats.org/presentationml/2006/main">
   <p:cSld>
@@ -5032,7 +5380,7 @@
           <p:cNvPr id="2" name="Title 1">
             <a:extLst>
               <a:ext uri="{FF2B5EF4-FFF2-40B4-BE49-F238E27FC236}">
-                <a16:creationId xmlns:a16="http://schemas.microsoft.com/office/drawing/2014/main" id="{C64D622F-0F18-3313-B19D-A3C712DBC0CC}"/>
+                <a16:creationId xmlns:a16="http://schemas.microsoft.com/office/drawing/2014/main" id="{91FF2A73-E6E7-FF2C-0273-DD77F040492E}"/>
               </a:ext>
             </a:extLst>
           </p:cNvPr>
@@ -5051,7 +5399,7 @@
             <a:pPr algn="ctr"/>
             <a:r>
               <a:rPr lang="en-US" dirty="0"/>
-              <a:t>Scope</a:t>
+              <a:t>Requirement Gathering</a:t>
             </a:r>
           </a:p>
         </p:txBody>
@@ -5061,7 +5409,7 @@
           <p:cNvPr id="3" name="Content Placeholder 2">
             <a:extLst>
               <a:ext uri="{FF2B5EF4-FFF2-40B4-BE49-F238E27FC236}">
-                <a16:creationId xmlns:a16="http://schemas.microsoft.com/office/drawing/2014/main" id="{25CF0D0A-4A45-4C97-47C6-87F20BF2B66C}"/>
+                <a16:creationId xmlns:a16="http://schemas.microsoft.com/office/drawing/2014/main" id="{2779701A-F46A-4F78-6A83-63913758397D}"/>
               </a:ext>
             </a:extLst>
           </p:cNvPr>
@@ -5072,92 +5420,172 @@
             <p:ph idx="1"/>
           </p:nvPr>
         </p:nvSpPr>
-        <p:spPr>
-          <a:xfrm>
-            <a:off x="1295400" y="1680340"/>
-            <a:ext cx="9601200" cy="3581400"/>
-          </a:xfrm>
-        </p:spPr>
-        <p:txBody>
-          <a:bodyPr/>
+        <p:spPr/>
+        <p:txBody>
+          <a:bodyPr>
+            <a:noAutofit/>
+          </a:bodyPr>
           <a:lstStyle/>
           <a:p>
-            <a:pPr algn="just">
-              <a:buFont typeface="Wingdings" pitchFamily="2" charset="2"/>
-              <a:buChar char="§"/>
+            <a:pPr algn="l"/>
+            <a:r>
+              <a:rPr lang="en-IN" b="0" i="0" u="none" strike="noStrike" dirty="0">
+                <a:solidFill>
+                  <a:schemeClr val="tx1"/>
+                </a:solidFill>
+                <a:effectLst/>
+              </a:rPr>
+              <a:t>To gather requirements for a traffic sign detection system, follow these steps:</a:t>
+            </a:r>
+          </a:p>
+          <a:p>
+            <a:pPr algn="l">
+              <a:buFont typeface="+mj-lt"/>
+              <a:buAutoNum type="arabicPeriod"/>
             </a:pPr>
             <a:r>
-              <a:rPr lang="en-IN" dirty="0"/>
-              <a:t>The project's scope involves creating an </a:t>
-            </a:r>
-            <a:r>
-              <a:rPr lang="en-IN" b="1" i="1" dirty="0"/>
-              <a:t>accurate traffic sign detection system </a:t>
-            </a:r>
-          </a:p>
-          <a:p>
-            <a:pPr algn="just">
-              <a:buFont typeface="Wingdings" pitchFamily="2" charset="2"/>
-              <a:buChar char="§"/>
+              <a:rPr lang="en-IN" b="1" i="0" u="none" strike="noStrike" dirty="0">
+                <a:solidFill>
+                  <a:schemeClr val="tx1"/>
+                </a:solidFill>
+                <a:effectLst/>
+              </a:rPr>
+              <a:t>Scope Definition:</a:t>
+            </a:r>
+            <a:endParaRPr lang="en-IN" dirty="0">
+              <a:solidFill>
+                <a:schemeClr val="tx1"/>
+              </a:solidFill>
+            </a:endParaRPr>
+          </a:p>
+          <a:p>
+            <a:pPr marL="0" indent="0" algn="l">
+              <a:buNone/>
             </a:pPr>
             <a:r>
-              <a:rPr lang="en-IN" dirty="0"/>
-              <a:t>We are using advanced </a:t>
-            </a:r>
-            <a:r>
-              <a:rPr lang="en-IN" b="1" i="1" dirty="0"/>
-              <a:t>computer vision </a:t>
-            </a:r>
-            <a:r>
-              <a:rPr lang="en-IN" dirty="0"/>
-              <a:t>and </a:t>
-            </a:r>
-            <a:r>
-              <a:rPr lang="en-IN" b="1" i="1" dirty="0"/>
-              <a:t>deep learning techniques</a:t>
-            </a:r>
-            <a:r>
-              <a:rPr lang="en-IN" dirty="0"/>
-              <a:t>. </a:t>
-            </a:r>
-          </a:p>
-          <a:p>
-            <a:pPr algn="just">
-              <a:buFont typeface="Wingdings" pitchFamily="2" charset="2"/>
-              <a:buChar char="§"/>
+              <a:rPr lang="en-IN" b="0" i="0" u="none" strike="noStrike" dirty="0">
+                <a:solidFill>
+                  <a:schemeClr val="tx1"/>
+                </a:solidFill>
+                <a:effectLst/>
+              </a:rPr>
+              <a:t>	Clearly define project goals and boundaries.</a:t>
+            </a:r>
+          </a:p>
+          <a:p>
+            <a:pPr algn="l">
+              <a:buFont typeface="+mj-lt"/>
+              <a:buAutoNum type="arabicPeriod"/>
             </a:pPr>
             <a:r>
-              <a:rPr lang="en-IN" dirty="0"/>
-              <a:t>This includes data collection, algorithm development, model training, and real-time processing. </a:t>
-            </a:r>
-          </a:p>
-          <a:p>
-            <a:pPr algn="just">
-              <a:buFont typeface="Wingdings" pitchFamily="2" charset="2"/>
-              <a:buChar char="§"/>
+              <a:rPr lang="en-IN" b="1" i="0" u="none" strike="noStrike" dirty="0">
+                <a:solidFill>
+                  <a:schemeClr val="tx1"/>
+                </a:solidFill>
+                <a:effectLst/>
+              </a:rPr>
+              <a:t>Stakeholder Identification:</a:t>
+            </a:r>
+            <a:endParaRPr lang="en-IN" b="0" i="0" u="none" strike="noStrike" dirty="0">
+              <a:solidFill>
+                <a:schemeClr val="tx1"/>
+              </a:solidFill>
+              <a:effectLst/>
+            </a:endParaRPr>
+          </a:p>
+          <a:p>
+            <a:pPr marL="742950" lvl="1" indent="-285750" algn="l">
+              <a:buFont typeface="+mj-lt"/>
+              <a:buAutoNum type="arabicPeriod"/>
             </a:pPr>
             <a:r>
-              <a:rPr lang="en-IN" dirty="0"/>
-              <a:t>The system will accurately locate and classify different types of traffic signs, addressing challenges like varying conditions. </a:t>
-            </a:r>
-          </a:p>
-          <a:p>
-            <a:pPr algn="just">
-              <a:buFont typeface="Wingdings" pitchFamily="2" charset="2"/>
-              <a:buChar char="§"/>
+              <a:rPr lang="en-IN" b="0" i="0" u="none" strike="noStrike" dirty="0">
+                <a:solidFill>
+                  <a:schemeClr val="tx1"/>
+                </a:solidFill>
+                <a:effectLst/>
+              </a:rPr>
+              <a:t>Identify all involved parties.</a:t>
+            </a:r>
+          </a:p>
+          <a:p>
+            <a:pPr algn="l">
+              <a:buFont typeface="+mj-lt"/>
+              <a:buAutoNum type="arabicPeriod"/>
             </a:pPr>
             <a:r>
-              <a:rPr lang="en-IN" dirty="0"/>
-              <a:t>It aims to enhance road safety and traffic management, with potential for future expansion and integration into various applications.</a:t>
-            </a:r>
-            <a:endParaRPr lang="en-US" dirty="0"/>
+              <a:rPr lang="en-IN" b="1" i="0" u="none" strike="noStrike" dirty="0">
+                <a:solidFill>
+                  <a:schemeClr val="tx1"/>
+                </a:solidFill>
+                <a:effectLst/>
+              </a:rPr>
+              <a:t>Stakeholder Input:</a:t>
+            </a:r>
+            <a:endParaRPr lang="en-IN" b="0" i="0" u="none" strike="noStrike" dirty="0">
+              <a:solidFill>
+                <a:schemeClr val="tx1"/>
+              </a:solidFill>
+              <a:effectLst/>
+            </a:endParaRPr>
+          </a:p>
+          <a:p>
+            <a:pPr marL="742950" lvl="1" indent="-285750" algn="l">
+              <a:buFont typeface="+mj-lt"/>
+              <a:buAutoNum type="arabicPeriod"/>
+            </a:pPr>
+            <a:r>
+              <a:rPr lang="en-IN" b="0" i="0" u="none" strike="noStrike" dirty="0">
+                <a:solidFill>
+                  <a:schemeClr val="tx1"/>
+                </a:solidFill>
+                <a:effectLst/>
+              </a:rPr>
+              <a:t>Gather input through interviews or surveys.</a:t>
+            </a:r>
+          </a:p>
+          <a:p>
+            <a:pPr algn="l">
+              <a:buFont typeface="+mj-lt"/>
+              <a:buAutoNum type="arabicPeriod"/>
+            </a:pPr>
+            <a:r>
+              <a:rPr lang="en-IN" b="1" i="0" u="none" strike="noStrike" dirty="0">
+                <a:solidFill>
+                  <a:schemeClr val="tx1"/>
+                </a:solidFill>
+                <a:effectLst/>
+              </a:rPr>
+              <a:t>Analyse Existing Systems (if any):</a:t>
+            </a:r>
+            <a:endParaRPr lang="en-IN" b="0" i="0" u="none" strike="noStrike" dirty="0">
+              <a:solidFill>
+                <a:schemeClr val="tx1"/>
+              </a:solidFill>
+              <a:effectLst/>
+            </a:endParaRPr>
+          </a:p>
+          <a:p>
+            <a:pPr marL="742950" lvl="1" indent="-285750" algn="l">
+              <a:buFont typeface="+mj-lt"/>
+              <a:buAutoNum type="arabicPeriod"/>
+            </a:pPr>
+            <a:r>
+              <a:rPr lang="en-IN" b="0" i="0" u="none" strike="noStrike" dirty="0">
+                <a:solidFill>
+                  <a:schemeClr val="tx1"/>
+                </a:solidFill>
+                <a:effectLst/>
+              </a:rPr>
+              <a:t>Evaluate strengths and weaknesses.</a:t>
+            </a:r>
           </a:p>
         </p:txBody>
       </p:sp>
     </p:spTree>
     <p:extLst>
       <p:ext uri="{BB962C8B-B14F-4D97-AF65-F5344CB8AC3E}">
-        <p14:creationId xmlns:p14="http://schemas.microsoft.com/office/powerpoint/2010/main" val="2493971527"/>
+        <p14:creationId xmlns:p14="http://schemas.microsoft.com/office/powerpoint/2010/main" val="1978781931"/>
       </p:ext>
     </p:extLst>
   </p:cSld>
@@ -5186,10 +5614,504 @@
       </p:grpSpPr>
       <p:sp>
         <p:nvSpPr>
+          <p:cNvPr id="2" name="TextBox 1">
+            <a:extLst>
+              <a:ext uri="{FF2B5EF4-FFF2-40B4-BE49-F238E27FC236}">
+                <a16:creationId xmlns:a16="http://schemas.microsoft.com/office/drawing/2014/main" id="{34D02CFF-A383-0FF9-CFD6-D26F46EBACBB}"/>
+              </a:ext>
+            </a:extLst>
+          </p:cNvPr>
+          <p:cNvSpPr txBox="1"/>
+          <p:nvPr/>
+        </p:nvSpPr>
+        <p:spPr>
+          <a:xfrm>
+            <a:off x="985838" y="185081"/>
+            <a:ext cx="9658350" cy="7017306"/>
+          </a:xfrm>
+          <a:prstGeom prst="rect">
+            <a:avLst/>
+          </a:prstGeom>
+          <a:noFill/>
+        </p:spPr>
+        <p:txBody>
+          <a:bodyPr wrap="square" rtlCol="0">
+            <a:spAutoFit/>
+          </a:bodyPr>
+          <a:lstStyle/>
+          <a:p>
+            <a:pPr algn="l">
+              <a:buFont typeface="+mj-lt"/>
+              <a:buAutoNum type="arabicPeriod"/>
+            </a:pPr>
+            <a:r>
+              <a:rPr lang="en-IN" b="1" i="0" u="none" strike="noStrike" dirty="0">
+                <a:solidFill>
+                  <a:schemeClr val="tx1"/>
+                </a:solidFill>
+                <a:effectLst/>
+              </a:rPr>
+              <a:t>Legal and Safety Compliance:</a:t>
+            </a:r>
+            <a:endParaRPr lang="en-IN" b="0" i="0" u="none" strike="noStrike" dirty="0">
+              <a:solidFill>
+                <a:schemeClr val="tx1"/>
+              </a:solidFill>
+              <a:effectLst/>
+            </a:endParaRPr>
+          </a:p>
+          <a:p>
+            <a:pPr marL="742950" lvl="1" indent="-285750" algn="l">
+              <a:buFont typeface="+mj-lt"/>
+              <a:buAutoNum type="arabicPeriod"/>
+            </a:pPr>
+            <a:r>
+              <a:rPr lang="en-IN" b="0" i="0" u="none" strike="noStrike" dirty="0">
+                <a:solidFill>
+                  <a:schemeClr val="tx1"/>
+                </a:solidFill>
+                <a:effectLst/>
+              </a:rPr>
+              <a:t>Ensure adherence to regulations and safety standards.</a:t>
+            </a:r>
+          </a:p>
+          <a:p>
+            <a:pPr algn="l">
+              <a:buFont typeface="+mj-lt"/>
+              <a:buAutoNum type="arabicPeriod"/>
+            </a:pPr>
+            <a:r>
+              <a:rPr lang="en-IN" b="1" i="0" u="none" strike="noStrike" dirty="0">
+                <a:solidFill>
+                  <a:schemeClr val="tx1"/>
+                </a:solidFill>
+                <a:effectLst/>
+              </a:rPr>
+              <a:t>Functional Requirements:</a:t>
+            </a:r>
+            <a:endParaRPr lang="en-IN" b="0" i="0" u="none" strike="noStrike" dirty="0">
+              <a:solidFill>
+                <a:schemeClr val="tx1"/>
+              </a:solidFill>
+              <a:effectLst/>
+            </a:endParaRPr>
+          </a:p>
+          <a:p>
+            <a:pPr marL="742950" lvl="1" indent="-285750" algn="l">
+              <a:buFont typeface="+mj-lt"/>
+              <a:buAutoNum type="arabicPeriod"/>
+            </a:pPr>
+            <a:r>
+              <a:rPr lang="en-IN" b="0" i="0" u="none" strike="noStrike" dirty="0">
+                <a:solidFill>
+                  <a:schemeClr val="tx1"/>
+                </a:solidFill>
+                <a:effectLst/>
+              </a:rPr>
+              <a:t>Specify what the system should do.</a:t>
+            </a:r>
+          </a:p>
+          <a:p>
+            <a:pPr algn="l">
+              <a:buFont typeface="+mj-lt"/>
+              <a:buAutoNum type="arabicPeriod"/>
+            </a:pPr>
+            <a:r>
+              <a:rPr lang="en-IN" b="1" i="0" u="none" strike="noStrike" dirty="0">
+                <a:solidFill>
+                  <a:schemeClr val="tx1"/>
+                </a:solidFill>
+                <a:effectLst/>
+              </a:rPr>
+              <a:t>Non-functional Requirements:</a:t>
+            </a:r>
+            <a:endParaRPr lang="en-IN" b="0" i="0" u="none" strike="noStrike" dirty="0">
+              <a:solidFill>
+                <a:schemeClr val="tx1"/>
+              </a:solidFill>
+              <a:effectLst/>
+            </a:endParaRPr>
+          </a:p>
+          <a:p>
+            <a:pPr marL="742950" lvl="1" indent="-285750" algn="l">
+              <a:buFont typeface="+mj-lt"/>
+              <a:buAutoNum type="arabicPeriod"/>
+            </a:pPr>
+            <a:r>
+              <a:rPr lang="en-IN" b="0" i="0" u="none" strike="noStrike" dirty="0">
+                <a:solidFill>
+                  <a:schemeClr val="tx1"/>
+                </a:solidFill>
+                <a:effectLst/>
+              </a:rPr>
+              <a:t>Address performance and reliability.</a:t>
+            </a:r>
+          </a:p>
+          <a:p>
+            <a:pPr algn="l">
+              <a:buFont typeface="+mj-lt"/>
+              <a:buAutoNum type="arabicPeriod"/>
+            </a:pPr>
+            <a:r>
+              <a:rPr lang="en-IN" b="1" i="0" u="none" strike="noStrike" dirty="0">
+                <a:solidFill>
+                  <a:schemeClr val="tx1"/>
+                </a:solidFill>
+                <a:effectLst/>
+              </a:rPr>
+              <a:t>Data Requirements:</a:t>
+            </a:r>
+            <a:endParaRPr lang="en-IN" b="0" i="0" u="none" strike="noStrike" dirty="0">
+              <a:solidFill>
+                <a:schemeClr val="tx1"/>
+              </a:solidFill>
+              <a:effectLst/>
+            </a:endParaRPr>
+          </a:p>
+          <a:p>
+            <a:pPr marL="742950" lvl="1" indent="-285750" algn="l">
+              <a:buFont typeface="+mj-lt"/>
+              <a:buAutoNum type="arabicPeriod"/>
+            </a:pPr>
+            <a:r>
+              <a:rPr lang="en-IN" b="0" i="0" u="none" strike="noStrike" dirty="0">
+                <a:solidFill>
+                  <a:schemeClr val="tx1"/>
+                </a:solidFill>
+                <a:effectLst/>
+              </a:rPr>
+              <a:t>Define data sources and quality.</a:t>
+            </a:r>
+          </a:p>
+          <a:p>
+            <a:pPr algn="l">
+              <a:buFont typeface="+mj-lt"/>
+              <a:buAutoNum type="arabicPeriod"/>
+            </a:pPr>
+            <a:r>
+              <a:rPr lang="en-IN" b="1" i="0" u="none" strike="noStrike" dirty="0">
+                <a:solidFill>
+                  <a:schemeClr val="tx1"/>
+                </a:solidFill>
+                <a:effectLst/>
+              </a:rPr>
+              <a:t>Integration Needs:</a:t>
+            </a:r>
+            <a:endParaRPr lang="en-IN" b="0" i="0" u="none" strike="noStrike" dirty="0">
+              <a:solidFill>
+                <a:schemeClr val="tx1"/>
+              </a:solidFill>
+              <a:effectLst/>
+            </a:endParaRPr>
+          </a:p>
+          <a:p>
+            <a:pPr marL="742950" lvl="1" indent="-285750" algn="l">
+              <a:buFont typeface="+mj-lt"/>
+              <a:buAutoNum type="arabicPeriod"/>
+            </a:pPr>
+            <a:r>
+              <a:rPr lang="en-IN" b="0" i="0" u="none" strike="noStrike" dirty="0">
+                <a:solidFill>
+                  <a:schemeClr val="tx1"/>
+                </a:solidFill>
+                <a:effectLst/>
+              </a:rPr>
+              <a:t>Determine if integration is necessary.</a:t>
+            </a:r>
+          </a:p>
+          <a:p>
+            <a:pPr algn="l">
+              <a:buFont typeface="+mj-lt"/>
+              <a:buAutoNum type="arabicPeriod"/>
+            </a:pPr>
+            <a:r>
+              <a:rPr lang="en-IN" b="1" i="0" u="none" strike="noStrike" dirty="0">
+                <a:solidFill>
+                  <a:schemeClr val="tx1"/>
+                </a:solidFill>
+                <a:effectLst/>
+              </a:rPr>
+              <a:t>UI/UX Requirements:</a:t>
+            </a:r>
+            <a:endParaRPr lang="en-IN" b="0" i="0" u="none" strike="noStrike" dirty="0">
+              <a:solidFill>
+                <a:schemeClr val="tx1"/>
+              </a:solidFill>
+              <a:effectLst/>
+            </a:endParaRPr>
+          </a:p>
+          <a:p>
+            <a:pPr marL="742950" lvl="1" indent="-285750" algn="l">
+              <a:buFont typeface="+mj-lt"/>
+              <a:buAutoNum type="arabicPeriod"/>
+            </a:pPr>
+            <a:r>
+              <a:rPr lang="en-IN" b="0" i="0" u="none" strike="noStrike" dirty="0">
+                <a:solidFill>
+                  <a:schemeClr val="tx1"/>
+                </a:solidFill>
+                <a:effectLst/>
+              </a:rPr>
+              <a:t>Outline user interface expectations.</a:t>
+            </a:r>
+          </a:p>
+          <a:p>
+            <a:pPr algn="l">
+              <a:buFont typeface="+mj-lt"/>
+              <a:buAutoNum type="arabicPeriod"/>
+            </a:pPr>
+            <a:r>
+              <a:rPr lang="en-IN" b="1" i="0" u="none" strike="noStrike" dirty="0">
+                <a:solidFill>
+                  <a:schemeClr val="tx1"/>
+                </a:solidFill>
+                <a:effectLst/>
+              </a:rPr>
+              <a:t>Testing and Validation:</a:t>
+            </a:r>
+            <a:endParaRPr lang="en-IN" b="0" i="0" u="none" strike="noStrike" dirty="0">
+              <a:solidFill>
+                <a:schemeClr val="tx1"/>
+              </a:solidFill>
+              <a:effectLst/>
+            </a:endParaRPr>
+          </a:p>
+          <a:p>
+            <a:pPr marL="742950" lvl="1" indent="-285750" algn="l">
+              <a:buFont typeface="+mj-lt"/>
+              <a:buAutoNum type="arabicPeriod"/>
+            </a:pPr>
+            <a:r>
+              <a:rPr lang="en-IN" b="0" i="0" u="none" strike="noStrike" dirty="0">
+                <a:solidFill>
+                  <a:schemeClr val="tx1"/>
+                </a:solidFill>
+                <a:effectLst/>
+              </a:rPr>
+              <a:t>Define evaluation methods.</a:t>
+            </a:r>
+          </a:p>
+          <a:p>
+            <a:pPr algn="l">
+              <a:buFont typeface="+mj-lt"/>
+              <a:buAutoNum type="arabicPeriod"/>
+            </a:pPr>
+            <a:r>
+              <a:rPr lang="en-IN" b="1" i="0" u="none" strike="noStrike" dirty="0">
+                <a:solidFill>
+                  <a:schemeClr val="tx1"/>
+                </a:solidFill>
+                <a:effectLst/>
+              </a:rPr>
+              <a:t>Maintenance and Support:</a:t>
+            </a:r>
+            <a:endParaRPr lang="en-IN" b="0" i="0" u="none" strike="noStrike" dirty="0">
+              <a:solidFill>
+                <a:schemeClr val="tx1"/>
+              </a:solidFill>
+              <a:effectLst/>
+            </a:endParaRPr>
+          </a:p>
+          <a:p>
+            <a:pPr marL="742950" lvl="1" indent="-285750" algn="l">
+              <a:buFont typeface="+mj-lt"/>
+              <a:buAutoNum type="arabicPeriod"/>
+            </a:pPr>
+            <a:r>
+              <a:rPr lang="en-IN" b="0" i="0" u="none" strike="noStrike" dirty="0">
+                <a:solidFill>
+                  <a:schemeClr val="tx1"/>
+                </a:solidFill>
+                <a:effectLst/>
+              </a:rPr>
+              <a:t>Plan for post-deployment needs.</a:t>
+            </a:r>
+          </a:p>
+          <a:p>
+            <a:pPr algn="l">
+              <a:buFont typeface="+mj-lt"/>
+              <a:buAutoNum type="arabicPeriod"/>
+            </a:pPr>
+            <a:r>
+              <a:rPr lang="en-IN" b="1" i="0" u="none" strike="noStrike" dirty="0">
+                <a:solidFill>
+                  <a:schemeClr val="tx1"/>
+                </a:solidFill>
+                <a:effectLst/>
+              </a:rPr>
+              <a:t>Documentation and Training:</a:t>
+            </a:r>
+            <a:endParaRPr lang="en-IN" b="0" i="0" u="none" strike="noStrike" dirty="0">
+              <a:solidFill>
+                <a:schemeClr val="tx1"/>
+              </a:solidFill>
+              <a:effectLst/>
+            </a:endParaRPr>
+          </a:p>
+          <a:p>
+            <a:pPr marL="742950" lvl="1" indent="-285750" algn="l">
+              <a:buFont typeface="+mj-lt"/>
+              <a:buAutoNum type="arabicPeriod"/>
+            </a:pPr>
+            <a:r>
+              <a:rPr lang="en-IN" b="0" i="0" u="none" strike="noStrike" dirty="0">
+                <a:solidFill>
+                  <a:schemeClr val="tx1"/>
+                </a:solidFill>
+                <a:effectLst/>
+              </a:rPr>
+              <a:t>Prepare user materials.</a:t>
+            </a:r>
+          </a:p>
+          <a:p>
+            <a:pPr algn="l">
+              <a:buFont typeface="+mj-lt"/>
+              <a:buAutoNum type="arabicPeriod"/>
+            </a:pPr>
+            <a:r>
+              <a:rPr lang="en-IN" b="1" i="0" u="none" strike="noStrike" dirty="0">
+                <a:solidFill>
+                  <a:schemeClr val="tx1"/>
+                </a:solidFill>
+                <a:effectLst/>
+              </a:rPr>
+              <a:t>Cost and Timeline:</a:t>
+            </a:r>
+            <a:endParaRPr lang="en-IN" b="0" i="0" u="none" strike="noStrike" dirty="0">
+              <a:solidFill>
+                <a:schemeClr val="tx1"/>
+              </a:solidFill>
+              <a:effectLst/>
+            </a:endParaRPr>
+          </a:p>
+          <a:p>
+            <a:pPr marL="742950" lvl="1" indent="-285750" algn="l">
+              <a:buFont typeface="+mj-lt"/>
+              <a:buAutoNum type="arabicPeriod"/>
+            </a:pPr>
+            <a:r>
+              <a:rPr lang="en-IN" b="0" i="0" u="none" strike="noStrike" dirty="0">
+                <a:solidFill>
+                  <a:schemeClr val="tx1"/>
+                </a:solidFill>
+                <a:effectLst/>
+              </a:rPr>
+              <a:t>Consider budget and project schedule.</a:t>
+            </a:r>
+          </a:p>
+          <a:p>
+            <a:pPr algn="l">
+              <a:buFont typeface="+mj-lt"/>
+              <a:buAutoNum type="arabicPeriod"/>
+            </a:pPr>
+            <a:r>
+              <a:rPr lang="en-IN" b="1" i="0" u="none" strike="noStrike" dirty="0">
+                <a:solidFill>
+                  <a:schemeClr val="tx1"/>
+                </a:solidFill>
+                <a:effectLst/>
+              </a:rPr>
+              <a:t>Risk Assessment:</a:t>
+            </a:r>
+            <a:endParaRPr lang="en-IN" b="0" i="0" u="none" strike="noStrike" dirty="0">
+              <a:solidFill>
+                <a:schemeClr val="tx1"/>
+              </a:solidFill>
+              <a:effectLst/>
+            </a:endParaRPr>
+          </a:p>
+          <a:p>
+            <a:pPr marL="742950" lvl="1" indent="-285750" algn="l">
+              <a:buFont typeface="+mj-lt"/>
+              <a:buAutoNum type="arabicPeriod"/>
+            </a:pPr>
+            <a:r>
+              <a:rPr lang="en-IN" b="0" i="0" u="none" strike="noStrike" dirty="0">
+                <a:solidFill>
+                  <a:schemeClr val="tx1"/>
+                </a:solidFill>
+                <a:effectLst/>
+              </a:rPr>
+              <a:t>Identify and address potential risks.</a:t>
+            </a:r>
+          </a:p>
+          <a:p>
+            <a:pPr algn="l">
+              <a:buFont typeface="+mj-lt"/>
+              <a:buAutoNum type="arabicPeriod"/>
+            </a:pPr>
+            <a:r>
+              <a:rPr lang="en-IN" b="1" i="0" u="none" strike="noStrike" dirty="0">
+                <a:solidFill>
+                  <a:schemeClr val="tx1"/>
+                </a:solidFill>
+                <a:effectLst/>
+              </a:rPr>
+              <a:t>Review and Validation:</a:t>
+            </a:r>
+            <a:endParaRPr lang="en-IN" b="0" i="0" u="none" strike="noStrike" dirty="0">
+              <a:solidFill>
+                <a:schemeClr val="tx1"/>
+              </a:solidFill>
+              <a:effectLst/>
+            </a:endParaRPr>
+          </a:p>
+          <a:p>
+            <a:pPr marL="742950" lvl="1" indent="-285750" algn="l">
+              <a:buFont typeface="+mj-lt"/>
+              <a:buAutoNum type="arabicPeriod"/>
+            </a:pPr>
+            <a:r>
+              <a:rPr lang="en-IN" b="0" i="0" u="none" strike="noStrike" dirty="0">
+                <a:solidFill>
+                  <a:schemeClr val="tx1"/>
+                </a:solidFill>
+                <a:effectLst/>
+              </a:rPr>
+              <a:t>Regularly confirm alignment with stakeholders.</a:t>
+            </a:r>
+          </a:p>
+          <a:p>
+            <a:endParaRPr lang="en-US" dirty="0"/>
+          </a:p>
+        </p:txBody>
+      </p:sp>
+    </p:spTree>
+    <p:extLst>
+      <p:ext uri="{BB962C8B-B14F-4D97-AF65-F5344CB8AC3E}">
+        <p14:creationId xmlns:p14="http://schemas.microsoft.com/office/powerpoint/2010/main" val="354766995"/>
+      </p:ext>
+    </p:extLst>
+  </p:cSld>
+  <p:clrMapOvr>
+    <a:masterClrMapping/>
+  </p:clrMapOvr>
+</p:sld>
+</file>
+
+<file path=ppt/slides/slide9.xml><?xml version="1.0" encoding="utf-8"?>
+<p:sld xmlns:a="http://schemas.openxmlformats.org/drawingml/2006/main" xmlns:r="http://schemas.openxmlformats.org/officeDocument/2006/relationships" xmlns:p="http://schemas.openxmlformats.org/presentationml/2006/main">
+  <p:cSld>
+    <p:spTree>
+      <p:nvGrpSpPr>
+        <p:cNvPr id="1" name=""/>
+        <p:cNvGrpSpPr/>
+        <p:nvPr/>
+      </p:nvGrpSpPr>
+      <p:grpSpPr>
+        <a:xfrm>
+          <a:off x="0" y="0"/>
+          <a:ext cx="0" cy="0"/>
+          <a:chOff x="0" y="0"/>
+          <a:chExt cx="0" cy="0"/>
+        </a:xfrm>
+      </p:grpSpPr>
+      <p:sp>
+        <p:nvSpPr>
           <p:cNvPr id="2" name="Title 1">
             <a:extLst>
               <a:ext uri="{FF2B5EF4-FFF2-40B4-BE49-F238E27FC236}">
-                <a16:creationId xmlns:a16="http://schemas.microsoft.com/office/drawing/2014/main" id="{14702EC7-957B-3D7B-C591-0AFC4D35B4CF}"/>
+                <a16:creationId xmlns:a16="http://schemas.microsoft.com/office/drawing/2014/main" id="{944F52E6-B7BD-793E-F5D8-54580E132694}"/>
               </a:ext>
             </a:extLst>
           </p:cNvPr>
@@ -5200,152 +6122,527 @@
             <p:ph type="title"/>
           </p:nvPr>
         </p:nvSpPr>
-        <p:spPr>
-          <a:xfrm>
-            <a:off x="1371600" y="685800"/>
-            <a:ext cx="9601200" cy="722586"/>
-          </a:xfrm>
-        </p:spPr>
+        <p:spPr/>
         <p:txBody>
           <a:bodyPr/>
           <a:lstStyle/>
           <a:p>
-            <a:pPr algn="ctr"/>
             <a:r>
               <a:rPr lang="en-US" dirty="0"/>
-              <a:t>Reference</a:t>
-            </a:r>
-          </a:p>
-        </p:txBody>
-      </p:sp>
-      <p:sp>
-        <p:nvSpPr>
-          <p:cNvPr id="3" name="Content Placeholder 2">
+              <a:t>Literature Survey</a:t>
+            </a:r>
+          </a:p>
+        </p:txBody>
+      </p:sp>
+      <p:graphicFrame>
+        <p:nvGraphicFramePr>
+          <p:cNvPr id="4" name="Table 4">
             <a:extLst>
               <a:ext uri="{FF2B5EF4-FFF2-40B4-BE49-F238E27FC236}">
-                <a16:creationId xmlns:a16="http://schemas.microsoft.com/office/drawing/2014/main" id="{F136895F-0CA2-7D8D-B819-BF4EABBFFA60}"/>
+                <a16:creationId xmlns:a16="http://schemas.microsoft.com/office/drawing/2014/main" id="{625E2526-AB7E-152E-1D6A-062274699FBD}"/>
               </a:ext>
             </a:extLst>
           </p:cNvPr>
-          <p:cNvSpPr>
-            <a:spLocks noGrp="1"/>
-          </p:cNvSpPr>
+          <p:cNvGraphicFramePr>
+            <a:graphicFrameLocks noGrp="1"/>
+          </p:cNvGraphicFramePr>
           <p:nvPr>
             <p:ph idx="1"/>
-          </p:nvPr>
-        </p:nvSpPr>
-        <p:spPr>
-          <a:xfrm>
-            <a:off x="1371600" y="1638299"/>
-            <a:ext cx="9601200" cy="3932183"/>
-          </a:xfrm>
-        </p:spPr>
-        <p:txBody>
-          <a:bodyPr/>
-          <a:lstStyle/>
-          <a:p>
-            <a:pPr>
-              <a:buFont typeface="Wingdings" pitchFamily="2" charset="2"/>
-              <a:buChar char="§"/>
-            </a:pPr>
-            <a:r>
-              <a:rPr lang="en-US" dirty="0"/>
-              <a:t>Dataset Kaggle (</a:t>
-            </a:r>
-            <a:r>
-              <a:rPr lang="en-US" dirty="0">
-                <a:hlinkClick r:id="rId2"/>
-              </a:rPr>
-              <a:t>LINK</a:t>
-            </a:r>
-            <a:r>
-              <a:rPr lang="en-US" dirty="0"/>
-              <a:t>)</a:t>
-            </a:r>
-          </a:p>
-          <a:p>
-            <a:pPr>
-              <a:buFont typeface="Wingdings" pitchFamily="2" charset="2"/>
-              <a:buChar char="§"/>
-            </a:pPr>
-            <a:r>
-              <a:rPr lang="en-US" dirty="0"/>
-              <a:t>Crash Statistics Wikipedia (</a:t>
-            </a:r>
-            <a:r>
-              <a:rPr lang="en-US" dirty="0">
-                <a:hlinkClick r:id="rId3"/>
-              </a:rPr>
-              <a:t>LINK</a:t>
-            </a:r>
-            <a:r>
-              <a:rPr lang="en-US" dirty="0"/>
-              <a:t>)</a:t>
-            </a:r>
-          </a:p>
-          <a:p>
-            <a:pPr>
-              <a:buFont typeface="Wingdings" pitchFamily="2" charset="2"/>
-              <a:buChar char="§"/>
-            </a:pPr>
-            <a:r>
-              <a:rPr lang="en-US" dirty="0"/>
-              <a:t>Research Papers (</a:t>
-            </a:r>
-            <a:r>
-              <a:rPr lang="en-US" dirty="0">
-                <a:hlinkClick r:id="rId4"/>
-              </a:rPr>
-              <a:t>LINK</a:t>
-            </a:r>
-            <a:r>
-              <a:rPr lang="en-US" dirty="0"/>
-              <a:t> </a:t>
-            </a:r>
-            <a:r>
-              <a:rPr lang="en-US" dirty="0">
-                <a:hlinkClick r:id="rId5"/>
-              </a:rPr>
-              <a:t>LINK</a:t>
-            </a:r>
-            <a:r>
-              <a:rPr lang="en-US" dirty="0"/>
-              <a:t>)</a:t>
-            </a:r>
-          </a:p>
-          <a:p>
-            <a:pPr>
-              <a:buFont typeface="Wingdings" pitchFamily="2" charset="2"/>
-              <a:buChar char="§"/>
-            </a:pPr>
-            <a:r>
-              <a:rPr lang="en-US" dirty="0"/>
-              <a:t>Algorithms (</a:t>
-            </a:r>
-            <a:r>
-              <a:rPr lang="en-US" dirty="0">
-                <a:hlinkClick r:id="rId6"/>
-              </a:rPr>
-              <a:t>LINK</a:t>
-            </a:r>
-            <a:r>
-              <a:rPr lang="en-US" dirty="0"/>
-              <a:t>)</a:t>
-            </a:r>
-          </a:p>
-          <a:p>
-            <a:pPr>
-              <a:buFont typeface="Wingdings" pitchFamily="2" charset="2"/>
-              <a:buChar char="§"/>
-            </a:pPr>
-            <a:endParaRPr lang="en-US" dirty="0"/>
-          </a:p>
-        </p:txBody>
-      </p:sp>
+            <p:extLst>
+              <p:ext uri="{D42A27DB-BD31-4B8C-83A1-F6EECF244321}">
+                <p14:modId xmlns:p14="http://schemas.microsoft.com/office/powerpoint/2010/main" val="813628455"/>
+              </p:ext>
+            </p:extLst>
+          </p:nvPr>
+        </p:nvGraphicFramePr>
+        <p:xfrm>
+          <a:off x="1371600" y="2286000"/>
+          <a:ext cx="9601197" cy="4876800"/>
+        </p:xfrm>
+        <a:graphic>
+          <a:graphicData uri="http://schemas.openxmlformats.org/drawingml/2006/table">
+            <a:tbl>
+              <a:tblPr firstRow="1" bandRow="1">
+                <a:tableStyleId>{5C22544A-7EE6-4342-B048-85BDC9FD1C3A}</a:tableStyleId>
+              </a:tblPr>
+              <a:tblGrid>
+                <a:gridCol w="2085975">
+                  <a:extLst>
+                    <a:ext uri="{9D8B030D-6E8A-4147-A177-3AD203B41FA5}">
+                      <a16:colId xmlns:a16="http://schemas.microsoft.com/office/drawing/2014/main" val="2380705442"/>
+                    </a:ext>
+                  </a:extLst>
+                </a:gridCol>
+                <a:gridCol w="3257550">
+                  <a:extLst>
+                    <a:ext uri="{9D8B030D-6E8A-4147-A177-3AD203B41FA5}">
+                      <a16:colId xmlns:a16="http://schemas.microsoft.com/office/drawing/2014/main" val="2204251285"/>
+                    </a:ext>
+                  </a:extLst>
+                </a:gridCol>
+                <a:gridCol w="4257672">
+                  <a:extLst>
+                    <a:ext uri="{9D8B030D-6E8A-4147-A177-3AD203B41FA5}">
+                      <a16:colId xmlns:a16="http://schemas.microsoft.com/office/drawing/2014/main" val="1299214240"/>
+                    </a:ext>
+                  </a:extLst>
+                </a:gridCol>
+              </a:tblGrid>
+              <a:tr h="370840">
+                <a:tc>
+                  <a:txBody>
+                    <a:bodyPr/>
+                    <a:lstStyle/>
+                    <a:p>
+                      <a:r>
+                        <a:rPr lang="en-US" dirty="0"/>
+                        <a:t>Year of Publishing </a:t>
+                      </a:r>
+                    </a:p>
+                  </a:txBody>
+                  <a:tcPr/>
+                </a:tc>
+                <a:tc>
+                  <a:txBody>
+                    <a:bodyPr/>
+                    <a:lstStyle/>
+                    <a:p>
+                      <a:r>
+                        <a:rPr lang="en-US" dirty="0"/>
+                        <a:t>Topic and Algorithm</a:t>
+                      </a:r>
+                    </a:p>
+                  </a:txBody>
+                  <a:tcPr/>
+                </a:tc>
+                <a:tc>
+                  <a:txBody>
+                    <a:bodyPr/>
+                    <a:lstStyle/>
+                    <a:p>
+                      <a:r>
+                        <a:rPr lang="en-US" dirty="0"/>
+                        <a:t>Limitations</a:t>
+                      </a:r>
+                    </a:p>
+                  </a:txBody>
+                  <a:tcPr/>
+                </a:tc>
+                <a:extLst>
+                  <a:ext uri="{0D108BD9-81ED-4DB2-BD59-A6C34878D82A}">
+                    <a16:rowId xmlns:a16="http://schemas.microsoft.com/office/drawing/2014/main" val="2976646288"/>
+                  </a:ext>
+                </a:extLst>
+              </a:tr>
+              <a:tr h="370840">
+                <a:tc>
+                  <a:txBody>
+                    <a:bodyPr/>
+                    <a:lstStyle/>
+                    <a:p>
+                      <a:r>
+                        <a:rPr lang="en-US" dirty="0"/>
+                        <a:t>2020</a:t>
+                      </a:r>
+                    </a:p>
+                  </a:txBody>
+                  <a:tcPr/>
+                </a:tc>
+                <a:tc>
+                  <a:txBody>
+                    <a:bodyPr/>
+                    <a:lstStyle/>
+                    <a:p>
+                      <a:pPr marL="0" marR="0" lvl="0" indent="0" algn="l" defTabSz="914400" rtl="0" eaLnBrk="1" fontAlgn="auto" latinLnBrk="0" hangingPunct="1">
+                        <a:lnSpc>
+                          <a:spcPct val="100000"/>
+                        </a:lnSpc>
+                        <a:spcBef>
+                          <a:spcPts val="0"/>
+                        </a:spcBef>
+                        <a:spcAft>
+                          <a:spcPts val="0"/>
+                        </a:spcAft>
+                        <a:buClrTx/>
+                        <a:buSzTx/>
+                        <a:buFontTx/>
+                        <a:buNone/>
+                        <a:tabLst/>
+                        <a:defRPr/>
+                      </a:pPr>
+                      <a:r>
+                        <a:rPr lang="en-IN" sz="1800" b="1" i="0" u="none" strike="noStrike" kern="1200" dirty="0">
+                          <a:solidFill>
+                            <a:schemeClr val="dk1"/>
+                          </a:solidFill>
+                          <a:effectLst/>
+                          <a:latin typeface="+mn-lt"/>
+                          <a:ea typeface="+mn-ea"/>
+                          <a:cs typeface="+mn-cs"/>
+                        </a:rPr>
+                        <a:t>Mixed Vertical-and-Horizontal-Text Traffic Sign Detection and Recognition for Street-Level Scene</a:t>
+                      </a:r>
+                    </a:p>
+                  </a:txBody>
+                  <a:tcPr/>
+                </a:tc>
+                <a:tc>
+                  <a:txBody>
+                    <a:bodyPr/>
+                    <a:lstStyle/>
+                    <a:p>
+                      <a:pPr marL="285750" marR="0" lvl="0" indent="-285750" algn="l" defTabSz="914400" rtl="0" eaLnBrk="1" fontAlgn="auto" latinLnBrk="0" hangingPunct="1">
+                        <a:lnSpc>
+                          <a:spcPct val="100000"/>
+                        </a:lnSpc>
+                        <a:spcBef>
+                          <a:spcPts val="0"/>
+                        </a:spcBef>
+                        <a:spcAft>
+                          <a:spcPts val="0"/>
+                        </a:spcAft>
+                        <a:buClrTx/>
+                        <a:buSzTx/>
+                        <a:buFont typeface="Arial" panose="020B0604020202020204" pitchFamily="34" charset="0"/>
+                        <a:buChar char="•"/>
+                        <a:tabLst/>
+                        <a:defRPr/>
+                      </a:pPr>
+                      <a:r>
+                        <a:rPr lang="en-IN" sz="1800" kern="1200" dirty="0">
+                          <a:solidFill>
+                            <a:schemeClr val="dk1"/>
+                          </a:solidFill>
+                          <a:effectLst/>
+                          <a:latin typeface="+mn-lt"/>
+                          <a:ea typeface="+mn-ea"/>
+                          <a:cs typeface="+mn-cs"/>
+                        </a:rPr>
+                        <a:t>The Chinese characters on text-based traffic signs are always in the form of a text line.</a:t>
+                      </a:r>
+                    </a:p>
+                    <a:p>
+                      <a:pPr marL="285750" marR="0" lvl="0" indent="-285750" algn="l" defTabSz="914400" rtl="0" eaLnBrk="1" fontAlgn="auto" latinLnBrk="0" hangingPunct="1">
+                        <a:lnSpc>
+                          <a:spcPct val="100000"/>
+                        </a:lnSpc>
+                        <a:spcBef>
+                          <a:spcPts val="0"/>
+                        </a:spcBef>
+                        <a:spcAft>
+                          <a:spcPts val="0"/>
+                        </a:spcAft>
+                        <a:buClrTx/>
+                        <a:buSzTx/>
+                        <a:buFont typeface="Arial" panose="020B0604020202020204" pitchFamily="34" charset="0"/>
+                        <a:buChar char="•"/>
+                        <a:tabLst/>
+                        <a:defRPr/>
+                      </a:pPr>
+                      <a:r>
+                        <a:rPr lang="en-IN" sz="1800" kern="1200" dirty="0">
+                          <a:solidFill>
+                            <a:schemeClr val="dk1"/>
+                          </a:solidFill>
+                          <a:effectLst/>
+                          <a:latin typeface="+mn-lt"/>
+                          <a:ea typeface="+mn-ea"/>
+                          <a:cs typeface="+mn-cs"/>
+                        </a:rPr>
+                        <a:t>There are both horizontal and vertical text lines.</a:t>
+                      </a:r>
+                      <a:endParaRPr lang="en-IN" dirty="0"/>
+                    </a:p>
+                    <a:p>
+                      <a:pPr marL="0" marR="0" lvl="0" indent="0" algn="l" defTabSz="914400" rtl="0" eaLnBrk="1" fontAlgn="auto" latinLnBrk="0" hangingPunct="1">
+                        <a:lnSpc>
+                          <a:spcPct val="100000"/>
+                        </a:lnSpc>
+                        <a:spcBef>
+                          <a:spcPts val="0"/>
+                        </a:spcBef>
+                        <a:spcAft>
+                          <a:spcPts val="0"/>
+                        </a:spcAft>
+                        <a:buClrTx/>
+                        <a:buSzTx/>
+                        <a:buFontTx/>
+                        <a:buNone/>
+                        <a:tabLst/>
+                        <a:defRPr/>
+                      </a:pPr>
+                      <a:endParaRPr lang="en-IN" dirty="0"/>
+                    </a:p>
+                  </a:txBody>
+                  <a:tcPr/>
+                </a:tc>
+                <a:extLst>
+                  <a:ext uri="{0D108BD9-81ED-4DB2-BD59-A6C34878D82A}">
+                    <a16:rowId xmlns:a16="http://schemas.microsoft.com/office/drawing/2014/main" val="1150630108"/>
+                  </a:ext>
+                </a:extLst>
+              </a:tr>
+              <a:tr h="370840">
+                <a:tc>
+                  <a:txBody>
+                    <a:bodyPr/>
+                    <a:lstStyle/>
+                    <a:p>
+                      <a:r>
+                        <a:rPr lang="en-US" dirty="0"/>
+                        <a:t>2023</a:t>
+                      </a:r>
+                    </a:p>
+                  </a:txBody>
+                  <a:tcPr/>
+                </a:tc>
+                <a:tc>
+                  <a:txBody>
+                    <a:bodyPr/>
+                    <a:lstStyle/>
+                    <a:p>
+                      <a:pPr marL="0" marR="0" lvl="0" indent="0" algn="l" defTabSz="914400" rtl="0" eaLnBrk="1" fontAlgn="auto" latinLnBrk="0" hangingPunct="1">
+                        <a:lnSpc>
+                          <a:spcPct val="100000"/>
+                        </a:lnSpc>
+                        <a:spcBef>
+                          <a:spcPts val="0"/>
+                        </a:spcBef>
+                        <a:spcAft>
+                          <a:spcPts val="0"/>
+                        </a:spcAft>
+                        <a:buClrTx/>
+                        <a:buSzTx/>
+                        <a:buFontTx/>
+                        <a:buNone/>
+                        <a:tabLst/>
+                        <a:defRPr/>
+                      </a:pPr>
+                      <a:r>
+                        <a:rPr lang="en-IN" sz="1800" b="1" i="0" u="none" strike="noStrike" kern="1200" dirty="0">
+                          <a:solidFill>
+                            <a:schemeClr val="dk1"/>
+                          </a:solidFill>
+                          <a:effectLst/>
+                          <a:latin typeface="+mn-lt"/>
+                          <a:ea typeface="+mn-ea"/>
+                          <a:cs typeface="+mn-cs"/>
+                        </a:rPr>
+                        <a:t>A Traffic Sign Recognition Method Under Complex Illumination Conditions</a:t>
+                      </a:r>
+                    </a:p>
+                  </a:txBody>
+                  <a:tcPr/>
+                </a:tc>
+                <a:tc>
+                  <a:txBody>
+                    <a:bodyPr/>
+                    <a:lstStyle/>
+                    <a:p>
+                      <a:endParaRPr lang="en-US" dirty="0"/>
+                    </a:p>
+                  </a:txBody>
+                  <a:tcPr/>
+                </a:tc>
+                <a:extLst>
+                  <a:ext uri="{0D108BD9-81ED-4DB2-BD59-A6C34878D82A}">
+                    <a16:rowId xmlns:a16="http://schemas.microsoft.com/office/drawing/2014/main" val="1008544802"/>
+                  </a:ext>
+                </a:extLst>
+              </a:tr>
+              <a:tr h="370840">
+                <a:tc>
+                  <a:txBody>
+                    <a:bodyPr/>
+                    <a:lstStyle/>
+                    <a:p>
+                      <a:endParaRPr lang="en-US"/>
+                    </a:p>
+                  </a:txBody>
+                  <a:tcPr/>
+                </a:tc>
+                <a:tc>
+                  <a:txBody>
+                    <a:bodyPr/>
+                    <a:lstStyle/>
+                    <a:p>
+                      <a:endParaRPr lang="en-US"/>
+                    </a:p>
+                  </a:txBody>
+                  <a:tcPr/>
+                </a:tc>
+                <a:tc>
+                  <a:txBody>
+                    <a:bodyPr/>
+                    <a:lstStyle/>
+                    <a:p>
+                      <a:endParaRPr lang="en-US"/>
+                    </a:p>
+                  </a:txBody>
+                  <a:tcPr/>
+                </a:tc>
+                <a:extLst>
+                  <a:ext uri="{0D108BD9-81ED-4DB2-BD59-A6C34878D82A}">
+                    <a16:rowId xmlns:a16="http://schemas.microsoft.com/office/drawing/2014/main" val="2911132657"/>
+                  </a:ext>
+                </a:extLst>
+              </a:tr>
+              <a:tr h="370840">
+                <a:tc>
+                  <a:txBody>
+                    <a:bodyPr/>
+                    <a:lstStyle/>
+                    <a:p>
+                      <a:endParaRPr lang="en-US"/>
+                    </a:p>
+                  </a:txBody>
+                  <a:tcPr/>
+                </a:tc>
+                <a:tc>
+                  <a:txBody>
+                    <a:bodyPr/>
+                    <a:lstStyle/>
+                    <a:p>
+                      <a:endParaRPr lang="en-US"/>
+                    </a:p>
+                  </a:txBody>
+                  <a:tcPr/>
+                </a:tc>
+                <a:tc>
+                  <a:txBody>
+                    <a:bodyPr/>
+                    <a:lstStyle/>
+                    <a:p>
+                      <a:endParaRPr lang="en-US"/>
+                    </a:p>
+                  </a:txBody>
+                  <a:tcPr/>
+                </a:tc>
+                <a:extLst>
+                  <a:ext uri="{0D108BD9-81ED-4DB2-BD59-A6C34878D82A}">
+                    <a16:rowId xmlns:a16="http://schemas.microsoft.com/office/drawing/2014/main" val="2298497524"/>
+                  </a:ext>
+                </a:extLst>
+              </a:tr>
+              <a:tr h="370840">
+                <a:tc>
+                  <a:txBody>
+                    <a:bodyPr/>
+                    <a:lstStyle/>
+                    <a:p>
+                      <a:endParaRPr lang="en-US"/>
+                    </a:p>
+                  </a:txBody>
+                  <a:tcPr/>
+                </a:tc>
+                <a:tc>
+                  <a:txBody>
+                    <a:bodyPr/>
+                    <a:lstStyle/>
+                    <a:p>
+                      <a:endParaRPr lang="en-US"/>
+                    </a:p>
+                  </a:txBody>
+                  <a:tcPr/>
+                </a:tc>
+                <a:tc>
+                  <a:txBody>
+                    <a:bodyPr/>
+                    <a:lstStyle/>
+                    <a:p>
+                      <a:endParaRPr lang="en-US"/>
+                    </a:p>
+                  </a:txBody>
+                  <a:tcPr/>
+                </a:tc>
+                <a:extLst>
+                  <a:ext uri="{0D108BD9-81ED-4DB2-BD59-A6C34878D82A}">
+                    <a16:rowId xmlns:a16="http://schemas.microsoft.com/office/drawing/2014/main" val="3292674368"/>
+                  </a:ext>
+                </a:extLst>
+              </a:tr>
+              <a:tr h="370840">
+                <a:tc>
+                  <a:txBody>
+                    <a:bodyPr/>
+                    <a:lstStyle/>
+                    <a:p>
+                      <a:endParaRPr lang="en-US"/>
+                    </a:p>
+                  </a:txBody>
+                  <a:tcPr/>
+                </a:tc>
+                <a:tc>
+                  <a:txBody>
+                    <a:bodyPr/>
+                    <a:lstStyle/>
+                    <a:p>
+                      <a:endParaRPr lang="en-US"/>
+                    </a:p>
+                  </a:txBody>
+                  <a:tcPr/>
+                </a:tc>
+                <a:tc>
+                  <a:txBody>
+                    <a:bodyPr/>
+                    <a:lstStyle/>
+                    <a:p>
+                      <a:endParaRPr lang="en-US"/>
+                    </a:p>
+                  </a:txBody>
+                  <a:tcPr/>
+                </a:tc>
+                <a:extLst>
+                  <a:ext uri="{0D108BD9-81ED-4DB2-BD59-A6C34878D82A}">
+                    <a16:rowId xmlns:a16="http://schemas.microsoft.com/office/drawing/2014/main" val="3398123463"/>
+                  </a:ext>
+                </a:extLst>
+              </a:tr>
+              <a:tr h="370840">
+                <a:tc>
+                  <a:txBody>
+                    <a:bodyPr/>
+                    <a:lstStyle/>
+                    <a:p>
+                      <a:endParaRPr lang="en-US"/>
+                    </a:p>
+                  </a:txBody>
+                  <a:tcPr/>
+                </a:tc>
+                <a:tc>
+                  <a:txBody>
+                    <a:bodyPr/>
+                    <a:lstStyle/>
+                    <a:p>
+                      <a:endParaRPr lang="en-US"/>
+                    </a:p>
+                  </a:txBody>
+                  <a:tcPr/>
+                </a:tc>
+                <a:tc>
+                  <a:txBody>
+                    <a:bodyPr/>
+                    <a:lstStyle/>
+                    <a:p>
+                      <a:endParaRPr lang="en-US" dirty="0"/>
+                    </a:p>
+                  </a:txBody>
+                  <a:tcPr/>
+                </a:tc>
+                <a:extLst>
+                  <a:ext uri="{0D108BD9-81ED-4DB2-BD59-A6C34878D82A}">
+                    <a16:rowId xmlns:a16="http://schemas.microsoft.com/office/drawing/2014/main" val="277943573"/>
+                  </a:ext>
+                </a:extLst>
+              </a:tr>
+            </a:tbl>
+          </a:graphicData>
+        </a:graphic>
+      </p:graphicFrame>
     </p:spTree>
     <p:extLst>
       <p:ext uri="{BB962C8B-B14F-4D97-AF65-F5344CB8AC3E}">
-        <p14:creationId xmlns:p14="http://schemas.microsoft.com/office/powerpoint/2010/main" val="1081541707"/>
+        <p14:creationId xmlns:p14="http://schemas.microsoft.com/office/powerpoint/2010/main" val="773303114"/>
       </p:ext>
     </p:extLst>
   </p:cSld>

--- a/Zeroth Review 2.pptx
+++ b/Zeroth Review 2.pptx
@@ -13,9 +13,11 @@
     <p:sldId id="261" r:id="rId7"/>
     <p:sldId id="264" r:id="rId8"/>
     <p:sldId id="265" r:id="rId9"/>
-    <p:sldId id="266" r:id="rId10"/>
-    <p:sldId id="262" r:id="rId11"/>
-    <p:sldId id="263" r:id="rId12"/>
+    <p:sldId id="267" r:id="rId10"/>
+    <p:sldId id="266" r:id="rId11"/>
+    <p:sldId id="268" r:id="rId12"/>
+    <p:sldId id="262" r:id="rId13"/>
+    <p:sldId id="263" r:id="rId14"/>
   </p:sldIdLst>
   <p:sldSz cx="12192000" cy="6858000"/>
   <p:notesSz cx="6858000" cy="9144000"/>
@@ -292,7 +294,7 @@
             <a:fld id="{87DE6118-2437-4B30-8E3C-4D2BE6020583}" type="datetimeFigureOut">
               <a:rPr lang="en-US" dirty="0"/>
               <a:pPr/>
-              <a:t>9/9/23</a:t>
+              <a:t>9/11/23</a:t>
             </a:fld>
             <a:endParaRPr lang="en-US" dirty="0"/>
           </a:p>
@@ -618,7 +620,7 @@
           <a:p>
             <a:fld id="{87DE6118-2437-4B30-8E3C-4D2BE6020583}" type="datetimeFigureOut">
               <a:rPr lang="en-US" dirty="0"/>
-              <a:t>9/9/23</a:t>
+              <a:t>9/11/23</a:t>
             </a:fld>
             <a:endParaRPr lang="en-US" dirty="0"/>
           </a:p>
@@ -793,7 +795,7 @@
           <a:p>
             <a:fld id="{87DE6118-2437-4B30-8E3C-4D2BE6020583}" type="datetimeFigureOut">
               <a:rPr lang="en-US" dirty="0"/>
-              <a:t>9/9/23</a:t>
+              <a:t>9/11/23</a:t>
             </a:fld>
             <a:endParaRPr lang="en-US" dirty="0"/>
           </a:p>
@@ -958,7 +960,7 @@
           <a:p>
             <a:fld id="{87DE6118-2437-4B30-8E3C-4D2BE6020583}" type="datetimeFigureOut">
               <a:rPr lang="en-US" dirty="0"/>
-              <a:t>9/9/23</a:t>
+              <a:t>9/11/23</a:t>
             </a:fld>
             <a:endParaRPr lang="en-US" dirty="0"/>
           </a:p>
@@ -1231,7 +1233,7 @@
             <a:fld id="{87DE6118-2437-4B30-8E3C-4D2BE6020583}" type="datetimeFigureOut">
               <a:rPr lang="en-US" dirty="0"/>
               <a:pPr/>
-              <a:t>9/9/23</a:t>
+              <a:t>9/11/23</a:t>
             </a:fld>
             <a:endParaRPr lang="en-US" dirty="0"/>
           </a:p>
@@ -1621,7 +1623,7 @@
           <a:p>
             <a:fld id="{87DE6118-2437-4B30-8E3C-4D2BE6020583}" type="datetimeFigureOut">
               <a:rPr lang="en-US" dirty="0"/>
-              <a:t>9/9/23</a:t>
+              <a:t>9/11/23</a:t>
             </a:fld>
             <a:endParaRPr lang="en-US" dirty="0"/>
           </a:p>
@@ -2093,7 +2095,7 @@
           <a:p>
             <a:fld id="{87DE6118-2437-4B30-8E3C-4D2BE6020583}" type="datetimeFigureOut">
               <a:rPr lang="en-US" dirty="0"/>
-              <a:t>9/9/23</a:t>
+              <a:t>9/11/23</a:t>
             </a:fld>
             <a:endParaRPr lang="en-US" dirty="0"/>
           </a:p>
@@ -2206,7 +2208,7 @@
           <a:p>
             <a:fld id="{87DE6118-2437-4B30-8E3C-4D2BE6020583}" type="datetimeFigureOut">
               <a:rPr lang="en-US" dirty="0"/>
-              <a:t>9/9/23</a:t>
+              <a:t>9/11/23</a:t>
             </a:fld>
             <a:endParaRPr lang="en-US" dirty="0"/>
           </a:p>
@@ -2296,7 +2298,7 @@
           <a:p>
             <a:fld id="{87DE6118-2437-4B30-8E3C-4D2BE6020583}" type="datetimeFigureOut">
               <a:rPr lang="en-US" dirty="0"/>
-              <a:t>9/9/23</a:t>
+              <a:t>9/11/23</a:t>
             </a:fld>
             <a:endParaRPr lang="en-US" dirty="0"/>
           </a:p>
@@ -2638,7 +2640,7 @@
             <a:fld id="{87DE6118-2437-4B30-8E3C-4D2BE6020583}" type="datetimeFigureOut">
               <a:rPr lang="en-US" dirty="0"/>
               <a:pPr/>
-              <a:t>9/9/23</a:t>
+              <a:t>9/11/23</a:t>
             </a:fld>
             <a:endParaRPr lang="en-US" dirty="0"/>
           </a:p>
@@ -3023,7 +3025,7 @@
             <a:fld id="{87DE6118-2437-4B30-8E3C-4D2BE6020583}" type="datetimeFigureOut">
               <a:rPr lang="en-US" dirty="0"/>
               <a:pPr/>
-              <a:t>9/9/23</a:t>
+              <a:t>9/11/23</a:t>
             </a:fld>
             <a:endParaRPr lang="en-US" dirty="0"/>
           </a:p>
@@ -3298,7 +3300,7 @@
             <a:fld id="{87DE6118-2437-4B30-8E3C-4D2BE6020583}" type="datetimeFigureOut">
               <a:rPr lang="en-US" dirty="0"/>
               <a:pPr/>
-              <a:t>9/9/23</a:t>
+              <a:t>9/11/23</a:t>
             </a:fld>
             <a:endParaRPr lang="en-US" dirty="0"/>
           </a:p>
@@ -3904,2213 +3906,6 @@
           <p:cNvPr id="2" name="Title 1">
             <a:extLst>
               <a:ext uri="{FF2B5EF4-FFF2-40B4-BE49-F238E27FC236}">
-                <a16:creationId xmlns:a16="http://schemas.microsoft.com/office/drawing/2014/main" id="{C64D622F-0F18-3313-B19D-A3C712DBC0CC}"/>
-              </a:ext>
-            </a:extLst>
-          </p:cNvPr>
-          <p:cNvSpPr>
-            <a:spLocks noGrp="1"/>
-          </p:cNvSpPr>
-          <p:nvPr>
-            <p:ph type="title"/>
-          </p:nvPr>
-        </p:nvSpPr>
-        <p:spPr/>
-        <p:txBody>
-          <a:bodyPr/>
-          <a:lstStyle/>
-          <a:p>
-            <a:pPr algn="ctr"/>
-            <a:r>
-              <a:rPr lang="en-US" dirty="0"/>
-              <a:t>Scope</a:t>
-            </a:r>
-          </a:p>
-        </p:txBody>
-      </p:sp>
-      <p:sp>
-        <p:nvSpPr>
-          <p:cNvPr id="3" name="Content Placeholder 2">
-            <a:extLst>
-              <a:ext uri="{FF2B5EF4-FFF2-40B4-BE49-F238E27FC236}">
-                <a16:creationId xmlns:a16="http://schemas.microsoft.com/office/drawing/2014/main" id="{25CF0D0A-4A45-4C97-47C6-87F20BF2B66C}"/>
-              </a:ext>
-            </a:extLst>
-          </p:cNvPr>
-          <p:cNvSpPr>
-            <a:spLocks noGrp="1"/>
-          </p:cNvSpPr>
-          <p:nvPr>
-            <p:ph idx="1"/>
-          </p:nvPr>
-        </p:nvSpPr>
-        <p:spPr>
-          <a:xfrm>
-            <a:off x="1295400" y="1680340"/>
-            <a:ext cx="9601200" cy="3581400"/>
-          </a:xfrm>
-        </p:spPr>
-        <p:txBody>
-          <a:bodyPr/>
-          <a:lstStyle/>
-          <a:p>
-            <a:pPr algn="just">
-              <a:buFont typeface="Wingdings" pitchFamily="2" charset="2"/>
-              <a:buChar char="§"/>
-            </a:pPr>
-            <a:r>
-              <a:rPr lang="en-IN" dirty="0"/>
-              <a:t>The project's scope involves creating an </a:t>
-            </a:r>
-            <a:r>
-              <a:rPr lang="en-IN" b="1" i="1" dirty="0"/>
-              <a:t>accurate traffic sign detection system </a:t>
-            </a:r>
-          </a:p>
-          <a:p>
-            <a:pPr algn="just">
-              <a:buFont typeface="Wingdings" pitchFamily="2" charset="2"/>
-              <a:buChar char="§"/>
-            </a:pPr>
-            <a:r>
-              <a:rPr lang="en-IN" dirty="0"/>
-              <a:t>We are using advanced </a:t>
-            </a:r>
-            <a:r>
-              <a:rPr lang="en-IN" b="1" i="1" dirty="0"/>
-              <a:t>computer vision </a:t>
-            </a:r>
-            <a:r>
-              <a:rPr lang="en-IN" dirty="0"/>
-              <a:t>and </a:t>
-            </a:r>
-            <a:r>
-              <a:rPr lang="en-IN" b="1" i="1" dirty="0"/>
-              <a:t>deep learning techniques</a:t>
-            </a:r>
-            <a:r>
-              <a:rPr lang="en-IN" dirty="0"/>
-              <a:t>. </a:t>
-            </a:r>
-          </a:p>
-          <a:p>
-            <a:pPr algn="just">
-              <a:buFont typeface="Wingdings" pitchFamily="2" charset="2"/>
-              <a:buChar char="§"/>
-            </a:pPr>
-            <a:r>
-              <a:rPr lang="en-IN" dirty="0"/>
-              <a:t>This includes data collection, algorithm development, model training, and real-time processing. </a:t>
-            </a:r>
-          </a:p>
-          <a:p>
-            <a:pPr algn="just">
-              <a:buFont typeface="Wingdings" pitchFamily="2" charset="2"/>
-              <a:buChar char="§"/>
-            </a:pPr>
-            <a:r>
-              <a:rPr lang="en-IN" dirty="0"/>
-              <a:t>The system will accurately locate and classify different types of traffic signs, addressing challenges like varying conditions. </a:t>
-            </a:r>
-          </a:p>
-          <a:p>
-            <a:pPr algn="just">
-              <a:buFont typeface="Wingdings" pitchFamily="2" charset="2"/>
-              <a:buChar char="§"/>
-            </a:pPr>
-            <a:r>
-              <a:rPr lang="en-IN" dirty="0"/>
-              <a:t>It aims to enhance road safety and traffic management, with potential for future expansion and integration into various applications.</a:t>
-            </a:r>
-            <a:endParaRPr lang="en-US" dirty="0"/>
-          </a:p>
-        </p:txBody>
-      </p:sp>
-    </p:spTree>
-    <p:extLst>
-      <p:ext uri="{BB962C8B-B14F-4D97-AF65-F5344CB8AC3E}">
-        <p14:creationId xmlns:p14="http://schemas.microsoft.com/office/powerpoint/2010/main" val="2493971527"/>
-      </p:ext>
-    </p:extLst>
-  </p:cSld>
-  <p:clrMapOvr>
-    <a:masterClrMapping/>
-  </p:clrMapOvr>
-</p:sld>
-</file>
-
-<file path=ppt/slides/slide11.xml><?xml version="1.0" encoding="utf-8"?>
-<p:sld xmlns:a="http://schemas.openxmlformats.org/drawingml/2006/main" xmlns:r="http://schemas.openxmlformats.org/officeDocument/2006/relationships" xmlns:p="http://schemas.openxmlformats.org/presentationml/2006/main">
-  <p:cSld>
-    <p:spTree>
-      <p:nvGrpSpPr>
-        <p:cNvPr id="1" name=""/>
-        <p:cNvGrpSpPr/>
-        <p:nvPr/>
-      </p:nvGrpSpPr>
-      <p:grpSpPr>
-        <a:xfrm>
-          <a:off x="0" y="0"/>
-          <a:ext cx="0" cy="0"/>
-          <a:chOff x="0" y="0"/>
-          <a:chExt cx="0" cy="0"/>
-        </a:xfrm>
-      </p:grpSpPr>
-      <p:sp>
-        <p:nvSpPr>
-          <p:cNvPr id="2" name="Title 1">
-            <a:extLst>
-              <a:ext uri="{FF2B5EF4-FFF2-40B4-BE49-F238E27FC236}">
-                <a16:creationId xmlns:a16="http://schemas.microsoft.com/office/drawing/2014/main" id="{14702EC7-957B-3D7B-C591-0AFC4D35B4CF}"/>
-              </a:ext>
-            </a:extLst>
-          </p:cNvPr>
-          <p:cNvSpPr>
-            <a:spLocks noGrp="1"/>
-          </p:cNvSpPr>
-          <p:nvPr>
-            <p:ph type="title"/>
-          </p:nvPr>
-        </p:nvSpPr>
-        <p:spPr>
-          <a:xfrm>
-            <a:off x="1371600" y="685800"/>
-            <a:ext cx="9601200" cy="722586"/>
-          </a:xfrm>
-        </p:spPr>
-        <p:txBody>
-          <a:bodyPr/>
-          <a:lstStyle/>
-          <a:p>
-            <a:pPr algn="ctr"/>
-            <a:r>
-              <a:rPr lang="en-US" dirty="0"/>
-              <a:t>Reference</a:t>
-            </a:r>
-          </a:p>
-        </p:txBody>
-      </p:sp>
-      <p:sp>
-        <p:nvSpPr>
-          <p:cNvPr id="3" name="Content Placeholder 2">
-            <a:extLst>
-              <a:ext uri="{FF2B5EF4-FFF2-40B4-BE49-F238E27FC236}">
-                <a16:creationId xmlns:a16="http://schemas.microsoft.com/office/drawing/2014/main" id="{F136895F-0CA2-7D8D-B819-BF4EABBFFA60}"/>
-              </a:ext>
-            </a:extLst>
-          </p:cNvPr>
-          <p:cNvSpPr>
-            <a:spLocks noGrp="1"/>
-          </p:cNvSpPr>
-          <p:nvPr>
-            <p:ph idx="1"/>
-          </p:nvPr>
-        </p:nvSpPr>
-        <p:spPr>
-          <a:xfrm>
-            <a:off x="1371600" y="1638299"/>
-            <a:ext cx="9601200" cy="3932183"/>
-          </a:xfrm>
-        </p:spPr>
-        <p:txBody>
-          <a:bodyPr/>
-          <a:lstStyle/>
-          <a:p>
-            <a:pPr>
-              <a:buFont typeface="Wingdings" pitchFamily="2" charset="2"/>
-              <a:buChar char="§"/>
-            </a:pPr>
-            <a:r>
-              <a:rPr lang="en-US" dirty="0"/>
-              <a:t>Dataset Kaggle (</a:t>
-            </a:r>
-            <a:r>
-              <a:rPr lang="en-US" dirty="0">
-                <a:hlinkClick r:id="rId2"/>
-              </a:rPr>
-              <a:t>LINK</a:t>
-            </a:r>
-            <a:r>
-              <a:rPr lang="en-US" dirty="0"/>
-              <a:t>)</a:t>
-            </a:r>
-          </a:p>
-          <a:p>
-            <a:pPr>
-              <a:buFont typeface="Wingdings" pitchFamily="2" charset="2"/>
-              <a:buChar char="§"/>
-            </a:pPr>
-            <a:r>
-              <a:rPr lang="en-US" dirty="0"/>
-              <a:t>Crash Statistics Wikipedia (</a:t>
-            </a:r>
-            <a:r>
-              <a:rPr lang="en-US" dirty="0">
-                <a:hlinkClick r:id="rId3"/>
-              </a:rPr>
-              <a:t>LINK</a:t>
-            </a:r>
-            <a:r>
-              <a:rPr lang="en-US" dirty="0"/>
-              <a:t>)</a:t>
-            </a:r>
-          </a:p>
-          <a:p>
-            <a:pPr>
-              <a:buFont typeface="Wingdings" pitchFamily="2" charset="2"/>
-              <a:buChar char="§"/>
-            </a:pPr>
-            <a:r>
-              <a:rPr lang="en-US" dirty="0"/>
-              <a:t>Research Papers (</a:t>
-            </a:r>
-            <a:r>
-              <a:rPr lang="en-US" dirty="0">
-                <a:hlinkClick r:id="rId4"/>
-              </a:rPr>
-              <a:t>LINK</a:t>
-            </a:r>
-            <a:r>
-              <a:rPr lang="en-US" dirty="0"/>
-              <a:t> </a:t>
-            </a:r>
-            <a:r>
-              <a:rPr lang="en-US" dirty="0">
-                <a:hlinkClick r:id="rId5"/>
-              </a:rPr>
-              <a:t>LINK</a:t>
-            </a:r>
-            <a:r>
-              <a:rPr lang="en-US" dirty="0"/>
-              <a:t>)</a:t>
-            </a:r>
-          </a:p>
-          <a:p>
-            <a:pPr>
-              <a:buFont typeface="Wingdings" pitchFamily="2" charset="2"/>
-              <a:buChar char="§"/>
-            </a:pPr>
-            <a:r>
-              <a:rPr lang="en-US" dirty="0"/>
-              <a:t>Algorithms (</a:t>
-            </a:r>
-            <a:r>
-              <a:rPr lang="en-US" dirty="0">
-                <a:hlinkClick r:id="rId6"/>
-              </a:rPr>
-              <a:t>LINK</a:t>
-            </a:r>
-            <a:r>
-              <a:rPr lang="en-US" dirty="0"/>
-              <a:t>)</a:t>
-            </a:r>
-          </a:p>
-          <a:p>
-            <a:pPr>
-              <a:buFont typeface="Wingdings" pitchFamily="2" charset="2"/>
-              <a:buChar char="§"/>
-            </a:pPr>
-            <a:endParaRPr lang="en-US" dirty="0"/>
-          </a:p>
-        </p:txBody>
-      </p:sp>
-    </p:spTree>
-    <p:extLst>
-      <p:ext uri="{BB962C8B-B14F-4D97-AF65-F5344CB8AC3E}">
-        <p14:creationId xmlns:p14="http://schemas.microsoft.com/office/powerpoint/2010/main" val="1081541707"/>
-      </p:ext>
-    </p:extLst>
-  </p:cSld>
-  <p:clrMapOvr>
-    <a:masterClrMapping/>
-  </p:clrMapOvr>
-</p:sld>
-</file>
-
-<file path=ppt/slides/slide2.xml><?xml version="1.0" encoding="utf-8"?>
-<p:sld xmlns:a="http://schemas.openxmlformats.org/drawingml/2006/main" xmlns:r="http://schemas.openxmlformats.org/officeDocument/2006/relationships" xmlns:p="http://schemas.openxmlformats.org/presentationml/2006/main">
-  <p:cSld>
-    <p:spTree>
-      <p:nvGrpSpPr>
-        <p:cNvPr id="1" name=""/>
-        <p:cNvGrpSpPr/>
-        <p:nvPr/>
-      </p:nvGrpSpPr>
-      <p:grpSpPr>
-        <a:xfrm>
-          <a:off x="0" y="0"/>
-          <a:ext cx="0" cy="0"/>
-          <a:chOff x="0" y="0"/>
-          <a:chExt cx="0" cy="0"/>
-        </a:xfrm>
-      </p:grpSpPr>
-      <p:sp>
-        <p:nvSpPr>
-          <p:cNvPr id="2" name="Title 1">
-            <a:extLst>
-              <a:ext uri="{FF2B5EF4-FFF2-40B4-BE49-F238E27FC236}">
-                <a16:creationId xmlns:a16="http://schemas.microsoft.com/office/drawing/2014/main" id="{69BCFA0A-5B54-DFEA-E4AB-8216343C6740}"/>
-              </a:ext>
-            </a:extLst>
-          </p:cNvPr>
-          <p:cNvSpPr>
-            <a:spLocks noGrp="1"/>
-          </p:cNvSpPr>
-          <p:nvPr>
-            <p:ph type="title"/>
-          </p:nvPr>
-        </p:nvSpPr>
-        <p:spPr>
-          <a:xfrm>
-            <a:off x="838596" y="691758"/>
-            <a:ext cx="9612971" cy="2852737"/>
-          </a:xfrm>
-        </p:spPr>
-        <p:txBody>
-          <a:bodyPr/>
-          <a:lstStyle/>
-          <a:p>
-            <a:pPr algn="ctr"/>
-            <a:r>
-              <a:rPr lang="en-US" dirty="0"/>
-              <a:t>Zeroth review </a:t>
-            </a:r>
-          </a:p>
-        </p:txBody>
-      </p:sp>
-      <p:sp>
-        <p:nvSpPr>
-          <p:cNvPr id="3" name="Text Placeholder 2">
-            <a:extLst>
-              <a:ext uri="{FF2B5EF4-FFF2-40B4-BE49-F238E27FC236}">
-                <a16:creationId xmlns:a16="http://schemas.microsoft.com/office/drawing/2014/main" id="{6C10263F-4812-18D5-7474-54B479F7A66A}"/>
-              </a:ext>
-            </a:extLst>
-          </p:cNvPr>
-          <p:cNvSpPr>
-            <a:spLocks noGrp="1"/>
-          </p:cNvSpPr>
-          <p:nvPr>
-            <p:ph type="body" idx="1"/>
-          </p:nvPr>
-        </p:nvSpPr>
-        <p:spPr>
-          <a:xfrm>
-            <a:off x="6222124" y="4363472"/>
-            <a:ext cx="4502712" cy="1143324"/>
-          </a:xfrm>
-        </p:spPr>
-        <p:txBody>
-          <a:bodyPr>
-            <a:normAutofit/>
-          </a:bodyPr>
-          <a:lstStyle/>
-          <a:p>
-            <a:pPr algn="l"/>
-            <a:r>
-              <a:rPr lang="en-US" sz="2000" dirty="0"/>
-              <a:t>Project Team Members:</a:t>
-            </a:r>
-          </a:p>
-          <a:p>
-            <a:pPr algn="l"/>
-            <a:r>
-              <a:rPr lang="en-US" sz="2000" dirty="0"/>
-              <a:t>Aditya Chaturvedi (RA2011033010012)</a:t>
-            </a:r>
-          </a:p>
-          <a:p>
-            <a:pPr algn="l"/>
-            <a:r>
-              <a:rPr lang="en-US" sz="2000" dirty="0"/>
-              <a:t>Pratham </a:t>
-            </a:r>
-            <a:r>
-              <a:rPr lang="en-US" sz="2000" dirty="0" err="1"/>
-              <a:t>Sahu</a:t>
-            </a:r>
-            <a:r>
-              <a:rPr lang="en-US" sz="2000" dirty="0"/>
-              <a:t> (RA2011033010031)</a:t>
-            </a:r>
-          </a:p>
-        </p:txBody>
-      </p:sp>
-      <p:sp>
-        <p:nvSpPr>
-          <p:cNvPr id="4" name="Text Placeholder 2">
-            <a:extLst>
-              <a:ext uri="{FF2B5EF4-FFF2-40B4-BE49-F238E27FC236}">
-                <a16:creationId xmlns:a16="http://schemas.microsoft.com/office/drawing/2014/main" id="{890EE02B-405F-F494-9615-286F0BEEE10A}"/>
-              </a:ext>
-            </a:extLst>
-          </p:cNvPr>
-          <p:cNvSpPr txBox="1">
-            <a:spLocks/>
-          </p:cNvSpPr>
-          <p:nvPr/>
-        </p:nvSpPr>
-        <p:spPr>
-          <a:xfrm>
-            <a:off x="838596" y="4363472"/>
-            <a:ext cx="4502712" cy="1143324"/>
-          </a:xfrm>
-          <a:prstGeom prst="rect">
-            <a:avLst/>
-          </a:prstGeom>
-        </p:spPr>
-        <p:txBody>
-          <a:bodyPr vert="horz" lIns="91440" tIns="45720" rIns="91440" bIns="45720" rtlCol="0">
-            <a:normAutofit/>
-          </a:bodyPr>
-          <a:lstStyle>
-            <a:lvl1pPr marL="0" indent="0" algn="r" defTabSz="914400" rtl="0" eaLnBrk="1" latinLnBrk="0" hangingPunct="1">
-              <a:lnSpc>
-                <a:spcPct val="112000"/>
-              </a:lnSpc>
-              <a:spcBef>
-                <a:spcPts val="0"/>
-              </a:spcBef>
-              <a:spcAft>
-                <a:spcPts val="0"/>
-              </a:spcAft>
-              <a:buFont typeface="Franklin Gothic Book" panose="020B0503020102020204" pitchFamily="34" charset="0"/>
-              <a:buNone/>
-              <a:defRPr sz="2400" kern="1200" baseline="0">
-                <a:solidFill>
-                  <a:schemeClr val="tx2"/>
-                </a:solidFill>
-                <a:latin typeface="+mn-lt"/>
-                <a:ea typeface="+mn-ea"/>
-                <a:cs typeface="+mn-cs"/>
-              </a:defRPr>
-            </a:lvl1pPr>
-            <a:lvl2pPr marL="457200" indent="0" algn="l" defTabSz="914400" rtl="0" eaLnBrk="1" latinLnBrk="0" hangingPunct="1">
-              <a:lnSpc>
-                <a:spcPct val="94000"/>
-              </a:lnSpc>
-              <a:spcBef>
-                <a:spcPts val="500"/>
-              </a:spcBef>
-              <a:spcAft>
-                <a:spcPts val="200"/>
-              </a:spcAft>
-              <a:buFont typeface="Franklin Gothic Book" panose="020B0503020102020204" pitchFamily="34" charset="0"/>
-              <a:buNone/>
-              <a:defRPr sz="2000" i="1" kern="1200" baseline="0">
-                <a:solidFill>
-                  <a:schemeClr val="tx1">
-                    <a:tint val="75000"/>
-                  </a:schemeClr>
-                </a:solidFill>
-                <a:latin typeface="+mn-lt"/>
-                <a:ea typeface="+mn-ea"/>
-                <a:cs typeface="+mn-cs"/>
-              </a:defRPr>
-            </a:lvl2pPr>
-            <a:lvl3pPr marL="914400" indent="0" algn="l" defTabSz="914400" rtl="0" eaLnBrk="1" latinLnBrk="0" hangingPunct="1">
-              <a:lnSpc>
-                <a:spcPct val="94000"/>
-              </a:lnSpc>
-              <a:spcBef>
-                <a:spcPts val="500"/>
-              </a:spcBef>
-              <a:spcAft>
-                <a:spcPts val="200"/>
-              </a:spcAft>
-              <a:buFont typeface="Franklin Gothic Book" panose="020B0503020102020204" pitchFamily="34" charset="0"/>
-              <a:buNone/>
-              <a:defRPr sz="1800" kern="1200" baseline="0">
-                <a:solidFill>
-                  <a:schemeClr val="tx1">
-                    <a:tint val="75000"/>
-                  </a:schemeClr>
-                </a:solidFill>
-                <a:latin typeface="+mn-lt"/>
-                <a:ea typeface="+mn-ea"/>
-                <a:cs typeface="+mn-cs"/>
-              </a:defRPr>
-            </a:lvl3pPr>
-            <a:lvl4pPr marL="1371600" indent="0" algn="l" defTabSz="914400" rtl="0" eaLnBrk="1" latinLnBrk="0" hangingPunct="1">
-              <a:lnSpc>
-                <a:spcPct val="94000"/>
-              </a:lnSpc>
-              <a:spcBef>
-                <a:spcPts val="500"/>
-              </a:spcBef>
-              <a:spcAft>
-                <a:spcPts val="200"/>
-              </a:spcAft>
-              <a:buFont typeface="Franklin Gothic Book" panose="020B0503020102020204" pitchFamily="34" charset="0"/>
-              <a:buNone/>
-              <a:defRPr sz="1600" i="1" kern="1200" baseline="0">
-                <a:solidFill>
-                  <a:schemeClr val="tx1">
-                    <a:tint val="75000"/>
-                  </a:schemeClr>
-                </a:solidFill>
-                <a:latin typeface="+mn-lt"/>
-                <a:ea typeface="+mn-ea"/>
-                <a:cs typeface="+mn-cs"/>
-              </a:defRPr>
-            </a:lvl4pPr>
-            <a:lvl5pPr marL="1828800" indent="0" algn="l" defTabSz="914400" rtl="0" eaLnBrk="1" latinLnBrk="0" hangingPunct="1">
-              <a:lnSpc>
-                <a:spcPct val="94000"/>
-              </a:lnSpc>
-              <a:spcBef>
-                <a:spcPts val="500"/>
-              </a:spcBef>
-              <a:spcAft>
-                <a:spcPts val="200"/>
-              </a:spcAft>
-              <a:buFont typeface="Franklin Gothic Book" panose="020B0503020102020204" pitchFamily="34" charset="0"/>
-              <a:buNone/>
-              <a:defRPr sz="1600" kern="1200" baseline="0">
-                <a:solidFill>
-                  <a:schemeClr val="tx1">
-                    <a:tint val="75000"/>
-                  </a:schemeClr>
-                </a:solidFill>
-                <a:latin typeface="+mn-lt"/>
-                <a:ea typeface="+mn-ea"/>
-                <a:cs typeface="+mn-cs"/>
-              </a:defRPr>
-            </a:lvl5pPr>
-            <a:lvl6pPr marL="2286000" indent="0" algn="l" defTabSz="914400" rtl="0" eaLnBrk="1" latinLnBrk="0" hangingPunct="1">
-              <a:lnSpc>
-                <a:spcPct val="94000"/>
-              </a:lnSpc>
-              <a:spcBef>
-                <a:spcPts val="500"/>
-              </a:spcBef>
-              <a:spcAft>
-                <a:spcPts val="200"/>
-              </a:spcAft>
-              <a:buFont typeface="Franklin Gothic Book" panose="020B0503020102020204" pitchFamily="34" charset="0"/>
-              <a:buNone/>
-              <a:defRPr sz="1600" i="1" kern="1200" baseline="0">
-                <a:solidFill>
-                  <a:schemeClr val="tx1">
-                    <a:tint val="75000"/>
-                  </a:schemeClr>
-                </a:solidFill>
-                <a:latin typeface="+mn-lt"/>
-                <a:ea typeface="+mn-ea"/>
-                <a:cs typeface="+mn-cs"/>
-              </a:defRPr>
-            </a:lvl6pPr>
-            <a:lvl7pPr marL="2743200" indent="0" algn="l" defTabSz="914400" rtl="0" eaLnBrk="1" latinLnBrk="0" hangingPunct="1">
-              <a:lnSpc>
-                <a:spcPct val="94000"/>
-              </a:lnSpc>
-              <a:spcBef>
-                <a:spcPts val="500"/>
-              </a:spcBef>
-              <a:spcAft>
-                <a:spcPts val="200"/>
-              </a:spcAft>
-              <a:buFont typeface="Franklin Gothic Book" panose="020B0503020102020204" pitchFamily="34" charset="0"/>
-              <a:buNone/>
-              <a:defRPr sz="1600" kern="1200" baseline="0">
-                <a:solidFill>
-                  <a:schemeClr val="tx1">
-                    <a:tint val="75000"/>
-                  </a:schemeClr>
-                </a:solidFill>
-                <a:latin typeface="+mn-lt"/>
-                <a:ea typeface="+mn-ea"/>
-                <a:cs typeface="+mn-cs"/>
-              </a:defRPr>
-            </a:lvl7pPr>
-            <a:lvl8pPr marL="3200400" indent="0" algn="l" defTabSz="914400" rtl="0" eaLnBrk="1" latinLnBrk="0" hangingPunct="1">
-              <a:lnSpc>
-                <a:spcPct val="94000"/>
-              </a:lnSpc>
-              <a:spcBef>
-                <a:spcPts val="500"/>
-              </a:spcBef>
-              <a:spcAft>
-                <a:spcPts val="200"/>
-              </a:spcAft>
-              <a:buFont typeface="Franklin Gothic Book" panose="020B0503020102020204" pitchFamily="34" charset="0"/>
-              <a:buNone/>
-              <a:defRPr sz="1600" i="1" kern="1200" baseline="0">
-                <a:solidFill>
-                  <a:schemeClr val="tx1">
-                    <a:tint val="75000"/>
-                  </a:schemeClr>
-                </a:solidFill>
-                <a:latin typeface="+mn-lt"/>
-                <a:ea typeface="+mn-ea"/>
-                <a:cs typeface="+mn-cs"/>
-              </a:defRPr>
-            </a:lvl8pPr>
-            <a:lvl9pPr marL="3657600" indent="0" algn="l" defTabSz="914400" rtl="0" eaLnBrk="1" latinLnBrk="0" hangingPunct="1">
-              <a:lnSpc>
-                <a:spcPct val="94000"/>
-              </a:lnSpc>
-              <a:spcBef>
-                <a:spcPts val="500"/>
-              </a:spcBef>
-              <a:spcAft>
-                <a:spcPts val="200"/>
-              </a:spcAft>
-              <a:buFont typeface="Franklin Gothic Book" panose="020B0503020102020204" pitchFamily="34" charset="0"/>
-              <a:buNone/>
-              <a:defRPr sz="1600" kern="1200" baseline="0">
-                <a:solidFill>
-                  <a:schemeClr val="tx1">
-                    <a:tint val="75000"/>
-                  </a:schemeClr>
-                </a:solidFill>
-                <a:latin typeface="+mn-lt"/>
-                <a:ea typeface="+mn-ea"/>
-                <a:cs typeface="+mn-cs"/>
-              </a:defRPr>
-            </a:lvl9pPr>
-          </a:lstStyle>
-          <a:p>
-            <a:pPr algn="l"/>
-            <a:r>
-              <a:rPr lang="en-US" sz="2000" dirty="0"/>
-              <a:t>Project Guide:</a:t>
-            </a:r>
-          </a:p>
-          <a:p>
-            <a:pPr algn="l"/>
-            <a:r>
-              <a:rPr lang="en-US" sz="2000" dirty="0"/>
-              <a:t>Dr. A. </a:t>
-            </a:r>
-            <a:r>
-              <a:rPr lang="en-US" sz="2000" dirty="0" err="1"/>
-              <a:t>Jackulin</a:t>
-            </a:r>
-            <a:r>
-              <a:rPr lang="en-US" sz="2000" dirty="0"/>
-              <a:t> </a:t>
-            </a:r>
-            <a:r>
-              <a:rPr lang="en-US" sz="2000" dirty="0" err="1"/>
-              <a:t>Mahariba</a:t>
-            </a:r>
-            <a:endParaRPr lang="en-US" sz="2000" dirty="0"/>
-          </a:p>
-          <a:p>
-            <a:pPr algn="l"/>
-            <a:r>
-              <a:rPr lang="en-US" sz="2000" dirty="0"/>
-              <a:t>Assistant Professor (101370)</a:t>
-            </a:r>
-          </a:p>
-        </p:txBody>
-      </p:sp>
-    </p:spTree>
-    <p:extLst>
-      <p:ext uri="{BB962C8B-B14F-4D97-AF65-F5344CB8AC3E}">
-        <p14:creationId xmlns:p14="http://schemas.microsoft.com/office/powerpoint/2010/main" val="2729603014"/>
-      </p:ext>
-    </p:extLst>
-  </p:cSld>
-  <p:clrMapOvr>
-    <a:masterClrMapping/>
-  </p:clrMapOvr>
-</p:sld>
-</file>
-
-<file path=ppt/slides/slide3.xml><?xml version="1.0" encoding="utf-8"?>
-<p:sld xmlns:a="http://schemas.openxmlformats.org/drawingml/2006/main" xmlns:r="http://schemas.openxmlformats.org/officeDocument/2006/relationships" xmlns:p="http://schemas.openxmlformats.org/presentationml/2006/main">
-  <p:cSld>
-    <p:spTree>
-      <p:nvGrpSpPr>
-        <p:cNvPr id="1" name=""/>
-        <p:cNvGrpSpPr/>
-        <p:nvPr/>
-      </p:nvGrpSpPr>
-      <p:grpSpPr>
-        <a:xfrm>
-          <a:off x="0" y="0"/>
-          <a:ext cx="0" cy="0"/>
-          <a:chOff x="0" y="0"/>
-          <a:chExt cx="0" cy="0"/>
-        </a:xfrm>
-      </p:grpSpPr>
-      <p:sp>
-        <p:nvSpPr>
-          <p:cNvPr id="2" name="Title 1">
-            <a:extLst>
-              <a:ext uri="{FF2B5EF4-FFF2-40B4-BE49-F238E27FC236}">
-                <a16:creationId xmlns:a16="http://schemas.microsoft.com/office/drawing/2014/main" id="{89432B00-2BDE-FD18-61D1-75164674AFF9}"/>
-              </a:ext>
-            </a:extLst>
-          </p:cNvPr>
-          <p:cNvSpPr>
-            <a:spLocks noGrp="1"/>
-          </p:cNvSpPr>
-          <p:nvPr>
-            <p:ph type="title"/>
-          </p:nvPr>
-        </p:nvSpPr>
-        <p:spPr>
-          <a:xfrm>
-            <a:off x="1371600" y="685800"/>
-            <a:ext cx="9601200" cy="838200"/>
-          </a:xfrm>
-        </p:spPr>
-        <p:txBody>
-          <a:bodyPr/>
-          <a:lstStyle/>
-          <a:p>
-            <a:pPr algn="ctr"/>
-            <a:r>
-              <a:rPr lang="en-US" dirty="0"/>
-              <a:t>Abstract</a:t>
-            </a:r>
-          </a:p>
-        </p:txBody>
-      </p:sp>
-      <p:sp>
-        <p:nvSpPr>
-          <p:cNvPr id="3" name="Content Placeholder 2">
-            <a:extLst>
-              <a:ext uri="{FF2B5EF4-FFF2-40B4-BE49-F238E27FC236}">
-                <a16:creationId xmlns:a16="http://schemas.microsoft.com/office/drawing/2014/main" id="{A5B26B77-43D9-0AD2-ADD9-BB92D073AB92}"/>
-              </a:ext>
-            </a:extLst>
-          </p:cNvPr>
-          <p:cNvSpPr>
-            <a:spLocks noGrp="1"/>
-          </p:cNvSpPr>
-          <p:nvPr>
-            <p:ph idx="1"/>
-          </p:nvPr>
-        </p:nvSpPr>
-        <p:spPr>
-          <a:xfrm>
-            <a:off x="1371600" y="1933903"/>
-            <a:ext cx="9601200" cy="3933497"/>
-          </a:xfrm>
-        </p:spPr>
-        <p:txBody>
-          <a:bodyPr>
-            <a:normAutofit/>
-          </a:bodyPr>
-          <a:lstStyle/>
-          <a:p>
-            <a:pPr marL="0" indent="0" algn="just">
-              <a:buNone/>
-            </a:pPr>
-            <a:r>
-              <a:rPr lang="en-IN" dirty="0"/>
-              <a:t>Introduces a </a:t>
-            </a:r>
-            <a:r>
-              <a:rPr lang="en-IN" b="1" i="1" dirty="0"/>
-              <a:t>cutting-edge Traffic Sign Detector (TSD) </a:t>
-            </a:r>
-            <a:r>
-              <a:rPr lang="en-IN" dirty="0"/>
-              <a:t>system designed to enhance road safety and traffic management. Accurately identifying and categorizing traffic signs from images and videos. </a:t>
-            </a:r>
-            <a:r>
-              <a:rPr lang="en-IN" b="1" i="1" dirty="0"/>
-              <a:t>Convolutional Neural Network (CNN)</a:t>
-            </a:r>
-            <a:r>
-              <a:rPr lang="en-IN" i="1" dirty="0"/>
-              <a:t> </a:t>
-            </a:r>
-            <a:r>
-              <a:rPr lang="en-IN" dirty="0"/>
-              <a:t>is trained on a comprehensive dataset of annotated traffic sign images. Learns intricate sign features and patterns. Consists of </a:t>
-            </a:r>
-            <a:r>
-              <a:rPr lang="en-IN" b="1" i="1" dirty="0"/>
-              <a:t>object localization and classification modules</a:t>
-            </a:r>
-            <a:r>
-              <a:rPr lang="en-IN" dirty="0"/>
-              <a:t>. Categorizes the detected signs into </a:t>
-            </a:r>
-            <a:r>
-              <a:rPr lang="en-IN" b="1" i="1" dirty="0"/>
-              <a:t>regulatory, warning</a:t>
-            </a:r>
-            <a:r>
-              <a:rPr lang="en-IN" i="1" dirty="0"/>
-              <a:t>, and </a:t>
-            </a:r>
-            <a:r>
-              <a:rPr lang="en-IN" b="1" i="1" dirty="0"/>
-              <a:t>informational</a:t>
-            </a:r>
-            <a:r>
-              <a:rPr lang="en-IN" dirty="0"/>
-              <a:t> classes based on learned features.</a:t>
-            </a:r>
-            <a:r>
-              <a:rPr lang="en-US" dirty="0"/>
-              <a:t> </a:t>
-            </a:r>
-            <a:r>
-              <a:rPr lang="en-IN" dirty="0"/>
-              <a:t>TSD integrates </a:t>
-            </a:r>
-            <a:r>
-              <a:rPr lang="en-IN" b="1" i="1" dirty="0"/>
-              <a:t>adaptive learning mechanisms </a:t>
-            </a:r>
-            <a:r>
-              <a:rPr lang="en-IN" dirty="0"/>
-              <a:t>and </a:t>
-            </a:r>
-            <a:r>
-              <a:rPr lang="en-IN" b="1" i="1" dirty="0"/>
-              <a:t>domain adaptation strategies</a:t>
-            </a:r>
-            <a:r>
-              <a:rPr lang="en-IN" dirty="0"/>
-              <a:t>. Enhanced ability to generalize across diverse environments and maintain consistent performance. The TSD system is </a:t>
-            </a:r>
-            <a:r>
-              <a:rPr lang="en-IN" b="1" i="1" dirty="0"/>
-              <a:t>effective,</a:t>
-            </a:r>
-            <a:r>
-              <a:rPr lang="en-IN" dirty="0"/>
-              <a:t> </a:t>
-            </a:r>
-            <a:r>
-              <a:rPr lang="en-IN" b="1" i="1" dirty="0"/>
-              <a:t>accurate, fast, robust </a:t>
-            </a:r>
-            <a:r>
-              <a:rPr lang="en-IN" dirty="0"/>
-              <a:t>in real time traffic sign detection. Contributes significantly in </a:t>
-            </a:r>
-            <a:r>
-              <a:rPr lang="en-IN" b="1" i="1" dirty="0"/>
-              <a:t>road safety</a:t>
-            </a:r>
-            <a:r>
-              <a:rPr lang="en-IN" dirty="0"/>
-              <a:t> and </a:t>
-            </a:r>
-            <a:r>
-              <a:rPr lang="en-IN" b="1" i="1" dirty="0"/>
-              <a:t>traffic management. </a:t>
-            </a:r>
-            <a:endParaRPr lang="en-US" dirty="0"/>
-          </a:p>
-          <a:p>
-            <a:endParaRPr lang="en-IN" dirty="0"/>
-          </a:p>
-        </p:txBody>
-      </p:sp>
-    </p:spTree>
-    <p:extLst>
-      <p:ext uri="{BB962C8B-B14F-4D97-AF65-F5344CB8AC3E}">
-        <p14:creationId xmlns:p14="http://schemas.microsoft.com/office/powerpoint/2010/main" val="24947007"/>
-      </p:ext>
-    </p:extLst>
-  </p:cSld>
-  <p:clrMapOvr>
-    <a:masterClrMapping/>
-  </p:clrMapOvr>
-</p:sld>
-</file>
-
-<file path=ppt/slides/slide4.xml><?xml version="1.0" encoding="utf-8"?>
-<p:sld xmlns:a="http://schemas.openxmlformats.org/drawingml/2006/main" xmlns:r="http://schemas.openxmlformats.org/officeDocument/2006/relationships" xmlns:p="http://schemas.openxmlformats.org/presentationml/2006/main">
-  <p:cSld>
-    <p:spTree>
-      <p:nvGrpSpPr>
-        <p:cNvPr id="1" name=""/>
-        <p:cNvGrpSpPr/>
-        <p:nvPr/>
-      </p:nvGrpSpPr>
-      <p:grpSpPr>
-        <a:xfrm>
-          <a:off x="0" y="0"/>
-          <a:ext cx="0" cy="0"/>
-          <a:chOff x="0" y="0"/>
-          <a:chExt cx="0" cy="0"/>
-        </a:xfrm>
-      </p:grpSpPr>
-      <p:sp>
-        <p:nvSpPr>
-          <p:cNvPr id="2" name="Title 1">
-            <a:extLst>
-              <a:ext uri="{FF2B5EF4-FFF2-40B4-BE49-F238E27FC236}">
-                <a16:creationId xmlns:a16="http://schemas.microsoft.com/office/drawing/2014/main" id="{7614BCD5-C251-0237-A8A8-BE3DA5915439}"/>
-              </a:ext>
-            </a:extLst>
-          </p:cNvPr>
-          <p:cNvSpPr>
-            <a:spLocks noGrp="1"/>
-          </p:cNvSpPr>
-          <p:nvPr>
-            <p:ph type="title"/>
-          </p:nvPr>
-        </p:nvSpPr>
-        <p:spPr/>
-        <p:txBody>
-          <a:bodyPr/>
-          <a:lstStyle/>
-          <a:p>
-            <a:pPr algn="ctr"/>
-            <a:r>
-              <a:rPr lang="en-US" dirty="0"/>
-              <a:t>Introduction </a:t>
-            </a:r>
-          </a:p>
-        </p:txBody>
-      </p:sp>
-      <p:sp>
-        <p:nvSpPr>
-          <p:cNvPr id="3" name="Content Placeholder 2">
-            <a:extLst>
-              <a:ext uri="{FF2B5EF4-FFF2-40B4-BE49-F238E27FC236}">
-                <a16:creationId xmlns:a16="http://schemas.microsoft.com/office/drawing/2014/main" id="{FACF06F0-E49D-FD27-E0A7-8D6A362B52E2}"/>
-              </a:ext>
-            </a:extLst>
-          </p:cNvPr>
-          <p:cNvSpPr>
-            <a:spLocks noGrp="1"/>
-          </p:cNvSpPr>
-          <p:nvPr>
-            <p:ph idx="1"/>
-          </p:nvPr>
-        </p:nvSpPr>
-        <p:spPr>
-          <a:xfrm>
-            <a:off x="1371600" y="1813034"/>
-            <a:ext cx="9601200" cy="3581400"/>
-          </a:xfrm>
-        </p:spPr>
-        <p:txBody>
-          <a:bodyPr/>
-          <a:lstStyle/>
-          <a:p>
-            <a:pPr algn="just">
-              <a:buFont typeface="Wingdings" pitchFamily="2" charset="2"/>
-              <a:buChar char="§"/>
-            </a:pPr>
-            <a:r>
-              <a:rPr lang="en-IN" dirty="0"/>
-              <a:t>Development of a sophisticated system to </a:t>
-            </a:r>
-            <a:r>
-              <a:rPr lang="en-IN" b="1" i="1" dirty="0"/>
-              <a:t>automatically identify and categorize </a:t>
-            </a:r>
-            <a:r>
-              <a:rPr lang="en-IN" dirty="0"/>
-              <a:t>traffic signs from images and videos. </a:t>
-            </a:r>
-          </a:p>
-          <a:p>
-            <a:pPr algn="just">
-              <a:buFont typeface="Wingdings" pitchFamily="2" charset="2"/>
-              <a:buChar char="§"/>
-            </a:pPr>
-            <a:r>
-              <a:rPr lang="en-IN" dirty="0"/>
-              <a:t>By harnessing cutting-edge </a:t>
-            </a:r>
-            <a:r>
-              <a:rPr lang="en-IN" b="1" i="1" dirty="0"/>
-              <a:t>computer vision </a:t>
-            </a:r>
-            <a:r>
-              <a:rPr lang="en-IN" dirty="0"/>
-              <a:t>and </a:t>
-            </a:r>
-            <a:r>
-              <a:rPr lang="en-IN" b="1" i="1" dirty="0"/>
-              <a:t>deep learning techniques</a:t>
-            </a:r>
-            <a:r>
-              <a:rPr lang="en-IN" dirty="0"/>
-              <a:t>. </a:t>
-            </a:r>
-          </a:p>
-          <a:p>
-            <a:pPr algn="just">
-              <a:buFont typeface="Wingdings" pitchFamily="2" charset="2"/>
-              <a:buChar char="§"/>
-            </a:pPr>
-            <a:r>
-              <a:rPr lang="en-IN" dirty="0"/>
-              <a:t>This project aims to </a:t>
-            </a:r>
-            <a:r>
-              <a:rPr lang="en-IN" b="1" i="1" dirty="0"/>
-              <a:t>enhance road safety</a:t>
-            </a:r>
-            <a:r>
-              <a:rPr lang="en-IN" dirty="0"/>
-              <a:t>, </a:t>
-            </a:r>
-            <a:r>
-              <a:rPr lang="en-IN" b="1" i="1" dirty="0"/>
-              <a:t>streamline traffic management</a:t>
-            </a:r>
-            <a:r>
-              <a:rPr lang="en-IN" dirty="0"/>
-              <a:t>, and contribute </a:t>
-            </a:r>
-            <a:r>
-              <a:rPr lang="en-IN" b="1" i="1" dirty="0"/>
-              <a:t>to more efficient transportation systems</a:t>
-            </a:r>
-            <a:r>
-              <a:rPr lang="en-IN" dirty="0"/>
-              <a:t>. </a:t>
-            </a:r>
-          </a:p>
-          <a:p>
-            <a:pPr algn="just">
-              <a:buFont typeface="Wingdings" pitchFamily="2" charset="2"/>
-              <a:buChar char="§"/>
-            </a:pPr>
-            <a:r>
-              <a:rPr lang="en-IN" dirty="0"/>
-              <a:t>Through the accurate recognition of diverse traffic signs, the project </a:t>
-            </a:r>
-            <a:r>
-              <a:rPr lang="en-IN" b="1" i="1" dirty="0"/>
-              <a:t>addresses crucial challenges</a:t>
-            </a:r>
-            <a:r>
-              <a:rPr lang="en-IN" dirty="0"/>
-              <a:t> and </a:t>
-            </a:r>
-            <a:r>
-              <a:rPr lang="en-IN" b="1" i="1" dirty="0"/>
-              <a:t>holds the promise of revolutionizing </a:t>
-            </a:r>
-            <a:r>
-              <a:rPr lang="en-IN" dirty="0"/>
-              <a:t>how traffic signs are detected and interpreted in </a:t>
-            </a:r>
-            <a:r>
-              <a:rPr lang="en-IN" b="1" i="1" dirty="0"/>
-              <a:t>real-world scenarios.</a:t>
-            </a:r>
-            <a:endParaRPr lang="en-US" b="1" i="1" dirty="0"/>
-          </a:p>
-        </p:txBody>
-      </p:sp>
-    </p:spTree>
-    <p:extLst>
-      <p:ext uri="{BB962C8B-B14F-4D97-AF65-F5344CB8AC3E}">
-        <p14:creationId xmlns:p14="http://schemas.microsoft.com/office/powerpoint/2010/main" val="4213339421"/>
-      </p:ext>
-    </p:extLst>
-  </p:cSld>
-  <p:clrMapOvr>
-    <a:masterClrMapping/>
-  </p:clrMapOvr>
-</p:sld>
-</file>
-
-<file path=ppt/slides/slide5.xml><?xml version="1.0" encoding="utf-8"?>
-<p:sld xmlns:a="http://schemas.openxmlformats.org/drawingml/2006/main" xmlns:r="http://schemas.openxmlformats.org/officeDocument/2006/relationships" xmlns:p="http://schemas.openxmlformats.org/presentationml/2006/main">
-  <p:cSld>
-    <p:spTree>
-      <p:nvGrpSpPr>
-        <p:cNvPr id="1" name=""/>
-        <p:cNvGrpSpPr/>
-        <p:nvPr/>
-      </p:nvGrpSpPr>
-      <p:grpSpPr>
-        <a:xfrm>
-          <a:off x="0" y="0"/>
-          <a:ext cx="0" cy="0"/>
-          <a:chOff x="0" y="0"/>
-          <a:chExt cx="0" cy="0"/>
-        </a:xfrm>
-      </p:grpSpPr>
-      <p:sp>
-        <p:nvSpPr>
-          <p:cNvPr id="2" name="Title 1">
-            <a:extLst>
-              <a:ext uri="{FF2B5EF4-FFF2-40B4-BE49-F238E27FC236}">
-                <a16:creationId xmlns:a16="http://schemas.microsoft.com/office/drawing/2014/main" id="{5F220EBC-C47C-7D1B-535B-092C4E0B8AD2}"/>
-              </a:ext>
-            </a:extLst>
-          </p:cNvPr>
-          <p:cNvSpPr>
-            <a:spLocks noGrp="1"/>
-          </p:cNvSpPr>
-          <p:nvPr>
-            <p:ph type="title"/>
-          </p:nvPr>
-        </p:nvSpPr>
-        <p:spPr/>
-        <p:txBody>
-          <a:bodyPr/>
-          <a:lstStyle/>
-          <a:p>
-            <a:pPr algn="ctr"/>
-            <a:r>
-              <a:rPr lang="en-US" dirty="0"/>
-              <a:t>Motivation</a:t>
-            </a:r>
-          </a:p>
-        </p:txBody>
-      </p:sp>
-      <p:sp>
-        <p:nvSpPr>
-          <p:cNvPr id="3" name="Content Placeholder 2">
-            <a:extLst>
-              <a:ext uri="{FF2B5EF4-FFF2-40B4-BE49-F238E27FC236}">
-                <a16:creationId xmlns:a16="http://schemas.microsoft.com/office/drawing/2014/main" id="{FDA78D7D-86F4-5C28-8CB6-BDEFD6560269}"/>
-              </a:ext>
-            </a:extLst>
-          </p:cNvPr>
-          <p:cNvSpPr>
-            <a:spLocks noGrp="1"/>
-          </p:cNvSpPr>
-          <p:nvPr>
-            <p:ph idx="1"/>
-          </p:nvPr>
-        </p:nvSpPr>
-        <p:spPr>
-          <a:xfrm>
-            <a:off x="1371600" y="1770993"/>
-            <a:ext cx="9601200" cy="3581400"/>
-          </a:xfrm>
-        </p:spPr>
-        <p:txBody>
-          <a:bodyPr>
-            <a:normAutofit fontScale="92500" lnSpcReduction="20000"/>
-          </a:bodyPr>
-          <a:lstStyle/>
-          <a:p>
-            <a:pPr algn="just">
-              <a:buFont typeface="Wingdings" pitchFamily="2" charset="2"/>
-              <a:buChar char="§"/>
-            </a:pPr>
-            <a:r>
-              <a:rPr lang="en-IN" dirty="0"/>
-              <a:t>In 2019, India reported approximately </a:t>
-            </a:r>
-            <a:r>
-              <a:rPr lang="en-IN" b="1" i="1" dirty="0"/>
-              <a:t>449,002 road accidents </a:t>
-            </a:r>
-            <a:r>
-              <a:rPr lang="en-IN" dirty="0"/>
-              <a:t>whose one of the main reason was absence of traffic signs.</a:t>
-            </a:r>
-          </a:p>
-          <a:p>
-            <a:pPr algn="just">
-              <a:buFont typeface="Wingdings" pitchFamily="2" charset="2"/>
-              <a:buChar char="§"/>
-            </a:pPr>
-            <a:r>
-              <a:rPr lang="en-IN" dirty="0"/>
-              <a:t>Missing speed limit signs can lead to accidents from excessive speeding. Speeding contributes to </a:t>
-            </a:r>
-            <a:r>
-              <a:rPr lang="en-IN" b="1" i="1" dirty="0"/>
-              <a:t>1.25 million global road deaths yearly</a:t>
-            </a:r>
-            <a:r>
-              <a:rPr lang="en-IN" dirty="0"/>
-              <a:t>, about 30% of all traffic fatalities (WHO).</a:t>
-            </a:r>
-          </a:p>
-          <a:p>
-            <a:pPr algn="just">
-              <a:buFont typeface="Wingdings" pitchFamily="2" charset="2"/>
-              <a:buChar char="§"/>
-            </a:pPr>
-            <a:r>
-              <a:rPr lang="en-IN" dirty="0"/>
-              <a:t>Level 2 systems are designed to operate within specific conditions, such as well-marked roads and favourable weather conditions. They may </a:t>
-            </a:r>
-            <a:r>
-              <a:rPr lang="en-IN" b="1" i="1" dirty="0"/>
-              <a:t>struggle in situations where road markings are faded, visibility is poor, or the road environment is complex </a:t>
-            </a:r>
-            <a:r>
-              <a:rPr lang="en-IN" dirty="0"/>
-              <a:t>(e.g., construction zones, crowded urban areas). Drivers must remain attentive and ready to take control in such scenarios.</a:t>
-            </a:r>
-          </a:p>
-          <a:p>
-            <a:pPr algn="just">
-              <a:buFont typeface="Wingdings" pitchFamily="2" charset="2"/>
-              <a:buChar char="§"/>
-            </a:pPr>
-            <a:r>
-              <a:rPr lang="en-IN" dirty="0"/>
-              <a:t>Without proper signage, drivers may be uncertain about the right of way, speed limits, lane usage, and other important rules. This confusion can lead to accidents, especially at intersections and in areas with complex traffic patterns.</a:t>
-            </a:r>
-            <a:endParaRPr lang="en-US" dirty="0"/>
-          </a:p>
-        </p:txBody>
-      </p:sp>
-    </p:spTree>
-    <p:extLst>
-      <p:ext uri="{BB962C8B-B14F-4D97-AF65-F5344CB8AC3E}">
-        <p14:creationId xmlns:p14="http://schemas.microsoft.com/office/powerpoint/2010/main" val="3088159963"/>
-      </p:ext>
-    </p:extLst>
-  </p:cSld>
-  <p:clrMapOvr>
-    <a:masterClrMapping/>
-  </p:clrMapOvr>
-</p:sld>
-</file>
-
-<file path=ppt/slides/slide6.xml><?xml version="1.0" encoding="utf-8"?>
-<p:sld xmlns:a="http://schemas.openxmlformats.org/drawingml/2006/main" xmlns:r="http://schemas.openxmlformats.org/officeDocument/2006/relationships" xmlns:p="http://schemas.openxmlformats.org/presentationml/2006/main">
-  <p:cSld>
-    <p:spTree>
-      <p:nvGrpSpPr>
-        <p:cNvPr id="1" name=""/>
-        <p:cNvGrpSpPr/>
-        <p:nvPr/>
-      </p:nvGrpSpPr>
-      <p:grpSpPr>
-        <a:xfrm>
-          <a:off x="0" y="0"/>
-          <a:ext cx="0" cy="0"/>
-          <a:chOff x="0" y="0"/>
-          <a:chExt cx="0" cy="0"/>
-        </a:xfrm>
-      </p:grpSpPr>
-      <p:sp>
-        <p:nvSpPr>
-          <p:cNvPr id="2" name="Title 1">
-            <a:extLst>
-              <a:ext uri="{FF2B5EF4-FFF2-40B4-BE49-F238E27FC236}">
-                <a16:creationId xmlns:a16="http://schemas.microsoft.com/office/drawing/2014/main" id="{B4F7FA17-A746-CD97-EC54-67F2BBC0FFA1}"/>
-              </a:ext>
-            </a:extLst>
-          </p:cNvPr>
-          <p:cNvSpPr>
-            <a:spLocks noGrp="1"/>
-          </p:cNvSpPr>
-          <p:nvPr>
-            <p:ph type="title"/>
-          </p:nvPr>
-        </p:nvSpPr>
-        <p:spPr>
-          <a:xfrm>
-            <a:off x="1371600" y="685800"/>
-            <a:ext cx="9601200" cy="1485900"/>
-          </a:xfrm>
-        </p:spPr>
-        <p:txBody>
-          <a:bodyPr/>
-          <a:lstStyle/>
-          <a:p>
-            <a:pPr algn="ctr"/>
-            <a:r>
-              <a:rPr lang="en-US" dirty="0"/>
-              <a:t>Innovation and Idea</a:t>
-            </a:r>
-          </a:p>
-        </p:txBody>
-      </p:sp>
-      <p:sp>
-        <p:nvSpPr>
-          <p:cNvPr id="3" name="Content Placeholder 2">
-            <a:extLst>
-              <a:ext uri="{FF2B5EF4-FFF2-40B4-BE49-F238E27FC236}">
-                <a16:creationId xmlns:a16="http://schemas.microsoft.com/office/drawing/2014/main" id="{639A5CB2-404B-E155-303C-C32C96BC99BF}"/>
-              </a:ext>
-            </a:extLst>
-          </p:cNvPr>
-          <p:cNvSpPr>
-            <a:spLocks noGrp="1"/>
-          </p:cNvSpPr>
-          <p:nvPr>
-            <p:ph idx="1"/>
-          </p:nvPr>
-        </p:nvSpPr>
-        <p:spPr>
-          <a:xfrm>
-            <a:off x="1371600" y="1770994"/>
-            <a:ext cx="9601200" cy="4251434"/>
-          </a:xfrm>
-        </p:spPr>
-        <p:txBody>
-          <a:bodyPr/>
-          <a:lstStyle/>
-          <a:p>
-            <a:pPr>
-              <a:buFont typeface="Wingdings" pitchFamily="2" charset="2"/>
-              <a:buChar char="§"/>
-            </a:pPr>
-            <a:r>
-              <a:rPr lang="en-IN" dirty="0"/>
-              <a:t>An innovative traffic sign detection system idea involves vehicles forming a </a:t>
-            </a:r>
-            <a:r>
-              <a:rPr lang="en-IN" b="1" i="1" dirty="0"/>
-              <a:t>decentralized network</a:t>
-            </a:r>
-            <a:r>
-              <a:rPr lang="en-IN" dirty="0"/>
-              <a:t>. </a:t>
-            </a:r>
-          </a:p>
-          <a:p>
-            <a:pPr>
-              <a:buFont typeface="Wingdings" pitchFamily="2" charset="2"/>
-              <a:buChar char="§"/>
-            </a:pPr>
-            <a:r>
-              <a:rPr lang="en-IN" dirty="0"/>
-              <a:t>Each vehicle has </a:t>
-            </a:r>
-            <a:r>
-              <a:rPr lang="en-IN" b="1" i="1" dirty="0"/>
-              <a:t>onboard processing and communicates</a:t>
-            </a:r>
-            <a:r>
-              <a:rPr lang="en-IN" dirty="0"/>
-              <a:t> with nearby vehicles (V2V). </a:t>
-            </a:r>
-          </a:p>
-          <a:p>
-            <a:pPr>
-              <a:buFont typeface="Wingdings" pitchFamily="2" charset="2"/>
-              <a:buChar char="§"/>
-            </a:pPr>
-            <a:r>
-              <a:rPr lang="en-IN" dirty="0"/>
-              <a:t>This </a:t>
-            </a:r>
-            <a:r>
-              <a:rPr lang="en-IN" b="1" i="1" dirty="0"/>
-              <a:t>collaborative approach </a:t>
-            </a:r>
-            <a:r>
-              <a:rPr lang="en-IN" dirty="0"/>
-              <a:t>improves sign detection accuracy, especially in challenging conditions. </a:t>
-            </a:r>
-          </a:p>
-          <a:p>
-            <a:pPr>
-              <a:buFont typeface="Wingdings" pitchFamily="2" charset="2"/>
-              <a:buChar char="§"/>
-            </a:pPr>
-            <a:r>
-              <a:rPr lang="en-IN" dirty="0"/>
-              <a:t>Vehicles maintain a </a:t>
-            </a:r>
-            <a:r>
-              <a:rPr lang="en-IN" b="1" i="1" dirty="0"/>
-              <a:t>local sign database </a:t>
-            </a:r>
-            <a:r>
-              <a:rPr lang="en-IN" dirty="0"/>
-              <a:t>and</a:t>
-            </a:r>
-            <a:r>
-              <a:rPr lang="en-IN" b="1" i="1" dirty="0"/>
-              <a:t> dynamic map</a:t>
-            </a:r>
-            <a:r>
-              <a:rPr lang="en-IN" dirty="0"/>
-              <a:t>, enhancing reliability.</a:t>
-            </a:r>
-          </a:p>
-          <a:p>
-            <a:pPr>
-              <a:buFont typeface="Wingdings" pitchFamily="2" charset="2"/>
-              <a:buChar char="§"/>
-            </a:pPr>
-            <a:r>
-              <a:rPr lang="en-IN" dirty="0"/>
-              <a:t>This system uses edge computing, collaboration, and </a:t>
-            </a:r>
-            <a:r>
-              <a:rPr lang="en-IN" b="1" i="1" dirty="0"/>
-              <a:t>decentralized data sharing </a:t>
-            </a:r>
-            <a:r>
-              <a:rPr lang="en-IN" dirty="0"/>
-              <a:t>for more accurate and adaptable traffic sign detection, ultimately leading to safer roads.</a:t>
-            </a:r>
-          </a:p>
-        </p:txBody>
-      </p:sp>
-    </p:spTree>
-    <p:extLst>
-      <p:ext uri="{BB962C8B-B14F-4D97-AF65-F5344CB8AC3E}">
-        <p14:creationId xmlns:p14="http://schemas.microsoft.com/office/powerpoint/2010/main" val="3909778024"/>
-      </p:ext>
-    </p:extLst>
-  </p:cSld>
-  <p:clrMapOvr>
-    <a:masterClrMapping/>
-  </p:clrMapOvr>
-</p:sld>
-</file>
-
-<file path=ppt/slides/slide7.xml><?xml version="1.0" encoding="utf-8"?>
-<p:sld xmlns:a="http://schemas.openxmlformats.org/drawingml/2006/main" xmlns:r="http://schemas.openxmlformats.org/officeDocument/2006/relationships" xmlns:p="http://schemas.openxmlformats.org/presentationml/2006/main">
-  <p:cSld>
-    <p:spTree>
-      <p:nvGrpSpPr>
-        <p:cNvPr id="1" name=""/>
-        <p:cNvGrpSpPr/>
-        <p:nvPr/>
-      </p:nvGrpSpPr>
-      <p:grpSpPr>
-        <a:xfrm>
-          <a:off x="0" y="0"/>
-          <a:ext cx="0" cy="0"/>
-          <a:chOff x="0" y="0"/>
-          <a:chExt cx="0" cy="0"/>
-        </a:xfrm>
-      </p:grpSpPr>
-      <p:sp>
-        <p:nvSpPr>
-          <p:cNvPr id="2" name="Title 1">
-            <a:extLst>
-              <a:ext uri="{FF2B5EF4-FFF2-40B4-BE49-F238E27FC236}">
-                <a16:creationId xmlns:a16="http://schemas.microsoft.com/office/drawing/2014/main" id="{91FF2A73-E6E7-FF2C-0273-DD77F040492E}"/>
-              </a:ext>
-            </a:extLst>
-          </p:cNvPr>
-          <p:cNvSpPr>
-            <a:spLocks noGrp="1"/>
-          </p:cNvSpPr>
-          <p:nvPr>
-            <p:ph type="title"/>
-          </p:nvPr>
-        </p:nvSpPr>
-        <p:spPr/>
-        <p:txBody>
-          <a:bodyPr/>
-          <a:lstStyle/>
-          <a:p>
-            <a:pPr algn="ctr"/>
-            <a:r>
-              <a:rPr lang="en-US" dirty="0"/>
-              <a:t>Requirement Gathering</a:t>
-            </a:r>
-          </a:p>
-        </p:txBody>
-      </p:sp>
-      <p:sp>
-        <p:nvSpPr>
-          <p:cNvPr id="3" name="Content Placeholder 2">
-            <a:extLst>
-              <a:ext uri="{FF2B5EF4-FFF2-40B4-BE49-F238E27FC236}">
-                <a16:creationId xmlns:a16="http://schemas.microsoft.com/office/drawing/2014/main" id="{2779701A-F46A-4F78-6A83-63913758397D}"/>
-              </a:ext>
-            </a:extLst>
-          </p:cNvPr>
-          <p:cNvSpPr>
-            <a:spLocks noGrp="1"/>
-          </p:cNvSpPr>
-          <p:nvPr>
-            <p:ph idx="1"/>
-          </p:nvPr>
-        </p:nvSpPr>
-        <p:spPr/>
-        <p:txBody>
-          <a:bodyPr>
-            <a:noAutofit/>
-          </a:bodyPr>
-          <a:lstStyle/>
-          <a:p>
-            <a:pPr algn="l"/>
-            <a:r>
-              <a:rPr lang="en-IN" b="0" i="0" u="none" strike="noStrike" dirty="0">
-                <a:solidFill>
-                  <a:schemeClr val="tx1"/>
-                </a:solidFill>
-                <a:effectLst/>
-              </a:rPr>
-              <a:t>To gather requirements for a traffic sign detection system, follow these steps:</a:t>
-            </a:r>
-          </a:p>
-          <a:p>
-            <a:pPr algn="l">
-              <a:buFont typeface="+mj-lt"/>
-              <a:buAutoNum type="arabicPeriod"/>
-            </a:pPr>
-            <a:r>
-              <a:rPr lang="en-IN" b="1" i="0" u="none" strike="noStrike" dirty="0">
-                <a:solidFill>
-                  <a:schemeClr val="tx1"/>
-                </a:solidFill>
-                <a:effectLst/>
-              </a:rPr>
-              <a:t>Scope Definition:</a:t>
-            </a:r>
-            <a:endParaRPr lang="en-IN" dirty="0">
-              <a:solidFill>
-                <a:schemeClr val="tx1"/>
-              </a:solidFill>
-            </a:endParaRPr>
-          </a:p>
-          <a:p>
-            <a:pPr marL="0" indent="0" algn="l">
-              <a:buNone/>
-            </a:pPr>
-            <a:r>
-              <a:rPr lang="en-IN" b="0" i="0" u="none" strike="noStrike" dirty="0">
-                <a:solidFill>
-                  <a:schemeClr val="tx1"/>
-                </a:solidFill>
-                <a:effectLst/>
-              </a:rPr>
-              <a:t>	Clearly define project goals and boundaries.</a:t>
-            </a:r>
-          </a:p>
-          <a:p>
-            <a:pPr algn="l">
-              <a:buFont typeface="+mj-lt"/>
-              <a:buAutoNum type="arabicPeriod"/>
-            </a:pPr>
-            <a:r>
-              <a:rPr lang="en-IN" b="1" i="0" u="none" strike="noStrike" dirty="0">
-                <a:solidFill>
-                  <a:schemeClr val="tx1"/>
-                </a:solidFill>
-                <a:effectLst/>
-              </a:rPr>
-              <a:t>Stakeholder Identification:</a:t>
-            </a:r>
-            <a:endParaRPr lang="en-IN" b="0" i="0" u="none" strike="noStrike" dirty="0">
-              <a:solidFill>
-                <a:schemeClr val="tx1"/>
-              </a:solidFill>
-              <a:effectLst/>
-            </a:endParaRPr>
-          </a:p>
-          <a:p>
-            <a:pPr marL="742950" lvl="1" indent="-285750" algn="l">
-              <a:buFont typeface="+mj-lt"/>
-              <a:buAutoNum type="arabicPeriod"/>
-            </a:pPr>
-            <a:r>
-              <a:rPr lang="en-IN" b="0" i="0" u="none" strike="noStrike" dirty="0">
-                <a:solidFill>
-                  <a:schemeClr val="tx1"/>
-                </a:solidFill>
-                <a:effectLst/>
-              </a:rPr>
-              <a:t>Identify all involved parties.</a:t>
-            </a:r>
-          </a:p>
-          <a:p>
-            <a:pPr algn="l">
-              <a:buFont typeface="+mj-lt"/>
-              <a:buAutoNum type="arabicPeriod"/>
-            </a:pPr>
-            <a:r>
-              <a:rPr lang="en-IN" b="1" i="0" u="none" strike="noStrike" dirty="0">
-                <a:solidFill>
-                  <a:schemeClr val="tx1"/>
-                </a:solidFill>
-                <a:effectLst/>
-              </a:rPr>
-              <a:t>Stakeholder Input:</a:t>
-            </a:r>
-            <a:endParaRPr lang="en-IN" b="0" i="0" u="none" strike="noStrike" dirty="0">
-              <a:solidFill>
-                <a:schemeClr val="tx1"/>
-              </a:solidFill>
-              <a:effectLst/>
-            </a:endParaRPr>
-          </a:p>
-          <a:p>
-            <a:pPr marL="742950" lvl="1" indent="-285750" algn="l">
-              <a:buFont typeface="+mj-lt"/>
-              <a:buAutoNum type="arabicPeriod"/>
-            </a:pPr>
-            <a:r>
-              <a:rPr lang="en-IN" b="0" i="0" u="none" strike="noStrike" dirty="0">
-                <a:solidFill>
-                  <a:schemeClr val="tx1"/>
-                </a:solidFill>
-                <a:effectLst/>
-              </a:rPr>
-              <a:t>Gather input through interviews or surveys.</a:t>
-            </a:r>
-          </a:p>
-          <a:p>
-            <a:pPr algn="l">
-              <a:buFont typeface="+mj-lt"/>
-              <a:buAutoNum type="arabicPeriod"/>
-            </a:pPr>
-            <a:r>
-              <a:rPr lang="en-IN" b="1" i="0" u="none" strike="noStrike" dirty="0">
-                <a:solidFill>
-                  <a:schemeClr val="tx1"/>
-                </a:solidFill>
-                <a:effectLst/>
-              </a:rPr>
-              <a:t>Analyse Existing Systems (if any):</a:t>
-            </a:r>
-            <a:endParaRPr lang="en-IN" b="0" i="0" u="none" strike="noStrike" dirty="0">
-              <a:solidFill>
-                <a:schemeClr val="tx1"/>
-              </a:solidFill>
-              <a:effectLst/>
-            </a:endParaRPr>
-          </a:p>
-          <a:p>
-            <a:pPr marL="742950" lvl="1" indent="-285750" algn="l">
-              <a:buFont typeface="+mj-lt"/>
-              <a:buAutoNum type="arabicPeriod"/>
-            </a:pPr>
-            <a:r>
-              <a:rPr lang="en-IN" b="0" i="0" u="none" strike="noStrike" dirty="0">
-                <a:solidFill>
-                  <a:schemeClr val="tx1"/>
-                </a:solidFill>
-                <a:effectLst/>
-              </a:rPr>
-              <a:t>Evaluate strengths and weaknesses.</a:t>
-            </a:r>
-          </a:p>
-        </p:txBody>
-      </p:sp>
-    </p:spTree>
-    <p:extLst>
-      <p:ext uri="{BB962C8B-B14F-4D97-AF65-F5344CB8AC3E}">
-        <p14:creationId xmlns:p14="http://schemas.microsoft.com/office/powerpoint/2010/main" val="1978781931"/>
-      </p:ext>
-    </p:extLst>
-  </p:cSld>
-  <p:clrMapOvr>
-    <a:masterClrMapping/>
-  </p:clrMapOvr>
-</p:sld>
-</file>
-
-<file path=ppt/slides/slide8.xml><?xml version="1.0" encoding="utf-8"?>
-<p:sld xmlns:a="http://schemas.openxmlformats.org/drawingml/2006/main" xmlns:r="http://schemas.openxmlformats.org/officeDocument/2006/relationships" xmlns:p="http://schemas.openxmlformats.org/presentationml/2006/main">
-  <p:cSld>
-    <p:spTree>
-      <p:nvGrpSpPr>
-        <p:cNvPr id="1" name=""/>
-        <p:cNvGrpSpPr/>
-        <p:nvPr/>
-      </p:nvGrpSpPr>
-      <p:grpSpPr>
-        <a:xfrm>
-          <a:off x="0" y="0"/>
-          <a:ext cx="0" cy="0"/>
-          <a:chOff x="0" y="0"/>
-          <a:chExt cx="0" cy="0"/>
-        </a:xfrm>
-      </p:grpSpPr>
-      <p:sp>
-        <p:nvSpPr>
-          <p:cNvPr id="2" name="TextBox 1">
-            <a:extLst>
-              <a:ext uri="{FF2B5EF4-FFF2-40B4-BE49-F238E27FC236}">
-                <a16:creationId xmlns:a16="http://schemas.microsoft.com/office/drawing/2014/main" id="{34D02CFF-A383-0FF9-CFD6-D26F46EBACBB}"/>
-              </a:ext>
-            </a:extLst>
-          </p:cNvPr>
-          <p:cNvSpPr txBox="1"/>
-          <p:nvPr/>
-        </p:nvSpPr>
-        <p:spPr>
-          <a:xfrm>
-            <a:off x="985838" y="185081"/>
-            <a:ext cx="9658350" cy="7017306"/>
-          </a:xfrm>
-          <a:prstGeom prst="rect">
-            <a:avLst/>
-          </a:prstGeom>
-          <a:noFill/>
-        </p:spPr>
-        <p:txBody>
-          <a:bodyPr wrap="square" rtlCol="0">
-            <a:spAutoFit/>
-          </a:bodyPr>
-          <a:lstStyle/>
-          <a:p>
-            <a:pPr algn="l">
-              <a:buFont typeface="+mj-lt"/>
-              <a:buAutoNum type="arabicPeriod"/>
-            </a:pPr>
-            <a:r>
-              <a:rPr lang="en-IN" b="1" i="0" u="none" strike="noStrike" dirty="0">
-                <a:solidFill>
-                  <a:schemeClr val="tx1"/>
-                </a:solidFill>
-                <a:effectLst/>
-              </a:rPr>
-              <a:t>Legal and Safety Compliance:</a:t>
-            </a:r>
-            <a:endParaRPr lang="en-IN" b="0" i="0" u="none" strike="noStrike" dirty="0">
-              <a:solidFill>
-                <a:schemeClr val="tx1"/>
-              </a:solidFill>
-              <a:effectLst/>
-            </a:endParaRPr>
-          </a:p>
-          <a:p>
-            <a:pPr marL="742950" lvl="1" indent="-285750" algn="l">
-              <a:buFont typeface="+mj-lt"/>
-              <a:buAutoNum type="arabicPeriod"/>
-            </a:pPr>
-            <a:r>
-              <a:rPr lang="en-IN" b="0" i="0" u="none" strike="noStrike" dirty="0">
-                <a:solidFill>
-                  <a:schemeClr val="tx1"/>
-                </a:solidFill>
-                <a:effectLst/>
-              </a:rPr>
-              <a:t>Ensure adherence to regulations and safety standards.</a:t>
-            </a:r>
-          </a:p>
-          <a:p>
-            <a:pPr algn="l">
-              <a:buFont typeface="+mj-lt"/>
-              <a:buAutoNum type="arabicPeriod"/>
-            </a:pPr>
-            <a:r>
-              <a:rPr lang="en-IN" b="1" i="0" u="none" strike="noStrike" dirty="0">
-                <a:solidFill>
-                  <a:schemeClr val="tx1"/>
-                </a:solidFill>
-                <a:effectLst/>
-              </a:rPr>
-              <a:t>Functional Requirements:</a:t>
-            </a:r>
-            <a:endParaRPr lang="en-IN" b="0" i="0" u="none" strike="noStrike" dirty="0">
-              <a:solidFill>
-                <a:schemeClr val="tx1"/>
-              </a:solidFill>
-              <a:effectLst/>
-            </a:endParaRPr>
-          </a:p>
-          <a:p>
-            <a:pPr marL="742950" lvl="1" indent="-285750" algn="l">
-              <a:buFont typeface="+mj-lt"/>
-              <a:buAutoNum type="arabicPeriod"/>
-            </a:pPr>
-            <a:r>
-              <a:rPr lang="en-IN" b="0" i="0" u="none" strike="noStrike" dirty="0">
-                <a:solidFill>
-                  <a:schemeClr val="tx1"/>
-                </a:solidFill>
-                <a:effectLst/>
-              </a:rPr>
-              <a:t>Specify what the system should do.</a:t>
-            </a:r>
-          </a:p>
-          <a:p>
-            <a:pPr algn="l">
-              <a:buFont typeface="+mj-lt"/>
-              <a:buAutoNum type="arabicPeriod"/>
-            </a:pPr>
-            <a:r>
-              <a:rPr lang="en-IN" b="1" i="0" u="none" strike="noStrike" dirty="0">
-                <a:solidFill>
-                  <a:schemeClr val="tx1"/>
-                </a:solidFill>
-                <a:effectLst/>
-              </a:rPr>
-              <a:t>Non-functional Requirements:</a:t>
-            </a:r>
-            <a:endParaRPr lang="en-IN" b="0" i="0" u="none" strike="noStrike" dirty="0">
-              <a:solidFill>
-                <a:schemeClr val="tx1"/>
-              </a:solidFill>
-              <a:effectLst/>
-            </a:endParaRPr>
-          </a:p>
-          <a:p>
-            <a:pPr marL="742950" lvl="1" indent="-285750" algn="l">
-              <a:buFont typeface="+mj-lt"/>
-              <a:buAutoNum type="arabicPeriod"/>
-            </a:pPr>
-            <a:r>
-              <a:rPr lang="en-IN" b="0" i="0" u="none" strike="noStrike" dirty="0">
-                <a:solidFill>
-                  <a:schemeClr val="tx1"/>
-                </a:solidFill>
-                <a:effectLst/>
-              </a:rPr>
-              <a:t>Address performance and reliability.</a:t>
-            </a:r>
-          </a:p>
-          <a:p>
-            <a:pPr algn="l">
-              <a:buFont typeface="+mj-lt"/>
-              <a:buAutoNum type="arabicPeriod"/>
-            </a:pPr>
-            <a:r>
-              <a:rPr lang="en-IN" b="1" i="0" u="none" strike="noStrike" dirty="0">
-                <a:solidFill>
-                  <a:schemeClr val="tx1"/>
-                </a:solidFill>
-                <a:effectLst/>
-              </a:rPr>
-              <a:t>Data Requirements:</a:t>
-            </a:r>
-            <a:endParaRPr lang="en-IN" b="0" i="0" u="none" strike="noStrike" dirty="0">
-              <a:solidFill>
-                <a:schemeClr val="tx1"/>
-              </a:solidFill>
-              <a:effectLst/>
-            </a:endParaRPr>
-          </a:p>
-          <a:p>
-            <a:pPr marL="742950" lvl="1" indent="-285750" algn="l">
-              <a:buFont typeface="+mj-lt"/>
-              <a:buAutoNum type="arabicPeriod"/>
-            </a:pPr>
-            <a:r>
-              <a:rPr lang="en-IN" b="0" i="0" u="none" strike="noStrike" dirty="0">
-                <a:solidFill>
-                  <a:schemeClr val="tx1"/>
-                </a:solidFill>
-                <a:effectLst/>
-              </a:rPr>
-              <a:t>Define data sources and quality.</a:t>
-            </a:r>
-          </a:p>
-          <a:p>
-            <a:pPr algn="l">
-              <a:buFont typeface="+mj-lt"/>
-              <a:buAutoNum type="arabicPeriod"/>
-            </a:pPr>
-            <a:r>
-              <a:rPr lang="en-IN" b="1" i="0" u="none" strike="noStrike" dirty="0">
-                <a:solidFill>
-                  <a:schemeClr val="tx1"/>
-                </a:solidFill>
-                <a:effectLst/>
-              </a:rPr>
-              <a:t>Integration Needs:</a:t>
-            </a:r>
-            <a:endParaRPr lang="en-IN" b="0" i="0" u="none" strike="noStrike" dirty="0">
-              <a:solidFill>
-                <a:schemeClr val="tx1"/>
-              </a:solidFill>
-              <a:effectLst/>
-            </a:endParaRPr>
-          </a:p>
-          <a:p>
-            <a:pPr marL="742950" lvl="1" indent="-285750" algn="l">
-              <a:buFont typeface="+mj-lt"/>
-              <a:buAutoNum type="arabicPeriod"/>
-            </a:pPr>
-            <a:r>
-              <a:rPr lang="en-IN" b="0" i="0" u="none" strike="noStrike" dirty="0">
-                <a:solidFill>
-                  <a:schemeClr val="tx1"/>
-                </a:solidFill>
-                <a:effectLst/>
-              </a:rPr>
-              <a:t>Determine if integration is necessary.</a:t>
-            </a:r>
-          </a:p>
-          <a:p>
-            <a:pPr algn="l">
-              <a:buFont typeface="+mj-lt"/>
-              <a:buAutoNum type="arabicPeriod"/>
-            </a:pPr>
-            <a:r>
-              <a:rPr lang="en-IN" b="1" i="0" u="none" strike="noStrike" dirty="0">
-                <a:solidFill>
-                  <a:schemeClr val="tx1"/>
-                </a:solidFill>
-                <a:effectLst/>
-              </a:rPr>
-              <a:t>UI/UX Requirements:</a:t>
-            </a:r>
-            <a:endParaRPr lang="en-IN" b="0" i="0" u="none" strike="noStrike" dirty="0">
-              <a:solidFill>
-                <a:schemeClr val="tx1"/>
-              </a:solidFill>
-              <a:effectLst/>
-            </a:endParaRPr>
-          </a:p>
-          <a:p>
-            <a:pPr marL="742950" lvl="1" indent="-285750" algn="l">
-              <a:buFont typeface="+mj-lt"/>
-              <a:buAutoNum type="arabicPeriod"/>
-            </a:pPr>
-            <a:r>
-              <a:rPr lang="en-IN" b="0" i="0" u="none" strike="noStrike" dirty="0">
-                <a:solidFill>
-                  <a:schemeClr val="tx1"/>
-                </a:solidFill>
-                <a:effectLst/>
-              </a:rPr>
-              <a:t>Outline user interface expectations.</a:t>
-            </a:r>
-          </a:p>
-          <a:p>
-            <a:pPr algn="l">
-              <a:buFont typeface="+mj-lt"/>
-              <a:buAutoNum type="arabicPeriod"/>
-            </a:pPr>
-            <a:r>
-              <a:rPr lang="en-IN" b="1" i="0" u="none" strike="noStrike" dirty="0">
-                <a:solidFill>
-                  <a:schemeClr val="tx1"/>
-                </a:solidFill>
-                <a:effectLst/>
-              </a:rPr>
-              <a:t>Testing and Validation:</a:t>
-            </a:r>
-            <a:endParaRPr lang="en-IN" b="0" i="0" u="none" strike="noStrike" dirty="0">
-              <a:solidFill>
-                <a:schemeClr val="tx1"/>
-              </a:solidFill>
-              <a:effectLst/>
-            </a:endParaRPr>
-          </a:p>
-          <a:p>
-            <a:pPr marL="742950" lvl="1" indent="-285750" algn="l">
-              <a:buFont typeface="+mj-lt"/>
-              <a:buAutoNum type="arabicPeriod"/>
-            </a:pPr>
-            <a:r>
-              <a:rPr lang="en-IN" b="0" i="0" u="none" strike="noStrike" dirty="0">
-                <a:solidFill>
-                  <a:schemeClr val="tx1"/>
-                </a:solidFill>
-                <a:effectLst/>
-              </a:rPr>
-              <a:t>Define evaluation methods.</a:t>
-            </a:r>
-          </a:p>
-          <a:p>
-            <a:pPr algn="l">
-              <a:buFont typeface="+mj-lt"/>
-              <a:buAutoNum type="arabicPeriod"/>
-            </a:pPr>
-            <a:r>
-              <a:rPr lang="en-IN" b="1" i="0" u="none" strike="noStrike" dirty="0">
-                <a:solidFill>
-                  <a:schemeClr val="tx1"/>
-                </a:solidFill>
-                <a:effectLst/>
-              </a:rPr>
-              <a:t>Maintenance and Support:</a:t>
-            </a:r>
-            <a:endParaRPr lang="en-IN" b="0" i="0" u="none" strike="noStrike" dirty="0">
-              <a:solidFill>
-                <a:schemeClr val="tx1"/>
-              </a:solidFill>
-              <a:effectLst/>
-            </a:endParaRPr>
-          </a:p>
-          <a:p>
-            <a:pPr marL="742950" lvl="1" indent="-285750" algn="l">
-              <a:buFont typeface="+mj-lt"/>
-              <a:buAutoNum type="arabicPeriod"/>
-            </a:pPr>
-            <a:r>
-              <a:rPr lang="en-IN" b="0" i="0" u="none" strike="noStrike" dirty="0">
-                <a:solidFill>
-                  <a:schemeClr val="tx1"/>
-                </a:solidFill>
-                <a:effectLst/>
-              </a:rPr>
-              <a:t>Plan for post-deployment needs.</a:t>
-            </a:r>
-          </a:p>
-          <a:p>
-            <a:pPr algn="l">
-              <a:buFont typeface="+mj-lt"/>
-              <a:buAutoNum type="arabicPeriod"/>
-            </a:pPr>
-            <a:r>
-              <a:rPr lang="en-IN" b="1" i="0" u="none" strike="noStrike" dirty="0">
-                <a:solidFill>
-                  <a:schemeClr val="tx1"/>
-                </a:solidFill>
-                <a:effectLst/>
-              </a:rPr>
-              <a:t>Documentation and Training:</a:t>
-            </a:r>
-            <a:endParaRPr lang="en-IN" b="0" i="0" u="none" strike="noStrike" dirty="0">
-              <a:solidFill>
-                <a:schemeClr val="tx1"/>
-              </a:solidFill>
-              <a:effectLst/>
-            </a:endParaRPr>
-          </a:p>
-          <a:p>
-            <a:pPr marL="742950" lvl="1" indent="-285750" algn="l">
-              <a:buFont typeface="+mj-lt"/>
-              <a:buAutoNum type="arabicPeriod"/>
-            </a:pPr>
-            <a:r>
-              <a:rPr lang="en-IN" b="0" i="0" u="none" strike="noStrike" dirty="0">
-                <a:solidFill>
-                  <a:schemeClr val="tx1"/>
-                </a:solidFill>
-                <a:effectLst/>
-              </a:rPr>
-              <a:t>Prepare user materials.</a:t>
-            </a:r>
-          </a:p>
-          <a:p>
-            <a:pPr algn="l">
-              <a:buFont typeface="+mj-lt"/>
-              <a:buAutoNum type="arabicPeriod"/>
-            </a:pPr>
-            <a:r>
-              <a:rPr lang="en-IN" b="1" i="0" u="none" strike="noStrike" dirty="0">
-                <a:solidFill>
-                  <a:schemeClr val="tx1"/>
-                </a:solidFill>
-                <a:effectLst/>
-              </a:rPr>
-              <a:t>Cost and Timeline:</a:t>
-            </a:r>
-            <a:endParaRPr lang="en-IN" b="0" i="0" u="none" strike="noStrike" dirty="0">
-              <a:solidFill>
-                <a:schemeClr val="tx1"/>
-              </a:solidFill>
-              <a:effectLst/>
-            </a:endParaRPr>
-          </a:p>
-          <a:p>
-            <a:pPr marL="742950" lvl="1" indent="-285750" algn="l">
-              <a:buFont typeface="+mj-lt"/>
-              <a:buAutoNum type="arabicPeriod"/>
-            </a:pPr>
-            <a:r>
-              <a:rPr lang="en-IN" b="0" i="0" u="none" strike="noStrike" dirty="0">
-                <a:solidFill>
-                  <a:schemeClr val="tx1"/>
-                </a:solidFill>
-                <a:effectLst/>
-              </a:rPr>
-              <a:t>Consider budget and project schedule.</a:t>
-            </a:r>
-          </a:p>
-          <a:p>
-            <a:pPr algn="l">
-              <a:buFont typeface="+mj-lt"/>
-              <a:buAutoNum type="arabicPeriod"/>
-            </a:pPr>
-            <a:r>
-              <a:rPr lang="en-IN" b="1" i="0" u="none" strike="noStrike" dirty="0">
-                <a:solidFill>
-                  <a:schemeClr val="tx1"/>
-                </a:solidFill>
-                <a:effectLst/>
-              </a:rPr>
-              <a:t>Risk Assessment:</a:t>
-            </a:r>
-            <a:endParaRPr lang="en-IN" b="0" i="0" u="none" strike="noStrike" dirty="0">
-              <a:solidFill>
-                <a:schemeClr val="tx1"/>
-              </a:solidFill>
-              <a:effectLst/>
-            </a:endParaRPr>
-          </a:p>
-          <a:p>
-            <a:pPr marL="742950" lvl="1" indent="-285750" algn="l">
-              <a:buFont typeface="+mj-lt"/>
-              <a:buAutoNum type="arabicPeriod"/>
-            </a:pPr>
-            <a:r>
-              <a:rPr lang="en-IN" b="0" i="0" u="none" strike="noStrike" dirty="0">
-                <a:solidFill>
-                  <a:schemeClr val="tx1"/>
-                </a:solidFill>
-                <a:effectLst/>
-              </a:rPr>
-              <a:t>Identify and address potential risks.</a:t>
-            </a:r>
-          </a:p>
-          <a:p>
-            <a:pPr algn="l">
-              <a:buFont typeface="+mj-lt"/>
-              <a:buAutoNum type="arabicPeriod"/>
-            </a:pPr>
-            <a:r>
-              <a:rPr lang="en-IN" b="1" i="0" u="none" strike="noStrike" dirty="0">
-                <a:solidFill>
-                  <a:schemeClr val="tx1"/>
-                </a:solidFill>
-                <a:effectLst/>
-              </a:rPr>
-              <a:t>Review and Validation:</a:t>
-            </a:r>
-            <a:endParaRPr lang="en-IN" b="0" i="0" u="none" strike="noStrike" dirty="0">
-              <a:solidFill>
-                <a:schemeClr val="tx1"/>
-              </a:solidFill>
-              <a:effectLst/>
-            </a:endParaRPr>
-          </a:p>
-          <a:p>
-            <a:pPr marL="742950" lvl="1" indent="-285750" algn="l">
-              <a:buFont typeface="+mj-lt"/>
-              <a:buAutoNum type="arabicPeriod"/>
-            </a:pPr>
-            <a:r>
-              <a:rPr lang="en-IN" b="0" i="0" u="none" strike="noStrike" dirty="0">
-                <a:solidFill>
-                  <a:schemeClr val="tx1"/>
-                </a:solidFill>
-                <a:effectLst/>
-              </a:rPr>
-              <a:t>Regularly confirm alignment with stakeholders.</a:t>
-            </a:r>
-          </a:p>
-          <a:p>
-            <a:endParaRPr lang="en-US" dirty="0"/>
-          </a:p>
-        </p:txBody>
-      </p:sp>
-    </p:spTree>
-    <p:extLst>
-      <p:ext uri="{BB962C8B-B14F-4D97-AF65-F5344CB8AC3E}">
-        <p14:creationId xmlns:p14="http://schemas.microsoft.com/office/powerpoint/2010/main" val="354766995"/>
-      </p:ext>
-    </p:extLst>
-  </p:cSld>
-  <p:clrMapOvr>
-    <a:masterClrMapping/>
-  </p:clrMapOvr>
-</p:sld>
-</file>
-
-<file path=ppt/slides/slide9.xml><?xml version="1.0" encoding="utf-8"?>
-<p:sld xmlns:a="http://schemas.openxmlformats.org/drawingml/2006/main" xmlns:r="http://schemas.openxmlformats.org/officeDocument/2006/relationships" xmlns:p="http://schemas.openxmlformats.org/presentationml/2006/main">
-  <p:cSld>
-    <p:spTree>
-      <p:nvGrpSpPr>
-        <p:cNvPr id="1" name=""/>
-        <p:cNvGrpSpPr/>
-        <p:nvPr/>
-      </p:nvGrpSpPr>
-      <p:grpSpPr>
-        <a:xfrm>
-          <a:off x="0" y="0"/>
-          <a:ext cx="0" cy="0"/>
-          <a:chOff x="0" y="0"/>
-          <a:chExt cx="0" cy="0"/>
-        </a:xfrm>
-      </p:grpSpPr>
-      <p:sp>
-        <p:nvSpPr>
-          <p:cNvPr id="2" name="Title 1">
-            <a:extLst>
-              <a:ext uri="{FF2B5EF4-FFF2-40B4-BE49-F238E27FC236}">
                 <a16:creationId xmlns:a16="http://schemas.microsoft.com/office/drawing/2014/main" id="{944F52E6-B7BD-793E-F5D8-54580E132694}"/>
               </a:ext>
             </a:extLst>
@@ -6122,7 +3917,12 @@
             <p:ph type="title"/>
           </p:nvPr>
         </p:nvSpPr>
-        <p:spPr/>
+        <p:spPr>
+          <a:xfrm>
+            <a:off x="1371600" y="685800"/>
+            <a:ext cx="9601200" cy="691055"/>
+          </a:xfrm>
+        </p:spPr>
         <p:txBody>
           <a:bodyPr/>
           <a:lstStyle/>
@@ -6150,14 +3950,14 @@
             <p:ph idx="1"/>
             <p:extLst>
               <p:ext uri="{D42A27DB-BD31-4B8C-83A1-F6EECF244321}">
-                <p14:modId xmlns:p14="http://schemas.microsoft.com/office/powerpoint/2010/main" val="813628455"/>
+                <p14:modId xmlns:p14="http://schemas.microsoft.com/office/powerpoint/2010/main" val="3135388736"/>
               </p:ext>
             </p:extLst>
           </p:nvPr>
         </p:nvGraphicFramePr>
         <p:xfrm>
-          <a:off x="1371600" y="2286000"/>
-          <a:ext cx="9601197" cy="4876800"/>
+          <a:off x="1371598" y="1376855"/>
+          <a:ext cx="9601200" cy="4950375"/>
         </p:xfrm>
         <a:graphic>
           <a:graphicData uri="http://schemas.openxmlformats.org/drawingml/2006/table">
@@ -6166,21 +3966,21 @@
                 <a:tableStyleId>{5C22544A-7EE6-4342-B048-85BDC9FD1C3A}</a:tableStyleId>
               </a:tblPr>
               <a:tblGrid>
-                <a:gridCol w="2085975">
+                <a:gridCol w="2085976">
                   <a:extLst>
                     <a:ext uri="{9D8B030D-6E8A-4147-A177-3AD203B41FA5}">
                       <a16:colId xmlns:a16="http://schemas.microsoft.com/office/drawing/2014/main" val="2380705442"/>
                     </a:ext>
                   </a:extLst>
                 </a:gridCol>
-                <a:gridCol w="3257550">
+                <a:gridCol w="3257551">
                   <a:extLst>
                     <a:ext uri="{9D8B030D-6E8A-4147-A177-3AD203B41FA5}">
                       <a16:colId xmlns:a16="http://schemas.microsoft.com/office/drawing/2014/main" val="2204251285"/>
                     </a:ext>
                   </a:extLst>
                 </a:gridCol>
-                <a:gridCol w="4257672">
+                <a:gridCol w="4257673">
                   <a:extLst>
                     <a:ext uri="{9D8B030D-6E8A-4147-A177-3AD203B41FA5}">
                       <a16:colId xmlns:a16="http://schemas.microsoft.com/office/drawing/2014/main" val="1299214240"/>
@@ -6188,7 +3988,7 @@
                   </a:extLst>
                 </a:gridCol>
               </a:tblGrid>
-              <a:tr h="370840">
+              <a:tr h="376435">
                 <a:tc>
                   <a:txBody>
                     <a:bodyPr/>
@@ -6222,7 +4022,7 @@
                     <a:p>
                       <a:r>
                         <a:rPr lang="en-US" dirty="0"/>
-                        <a:t>Limitations</a:t>
+                        <a:t>Inferences </a:t>
                       </a:r>
                     </a:p>
                   </a:txBody>
@@ -6234,7 +4034,7 @@
                   </a:ext>
                 </a:extLst>
               </a:tr>
-              <a:tr h="370840">
+              <a:tr h="1763570">
                 <a:tc>
                   <a:txBody>
                     <a:bodyPr/>
@@ -6382,7 +4182,7 @@
                   </a:ext>
                 </a:extLst>
               </a:tr>
-              <a:tr h="370840">
+              <a:tr h="928195">
                 <a:tc>
                   <a:txBody>
                     <a:bodyPr/>
@@ -6450,7 +4250,7 @@
                   </a:ext>
                 </a:extLst>
               </a:tr>
-              <a:tr h="370840">
+              <a:tr h="376435">
                 <a:tc>
                   <a:txBody>
                     <a:bodyPr/>
@@ -6487,7 +4287,7 @@
                   </a:ext>
                 </a:extLst>
               </a:tr>
-              <a:tr h="370840">
+              <a:tr h="376435">
                 <a:tc>
                   <a:txBody>
                     <a:bodyPr/>
@@ -6524,7 +4324,7 @@
                   </a:ext>
                 </a:extLst>
               </a:tr>
-              <a:tr h="370840">
+              <a:tr h="376435">
                 <a:tc>
                   <a:txBody>
                     <a:bodyPr/>
@@ -6561,7 +4361,7 @@
                   </a:ext>
                 </a:extLst>
               </a:tr>
-              <a:tr h="370840">
+              <a:tr h="376435">
                 <a:tc>
                   <a:txBody>
                     <a:bodyPr/>
@@ -6598,7 +4398,7 @@
                   </a:ext>
                 </a:extLst>
               </a:tr>
-              <a:tr h="370840">
+              <a:tr h="376435">
                 <a:tc>
                   <a:txBody>
                     <a:bodyPr/>
@@ -6643,6 +4443,2690 @@
     <p:extLst>
       <p:ext uri="{BB962C8B-B14F-4D97-AF65-F5344CB8AC3E}">
         <p14:creationId xmlns:p14="http://schemas.microsoft.com/office/powerpoint/2010/main" val="773303114"/>
+      </p:ext>
+    </p:extLst>
+  </p:cSld>
+  <p:clrMapOvr>
+    <a:masterClrMapping/>
+  </p:clrMapOvr>
+</p:sld>
+</file>
+
+<file path=ppt/slides/slide11.xml><?xml version="1.0" encoding="utf-8"?>
+<p:sld xmlns:a="http://schemas.openxmlformats.org/drawingml/2006/main" xmlns:r="http://schemas.openxmlformats.org/officeDocument/2006/relationships" xmlns:p="http://schemas.openxmlformats.org/presentationml/2006/main">
+  <p:cSld>
+    <p:spTree>
+      <p:nvGrpSpPr>
+        <p:cNvPr id="1" name=""/>
+        <p:cNvGrpSpPr/>
+        <p:nvPr/>
+      </p:nvGrpSpPr>
+      <p:grpSpPr>
+        <a:xfrm>
+          <a:off x="0" y="0"/>
+          <a:ext cx="0" cy="0"/>
+          <a:chOff x="0" y="0"/>
+          <a:chExt cx="0" cy="0"/>
+        </a:xfrm>
+      </p:grpSpPr>
+      <p:graphicFrame>
+        <p:nvGraphicFramePr>
+          <p:cNvPr id="2" name="Table 2">
+            <a:extLst>
+              <a:ext uri="{FF2B5EF4-FFF2-40B4-BE49-F238E27FC236}">
+                <a16:creationId xmlns:a16="http://schemas.microsoft.com/office/drawing/2014/main" id="{AAA30B8A-D2D0-385F-75E4-9601BC5AF458}"/>
+              </a:ext>
+            </a:extLst>
+          </p:cNvPr>
+          <p:cNvGraphicFramePr>
+            <a:graphicFrameLocks noGrp="1"/>
+          </p:cNvGraphicFramePr>
+          <p:nvPr/>
+        </p:nvGraphicFramePr>
+        <p:xfrm>
+          <a:off x="2032000" y="719666"/>
+          <a:ext cx="8127999" cy="2966720"/>
+        </p:xfrm>
+        <a:graphic>
+          <a:graphicData uri="http://schemas.openxmlformats.org/drawingml/2006/table">
+            <a:tbl>
+              <a:tblPr firstRow="1" bandRow="1">
+                <a:tableStyleId>{5C22544A-7EE6-4342-B048-85BDC9FD1C3A}</a:tableStyleId>
+              </a:tblPr>
+              <a:tblGrid>
+                <a:gridCol w="2709333">
+                  <a:extLst>
+                    <a:ext uri="{9D8B030D-6E8A-4147-A177-3AD203B41FA5}">
+                      <a16:colId xmlns:a16="http://schemas.microsoft.com/office/drawing/2014/main" val="14974808"/>
+                    </a:ext>
+                  </a:extLst>
+                </a:gridCol>
+                <a:gridCol w="2709333">
+                  <a:extLst>
+                    <a:ext uri="{9D8B030D-6E8A-4147-A177-3AD203B41FA5}">
+                      <a16:colId xmlns:a16="http://schemas.microsoft.com/office/drawing/2014/main" val="2243808640"/>
+                    </a:ext>
+                  </a:extLst>
+                </a:gridCol>
+                <a:gridCol w="2709333">
+                  <a:extLst>
+                    <a:ext uri="{9D8B030D-6E8A-4147-A177-3AD203B41FA5}">
+                      <a16:colId xmlns:a16="http://schemas.microsoft.com/office/drawing/2014/main" val="3523243815"/>
+                    </a:ext>
+                  </a:extLst>
+                </a:gridCol>
+              </a:tblGrid>
+              <a:tr h="370840">
+                <a:tc>
+                  <a:txBody>
+                    <a:bodyPr/>
+                    <a:lstStyle/>
+                    <a:p>
+                      <a:endParaRPr lang="en-US"/>
+                    </a:p>
+                  </a:txBody>
+                  <a:tcPr/>
+                </a:tc>
+                <a:tc>
+                  <a:txBody>
+                    <a:bodyPr/>
+                    <a:lstStyle/>
+                    <a:p>
+                      <a:endParaRPr lang="en-US"/>
+                    </a:p>
+                  </a:txBody>
+                  <a:tcPr/>
+                </a:tc>
+                <a:tc>
+                  <a:txBody>
+                    <a:bodyPr/>
+                    <a:lstStyle/>
+                    <a:p>
+                      <a:endParaRPr lang="en-US"/>
+                    </a:p>
+                  </a:txBody>
+                  <a:tcPr/>
+                </a:tc>
+                <a:extLst>
+                  <a:ext uri="{0D108BD9-81ED-4DB2-BD59-A6C34878D82A}">
+                    <a16:rowId xmlns:a16="http://schemas.microsoft.com/office/drawing/2014/main" val="1430205691"/>
+                  </a:ext>
+                </a:extLst>
+              </a:tr>
+              <a:tr h="370840">
+                <a:tc>
+                  <a:txBody>
+                    <a:bodyPr/>
+                    <a:lstStyle/>
+                    <a:p>
+                      <a:endParaRPr lang="en-US"/>
+                    </a:p>
+                  </a:txBody>
+                  <a:tcPr/>
+                </a:tc>
+                <a:tc>
+                  <a:txBody>
+                    <a:bodyPr/>
+                    <a:lstStyle/>
+                    <a:p>
+                      <a:endParaRPr lang="en-US"/>
+                    </a:p>
+                  </a:txBody>
+                  <a:tcPr/>
+                </a:tc>
+                <a:tc>
+                  <a:txBody>
+                    <a:bodyPr/>
+                    <a:lstStyle/>
+                    <a:p>
+                      <a:endParaRPr lang="en-US"/>
+                    </a:p>
+                  </a:txBody>
+                  <a:tcPr/>
+                </a:tc>
+                <a:extLst>
+                  <a:ext uri="{0D108BD9-81ED-4DB2-BD59-A6C34878D82A}">
+                    <a16:rowId xmlns:a16="http://schemas.microsoft.com/office/drawing/2014/main" val="1779956005"/>
+                  </a:ext>
+                </a:extLst>
+              </a:tr>
+              <a:tr h="370840">
+                <a:tc>
+                  <a:txBody>
+                    <a:bodyPr/>
+                    <a:lstStyle/>
+                    <a:p>
+                      <a:endParaRPr lang="en-US"/>
+                    </a:p>
+                  </a:txBody>
+                  <a:tcPr/>
+                </a:tc>
+                <a:tc>
+                  <a:txBody>
+                    <a:bodyPr/>
+                    <a:lstStyle/>
+                    <a:p>
+                      <a:endParaRPr lang="en-US"/>
+                    </a:p>
+                  </a:txBody>
+                  <a:tcPr/>
+                </a:tc>
+                <a:tc>
+                  <a:txBody>
+                    <a:bodyPr/>
+                    <a:lstStyle/>
+                    <a:p>
+                      <a:endParaRPr lang="en-US"/>
+                    </a:p>
+                  </a:txBody>
+                  <a:tcPr/>
+                </a:tc>
+                <a:extLst>
+                  <a:ext uri="{0D108BD9-81ED-4DB2-BD59-A6C34878D82A}">
+                    <a16:rowId xmlns:a16="http://schemas.microsoft.com/office/drawing/2014/main" val="1784055035"/>
+                  </a:ext>
+                </a:extLst>
+              </a:tr>
+              <a:tr h="370840">
+                <a:tc>
+                  <a:txBody>
+                    <a:bodyPr/>
+                    <a:lstStyle/>
+                    <a:p>
+                      <a:endParaRPr lang="en-US"/>
+                    </a:p>
+                  </a:txBody>
+                  <a:tcPr/>
+                </a:tc>
+                <a:tc>
+                  <a:txBody>
+                    <a:bodyPr/>
+                    <a:lstStyle/>
+                    <a:p>
+                      <a:endParaRPr lang="en-US"/>
+                    </a:p>
+                  </a:txBody>
+                  <a:tcPr/>
+                </a:tc>
+                <a:tc>
+                  <a:txBody>
+                    <a:bodyPr/>
+                    <a:lstStyle/>
+                    <a:p>
+                      <a:endParaRPr lang="en-US"/>
+                    </a:p>
+                  </a:txBody>
+                  <a:tcPr/>
+                </a:tc>
+                <a:extLst>
+                  <a:ext uri="{0D108BD9-81ED-4DB2-BD59-A6C34878D82A}">
+                    <a16:rowId xmlns:a16="http://schemas.microsoft.com/office/drawing/2014/main" val="1082901079"/>
+                  </a:ext>
+                </a:extLst>
+              </a:tr>
+              <a:tr h="370840">
+                <a:tc>
+                  <a:txBody>
+                    <a:bodyPr/>
+                    <a:lstStyle/>
+                    <a:p>
+                      <a:endParaRPr lang="en-US"/>
+                    </a:p>
+                  </a:txBody>
+                  <a:tcPr/>
+                </a:tc>
+                <a:tc>
+                  <a:txBody>
+                    <a:bodyPr/>
+                    <a:lstStyle/>
+                    <a:p>
+                      <a:endParaRPr lang="en-US"/>
+                    </a:p>
+                  </a:txBody>
+                  <a:tcPr/>
+                </a:tc>
+                <a:tc>
+                  <a:txBody>
+                    <a:bodyPr/>
+                    <a:lstStyle/>
+                    <a:p>
+                      <a:endParaRPr lang="en-US"/>
+                    </a:p>
+                  </a:txBody>
+                  <a:tcPr/>
+                </a:tc>
+                <a:extLst>
+                  <a:ext uri="{0D108BD9-81ED-4DB2-BD59-A6C34878D82A}">
+                    <a16:rowId xmlns:a16="http://schemas.microsoft.com/office/drawing/2014/main" val="4266276138"/>
+                  </a:ext>
+                </a:extLst>
+              </a:tr>
+              <a:tr h="370840">
+                <a:tc>
+                  <a:txBody>
+                    <a:bodyPr/>
+                    <a:lstStyle/>
+                    <a:p>
+                      <a:endParaRPr lang="en-US"/>
+                    </a:p>
+                  </a:txBody>
+                  <a:tcPr/>
+                </a:tc>
+                <a:tc>
+                  <a:txBody>
+                    <a:bodyPr/>
+                    <a:lstStyle/>
+                    <a:p>
+                      <a:endParaRPr lang="en-US"/>
+                    </a:p>
+                  </a:txBody>
+                  <a:tcPr/>
+                </a:tc>
+                <a:tc>
+                  <a:txBody>
+                    <a:bodyPr/>
+                    <a:lstStyle/>
+                    <a:p>
+                      <a:endParaRPr lang="en-US"/>
+                    </a:p>
+                  </a:txBody>
+                  <a:tcPr/>
+                </a:tc>
+                <a:extLst>
+                  <a:ext uri="{0D108BD9-81ED-4DB2-BD59-A6C34878D82A}">
+                    <a16:rowId xmlns:a16="http://schemas.microsoft.com/office/drawing/2014/main" val="3989319312"/>
+                  </a:ext>
+                </a:extLst>
+              </a:tr>
+              <a:tr h="370840">
+                <a:tc>
+                  <a:txBody>
+                    <a:bodyPr/>
+                    <a:lstStyle/>
+                    <a:p>
+                      <a:endParaRPr lang="en-US"/>
+                    </a:p>
+                  </a:txBody>
+                  <a:tcPr/>
+                </a:tc>
+                <a:tc>
+                  <a:txBody>
+                    <a:bodyPr/>
+                    <a:lstStyle/>
+                    <a:p>
+                      <a:endParaRPr lang="en-US"/>
+                    </a:p>
+                  </a:txBody>
+                  <a:tcPr/>
+                </a:tc>
+                <a:tc>
+                  <a:txBody>
+                    <a:bodyPr/>
+                    <a:lstStyle/>
+                    <a:p>
+                      <a:endParaRPr lang="en-US"/>
+                    </a:p>
+                  </a:txBody>
+                  <a:tcPr/>
+                </a:tc>
+                <a:extLst>
+                  <a:ext uri="{0D108BD9-81ED-4DB2-BD59-A6C34878D82A}">
+                    <a16:rowId xmlns:a16="http://schemas.microsoft.com/office/drawing/2014/main" val="4244068336"/>
+                  </a:ext>
+                </a:extLst>
+              </a:tr>
+              <a:tr h="370840">
+                <a:tc>
+                  <a:txBody>
+                    <a:bodyPr/>
+                    <a:lstStyle/>
+                    <a:p>
+                      <a:endParaRPr lang="en-US"/>
+                    </a:p>
+                  </a:txBody>
+                  <a:tcPr/>
+                </a:tc>
+                <a:tc>
+                  <a:txBody>
+                    <a:bodyPr/>
+                    <a:lstStyle/>
+                    <a:p>
+                      <a:endParaRPr lang="en-US"/>
+                    </a:p>
+                  </a:txBody>
+                  <a:tcPr/>
+                </a:tc>
+                <a:tc>
+                  <a:txBody>
+                    <a:bodyPr/>
+                    <a:lstStyle/>
+                    <a:p>
+                      <a:endParaRPr lang="en-US" dirty="0"/>
+                    </a:p>
+                  </a:txBody>
+                  <a:tcPr/>
+                </a:tc>
+                <a:extLst>
+                  <a:ext uri="{0D108BD9-81ED-4DB2-BD59-A6C34878D82A}">
+                    <a16:rowId xmlns:a16="http://schemas.microsoft.com/office/drawing/2014/main" val="1176188881"/>
+                  </a:ext>
+                </a:extLst>
+              </a:tr>
+            </a:tbl>
+          </a:graphicData>
+        </a:graphic>
+      </p:graphicFrame>
+    </p:spTree>
+    <p:extLst>
+      <p:ext uri="{BB962C8B-B14F-4D97-AF65-F5344CB8AC3E}">
+        <p14:creationId xmlns:p14="http://schemas.microsoft.com/office/powerpoint/2010/main" val="45110269"/>
+      </p:ext>
+    </p:extLst>
+  </p:cSld>
+  <p:clrMapOvr>
+    <a:masterClrMapping/>
+  </p:clrMapOvr>
+</p:sld>
+</file>
+
+<file path=ppt/slides/slide12.xml><?xml version="1.0" encoding="utf-8"?>
+<p:sld xmlns:a="http://schemas.openxmlformats.org/drawingml/2006/main" xmlns:r="http://schemas.openxmlformats.org/officeDocument/2006/relationships" xmlns:p="http://schemas.openxmlformats.org/presentationml/2006/main">
+  <p:cSld>
+    <p:spTree>
+      <p:nvGrpSpPr>
+        <p:cNvPr id="1" name=""/>
+        <p:cNvGrpSpPr/>
+        <p:nvPr/>
+      </p:nvGrpSpPr>
+      <p:grpSpPr>
+        <a:xfrm>
+          <a:off x="0" y="0"/>
+          <a:ext cx="0" cy="0"/>
+          <a:chOff x="0" y="0"/>
+          <a:chExt cx="0" cy="0"/>
+        </a:xfrm>
+      </p:grpSpPr>
+      <p:sp>
+        <p:nvSpPr>
+          <p:cNvPr id="2" name="Title 1">
+            <a:extLst>
+              <a:ext uri="{FF2B5EF4-FFF2-40B4-BE49-F238E27FC236}">
+                <a16:creationId xmlns:a16="http://schemas.microsoft.com/office/drawing/2014/main" id="{C64D622F-0F18-3313-B19D-A3C712DBC0CC}"/>
+              </a:ext>
+            </a:extLst>
+          </p:cNvPr>
+          <p:cNvSpPr>
+            <a:spLocks noGrp="1"/>
+          </p:cNvSpPr>
+          <p:nvPr>
+            <p:ph type="title"/>
+          </p:nvPr>
+        </p:nvSpPr>
+        <p:spPr/>
+        <p:txBody>
+          <a:bodyPr/>
+          <a:lstStyle/>
+          <a:p>
+            <a:pPr algn="ctr"/>
+            <a:r>
+              <a:rPr lang="en-US" dirty="0"/>
+              <a:t>Scope</a:t>
+            </a:r>
+          </a:p>
+        </p:txBody>
+      </p:sp>
+      <p:sp>
+        <p:nvSpPr>
+          <p:cNvPr id="3" name="Content Placeholder 2">
+            <a:extLst>
+              <a:ext uri="{FF2B5EF4-FFF2-40B4-BE49-F238E27FC236}">
+                <a16:creationId xmlns:a16="http://schemas.microsoft.com/office/drawing/2014/main" id="{25CF0D0A-4A45-4C97-47C6-87F20BF2B66C}"/>
+              </a:ext>
+            </a:extLst>
+          </p:cNvPr>
+          <p:cNvSpPr>
+            <a:spLocks noGrp="1"/>
+          </p:cNvSpPr>
+          <p:nvPr>
+            <p:ph idx="1"/>
+          </p:nvPr>
+        </p:nvSpPr>
+        <p:spPr>
+          <a:xfrm>
+            <a:off x="1295400" y="1680340"/>
+            <a:ext cx="9601200" cy="3581400"/>
+          </a:xfrm>
+        </p:spPr>
+        <p:txBody>
+          <a:bodyPr/>
+          <a:lstStyle/>
+          <a:p>
+            <a:pPr algn="just">
+              <a:buFont typeface="Wingdings" pitchFamily="2" charset="2"/>
+              <a:buChar char="§"/>
+            </a:pPr>
+            <a:r>
+              <a:rPr lang="en-IN" dirty="0"/>
+              <a:t>The project's scope involves creating an </a:t>
+            </a:r>
+            <a:r>
+              <a:rPr lang="en-IN" b="1" i="1" dirty="0"/>
+              <a:t>accurate traffic sign detection system </a:t>
+            </a:r>
+          </a:p>
+          <a:p>
+            <a:pPr algn="just">
+              <a:buFont typeface="Wingdings" pitchFamily="2" charset="2"/>
+              <a:buChar char="§"/>
+            </a:pPr>
+            <a:r>
+              <a:rPr lang="en-IN" dirty="0"/>
+              <a:t>We are using advanced </a:t>
+            </a:r>
+            <a:r>
+              <a:rPr lang="en-IN" b="1" i="1" dirty="0"/>
+              <a:t>computer vision </a:t>
+            </a:r>
+            <a:r>
+              <a:rPr lang="en-IN" dirty="0"/>
+              <a:t>and </a:t>
+            </a:r>
+            <a:r>
+              <a:rPr lang="en-IN" b="1" i="1" dirty="0"/>
+              <a:t>deep learning techniques</a:t>
+            </a:r>
+            <a:r>
+              <a:rPr lang="en-IN" dirty="0"/>
+              <a:t>. </a:t>
+            </a:r>
+          </a:p>
+          <a:p>
+            <a:pPr algn="just">
+              <a:buFont typeface="Wingdings" pitchFamily="2" charset="2"/>
+              <a:buChar char="§"/>
+            </a:pPr>
+            <a:r>
+              <a:rPr lang="en-IN" dirty="0"/>
+              <a:t>This includes data collection, algorithm development, model training, and real-time processing. </a:t>
+            </a:r>
+          </a:p>
+          <a:p>
+            <a:pPr algn="just">
+              <a:buFont typeface="Wingdings" pitchFamily="2" charset="2"/>
+              <a:buChar char="§"/>
+            </a:pPr>
+            <a:r>
+              <a:rPr lang="en-IN" dirty="0"/>
+              <a:t>The system will accurately locate and classify different types of traffic signs, addressing challenges like varying conditions. </a:t>
+            </a:r>
+          </a:p>
+          <a:p>
+            <a:pPr algn="just">
+              <a:buFont typeface="Wingdings" pitchFamily="2" charset="2"/>
+              <a:buChar char="§"/>
+            </a:pPr>
+            <a:r>
+              <a:rPr lang="en-IN" dirty="0"/>
+              <a:t>It aims to enhance road safety and traffic management, with potential for future expansion and integration into various applications.</a:t>
+            </a:r>
+            <a:endParaRPr lang="en-US" dirty="0"/>
+          </a:p>
+        </p:txBody>
+      </p:sp>
+    </p:spTree>
+    <p:extLst>
+      <p:ext uri="{BB962C8B-B14F-4D97-AF65-F5344CB8AC3E}">
+        <p14:creationId xmlns:p14="http://schemas.microsoft.com/office/powerpoint/2010/main" val="2493971527"/>
+      </p:ext>
+    </p:extLst>
+  </p:cSld>
+  <p:clrMapOvr>
+    <a:masterClrMapping/>
+  </p:clrMapOvr>
+</p:sld>
+</file>
+
+<file path=ppt/slides/slide13.xml><?xml version="1.0" encoding="utf-8"?>
+<p:sld xmlns:a="http://schemas.openxmlformats.org/drawingml/2006/main" xmlns:r="http://schemas.openxmlformats.org/officeDocument/2006/relationships" xmlns:p="http://schemas.openxmlformats.org/presentationml/2006/main">
+  <p:cSld>
+    <p:spTree>
+      <p:nvGrpSpPr>
+        <p:cNvPr id="1" name=""/>
+        <p:cNvGrpSpPr/>
+        <p:nvPr/>
+      </p:nvGrpSpPr>
+      <p:grpSpPr>
+        <a:xfrm>
+          <a:off x="0" y="0"/>
+          <a:ext cx="0" cy="0"/>
+          <a:chOff x="0" y="0"/>
+          <a:chExt cx="0" cy="0"/>
+        </a:xfrm>
+      </p:grpSpPr>
+      <p:sp>
+        <p:nvSpPr>
+          <p:cNvPr id="2" name="Title 1">
+            <a:extLst>
+              <a:ext uri="{FF2B5EF4-FFF2-40B4-BE49-F238E27FC236}">
+                <a16:creationId xmlns:a16="http://schemas.microsoft.com/office/drawing/2014/main" id="{14702EC7-957B-3D7B-C591-0AFC4D35B4CF}"/>
+              </a:ext>
+            </a:extLst>
+          </p:cNvPr>
+          <p:cNvSpPr>
+            <a:spLocks noGrp="1"/>
+          </p:cNvSpPr>
+          <p:nvPr>
+            <p:ph type="title"/>
+          </p:nvPr>
+        </p:nvSpPr>
+        <p:spPr>
+          <a:xfrm>
+            <a:off x="1371600" y="685800"/>
+            <a:ext cx="9601200" cy="722586"/>
+          </a:xfrm>
+        </p:spPr>
+        <p:txBody>
+          <a:bodyPr/>
+          <a:lstStyle/>
+          <a:p>
+            <a:pPr algn="ctr"/>
+            <a:r>
+              <a:rPr lang="en-US" dirty="0"/>
+              <a:t>Reference</a:t>
+            </a:r>
+          </a:p>
+        </p:txBody>
+      </p:sp>
+      <p:sp>
+        <p:nvSpPr>
+          <p:cNvPr id="3" name="Content Placeholder 2">
+            <a:extLst>
+              <a:ext uri="{FF2B5EF4-FFF2-40B4-BE49-F238E27FC236}">
+                <a16:creationId xmlns:a16="http://schemas.microsoft.com/office/drawing/2014/main" id="{F136895F-0CA2-7D8D-B819-BF4EABBFFA60}"/>
+              </a:ext>
+            </a:extLst>
+          </p:cNvPr>
+          <p:cNvSpPr>
+            <a:spLocks noGrp="1"/>
+          </p:cNvSpPr>
+          <p:nvPr>
+            <p:ph idx="1"/>
+          </p:nvPr>
+        </p:nvSpPr>
+        <p:spPr>
+          <a:xfrm>
+            <a:off x="1371600" y="1638299"/>
+            <a:ext cx="9601200" cy="3932183"/>
+          </a:xfrm>
+        </p:spPr>
+        <p:txBody>
+          <a:bodyPr/>
+          <a:lstStyle/>
+          <a:p>
+            <a:pPr>
+              <a:buFont typeface="Wingdings" pitchFamily="2" charset="2"/>
+              <a:buChar char="§"/>
+            </a:pPr>
+            <a:r>
+              <a:rPr lang="en-US" dirty="0"/>
+              <a:t>Dataset Kaggle (</a:t>
+            </a:r>
+            <a:r>
+              <a:rPr lang="en-US" dirty="0">
+                <a:hlinkClick r:id="rId2"/>
+              </a:rPr>
+              <a:t>LINK</a:t>
+            </a:r>
+            <a:r>
+              <a:rPr lang="en-US" dirty="0"/>
+              <a:t>)</a:t>
+            </a:r>
+          </a:p>
+          <a:p>
+            <a:pPr>
+              <a:buFont typeface="Wingdings" pitchFamily="2" charset="2"/>
+              <a:buChar char="§"/>
+            </a:pPr>
+            <a:r>
+              <a:rPr lang="en-US" dirty="0"/>
+              <a:t>Crash Statistics Wikipedia (</a:t>
+            </a:r>
+            <a:r>
+              <a:rPr lang="en-US" dirty="0">
+                <a:hlinkClick r:id="rId3"/>
+              </a:rPr>
+              <a:t>LINK</a:t>
+            </a:r>
+            <a:r>
+              <a:rPr lang="en-US" dirty="0"/>
+              <a:t>)</a:t>
+            </a:r>
+          </a:p>
+          <a:p>
+            <a:pPr>
+              <a:buFont typeface="Wingdings" pitchFamily="2" charset="2"/>
+              <a:buChar char="§"/>
+            </a:pPr>
+            <a:r>
+              <a:rPr lang="en-US" dirty="0"/>
+              <a:t>Research Papers (</a:t>
+            </a:r>
+            <a:r>
+              <a:rPr lang="en-US" dirty="0">
+                <a:hlinkClick r:id="rId4"/>
+              </a:rPr>
+              <a:t>LINK</a:t>
+            </a:r>
+            <a:r>
+              <a:rPr lang="en-US" dirty="0"/>
+              <a:t> </a:t>
+            </a:r>
+            <a:r>
+              <a:rPr lang="en-US" dirty="0">
+                <a:hlinkClick r:id="rId5"/>
+              </a:rPr>
+              <a:t>LINK</a:t>
+            </a:r>
+            <a:r>
+              <a:rPr lang="en-US" dirty="0"/>
+              <a:t>)</a:t>
+            </a:r>
+          </a:p>
+          <a:p>
+            <a:pPr>
+              <a:buFont typeface="Wingdings" pitchFamily="2" charset="2"/>
+              <a:buChar char="§"/>
+            </a:pPr>
+            <a:r>
+              <a:rPr lang="en-US" dirty="0"/>
+              <a:t>Algorithms (</a:t>
+            </a:r>
+            <a:r>
+              <a:rPr lang="en-US" dirty="0">
+                <a:hlinkClick r:id="rId6"/>
+              </a:rPr>
+              <a:t>LINK</a:t>
+            </a:r>
+            <a:r>
+              <a:rPr lang="en-US" dirty="0"/>
+              <a:t>)</a:t>
+            </a:r>
+          </a:p>
+          <a:p>
+            <a:pPr>
+              <a:buFont typeface="Wingdings" pitchFamily="2" charset="2"/>
+              <a:buChar char="§"/>
+            </a:pPr>
+            <a:endParaRPr lang="en-US" dirty="0"/>
+          </a:p>
+        </p:txBody>
+      </p:sp>
+    </p:spTree>
+    <p:extLst>
+      <p:ext uri="{BB962C8B-B14F-4D97-AF65-F5344CB8AC3E}">
+        <p14:creationId xmlns:p14="http://schemas.microsoft.com/office/powerpoint/2010/main" val="1081541707"/>
+      </p:ext>
+    </p:extLst>
+  </p:cSld>
+  <p:clrMapOvr>
+    <a:masterClrMapping/>
+  </p:clrMapOvr>
+</p:sld>
+</file>
+
+<file path=ppt/slides/slide2.xml><?xml version="1.0" encoding="utf-8"?>
+<p:sld xmlns:a="http://schemas.openxmlformats.org/drawingml/2006/main" xmlns:r="http://schemas.openxmlformats.org/officeDocument/2006/relationships" xmlns:p="http://schemas.openxmlformats.org/presentationml/2006/main">
+  <p:cSld>
+    <p:spTree>
+      <p:nvGrpSpPr>
+        <p:cNvPr id="1" name=""/>
+        <p:cNvGrpSpPr/>
+        <p:nvPr/>
+      </p:nvGrpSpPr>
+      <p:grpSpPr>
+        <a:xfrm>
+          <a:off x="0" y="0"/>
+          <a:ext cx="0" cy="0"/>
+          <a:chOff x="0" y="0"/>
+          <a:chExt cx="0" cy="0"/>
+        </a:xfrm>
+      </p:grpSpPr>
+      <p:sp>
+        <p:nvSpPr>
+          <p:cNvPr id="2" name="Title 1">
+            <a:extLst>
+              <a:ext uri="{FF2B5EF4-FFF2-40B4-BE49-F238E27FC236}">
+                <a16:creationId xmlns:a16="http://schemas.microsoft.com/office/drawing/2014/main" id="{69BCFA0A-5B54-DFEA-E4AB-8216343C6740}"/>
+              </a:ext>
+            </a:extLst>
+          </p:cNvPr>
+          <p:cNvSpPr>
+            <a:spLocks noGrp="1"/>
+          </p:cNvSpPr>
+          <p:nvPr>
+            <p:ph type="title"/>
+          </p:nvPr>
+        </p:nvSpPr>
+        <p:spPr>
+          <a:xfrm>
+            <a:off x="838596" y="691758"/>
+            <a:ext cx="9612971" cy="2852737"/>
+          </a:xfrm>
+        </p:spPr>
+        <p:txBody>
+          <a:bodyPr/>
+          <a:lstStyle/>
+          <a:p>
+            <a:pPr algn="ctr"/>
+            <a:r>
+              <a:rPr lang="en-US" dirty="0"/>
+              <a:t>Zeroth review </a:t>
+            </a:r>
+          </a:p>
+        </p:txBody>
+      </p:sp>
+      <p:sp>
+        <p:nvSpPr>
+          <p:cNvPr id="3" name="Text Placeholder 2">
+            <a:extLst>
+              <a:ext uri="{FF2B5EF4-FFF2-40B4-BE49-F238E27FC236}">
+                <a16:creationId xmlns:a16="http://schemas.microsoft.com/office/drawing/2014/main" id="{6C10263F-4812-18D5-7474-54B479F7A66A}"/>
+              </a:ext>
+            </a:extLst>
+          </p:cNvPr>
+          <p:cNvSpPr>
+            <a:spLocks noGrp="1"/>
+          </p:cNvSpPr>
+          <p:nvPr>
+            <p:ph type="body" idx="1"/>
+          </p:nvPr>
+        </p:nvSpPr>
+        <p:spPr>
+          <a:xfrm>
+            <a:off x="6222124" y="4363472"/>
+            <a:ext cx="4502712" cy="1143324"/>
+          </a:xfrm>
+        </p:spPr>
+        <p:txBody>
+          <a:bodyPr>
+            <a:normAutofit/>
+          </a:bodyPr>
+          <a:lstStyle/>
+          <a:p>
+            <a:pPr algn="l"/>
+            <a:r>
+              <a:rPr lang="en-US" sz="2000" dirty="0"/>
+              <a:t>Project Team Members:</a:t>
+            </a:r>
+          </a:p>
+          <a:p>
+            <a:pPr algn="l"/>
+            <a:r>
+              <a:rPr lang="en-US" sz="2000" dirty="0"/>
+              <a:t>Aditya Chaturvedi (RA2011033010012)</a:t>
+            </a:r>
+          </a:p>
+          <a:p>
+            <a:pPr algn="l"/>
+            <a:r>
+              <a:rPr lang="en-US" sz="2000" dirty="0"/>
+              <a:t>Pratham </a:t>
+            </a:r>
+            <a:r>
+              <a:rPr lang="en-US" sz="2000" dirty="0" err="1"/>
+              <a:t>Sahu</a:t>
+            </a:r>
+            <a:r>
+              <a:rPr lang="en-US" sz="2000" dirty="0"/>
+              <a:t> (RA2011033010031)</a:t>
+            </a:r>
+          </a:p>
+        </p:txBody>
+      </p:sp>
+      <p:sp>
+        <p:nvSpPr>
+          <p:cNvPr id="4" name="Text Placeholder 2">
+            <a:extLst>
+              <a:ext uri="{FF2B5EF4-FFF2-40B4-BE49-F238E27FC236}">
+                <a16:creationId xmlns:a16="http://schemas.microsoft.com/office/drawing/2014/main" id="{890EE02B-405F-F494-9615-286F0BEEE10A}"/>
+              </a:ext>
+            </a:extLst>
+          </p:cNvPr>
+          <p:cNvSpPr txBox="1">
+            <a:spLocks/>
+          </p:cNvSpPr>
+          <p:nvPr/>
+        </p:nvSpPr>
+        <p:spPr>
+          <a:xfrm>
+            <a:off x="838596" y="4363472"/>
+            <a:ext cx="4502712" cy="1143324"/>
+          </a:xfrm>
+          <a:prstGeom prst="rect">
+            <a:avLst/>
+          </a:prstGeom>
+        </p:spPr>
+        <p:txBody>
+          <a:bodyPr vert="horz" lIns="91440" tIns="45720" rIns="91440" bIns="45720" rtlCol="0">
+            <a:normAutofit/>
+          </a:bodyPr>
+          <a:lstStyle>
+            <a:lvl1pPr marL="0" indent="0" algn="r" defTabSz="914400" rtl="0" eaLnBrk="1" latinLnBrk="0" hangingPunct="1">
+              <a:lnSpc>
+                <a:spcPct val="112000"/>
+              </a:lnSpc>
+              <a:spcBef>
+                <a:spcPts val="0"/>
+              </a:spcBef>
+              <a:spcAft>
+                <a:spcPts val="0"/>
+              </a:spcAft>
+              <a:buFont typeface="Franklin Gothic Book" panose="020B0503020102020204" pitchFamily="34" charset="0"/>
+              <a:buNone/>
+              <a:defRPr sz="2400" kern="1200" baseline="0">
+                <a:solidFill>
+                  <a:schemeClr val="tx2"/>
+                </a:solidFill>
+                <a:latin typeface="+mn-lt"/>
+                <a:ea typeface="+mn-ea"/>
+                <a:cs typeface="+mn-cs"/>
+              </a:defRPr>
+            </a:lvl1pPr>
+            <a:lvl2pPr marL="457200" indent="0" algn="l" defTabSz="914400" rtl="0" eaLnBrk="1" latinLnBrk="0" hangingPunct="1">
+              <a:lnSpc>
+                <a:spcPct val="94000"/>
+              </a:lnSpc>
+              <a:spcBef>
+                <a:spcPts val="500"/>
+              </a:spcBef>
+              <a:spcAft>
+                <a:spcPts val="200"/>
+              </a:spcAft>
+              <a:buFont typeface="Franklin Gothic Book" panose="020B0503020102020204" pitchFamily="34" charset="0"/>
+              <a:buNone/>
+              <a:defRPr sz="2000" i="1" kern="1200" baseline="0">
+                <a:solidFill>
+                  <a:schemeClr val="tx1">
+                    <a:tint val="75000"/>
+                  </a:schemeClr>
+                </a:solidFill>
+                <a:latin typeface="+mn-lt"/>
+                <a:ea typeface="+mn-ea"/>
+                <a:cs typeface="+mn-cs"/>
+              </a:defRPr>
+            </a:lvl2pPr>
+            <a:lvl3pPr marL="914400" indent="0" algn="l" defTabSz="914400" rtl="0" eaLnBrk="1" latinLnBrk="0" hangingPunct="1">
+              <a:lnSpc>
+                <a:spcPct val="94000"/>
+              </a:lnSpc>
+              <a:spcBef>
+                <a:spcPts val="500"/>
+              </a:spcBef>
+              <a:spcAft>
+                <a:spcPts val="200"/>
+              </a:spcAft>
+              <a:buFont typeface="Franklin Gothic Book" panose="020B0503020102020204" pitchFamily="34" charset="0"/>
+              <a:buNone/>
+              <a:defRPr sz="1800" kern="1200" baseline="0">
+                <a:solidFill>
+                  <a:schemeClr val="tx1">
+                    <a:tint val="75000"/>
+                  </a:schemeClr>
+                </a:solidFill>
+                <a:latin typeface="+mn-lt"/>
+                <a:ea typeface="+mn-ea"/>
+                <a:cs typeface="+mn-cs"/>
+              </a:defRPr>
+            </a:lvl3pPr>
+            <a:lvl4pPr marL="1371600" indent="0" algn="l" defTabSz="914400" rtl="0" eaLnBrk="1" latinLnBrk="0" hangingPunct="1">
+              <a:lnSpc>
+                <a:spcPct val="94000"/>
+              </a:lnSpc>
+              <a:spcBef>
+                <a:spcPts val="500"/>
+              </a:spcBef>
+              <a:spcAft>
+                <a:spcPts val="200"/>
+              </a:spcAft>
+              <a:buFont typeface="Franklin Gothic Book" panose="020B0503020102020204" pitchFamily="34" charset="0"/>
+              <a:buNone/>
+              <a:defRPr sz="1600" i="1" kern="1200" baseline="0">
+                <a:solidFill>
+                  <a:schemeClr val="tx1">
+                    <a:tint val="75000"/>
+                  </a:schemeClr>
+                </a:solidFill>
+                <a:latin typeface="+mn-lt"/>
+                <a:ea typeface="+mn-ea"/>
+                <a:cs typeface="+mn-cs"/>
+              </a:defRPr>
+            </a:lvl4pPr>
+            <a:lvl5pPr marL="1828800" indent="0" algn="l" defTabSz="914400" rtl="0" eaLnBrk="1" latinLnBrk="0" hangingPunct="1">
+              <a:lnSpc>
+                <a:spcPct val="94000"/>
+              </a:lnSpc>
+              <a:spcBef>
+                <a:spcPts val="500"/>
+              </a:spcBef>
+              <a:spcAft>
+                <a:spcPts val="200"/>
+              </a:spcAft>
+              <a:buFont typeface="Franklin Gothic Book" panose="020B0503020102020204" pitchFamily="34" charset="0"/>
+              <a:buNone/>
+              <a:defRPr sz="1600" kern="1200" baseline="0">
+                <a:solidFill>
+                  <a:schemeClr val="tx1">
+                    <a:tint val="75000"/>
+                  </a:schemeClr>
+                </a:solidFill>
+                <a:latin typeface="+mn-lt"/>
+                <a:ea typeface="+mn-ea"/>
+                <a:cs typeface="+mn-cs"/>
+              </a:defRPr>
+            </a:lvl5pPr>
+            <a:lvl6pPr marL="2286000" indent="0" algn="l" defTabSz="914400" rtl="0" eaLnBrk="1" latinLnBrk="0" hangingPunct="1">
+              <a:lnSpc>
+                <a:spcPct val="94000"/>
+              </a:lnSpc>
+              <a:spcBef>
+                <a:spcPts val="500"/>
+              </a:spcBef>
+              <a:spcAft>
+                <a:spcPts val="200"/>
+              </a:spcAft>
+              <a:buFont typeface="Franklin Gothic Book" panose="020B0503020102020204" pitchFamily="34" charset="0"/>
+              <a:buNone/>
+              <a:defRPr sz="1600" i="1" kern="1200" baseline="0">
+                <a:solidFill>
+                  <a:schemeClr val="tx1">
+                    <a:tint val="75000"/>
+                  </a:schemeClr>
+                </a:solidFill>
+                <a:latin typeface="+mn-lt"/>
+                <a:ea typeface="+mn-ea"/>
+                <a:cs typeface="+mn-cs"/>
+              </a:defRPr>
+            </a:lvl6pPr>
+            <a:lvl7pPr marL="2743200" indent="0" algn="l" defTabSz="914400" rtl="0" eaLnBrk="1" latinLnBrk="0" hangingPunct="1">
+              <a:lnSpc>
+                <a:spcPct val="94000"/>
+              </a:lnSpc>
+              <a:spcBef>
+                <a:spcPts val="500"/>
+              </a:spcBef>
+              <a:spcAft>
+                <a:spcPts val="200"/>
+              </a:spcAft>
+              <a:buFont typeface="Franklin Gothic Book" panose="020B0503020102020204" pitchFamily="34" charset="0"/>
+              <a:buNone/>
+              <a:defRPr sz="1600" kern="1200" baseline="0">
+                <a:solidFill>
+                  <a:schemeClr val="tx1">
+                    <a:tint val="75000"/>
+                  </a:schemeClr>
+                </a:solidFill>
+                <a:latin typeface="+mn-lt"/>
+                <a:ea typeface="+mn-ea"/>
+                <a:cs typeface="+mn-cs"/>
+              </a:defRPr>
+            </a:lvl7pPr>
+            <a:lvl8pPr marL="3200400" indent="0" algn="l" defTabSz="914400" rtl="0" eaLnBrk="1" latinLnBrk="0" hangingPunct="1">
+              <a:lnSpc>
+                <a:spcPct val="94000"/>
+              </a:lnSpc>
+              <a:spcBef>
+                <a:spcPts val="500"/>
+              </a:spcBef>
+              <a:spcAft>
+                <a:spcPts val="200"/>
+              </a:spcAft>
+              <a:buFont typeface="Franklin Gothic Book" panose="020B0503020102020204" pitchFamily="34" charset="0"/>
+              <a:buNone/>
+              <a:defRPr sz="1600" i="1" kern="1200" baseline="0">
+                <a:solidFill>
+                  <a:schemeClr val="tx1">
+                    <a:tint val="75000"/>
+                  </a:schemeClr>
+                </a:solidFill>
+                <a:latin typeface="+mn-lt"/>
+                <a:ea typeface="+mn-ea"/>
+                <a:cs typeface="+mn-cs"/>
+              </a:defRPr>
+            </a:lvl8pPr>
+            <a:lvl9pPr marL="3657600" indent="0" algn="l" defTabSz="914400" rtl="0" eaLnBrk="1" latinLnBrk="0" hangingPunct="1">
+              <a:lnSpc>
+                <a:spcPct val="94000"/>
+              </a:lnSpc>
+              <a:spcBef>
+                <a:spcPts val="500"/>
+              </a:spcBef>
+              <a:spcAft>
+                <a:spcPts val="200"/>
+              </a:spcAft>
+              <a:buFont typeface="Franklin Gothic Book" panose="020B0503020102020204" pitchFamily="34" charset="0"/>
+              <a:buNone/>
+              <a:defRPr sz="1600" kern="1200" baseline="0">
+                <a:solidFill>
+                  <a:schemeClr val="tx1">
+                    <a:tint val="75000"/>
+                  </a:schemeClr>
+                </a:solidFill>
+                <a:latin typeface="+mn-lt"/>
+                <a:ea typeface="+mn-ea"/>
+                <a:cs typeface="+mn-cs"/>
+              </a:defRPr>
+            </a:lvl9pPr>
+          </a:lstStyle>
+          <a:p>
+            <a:pPr algn="l"/>
+            <a:r>
+              <a:rPr lang="en-US" sz="2000" dirty="0"/>
+              <a:t>Project Guide:</a:t>
+            </a:r>
+          </a:p>
+          <a:p>
+            <a:pPr algn="l"/>
+            <a:r>
+              <a:rPr lang="en-US" sz="2000" dirty="0"/>
+              <a:t>Dr. A. </a:t>
+            </a:r>
+            <a:r>
+              <a:rPr lang="en-US" sz="2000" dirty="0" err="1"/>
+              <a:t>Jackulin</a:t>
+            </a:r>
+            <a:r>
+              <a:rPr lang="en-US" sz="2000" dirty="0"/>
+              <a:t> </a:t>
+            </a:r>
+            <a:r>
+              <a:rPr lang="en-US" sz="2000" dirty="0" err="1"/>
+              <a:t>Mahariba</a:t>
+            </a:r>
+            <a:endParaRPr lang="en-US" sz="2000" dirty="0"/>
+          </a:p>
+          <a:p>
+            <a:pPr algn="l"/>
+            <a:r>
+              <a:rPr lang="en-US" sz="2000" dirty="0"/>
+              <a:t>Assistant Professor (101370)</a:t>
+            </a:r>
+          </a:p>
+        </p:txBody>
+      </p:sp>
+    </p:spTree>
+    <p:extLst>
+      <p:ext uri="{BB962C8B-B14F-4D97-AF65-F5344CB8AC3E}">
+        <p14:creationId xmlns:p14="http://schemas.microsoft.com/office/powerpoint/2010/main" val="2729603014"/>
+      </p:ext>
+    </p:extLst>
+  </p:cSld>
+  <p:clrMapOvr>
+    <a:masterClrMapping/>
+  </p:clrMapOvr>
+</p:sld>
+</file>
+
+<file path=ppt/slides/slide3.xml><?xml version="1.0" encoding="utf-8"?>
+<p:sld xmlns:a="http://schemas.openxmlformats.org/drawingml/2006/main" xmlns:r="http://schemas.openxmlformats.org/officeDocument/2006/relationships" xmlns:p="http://schemas.openxmlformats.org/presentationml/2006/main">
+  <p:cSld>
+    <p:spTree>
+      <p:nvGrpSpPr>
+        <p:cNvPr id="1" name=""/>
+        <p:cNvGrpSpPr/>
+        <p:nvPr/>
+      </p:nvGrpSpPr>
+      <p:grpSpPr>
+        <a:xfrm>
+          <a:off x="0" y="0"/>
+          <a:ext cx="0" cy="0"/>
+          <a:chOff x="0" y="0"/>
+          <a:chExt cx="0" cy="0"/>
+        </a:xfrm>
+      </p:grpSpPr>
+      <p:sp>
+        <p:nvSpPr>
+          <p:cNvPr id="2" name="Title 1">
+            <a:extLst>
+              <a:ext uri="{FF2B5EF4-FFF2-40B4-BE49-F238E27FC236}">
+                <a16:creationId xmlns:a16="http://schemas.microsoft.com/office/drawing/2014/main" id="{89432B00-2BDE-FD18-61D1-75164674AFF9}"/>
+              </a:ext>
+            </a:extLst>
+          </p:cNvPr>
+          <p:cNvSpPr>
+            <a:spLocks noGrp="1"/>
+          </p:cNvSpPr>
+          <p:nvPr>
+            <p:ph type="title"/>
+          </p:nvPr>
+        </p:nvSpPr>
+        <p:spPr>
+          <a:xfrm>
+            <a:off x="1371600" y="685800"/>
+            <a:ext cx="9601200" cy="838200"/>
+          </a:xfrm>
+        </p:spPr>
+        <p:txBody>
+          <a:bodyPr/>
+          <a:lstStyle/>
+          <a:p>
+            <a:pPr algn="ctr"/>
+            <a:r>
+              <a:rPr lang="en-US" dirty="0"/>
+              <a:t>Abstract</a:t>
+            </a:r>
+          </a:p>
+        </p:txBody>
+      </p:sp>
+      <p:sp>
+        <p:nvSpPr>
+          <p:cNvPr id="3" name="Content Placeholder 2">
+            <a:extLst>
+              <a:ext uri="{FF2B5EF4-FFF2-40B4-BE49-F238E27FC236}">
+                <a16:creationId xmlns:a16="http://schemas.microsoft.com/office/drawing/2014/main" id="{A5B26B77-43D9-0AD2-ADD9-BB92D073AB92}"/>
+              </a:ext>
+            </a:extLst>
+          </p:cNvPr>
+          <p:cNvSpPr>
+            <a:spLocks noGrp="1"/>
+          </p:cNvSpPr>
+          <p:nvPr>
+            <p:ph idx="1"/>
+          </p:nvPr>
+        </p:nvSpPr>
+        <p:spPr>
+          <a:xfrm>
+            <a:off x="1371600" y="1933903"/>
+            <a:ext cx="9601200" cy="3933497"/>
+          </a:xfrm>
+        </p:spPr>
+        <p:txBody>
+          <a:bodyPr>
+            <a:normAutofit/>
+          </a:bodyPr>
+          <a:lstStyle/>
+          <a:p>
+            <a:pPr marL="0" indent="0" algn="just">
+              <a:buNone/>
+            </a:pPr>
+            <a:r>
+              <a:rPr lang="en-IN" dirty="0"/>
+              <a:t>Introduces a </a:t>
+            </a:r>
+            <a:r>
+              <a:rPr lang="en-IN" b="1" i="1" dirty="0"/>
+              <a:t>cutting-edge Traffic Sign Detector (TSD) </a:t>
+            </a:r>
+            <a:r>
+              <a:rPr lang="en-IN" dirty="0"/>
+              <a:t>system designed to enhance road safety and traffic management. Accurately identifying and categorizing traffic signs from images and videos. </a:t>
+            </a:r>
+            <a:r>
+              <a:rPr lang="en-IN" b="1" i="1" dirty="0"/>
+              <a:t>Convolutional Neural Network (CNN)</a:t>
+            </a:r>
+            <a:r>
+              <a:rPr lang="en-IN" i="1" dirty="0"/>
+              <a:t> </a:t>
+            </a:r>
+            <a:r>
+              <a:rPr lang="en-IN" dirty="0"/>
+              <a:t>is trained on a comprehensive dataset of annotated traffic sign images. Learns intricate sign features and patterns. Consists of </a:t>
+            </a:r>
+            <a:r>
+              <a:rPr lang="en-IN" b="1" i="1" dirty="0"/>
+              <a:t>object localization and classification modules</a:t>
+            </a:r>
+            <a:r>
+              <a:rPr lang="en-IN" dirty="0"/>
+              <a:t>. Categorizes the detected signs into </a:t>
+            </a:r>
+            <a:r>
+              <a:rPr lang="en-IN" b="1" i="1" dirty="0"/>
+              <a:t>regulatory, warning</a:t>
+            </a:r>
+            <a:r>
+              <a:rPr lang="en-IN" i="1" dirty="0"/>
+              <a:t>, and </a:t>
+            </a:r>
+            <a:r>
+              <a:rPr lang="en-IN" b="1" i="1" dirty="0"/>
+              <a:t>informational</a:t>
+            </a:r>
+            <a:r>
+              <a:rPr lang="en-IN" dirty="0"/>
+              <a:t> classes based on learned features.</a:t>
+            </a:r>
+            <a:r>
+              <a:rPr lang="en-US" dirty="0"/>
+              <a:t> </a:t>
+            </a:r>
+            <a:r>
+              <a:rPr lang="en-IN" dirty="0"/>
+              <a:t>TSD integrates </a:t>
+            </a:r>
+            <a:r>
+              <a:rPr lang="en-IN" b="1" i="1" dirty="0"/>
+              <a:t>adaptive learning mechanisms </a:t>
+            </a:r>
+            <a:r>
+              <a:rPr lang="en-IN" dirty="0"/>
+              <a:t>and </a:t>
+            </a:r>
+            <a:r>
+              <a:rPr lang="en-IN" b="1" i="1" dirty="0"/>
+              <a:t>domain adaptation strategies</a:t>
+            </a:r>
+            <a:r>
+              <a:rPr lang="en-IN" dirty="0"/>
+              <a:t>. Enhanced ability to generalize across diverse environments and maintain consistent performance. The TSD system is </a:t>
+            </a:r>
+            <a:r>
+              <a:rPr lang="en-IN" b="1" i="1" dirty="0"/>
+              <a:t>effective,</a:t>
+            </a:r>
+            <a:r>
+              <a:rPr lang="en-IN" dirty="0"/>
+              <a:t> </a:t>
+            </a:r>
+            <a:r>
+              <a:rPr lang="en-IN" b="1" i="1" dirty="0"/>
+              <a:t>accurate, fast, robust </a:t>
+            </a:r>
+            <a:r>
+              <a:rPr lang="en-IN" dirty="0"/>
+              <a:t>in real time traffic sign detection. Contributes significantly in </a:t>
+            </a:r>
+            <a:r>
+              <a:rPr lang="en-IN" b="1" i="1" dirty="0"/>
+              <a:t>road safety</a:t>
+            </a:r>
+            <a:r>
+              <a:rPr lang="en-IN" dirty="0"/>
+              <a:t> and </a:t>
+            </a:r>
+            <a:r>
+              <a:rPr lang="en-IN" b="1" i="1" dirty="0"/>
+              <a:t>traffic management. </a:t>
+            </a:r>
+            <a:endParaRPr lang="en-US" dirty="0"/>
+          </a:p>
+          <a:p>
+            <a:endParaRPr lang="en-IN" dirty="0"/>
+          </a:p>
+        </p:txBody>
+      </p:sp>
+    </p:spTree>
+    <p:extLst>
+      <p:ext uri="{BB962C8B-B14F-4D97-AF65-F5344CB8AC3E}">
+        <p14:creationId xmlns:p14="http://schemas.microsoft.com/office/powerpoint/2010/main" val="24947007"/>
+      </p:ext>
+    </p:extLst>
+  </p:cSld>
+  <p:clrMapOvr>
+    <a:masterClrMapping/>
+  </p:clrMapOvr>
+</p:sld>
+</file>
+
+<file path=ppt/slides/slide4.xml><?xml version="1.0" encoding="utf-8"?>
+<p:sld xmlns:a="http://schemas.openxmlformats.org/drawingml/2006/main" xmlns:r="http://schemas.openxmlformats.org/officeDocument/2006/relationships" xmlns:p="http://schemas.openxmlformats.org/presentationml/2006/main">
+  <p:cSld>
+    <p:spTree>
+      <p:nvGrpSpPr>
+        <p:cNvPr id="1" name=""/>
+        <p:cNvGrpSpPr/>
+        <p:nvPr/>
+      </p:nvGrpSpPr>
+      <p:grpSpPr>
+        <a:xfrm>
+          <a:off x="0" y="0"/>
+          <a:ext cx="0" cy="0"/>
+          <a:chOff x="0" y="0"/>
+          <a:chExt cx="0" cy="0"/>
+        </a:xfrm>
+      </p:grpSpPr>
+      <p:sp>
+        <p:nvSpPr>
+          <p:cNvPr id="2" name="Title 1">
+            <a:extLst>
+              <a:ext uri="{FF2B5EF4-FFF2-40B4-BE49-F238E27FC236}">
+                <a16:creationId xmlns:a16="http://schemas.microsoft.com/office/drawing/2014/main" id="{7614BCD5-C251-0237-A8A8-BE3DA5915439}"/>
+              </a:ext>
+            </a:extLst>
+          </p:cNvPr>
+          <p:cNvSpPr>
+            <a:spLocks noGrp="1"/>
+          </p:cNvSpPr>
+          <p:nvPr>
+            <p:ph type="title"/>
+          </p:nvPr>
+        </p:nvSpPr>
+        <p:spPr/>
+        <p:txBody>
+          <a:bodyPr/>
+          <a:lstStyle/>
+          <a:p>
+            <a:pPr algn="ctr"/>
+            <a:r>
+              <a:rPr lang="en-US" dirty="0"/>
+              <a:t>Introduction </a:t>
+            </a:r>
+          </a:p>
+        </p:txBody>
+      </p:sp>
+      <p:sp>
+        <p:nvSpPr>
+          <p:cNvPr id="3" name="Content Placeholder 2">
+            <a:extLst>
+              <a:ext uri="{FF2B5EF4-FFF2-40B4-BE49-F238E27FC236}">
+                <a16:creationId xmlns:a16="http://schemas.microsoft.com/office/drawing/2014/main" id="{FACF06F0-E49D-FD27-E0A7-8D6A362B52E2}"/>
+              </a:ext>
+            </a:extLst>
+          </p:cNvPr>
+          <p:cNvSpPr>
+            <a:spLocks noGrp="1"/>
+          </p:cNvSpPr>
+          <p:nvPr>
+            <p:ph idx="1"/>
+          </p:nvPr>
+        </p:nvSpPr>
+        <p:spPr>
+          <a:xfrm>
+            <a:off x="1371600" y="1813034"/>
+            <a:ext cx="9601200" cy="3581400"/>
+          </a:xfrm>
+        </p:spPr>
+        <p:txBody>
+          <a:bodyPr/>
+          <a:lstStyle/>
+          <a:p>
+            <a:pPr algn="just">
+              <a:buFont typeface="Wingdings" pitchFamily="2" charset="2"/>
+              <a:buChar char="§"/>
+            </a:pPr>
+            <a:r>
+              <a:rPr lang="en-IN" dirty="0"/>
+              <a:t>Development of a sophisticated system to </a:t>
+            </a:r>
+            <a:r>
+              <a:rPr lang="en-IN" b="1" i="1" dirty="0"/>
+              <a:t>automatically identify and categorize </a:t>
+            </a:r>
+            <a:r>
+              <a:rPr lang="en-IN" dirty="0"/>
+              <a:t>traffic signs from images and videos. </a:t>
+            </a:r>
+          </a:p>
+          <a:p>
+            <a:pPr algn="just">
+              <a:buFont typeface="Wingdings" pitchFamily="2" charset="2"/>
+              <a:buChar char="§"/>
+            </a:pPr>
+            <a:r>
+              <a:rPr lang="en-IN" dirty="0"/>
+              <a:t>By harnessing cutting-edge </a:t>
+            </a:r>
+            <a:r>
+              <a:rPr lang="en-IN" b="1" i="1" dirty="0"/>
+              <a:t>computer vision </a:t>
+            </a:r>
+            <a:r>
+              <a:rPr lang="en-IN" dirty="0"/>
+              <a:t>and </a:t>
+            </a:r>
+            <a:r>
+              <a:rPr lang="en-IN" b="1" i="1" dirty="0"/>
+              <a:t>deep learning techniques</a:t>
+            </a:r>
+            <a:r>
+              <a:rPr lang="en-IN" dirty="0"/>
+              <a:t>. </a:t>
+            </a:r>
+          </a:p>
+          <a:p>
+            <a:pPr algn="just">
+              <a:buFont typeface="Wingdings" pitchFamily="2" charset="2"/>
+              <a:buChar char="§"/>
+            </a:pPr>
+            <a:r>
+              <a:rPr lang="en-IN" dirty="0"/>
+              <a:t>This project aims to </a:t>
+            </a:r>
+            <a:r>
+              <a:rPr lang="en-IN" b="1" i="1" dirty="0"/>
+              <a:t>enhance road safety</a:t>
+            </a:r>
+            <a:r>
+              <a:rPr lang="en-IN" dirty="0"/>
+              <a:t>, </a:t>
+            </a:r>
+            <a:r>
+              <a:rPr lang="en-IN" b="1" i="1" dirty="0"/>
+              <a:t>streamline traffic management</a:t>
+            </a:r>
+            <a:r>
+              <a:rPr lang="en-IN" dirty="0"/>
+              <a:t>, and contribute </a:t>
+            </a:r>
+            <a:r>
+              <a:rPr lang="en-IN" b="1" i="1" dirty="0"/>
+              <a:t>to more efficient transportation systems</a:t>
+            </a:r>
+            <a:r>
+              <a:rPr lang="en-IN" dirty="0"/>
+              <a:t>. </a:t>
+            </a:r>
+          </a:p>
+          <a:p>
+            <a:pPr algn="just">
+              <a:buFont typeface="Wingdings" pitchFamily="2" charset="2"/>
+              <a:buChar char="§"/>
+            </a:pPr>
+            <a:r>
+              <a:rPr lang="en-IN" dirty="0"/>
+              <a:t>Through the accurate recognition of diverse traffic signs, the project </a:t>
+            </a:r>
+            <a:r>
+              <a:rPr lang="en-IN" b="1" i="1" dirty="0"/>
+              <a:t>addresses crucial challenges</a:t>
+            </a:r>
+            <a:r>
+              <a:rPr lang="en-IN" dirty="0"/>
+              <a:t> and </a:t>
+            </a:r>
+            <a:r>
+              <a:rPr lang="en-IN" b="1" i="1" dirty="0"/>
+              <a:t>holds the promise of revolutionizing </a:t>
+            </a:r>
+            <a:r>
+              <a:rPr lang="en-IN" dirty="0"/>
+              <a:t>how traffic signs are detected and interpreted in </a:t>
+            </a:r>
+            <a:r>
+              <a:rPr lang="en-IN" b="1" i="1" dirty="0"/>
+              <a:t>real-world scenarios.</a:t>
+            </a:r>
+            <a:endParaRPr lang="en-US" b="1" i="1" dirty="0"/>
+          </a:p>
+        </p:txBody>
+      </p:sp>
+    </p:spTree>
+    <p:extLst>
+      <p:ext uri="{BB962C8B-B14F-4D97-AF65-F5344CB8AC3E}">
+        <p14:creationId xmlns:p14="http://schemas.microsoft.com/office/powerpoint/2010/main" val="4213339421"/>
+      </p:ext>
+    </p:extLst>
+  </p:cSld>
+  <p:clrMapOvr>
+    <a:masterClrMapping/>
+  </p:clrMapOvr>
+</p:sld>
+</file>
+
+<file path=ppt/slides/slide5.xml><?xml version="1.0" encoding="utf-8"?>
+<p:sld xmlns:a="http://schemas.openxmlformats.org/drawingml/2006/main" xmlns:r="http://schemas.openxmlformats.org/officeDocument/2006/relationships" xmlns:p="http://schemas.openxmlformats.org/presentationml/2006/main">
+  <p:cSld>
+    <p:spTree>
+      <p:nvGrpSpPr>
+        <p:cNvPr id="1" name=""/>
+        <p:cNvGrpSpPr/>
+        <p:nvPr/>
+      </p:nvGrpSpPr>
+      <p:grpSpPr>
+        <a:xfrm>
+          <a:off x="0" y="0"/>
+          <a:ext cx="0" cy="0"/>
+          <a:chOff x="0" y="0"/>
+          <a:chExt cx="0" cy="0"/>
+        </a:xfrm>
+      </p:grpSpPr>
+      <p:sp>
+        <p:nvSpPr>
+          <p:cNvPr id="2" name="Title 1">
+            <a:extLst>
+              <a:ext uri="{FF2B5EF4-FFF2-40B4-BE49-F238E27FC236}">
+                <a16:creationId xmlns:a16="http://schemas.microsoft.com/office/drawing/2014/main" id="{5F220EBC-C47C-7D1B-535B-092C4E0B8AD2}"/>
+              </a:ext>
+            </a:extLst>
+          </p:cNvPr>
+          <p:cNvSpPr>
+            <a:spLocks noGrp="1"/>
+          </p:cNvSpPr>
+          <p:nvPr>
+            <p:ph type="title"/>
+          </p:nvPr>
+        </p:nvSpPr>
+        <p:spPr/>
+        <p:txBody>
+          <a:bodyPr/>
+          <a:lstStyle/>
+          <a:p>
+            <a:pPr algn="ctr"/>
+            <a:r>
+              <a:rPr lang="en-US" dirty="0"/>
+              <a:t>Motivation</a:t>
+            </a:r>
+          </a:p>
+        </p:txBody>
+      </p:sp>
+      <p:sp>
+        <p:nvSpPr>
+          <p:cNvPr id="3" name="Content Placeholder 2">
+            <a:extLst>
+              <a:ext uri="{FF2B5EF4-FFF2-40B4-BE49-F238E27FC236}">
+                <a16:creationId xmlns:a16="http://schemas.microsoft.com/office/drawing/2014/main" id="{FDA78D7D-86F4-5C28-8CB6-BDEFD6560269}"/>
+              </a:ext>
+            </a:extLst>
+          </p:cNvPr>
+          <p:cNvSpPr>
+            <a:spLocks noGrp="1"/>
+          </p:cNvSpPr>
+          <p:nvPr>
+            <p:ph idx="1"/>
+          </p:nvPr>
+        </p:nvSpPr>
+        <p:spPr>
+          <a:xfrm>
+            <a:off x="1371600" y="1770993"/>
+            <a:ext cx="9601200" cy="3581400"/>
+          </a:xfrm>
+        </p:spPr>
+        <p:txBody>
+          <a:bodyPr>
+            <a:normAutofit fontScale="92500" lnSpcReduction="20000"/>
+          </a:bodyPr>
+          <a:lstStyle/>
+          <a:p>
+            <a:pPr algn="just">
+              <a:buFont typeface="Wingdings" pitchFamily="2" charset="2"/>
+              <a:buChar char="§"/>
+            </a:pPr>
+            <a:r>
+              <a:rPr lang="en-IN" dirty="0"/>
+              <a:t>In 2019, India reported approximately </a:t>
+            </a:r>
+            <a:r>
+              <a:rPr lang="en-IN" b="1" i="1" dirty="0"/>
+              <a:t>449,002 road accidents </a:t>
+            </a:r>
+            <a:r>
+              <a:rPr lang="en-IN" dirty="0"/>
+              <a:t>whose one of the main reason was absence of traffic signs.</a:t>
+            </a:r>
+          </a:p>
+          <a:p>
+            <a:pPr algn="just">
+              <a:buFont typeface="Wingdings" pitchFamily="2" charset="2"/>
+              <a:buChar char="§"/>
+            </a:pPr>
+            <a:r>
+              <a:rPr lang="en-IN" dirty="0"/>
+              <a:t>Missing speed limit signs can lead to accidents from excessive speeding. Speeding contributes to </a:t>
+            </a:r>
+            <a:r>
+              <a:rPr lang="en-IN" b="1" i="1" dirty="0"/>
+              <a:t>1.25 million global road deaths yearly</a:t>
+            </a:r>
+            <a:r>
+              <a:rPr lang="en-IN" dirty="0"/>
+              <a:t>, about 30% of all traffic fatalities (WHO).</a:t>
+            </a:r>
+          </a:p>
+          <a:p>
+            <a:pPr algn="just">
+              <a:buFont typeface="Wingdings" pitchFamily="2" charset="2"/>
+              <a:buChar char="§"/>
+            </a:pPr>
+            <a:r>
+              <a:rPr lang="en-IN" dirty="0"/>
+              <a:t>Level 2 systems are designed to operate within specific conditions, such as well-marked roads and favourable weather conditions. They may </a:t>
+            </a:r>
+            <a:r>
+              <a:rPr lang="en-IN" b="1" i="1" dirty="0"/>
+              <a:t>struggle in situations where road markings are faded, visibility is poor, or the road environment is complex </a:t>
+            </a:r>
+            <a:r>
+              <a:rPr lang="en-IN" dirty="0"/>
+              <a:t>(e.g., construction zones, crowded urban areas). Drivers must remain attentive and ready to take control in such scenarios.</a:t>
+            </a:r>
+          </a:p>
+          <a:p>
+            <a:pPr algn="just">
+              <a:buFont typeface="Wingdings" pitchFamily="2" charset="2"/>
+              <a:buChar char="§"/>
+            </a:pPr>
+            <a:r>
+              <a:rPr lang="en-IN" dirty="0"/>
+              <a:t>Without proper signage, drivers may be uncertain about the right of way, speed limits, lane usage, and other important rules. This confusion can lead to accidents, especially at intersections and in areas with complex traffic patterns.</a:t>
+            </a:r>
+            <a:endParaRPr lang="en-US" dirty="0"/>
+          </a:p>
+        </p:txBody>
+      </p:sp>
+    </p:spTree>
+    <p:extLst>
+      <p:ext uri="{BB962C8B-B14F-4D97-AF65-F5344CB8AC3E}">
+        <p14:creationId xmlns:p14="http://schemas.microsoft.com/office/powerpoint/2010/main" val="3088159963"/>
+      </p:ext>
+    </p:extLst>
+  </p:cSld>
+  <p:clrMapOvr>
+    <a:masterClrMapping/>
+  </p:clrMapOvr>
+</p:sld>
+</file>
+
+<file path=ppt/slides/slide6.xml><?xml version="1.0" encoding="utf-8"?>
+<p:sld xmlns:a="http://schemas.openxmlformats.org/drawingml/2006/main" xmlns:r="http://schemas.openxmlformats.org/officeDocument/2006/relationships" xmlns:p="http://schemas.openxmlformats.org/presentationml/2006/main">
+  <p:cSld>
+    <p:spTree>
+      <p:nvGrpSpPr>
+        <p:cNvPr id="1" name=""/>
+        <p:cNvGrpSpPr/>
+        <p:nvPr/>
+      </p:nvGrpSpPr>
+      <p:grpSpPr>
+        <a:xfrm>
+          <a:off x="0" y="0"/>
+          <a:ext cx="0" cy="0"/>
+          <a:chOff x="0" y="0"/>
+          <a:chExt cx="0" cy="0"/>
+        </a:xfrm>
+      </p:grpSpPr>
+      <p:sp>
+        <p:nvSpPr>
+          <p:cNvPr id="2" name="Title 1">
+            <a:extLst>
+              <a:ext uri="{FF2B5EF4-FFF2-40B4-BE49-F238E27FC236}">
+                <a16:creationId xmlns:a16="http://schemas.microsoft.com/office/drawing/2014/main" id="{B4F7FA17-A746-CD97-EC54-67F2BBC0FFA1}"/>
+              </a:ext>
+            </a:extLst>
+          </p:cNvPr>
+          <p:cNvSpPr>
+            <a:spLocks noGrp="1"/>
+          </p:cNvSpPr>
+          <p:nvPr>
+            <p:ph type="title"/>
+          </p:nvPr>
+        </p:nvSpPr>
+        <p:spPr>
+          <a:xfrm>
+            <a:off x="1371600" y="685800"/>
+            <a:ext cx="9601200" cy="1485900"/>
+          </a:xfrm>
+        </p:spPr>
+        <p:txBody>
+          <a:bodyPr/>
+          <a:lstStyle/>
+          <a:p>
+            <a:pPr algn="ctr"/>
+            <a:r>
+              <a:rPr lang="en-US" dirty="0"/>
+              <a:t>Innovation and Idea</a:t>
+            </a:r>
+          </a:p>
+        </p:txBody>
+      </p:sp>
+      <p:sp>
+        <p:nvSpPr>
+          <p:cNvPr id="3" name="Content Placeholder 2">
+            <a:extLst>
+              <a:ext uri="{FF2B5EF4-FFF2-40B4-BE49-F238E27FC236}">
+                <a16:creationId xmlns:a16="http://schemas.microsoft.com/office/drawing/2014/main" id="{639A5CB2-404B-E155-303C-C32C96BC99BF}"/>
+              </a:ext>
+            </a:extLst>
+          </p:cNvPr>
+          <p:cNvSpPr>
+            <a:spLocks noGrp="1"/>
+          </p:cNvSpPr>
+          <p:nvPr>
+            <p:ph idx="1"/>
+          </p:nvPr>
+        </p:nvSpPr>
+        <p:spPr>
+          <a:xfrm>
+            <a:off x="1371600" y="1770994"/>
+            <a:ext cx="9601200" cy="4251434"/>
+          </a:xfrm>
+        </p:spPr>
+        <p:txBody>
+          <a:bodyPr/>
+          <a:lstStyle/>
+          <a:p>
+            <a:pPr>
+              <a:buFont typeface="Wingdings" pitchFamily="2" charset="2"/>
+              <a:buChar char="§"/>
+            </a:pPr>
+            <a:r>
+              <a:rPr lang="en-IN" dirty="0"/>
+              <a:t>An innovative traffic sign detection system idea involves vehicles forming a </a:t>
+            </a:r>
+            <a:r>
+              <a:rPr lang="en-IN" b="1" i="1" dirty="0"/>
+              <a:t>decentralized network</a:t>
+            </a:r>
+            <a:r>
+              <a:rPr lang="en-IN" dirty="0"/>
+              <a:t>. </a:t>
+            </a:r>
+          </a:p>
+          <a:p>
+            <a:pPr>
+              <a:buFont typeface="Wingdings" pitchFamily="2" charset="2"/>
+              <a:buChar char="§"/>
+            </a:pPr>
+            <a:r>
+              <a:rPr lang="en-IN" dirty="0"/>
+              <a:t>Each vehicle has </a:t>
+            </a:r>
+            <a:r>
+              <a:rPr lang="en-IN" b="1" i="1" dirty="0"/>
+              <a:t>onboard processing and communicates</a:t>
+            </a:r>
+            <a:r>
+              <a:rPr lang="en-IN" dirty="0"/>
+              <a:t> with nearby vehicles (V2V). </a:t>
+            </a:r>
+          </a:p>
+          <a:p>
+            <a:pPr>
+              <a:buFont typeface="Wingdings" pitchFamily="2" charset="2"/>
+              <a:buChar char="§"/>
+            </a:pPr>
+            <a:r>
+              <a:rPr lang="en-IN" dirty="0"/>
+              <a:t>This </a:t>
+            </a:r>
+            <a:r>
+              <a:rPr lang="en-IN" b="1" i="1" dirty="0"/>
+              <a:t>collaborative approach </a:t>
+            </a:r>
+            <a:r>
+              <a:rPr lang="en-IN" dirty="0"/>
+              <a:t>improves sign detection accuracy, especially in challenging conditions. </a:t>
+            </a:r>
+          </a:p>
+          <a:p>
+            <a:pPr>
+              <a:buFont typeface="Wingdings" pitchFamily="2" charset="2"/>
+              <a:buChar char="§"/>
+            </a:pPr>
+            <a:r>
+              <a:rPr lang="en-IN" dirty="0"/>
+              <a:t>Vehicles maintain a </a:t>
+            </a:r>
+            <a:r>
+              <a:rPr lang="en-IN" b="1" i="1" dirty="0"/>
+              <a:t>local sign database </a:t>
+            </a:r>
+            <a:r>
+              <a:rPr lang="en-IN" dirty="0"/>
+              <a:t>and</a:t>
+            </a:r>
+            <a:r>
+              <a:rPr lang="en-IN" b="1" i="1" dirty="0"/>
+              <a:t> dynamic map</a:t>
+            </a:r>
+            <a:r>
+              <a:rPr lang="en-IN" dirty="0"/>
+              <a:t>, enhancing reliability.</a:t>
+            </a:r>
+          </a:p>
+          <a:p>
+            <a:pPr>
+              <a:buFont typeface="Wingdings" pitchFamily="2" charset="2"/>
+              <a:buChar char="§"/>
+            </a:pPr>
+            <a:r>
+              <a:rPr lang="en-IN" dirty="0"/>
+              <a:t>This system uses edge computing, collaboration, and </a:t>
+            </a:r>
+            <a:r>
+              <a:rPr lang="en-IN" b="1" i="1" dirty="0"/>
+              <a:t>decentralized data sharing </a:t>
+            </a:r>
+            <a:r>
+              <a:rPr lang="en-IN" dirty="0"/>
+              <a:t>for more accurate and adaptable traffic sign detection, ultimately leading to safer roads.</a:t>
+            </a:r>
+          </a:p>
+        </p:txBody>
+      </p:sp>
+    </p:spTree>
+    <p:extLst>
+      <p:ext uri="{BB962C8B-B14F-4D97-AF65-F5344CB8AC3E}">
+        <p14:creationId xmlns:p14="http://schemas.microsoft.com/office/powerpoint/2010/main" val="3909778024"/>
+      </p:ext>
+    </p:extLst>
+  </p:cSld>
+  <p:clrMapOvr>
+    <a:masterClrMapping/>
+  </p:clrMapOvr>
+</p:sld>
+</file>
+
+<file path=ppt/slides/slide7.xml><?xml version="1.0" encoding="utf-8"?>
+<p:sld xmlns:a="http://schemas.openxmlformats.org/drawingml/2006/main" xmlns:r="http://schemas.openxmlformats.org/officeDocument/2006/relationships" xmlns:p="http://schemas.openxmlformats.org/presentationml/2006/main">
+  <p:cSld>
+    <p:spTree>
+      <p:nvGrpSpPr>
+        <p:cNvPr id="1" name=""/>
+        <p:cNvGrpSpPr/>
+        <p:nvPr/>
+      </p:nvGrpSpPr>
+      <p:grpSpPr>
+        <a:xfrm>
+          <a:off x="0" y="0"/>
+          <a:ext cx="0" cy="0"/>
+          <a:chOff x="0" y="0"/>
+          <a:chExt cx="0" cy="0"/>
+        </a:xfrm>
+      </p:grpSpPr>
+      <p:sp>
+        <p:nvSpPr>
+          <p:cNvPr id="2" name="Title 1">
+            <a:extLst>
+              <a:ext uri="{FF2B5EF4-FFF2-40B4-BE49-F238E27FC236}">
+                <a16:creationId xmlns:a16="http://schemas.microsoft.com/office/drawing/2014/main" id="{91FF2A73-E6E7-FF2C-0273-DD77F040492E}"/>
+              </a:ext>
+            </a:extLst>
+          </p:cNvPr>
+          <p:cNvSpPr>
+            <a:spLocks noGrp="1"/>
+          </p:cNvSpPr>
+          <p:nvPr>
+            <p:ph type="title"/>
+          </p:nvPr>
+        </p:nvSpPr>
+        <p:spPr/>
+        <p:txBody>
+          <a:bodyPr/>
+          <a:lstStyle/>
+          <a:p>
+            <a:pPr algn="ctr"/>
+            <a:r>
+              <a:rPr lang="en-US" dirty="0"/>
+              <a:t>Requirement Gathering</a:t>
+            </a:r>
+          </a:p>
+        </p:txBody>
+      </p:sp>
+      <p:sp>
+        <p:nvSpPr>
+          <p:cNvPr id="3" name="Content Placeholder 2">
+            <a:extLst>
+              <a:ext uri="{FF2B5EF4-FFF2-40B4-BE49-F238E27FC236}">
+                <a16:creationId xmlns:a16="http://schemas.microsoft.com/office/drawing/2014/main" id="{2779701A-F46A-4F78-6A83-63913758397D}"/>
+              </a:ext>
+            </a:extLst>
+          </p:cNvPr>
+          <p:cNvSpPr>
+            <a:spLocks noGrp="1"/>
+          </p:cNvSpPr>
+          <p:nvPr>
+            <p:ph idx="1"/>
+          </p:nvPr>
+        </p:nvSpPr>
+        <p:spPr/>
+        <p:txBody>
+          <a:bodyPr>
+            <a:noAutofit/>
+          </a:bodyPr>
+          <a:lstStyle/>
+          <a:p>
+            <a:pPr algn="l"/>
+            <a:r>
+              <a:rPr lang="en-IN" b="0" i="0" u="none" strike="noStrike" dirty="0">
+                <a:solidFill>
+                  <a:schemeClr val="tx1"/>
+                </a:solidFill>
+                <a:effectLst/>
+              </a:rPr>
+              <a:t>To gather requirements for a traffic sign detection system, follow these steps:</a:t>
+            </a:r>
+          </a:p>
+          <a:p>
+            <a:r>
+              <a:rPr lang="en-IN" b="1" i="0" u="none" strike="noStrike" dirty="0">
+                <a:solidFill>
+                  <a:schemeClr val="tx1"/>
+                </a:solidFill>
+                <a:effectLst/>
+              </a:rPr>
+              <a:t>Scope Definition:</a:t>
+            </a:r>
+            <a:endParaRPr lang="en-IN" dirty="0">
+              <a:solidFill>
+                <a:schemeClr val="tx1"/>
+              </a:solidFill>
+            </a:endParaRPr>
+          </a:p>
+          <a:p>
+            <a:pPr lvl="1"/>
+            <a:r>
+              <a:rPr lang="en-IN" b="0" i="0" u="none" strike="noStrike" dirty="0">
+                <a:solidFill>
+                  <a:schemeClr val="tx1"/>
+                </a:solidFill>
+                <a:effectLst/>
+              </a:rPr>
+              <a:t>Clearly define project goals and boundaries.</a:t>
+            </a:r>
+          </a:p>
+          <a:p>
+            <a:r>
+              <a:rPr lang="en-IN" b="1" i="0" u="none" strike="noStrike" dirty="0">
+                <a:solidFill>
+                  <a:schemeClr val="tx1"/>
+                </a:solidFill>
+                <a:effectLst/>
+              </a:rPr>
+              <a:t>Stakeholder Identification:</a:t>
+            </a:r>
+            <a:endParaRPr lang="en-IN" dirty="0">
+              <a:solidFill>
+                <a:schemeClr val="tx1"/>
+              </a:solidFill>
+            </a:endParaRPr>
+          </a:p>
+          <a:p>
+            <a:pPr lvl="1"/>
+            <a:r>
+              <a:rPr lang="en-IN" b="0" i="0" u="none" strike="noStrike" dirty="0">
+                <a:solidFill>
+                  <a:schemeClr val="tx1"/>
+                </a:solidFill>
+                <a:effectLst/>
+              </a:rPr>
+              <a:t>Identify all involved parties.</a:t>
+            </a:r>
+          </a:p>
+          <a:p>
+            <a:r>
+              <a:rPr lang="en-IN" b="1" i="0" u="none" strike="noStrike" dirty="0">
+                <a:solidFill>
+                  <a:schemeClr val="tx1"/>
+                </a:solidFill>
+                <a:effectLst/>
+              </a:rPr>
+              <a:t>Stakeholder Input:</a:t>
+            </a:r>
+            <a:endParaRPr lang="en-IN" b="0" i="0" u="none" strike="noStrike" dirty="0">
+              <a:solidFill>
+                <a:schemeClr val="tx1"/>
+              </a:solidFill>
+              <a:effectLst/>
+            </a:endParaRPr>
+          </a:p>
+          <a:p>
+            <a:pPr marL="800100" lvl="1" indent="-342900"/>
+            <a:r>
+              <a:rPr lang="en-IN" b="0" i="0" u="none" strike="noStrike" dirty="0">
+                <a:solidFill>
+                  <a:schemeClr val="tx1"/>
+                </a:solidFill>
+                <a:effectLst/>
+              </a:rPr>
+              <a:t>Gather input through interviews or surveys.</a:t>
+            </a:r>
+          </a:p>
+          <a:p>
+            <a:r>
+              <a:rPr lang="en-IN" b="1" i="0" u="none" strike="noStrike" dirty="0">
+                <a:solidFill>
+                  <a:schemeClr val="tx1"/>
+                </a:solidFill>
+                <a:effectLst/>
+              </a:rPr>
+              <a:t>Analyse Existing Systems (if any):</a:t>
+            </a:r>
+            <a:endParaRPr lang="en-IN" b="0" i="0" u="none" strike="noStrike" dirty="0">
+              <a:solidFill>
+                <a:schemeClr val="tx1"/>
+              </a:solidFill>
+              <a:effectLst/>
+            </a:endParaRPr>
+          </a:p>
+          <a:p>
+            <a:pPr marL="800100" lvl="1" indent="-342900"/>
+            <a:r>
+              <a:rPr lang="en-IN" b="0" i="0" u="none" strike="noStrike" dirty="0">
+                <a:solidFill>
+                  <a:schemeClr val="tx1"/>
+                </a:solidFill>
+                <a:effectLst/>
+              </a:rPr>
+              <a:t>Evaluate strengths and weaknesses.</a:t>
+            </a:r>
+          </a:p>
+        </p:txBody>
+      </p:sp>
+    </p:spTree>
+    <p:extLst>
+      <p:ext uri="{BB962C8B-B14F-4D97-AF65-F5344CB8AC3E}">
+        <p14:creationId xmlns:p14="http://schemas.microsoft.com/office/powerpoint/2010/main" val="1978781931"/>
+      </p:ext>
+    </p:extLst>
+  </p:cSld>
+  <p:clrMapOvr>
+    <a:masterClrMapping/>
+  </p:clrMapOvr>
+</p:sld>
+</file>
+
+<file path=ppt/slides/slide8.xml><?xml version="1.0" encoding="utf-8"?>
+<p:sld xmlns:a="http://schemas.openxmlformats.org/drawingml/2006/main" xmlns:r="http://schemas.openxmlformats.org/officeDocument/2006/relationships" xmlns:p="http://schemas.openxmlformats.org/presentationml/2006/main">
+  <p:cSld>
+    <p:spTree>
+      <p:nvGrpSpPr>
+        <p:cNvPr id="1" name=""/>
+        <p:cNvGrpSpPr/>
+        <p:nvPr/>
+      </p:nvGrpSpPr>
+      <p:grpSpPr>
+        <a:xfrm>
+          <a:off x="0" y="0"/>
+          <a:ext cx="0" cy="0"/>
+          <a:chOff x="0" y="0"/>
+          <a:chExt cx="0" cy="0"/>
+        </a:xfrm>
+      </p:grpSpPr>
+      <p:sp>
+        <p:nvSpPr>
+          <p:cNvPr id="2" name="TextBox 1">
+            <a:extLst>
+              <a:ext uri="{FF2B5EF4-FFF2-40B4-BE49-F238E27FC236}">
+                <a16:creationId xmlns:a16="http://schemas.microsoft.com/office/drawing/2014/main" id="{34D02CFF-A383-0FF9-CFD6-D26F46EBACBB}"/>
+              </a:ext>
+            </a:extLst>
+          </p:cNvPr>
+          <p:cNvSpPr txBox="1"/>
+          <p:nvPr/>
+        </p:nvSpPr>
+        <p:spPr>
+          <a:xfrm>
+            <a:off x="683172" y="185081"/>
+            <a:ext cx="11508828" cy="5078313"/>
+          </a:xfrm>
+          <a:prstGeom prst="rect">
+            <a:avLst/>
+          </a:prstGeom>
+          <a:noFill/>
+        </p:spPr>
+        <p:txBody>
+          <a:bodyPr wrap="square" rtlCol="0">
+            <a:spAutoFit/>
+          </a:bodyPr>
+          <a:lstStyle/>
+          <a:p>
+            <a:pPr marL="285750" indent="-285750" algn="l">
+              <a:buFont typeface="Wingdings" pitchFamily="2" charset="2"/>
+              <a:buChar char="§"/>
+            </a:pPr>
+            <a:endParaRPr lang="en-IN" b="1" i="0" u="none" strike="noStrike" dirty="0">
+              <a:solidFill>
+                <a:schemeClr val="tx1"/>
+              </a:solidFill>
+              <a:effectLst/>
+            </a:endParaRPr>
+          </a:p>
+          <a:p>
+            <a:pPr marL="285750" indent="-285750" algn="l">
+              <a:buFont typeface="Wingdings" pitchFamily="2" charset="2"/>
+              <a:buChar char="§"/>
+            </a:pPr>
+            <a:endParaRPr lang="en-IN" b="1" dirty="0"/>
+          </a:p>
+          <a:p>
+            <a:pPr marL="285750" indent="-285750" algn="l">
+              <a:buFont typeface="Wingdings" pitchFamily="2" charset="2"/>
+              <a:buChar char="§"/>
+            </a:pPr>
+            <a:endParaRPr lang="en-IN" b="1" i="0" u="none" strike="noStrike" dirty="0">
+              <a:solidFill>
+                <a:schemeClr val="tx1"/>
+              </a:solidFill>
+              <a:effectLst/>
+            </a:endParaRPr>
+          </a:p>
+          <a:p>
+            <a:pPr marL="285750" indent="-285750" algn="l">
+              <a:buFont typeface="Wingdings" pitchFamily="2" charset="2"/>
+              <a:buChar char="§"/>
+            </a:pPr>
+            <a:endParaRPr lang="en-IN" b="1" i="0" u="none" strike="noStrike" dirty="0">
+              <a:solidFill>
+                <a:schemeClr val="tx1"/>
+              </a:solidFill>
+              <a:effectLst/>
+            </a:endParaRPr>
+          </a:p>
+          <a:p>
+            <a:pPr marL="285750" indent="-285750" algn="l">
+              <a:buFont typeface="Wingdings" pitchFamily="2" charset="2"/>
+              <a:buChar char="§"/>
+            </a:pPr>
+            <a:endParaRPr lang="en-IN" b="1" dirty="0"/>
+          </a:p>
+          <a:p>
+            <a:pPr marL="285750" indent="-285750" algn="l">
+              <a:buFont typeface="Wingdings" pitchFamily="2" charset="2"/>
+              <a:buChar char="§"/>
+            </a:pPr>
+            <a:r>
+              <a:rPr lang="en-IN" b="1" i="0" u="none" strike="noStrike" dirty="0">
+                <a:solidFill>
+                  <a:schemeClr val="tx1"/>
+                </a:solidFill>
+                <a:effectLst/>
+              </a:rPr>
+              <a:t>Legal and Safety Compliance</a:t>
+            </a:r>
+            <a:r>
+              <a:rPr lang="en-IN" b="1" dirty="0"/>
+              <a:t>:</a:t>
+            </a:r>
+          </a:p>
+          <a:p>
+            <a:pPr lvl="1"/>
+            <a:r>
+              <a:rPr lang="en-IN" b="0" i="0" u="none" strike="noStrike" dirty="0">
+                <a:solidFill>
+                  <a:schemeClr val="tx1"/>
+                </a:solidFill>
+                <a:effectLst/>
+              </a:rPr>
+              <a:t>Ensure adherence to regulations and safety standards.</a:t>
+            </a:r>
+          </a:p>
+          <a:p>
+            <a:pPr marL="285750" indent="-285750" algn="l">
+              <a:buFont typeface="Wingdings" pitchFamily="2" charset="2"/>
+              <a:buChar char="§"/>
+            </a:pPr>
+            <a:r>
+              <a:rPr lang="en-IN" b="1" i="0" u="none" strike="noStrike" dirty="0">
+                <a:solidFill>
+                  <a:schemeClr val="tx1"/>
+                </a:solidFill>
+                <a:effectLst/>
+              </a:rPr>
+              <a:t>Functional Requirements:</a:t>
+            </a:r>
+            <a:endParaRPr lang="en-IN" b="0" i="0" u="none" strike="noStrike" dirty="0">
+              <a:solidFill>
+                <a:schemeClr val="tx1"/>
+              </a:solidFill>
+              <a:effectLst/>
+            </a:endParaRPr>
+          </a:p>
+          <a:p>
+            <a:pPr lvl="1" algn="l"/>
+            <a:r>
+              <a:rPr lang="en-IN" b="0" i="0" u="none" strike="noStrike" dirty="0">
+                <a:solidFill>
+                  <a:schemeClr val="tx1"/>
+                </a:solidFill>
+                <a:effectLst/>
+              </a:rPr>
+              <a:t>Specify what the system should do.</a:t>
+            </a:r>
+          </a:p>
+          <a:p>
+            <a:pPr marL="285750" indent="-285750" algn="l">
+              <a:buFont typeface="Wingdings" pitchFamily="2" charset="2"/>
+              <a:buChar char="§"/>
+            </a:pPr>
+            <a:r>
+              <a:rPr lang="en-IN" b="1" i="0" u="none" strike="noStrike" dirty="0">
+                <a:solidFill>
+                  <a:schemeClr val="tx1"/>
+                </a:solidFill>
+                <a:effectLst/>
+              </a:rPr>
+              <a:t>Non-functional Requirements:</a:t>
+            </a:r>
+            <a:endParaRPr lang="en-IN" b="0" i="0" u="none" strike="noStrike" dirty="0">
+              <a:solidFill>
+                <a:schemeClr val="tx1"/>
+              </a:solidFill>
+              <a:effectLst/>
+            </a:endParaRPr>
+          </a:p>
+          <a:p>
+            <a:pPr lvl="1" algn="l"/>
+            <a:r>
+              <a:rPr lang="en-IN" dirty="0"/>
+              <a:t>A</a:t>
+            </a:r>
+            <a:r>
+              <a:rPr lang="en-IN" b="0" i="0" u="none" strike="noStrike" dirty="0">
+                <a:solidFill>
+                  <a:schemeClr val="tx1"/>
+                </a:solidFill>
+                <a:effectLst/>
+              </a:rPr>
+              <a:t>ddress performance and reliability.</a:t>
+            </a:r>
+          </a:p>
+          <a:p>
+            <a:pPr marL="285750" indent="-285750" algn="l">
+              <a:buFont typeface="Wingdings" pitchFamily="2" charset="2"/>
+              <a:buChar char="§"/>
+            </a:pPr>
+            <a:r>
+              <a:rPr lang="en-IN" b="1" i="0" u="none" strike="noStrike" dirty="0">
+                <a:solidFill>
+                  <a:schemeClr val="tx1"/>
+                </a:solidFill>
+                <a:effectLst/>
+              </a:rPr>
+              <a:t>Data Requirements:</a:t>
+            </a:r>
+            <a:endParaRPr lang="en-IN" b="0" i="0" u="none" strike="noStrike" dirty="0">
+              <a:solidFill>
+                <a:schemeClr val="tx1"/>
+              </a:solidFill>
+              <a:effectLst/>
+            </a:endParaRPr>
+          </a:p>
+          <a:p>
+            <a:pPr lvl="1" algn="l"/>
+            <a:r>
+              <a:rPr lang="en-IN" b="0" i="0" u="none" strike="noStrike" dirty="0">
+                <a:solidFill>
+                  <a:schemeClr val="tx1"/>
+                </a:solidFill>
+                <a:effectLst/>
+              </a:rPr>
+              <a:t>Define data sources and quality.</a:t>
+            </a:r>
+          </a:p>
+          <a:p>
+            <a:pPr marL="285750" indent="-285750" algn="l">
+              <a:buFont typeface="Wingdings" pitchFamily="2" charset="2"/>
+              <a:buChar char="§"/>
+            </a:pPr>
+            <a:r>
+              <a:rPr lang="en-IN" b="1" i="0" u="none" strike="noStrike" dirty="0">
+                <a:solidFill>
+                  <a:schemeClr val="tx1"/>
+                </a:solidFill>
+                <a:effectLst/>
+              </a:rPr>
+              <a:t>Integration Needs:</a:t>
+            </a:r>
+            <a:endParaRPr lang="en-IN" b="0" i="0" u="none" strike="noStrike" dirty="0">
+              <a:solidFill>
+                <a:schemeClr val="tx1"/>
+              </a:solidFill>
+              <a:effectLst/>
+            </a:endParaRPr>
+          </a:p>
+          <a:p>
+            <a:pPr lvl="1" algn="l"/>
+            <a:r>
+              <a:rPr lang="en-IN" b="0" i="0" u="none" strike="noStrike" dirty="0">
+                <a:solidFill>
+                  <a:schemeClr val="tx1"/>
+                </a:solidFill>
+                <a:effectLst/>
+              </a:rPr>
+              <a:t>Determine if integration is necessary.</a:t>
+            </a:r>
+          </a:p>
+          <a:p>
+            <a:pPr marL="285750" indent="-285750" algn="l">
+              <a:buFont typeface="Wingdings" pitchFamily="2" charset="2"/>
+              <a:buChar char="§"/>
+            </a:pPr>
+            <a:r>
+              <a:rPr lang="en-IN" b="1" i="0" u="none" strike="noStrike" dirty="0">
+                <a:solidFill>
+                  <a:schemeClr val="tx1"/>
+                </a:solidFill>
+                <a:effectLst/>
+              </a:rPr>
+              <a:t>UI/UX Requirements:</a:t>
+            </a:r>
+            <a:endParaRPr lang="en-IN" b="0" i="0" u="none" strike="noStrike" dirty="0">
+              <a:solidFill>
+                <a:schemeClr val="tx1"/>
+              </a:solidFill>
+              <a:effectLst/>
+            </a:endParaRPr>
+          </a:p>
+          <a:p>
+            <a:pPr lvl="1" algn="l"/>
+            <a:r>
+              <a:rPr lang="en-IN" b="0" i="0" u="none" strike="noStrike" dirty="0">
+                <a:solidFill>
+                  <a:schemeClr val="tx1"/>
+                </a:solidFill>
+                <a:effectLst/>
+              </a:rPr>
+              <a:t>Outline user interface expectations.</a:t>
+            </a:r>
+          </a:p>
+          <a:p>
+            <a:endParaRPr lang="en-US" dirty="0"/>
+          </a:p>
+        </p:txBody>
+      </p:sp>
+    </p:spTree>
+    <p:extLst>
+      <p:ext uri="{BB962C8B-B14F-4D97-AF65-F5344CB8AC3E}">
+        <p14:creationId xmlns:p14="http://schemas.microsoft.com/office/powerpoint/2010/main" val="354766995"/>
+      </p:ext>
+    </p:extLst>
+  </p:cSld>
+  <p:clrMapOvr>
+    <a:masterClrMapping/>
+  </p:clrMapOvr>
+</p:sld>
+</file>
+
+<file path=ppt/slides/slide9.xml><?xml version="1.0" encoding="utf-8"?>
+<p:sld xmlns:a="http://schemas.openxmlformats.org/drawingml/2006/main" xmlns:r="http://schemas.openxmlformats.org/officeDocument/2006/relationships" xmlns:p="http://schemas.openxmlformats.org/presentationml/2006/main">
+  <p:cSld>
+    <p:spTree>
+      <p:nvGrpSpPr>
+        <p:cNvPr id="1" name=""/>
+        <p:cNvGrpSpPr/>
+        <p:nvPr/>
+      </p:nvGrpSpPr>
+      <p:grpSpPr>
+        <a:xfrm>
+          <a:off x="0" y="0"/>
+          <a:ext cx="0" cy="0"/>
+          <a:chOff x="0" y="0"/>
+          <a:chExt cx="0" cy="0"/>
+        </a:xfrm>
+      </p:grpSpPr>
+      <p:sp>
+        <p:nvSpPr>
+          <p:cNvPr id="3" name="TextBox 2">
+            <a:extLst>
+              <a:ext uri="{FF2B5EF4-FFF2-40B4-BE49-F238E27FC236}">
+                <a16:creationId xmlns:a16="http://schemas.microsoft.com/office/drawing/2014/main" id="{085F0339-5A79-EE62-4EF3-73C7B86EC5F8}"/>
+              </a:ext>
+            </a:extLst>
+          </p:cNvPr>
+          <p:cNvSpPr txBox="1"/>
+          <p:nvPr/>
+        </p:nvSpPr>
+        <p:spPr>
+          <a:xfrm>
+            <a:off x="662153" y="189186"/>
+            <a:ext cx="11435254" cy="5078313"/>
+          </a:xfrm>
+          <a:prstGeom prst="rect">
+            <a:avLst/>
+          </a:prstGeom>
+          <a:noFill/>
+        </p:spPr>
+        <p:txBody>
+          <a:bodyPr wrap="square" rtlCol="0">
+            <a:spAutoFit/>
+          </a:bodyPr>
+          <a:lstStyle/>
+          <a:p>
+            <a:pPr marL="285750" indent="-285750" algn="just">
+              <a:buFont typeface="Wingdings" pitchFamily="2" charset="2"/>
+              <a:buChar char="§"/>
+            </a:pPr>
+            <a:endParaRPr lang="en-IN" b="1" i="0" u="none" strike="noStrike" dirty="0">
+              <a:solidFill>
+                <a:schemeClr val="tx1"/>
+              </a:solidFill>
+              <a:effectLst/>
+            </a:endParaRPr>
+          </a:p>
+          <a:p>
+            <a:pPr marL="285750" indent="-285750" algn="just">
+              <a:buFont typeface="Wingdings" pitchFamily="2" charset="2"/>
+              <a:buChar char="§"/>
+            </a:pPr>
+            <a:endParaRPr lang="en-IN" b="1" dirty="0"/>
+          </a:p>
+          <a:p>
+            <a:pPr marL="285750" indent="-285750" algn="just">
+              <a:buFont typeface="Wingdings" pitchFamily="2" charset="2"/>
+              <a:buChar char="§"/>
+            </a:pPr>
+            <a:endParaRPr lang="en-IN" b="1" i="0" u="none" strike="noStrike" dirty="0">
+              <a:solidFill>
+                <a:schemeClr val="tx1"/>
+              </a:solidFill>
+              <a:effectLst/>
+            </a:endParaRPr>
+          </a:p>
+          <a:p>
+            <a:pPr marL="285750" indent="-285750" algn="just">
+              <a:buFont typeface="Wingdings" pitchFamily="2" charset="2"/>
+              <a:buChar char="§"/>
+            </a:pPr>
+            <a:endParaRPr lang="en-IN" b="1" dirty="0"/>
+          </a:p>
+          <a:p>
+            <a:pPr marL="285750" indent="-285750" algn="just">
+              <a:buFont typeface="Wingdings" pitchFamily="2" charset="2"/>
+              <a:buChar char="§"/>
+            </a:pPr>
+            <a:endParaRPr lang="en-IN" b="1" i="0" u="none" strike="noStrike" dirty="0">
+              <a:solidFill>
+                <a:schemeClr val="tx1"/>
+              </a:solidFill>
+              <a:effectLst/>
+            </a:endParaRPr>
+          </a:p>
+          <a:p>
+            <a:pPr marL="285750" indent="-285750" algn="just">
+              <a:buFont typeface="Wingdings" pitchFamily="2" charset="2"/>
+              <a:buChar char="§"/>
+            </a:pPr>
+            <a:r>
+              <a:rPr lang="en-IN" b="1" i="0" u="none" strike="noStrike" dirty="0">
+                <a:solidFill>
+                  <a:schemeClr val="tx1"/>
+                </a:solidFill>
+                <a:effectLst/>
+              </a:rPr>
+              <a:t>Testing and Validation:</a:t>
+            </a:r>
+            <a:endParaRPr lang="en-IN" b="0" i="0" u="none" strike="noStrike" dirty="0">
+              <a:solidFill>
+                <a:schemeClr val="tx1"/>
+              </a:solidFill>
+              <a:effectLst/>
+            </a:endParaRPr>
+          </a:p>
+          <a:p>
+            <a:pPr lvl="1" algn="just"/>
+            <a:r>
+              <a:rPr lang="en-IN" b="0" i="0" u="none" strike="noStrike" dirty="0">
+                <a:solidFill>
+                  <a:schemeClr val="tx1"/>
+                </a:solidFill>
+                <a:effectLst/>
+              </a:rPr>
+              <a:t>Define evaluation methods.</a:t>
+            </a:r>
+          </a:p>
+          <a:p>
+            <a:pPr marL="285750" indent="-285750" algn="just">
+              <a:buFont typeface="Wingdings" pitchFamily="2" charset="2"/>
+              <a:buChar char="§"/>
+            </a:pPr>
+            <a:r>
+              <a:rPr lang="en-IN" b="1" i="0" u="none" strike="noStrike" dirty="0">
+                <a:solidFill>
+                  <a:schemeClr val="tx1"/>
+                </a:solidFill>
+                <a:effectLst/>
+              </a:rPr>
+              <a:t>Maintenance and Support:</a:t>
+            </a:r>
+            <a:endParaRPr lang="en-IN" b="0" i="0" u="none" strike="noStrike" dirty="0">
+              <a:solidFill>
+                <a:schemeClr val="tx1"/>
+              </a:solidFill>
+              <a:effectLst/>
+            </a:endParaRPr>
+          </a:p>
+          <a:p>
+            <a:pPr lvl="1" algn="just"/>
+            <a:r>
+              <a:rPr lang="en-IN" b="0" i="0" u="none" strike="noStrike" dirty="0">
+                <a:solidFill>
+                  <a:schemeClr val="tx1"/>
+                </a:solidFill>
+                <a:effectLst/>
+              </a:rPr>
+              <a:t>Plan for post-deployment needs.</a:t>
+            </a:r>
+          </a:p>
+          <a:p>
+            <a:pPr marL="285750" indent="-285750" algn="just">
+              <a:buFont typeface="Wingdings" pitchFamily="2" charset="2"/>
+              <a:buChar char="§"/>
+            </a:pPr>
+            <a:r>
+              <a:rPr lang="en-IN" b="1" i="0" u="none" strike="noStrike" dirty="0">
+                <a:solidFill>
+                  <a:schemeClr val="tx1"/>
+                </a:solidFill>
+                <a:effectLst/>
+              </a:rPr>
+              <a:t>Documentation and Training:</a:t>
+            </a:r>
+            <a:endParaRPr lang="en-IN" b="0" i="0" u="none" strike="noStrike" dirty="0">
+              <a:solidFill>
+                <a:schemeClr val="tx1"/>
+              </a:solidFill>
+              <a:effectLst/>
+            </a:endParaRPr>
+          </a:p>
+          <a:p>
+            <a:pPr lvl="1" algn="just"/>
+            <a:r>
+              <a:rPr lang="en-IN" b="0" i="0" u="none" strike="noStrike" dirty="0">
+                <a:solidFill>
+                  <a:schemeClr val="tx1"/>
+                </a:solidFill>
+                <a:effectLst/>
+              </a:rPr>
+              <a:t>Prepare user materials.</a:t>
+            </a:r>
+          </a:p>
+          <a:p>
+            <a:pPr marL="285750" indent="-285750" algn="just">
+              <a:buFont typeface="Wingdings" pitchFamily="2" charset="2"/>
+              <a:buChar char="§"/>
+            </a:pPr>
+            <a:r>
+              <a:rPr lang="en-IN" b="1" i="0" u="none" strike="noStrike" dirty="0">
+                <a:solidFill>
+                  <a:schemeClr val="tx1"/>
+                </a:solidFill>
+                <a:effectLst/>
+              </a:rPr>
+              <a:t>Cost and Timeline:</a:t>
+            </a:r>
+            <a:endParaRPr lang="en-IN" b="0" i="0" u="none" strike="noStrike" dirty="0">
+              <a:solidFill>
+                <a:schemeClr val="tx1"/>
+              </a:solidFill>
+              <a:effectLst/>
+            </a:endParaRPr>
+          </a:p>
+          <a:p>
+            <a:pPr lvl="1" algn="just"/>
+            <a:r>
+              <a:rPr lang="en-IN" b="0" i="0" u="none" strike="noStrike" dirty="0">
+                <a:solidFill>
+                  <a:schemeClr val="tx1"/>
+                </a:solidFill>
+                <a:effectLst/>
+              </a:rPr>
+              <a:t>Consider budget and project schedule.</a:t>
+            </a:r>
+          </a:p>
+          <a:p>
+            <a:pPr marL="285750" indent="-285750" algn="just">
+              <a:buFont typeface="Wingdings" pitchFamily="2" charset="2"/>
+              <a:buChar char="§"/>
+            </a:pPr>
+            <a:r>
+              <a:rPr lang="en-IN" b="1" i="0" u="none" strike="noStrike" dirty="0">
+                <a:solidFill>
+                  <a:schemeClr val="tx1"/>
+                </a:solidFill>
+                <a:effectLst/>
+              </a:rPr>
+              <a:t>Risk Assessment:</a:t>
+            </a:r>
+            <a:endParaRPr lang="en-IN" b="0" i="0" u="none" strike="noStrike" dirty="0">
+              <a:solidFill>
+                <a:schemeClr val="tx1"/>
+              </a:solidFill>
+              <a:effectLst/>
+            </a:endParaRPr>
+          </a:p>
+          <a:p>
+            <a:pPr lvl="1" algn="just"/>
+            <a:r>
+              <a:rPr lang="en-IN" b="0" i="0" u="none" strike="noStrike" dirty="0">
+                <a:solidFill>
+                  <a:schemeClr val="tx1"/>
+                </a:solidFill>
+                <a:effectLst/>
+              </a:rPr>
+              <a:t>Identify and address potential risks.</a:t>
+            </a:r>
+          </a:p>
+          <a:p>
+            <a:pPr marL="285750" indent="-285750" algn="just">
+              <a:buFont typeface="Wingdings" pitchFamily="2" charset="2"/>
+              <a:buChar char="§"/>
+            </a:pPr>
+            <a:r>
+              <a:rPr lang="en-IN" b="1" i="0" u="none" strike="noStrike" dirty="0">
+                <a:solidFill>
+                  <a:schemeClr val="tx1"/>
+                </a:solidFill>
+                <a:effectLst/>
+              </a:rPr>
+              <a:t>Review and Validation:</a:t>
+            </a:r>
+            <a:endParaRPr lang="en-IN" dirty="0"/>
+          </a:p>
+          <a:p>
+            <a:pPr algn="just"/>
+            <a:r>
+              <a:rPr lang="en-IN" dirty="0"/>
+              <a:t>	</a:t>
+            </a:r>
+            <a:r>
+              <a:rPr lang="en-IN" b="0" i="0" u="none" strike="noStrike" dirty="0">
+                <a:solidFill>
+                  <a:schemeClr val="tx1"/>
+                </a:solidFill>
+                <a:effectLst/>
+              </a:rPr>
+              <a:t>Regularly confirm alignment with stakeholders.</a:t>
+            </a:r>
+          </a:p>
+          <a:p>
+            <a:pPr algn="just"/>
+            <a:endParaRPr lang="en-US" dirty="0"/>
+          </a:p>
+        </p:txBody>
+      </p:sp>
+    </p:spTree>
+    <p:extLst>
+      <p:ext uri="{BB962C8B-B14F-4D97-AF65-F5344CB8AC3E}">
+        <p14:creationId xmlns:p14="http://schemas.microsoft.com/office/powerpoint/2010/main" val="2323133445"/>
       </p:ext>
     </p:extLst>
   </p:cSld>

--- a/Zeroth Review 2.pptx
+++ b/Zeroth Review 2.pptx
@@ -294,7 +294,7 @@
             <a:fld id="{87DE6118-2437-4B30-8E3C-4D2BE6020583}" type="datetimeFigureOut">
               <a:rPr lang="en-US" dirty="0"/>
               <a:pPr/>
-              <a:t>9/11/23</a:t>
+              <a:t>9/12/23</a:t>
             </a:fld>
             <a:endParaRPr lang="en-US" dirty="0"/>
           </a:p>
@@ -620,7 +620,7 @@
           <a:p>
             <a:fld id="{87DE6118-2437-4B30-8E3C-4D2BE6020583}" type="datetimeFigureOut">
               <a:rPr lang="en-US" dirty="0"/>
-              <a:t>9/11/23</a:t>
+              <a:t>9/12/23</a:t>
             </a:fld>
             <a:endParaRPr lang="en-US" dirty="0"/>
           </a:p>
@@ -795,7 +795,7 @@
           <a:p>
             <a:fld id="{87DE6118-2437-4B30-8E3C-4D2BE6020583}" type="datetimeFigureOut">
               <a:rPr lang="en-US" dirty="0"/>
-              <a:t>9/11/23</a:t>
+              <a:t>9/12/23</a:t>
             </a:fld>
             <a:endParaRPr lang="en-US" dirty="0"/>
           </a:p>
@@ -960,7 +960,7 @@
           <a:p>
             <a:fld id="{87DE6118-2437-4B30-8E3C-4D2BE6020583}" type="datetimeFigureOut">
               <a:rPr lang="en-US" dirty="0"/>
-              <a:t>9/11/23</a:t>
+              <a:t>9/12/23</a:t>
             </a:fld>
             <a:endParaRPr lang="en-US" dirty="0"/>
           </a:p>
@@ -1233,7 +1233,7 @@
             <a:fld id="{87DE6118-2437-4B30-8E3C-4D2BE6020583}" type="datetimeFigureOut">
               <a:rPr lang="en-US" dirty="0"/>
               <a:pPr/>
-              <a:t>9/11/23</a:t>
+              <a:t>9/12/23</a:t>
             </a:fld>
             <a:endParaRPr lang="en-US" dirty="0"/>
           </a:p>
@@ -1623,7 +1623,7 @@
           <a:p>
             <a:fld id="{87DE6118-2437-4B30-8E3C-4D2BE6020583}" type="datetimeFigureOut">
               <a:rPr lang="en-US" dirty="0"/>
-              <a:t>9/11/23</a:t>
+              <a:t>9/12/23</a:t>
             </a:fld>
             <a:endParaRPr lang="en-US" dirty="0"/>
           </a:p>
@@ -2095,7 +2095,7 @@
           <a:p>
             <a:fld id="{87DE6118-2437-4B30-8E3C-4D2BE6020583}" type="datetimeFigureOut">
               <a:rPr lang="en-US" dirty="0"/>
-              <a:t>9/11/23</a:t>
+              <a:t>9/12/23</a:t>
             </a:fld>
             <a:endParaRPr lang="en-US" dirty="0"/>
           </a:p>
@@ -2208,7 +2208,7 @@
           <a:p>
             <a:fld id="{87DE6118-2437-4B30-8E3C-4D2BE6020583}" type="datetimeFigureOut">
               <a:rPr lang="en-US" dirty="0"/>
-              <a:t>9/11/23</a:t>
+              <a:t>9/12/23</a:t>
             </a:fld>
             <a:endParaRPr lang="en-US" dirty="0"/>
           </a:p>
@@ -2298,7 +2298,7 @@
           <a:p>
             <a:fld id="{87DE6118-2437-4B30-8E3C-4D2BE6020583}" type="datetimeFigureOut">
               <a:rPr lang="en-US" dirty="0"/>
-              <a:t>9/11/23</a:t>
+              <a:t>9/12/23</a:t>
             </a:fld>
             <a:endParaRPr lang="en-US" dirty="0"/>
           </a:p>
@@ -2640,7 +2640,7 @@
             <a:fld id="{87DE6118-2437-4B30-8E3C-4D2BE6020583}" type="datetimeFigureOut">
               <a:rPr lang="en-US" dirty="0"/>
               <a:pPr/>
-              <a:t>9/11/23</a:t>
+              <a:t>9/12/23</a:t>
             </a:fld>
             <a:endParaRPr lang="en-US" dirty="0"/>
           </a:p>
@@ -3025,7 +3025,7 @@
             <a:fld id="{87DE6118-2437-4B30-8E3C-4D2BE6020583}" type="datetimeFigureOut">
               <a:rPr lang="en-US" dirty="0"/>
               <a:pPr/>
-              <a:t>9/11/23</a:t>
+              <a:t>9/12/23</a:t>
             </a:fld>
             <a:endParaRPr lang="en-US" dirty="0"/>
           </a:p>
@@ -3300,7 +3300,7 @@
             <a:fld id="{87DE6118-2437-4B30-8E3C-4D2BE6020583}" type="datetimeFigureOut">
               <a:rPr lang="en-US" dirty="0"/>
               <a:pPr/>
-              <a:t>9/11/23</a:t>
+              <a:t>9/12/23</a:t>
             </a:fld>
             <a:endParaRPr lang="en-US" dirty="0"/>
           </a:p>
@@ -3950,7 +3950,7 @@
             <p:ph idx="1"/>
             <p:extLst>
               <p:ext uri="{D42A27DB-BD31-4B8C-83A1-F6EECF244321}">
-                <p14:modId xmlns:p14="http://schemas.microsoft.com/office/powerpoint/2010/main" val="3135388736"/>
+                <p14:modId xmlns:p14="http://schemas.microsoft.com/office/powerpoint/2010/main" val="1448076811"/>
               </p:ext>
             </p:extLst>
           </p:nvPr>
@@ -4009,7 +4009,7 @@
                     <a:p>
                       <a:r>
                         <a:rPr lang="en-US" dirty="0"/>
-                        <a:t>Topic and Algorithm</a:t>
+                        <a:t>Topic and Name of the </a:t>
                       </a:r>
                     </a:p>
                   </a:txBody>

--- a/Zeroth Review 2.pptx
+++ b/Zeroth Review 2.pptx
@@ -9,15 +9,12 @@
     <p:sldId id="257" r:id="rId3"/>
     <p:sldId id="258" r:id="rId4"/>
     <p:sldId id="259" r:id="rId5"/>
-    <p:sldId id="260" r:id="rId6"/>
+    <p:sldId id="266" r:id="rId6"/>
     <p:sldId id="261" r:id="rId7"/>
-    <p:sldId id="264" r:id="rId8"/>
-    <p:sldId id="265" r:id="rId9"/>
-    <p:sldId id="267" r:id="rId10"/>
-    <p:sldId id="266" r:id="rId11"/>
-    <p:sldId id="268" r:id="rId12"/>
-    <p:sldId id="262" r:id="rId13"/>
-    <p:sldId id="263" r:id="rId14"/>
+    <p:sldId id="269" r:id="rId8"/>
+    <p:sldId id="264" r:id="rId9"/>
+    <p:sldId id="270" r:id="rId10"/>
+    <p:sldId id="271" r:id="rId11"/>
   </p:sldIdLst>
   <p:sldSz cx="12192000" cy="6858000"/>
   <p:notesSz cx="6858000" cy="9144000"/>
@@ -294,7 +291,7 @@
             <a:fld id="{87DE6118-2437-4B30-8E3C-4D2BE6020583}" type="datetimeFigureOut">
               <a:rPr lang="en-US" dirty="0"/>
               <a:pPr/>
-              <a:t>9/12/23</a:t>
+              <a:t>11/21/23</a:t>
             </a:fld>
             <a:endParaRPr lang="en-US" dirty="0"/>
           </a:p>
@@ -620,7 +617,7 @@
           <a:p>
             <a:fld id="{87DE6118-2437-4B30-8E3C-4D2BE6020583}" type="datetimeFigureOut">
               <a:rPr lang="en-US" dirty="0"/>
-              <a:t>9/12/23</a:t>
+              <a:t>11/21/23</a:t>
             </a:fld>
             <a:endParaRPr lang="en-US" dirty="0"/>
           </a:p>
@@ -795,7 +792,7 @@
           <a:p>
             <a:fld id="{87DE6118-2437-4B30-8E3C-4D2BE6020583}" type="datetimeFigureOut">
               <a:rPr lang="en-US" dirty="0"/>
-              <a:t>9/12/23</a:t>
+              <a:t>11/21/23</a:t>
             </a:fld>
             <a:endParaRPr lang="en-US" dirty="0"/>
           </a:p>
@@ -960,7 +957,7 @@
           <a:p>
             <a:fld id="{87DE6118-2437-4B30-8E3C-4D2BE6020583}" type="datetimeFigureOut">
               <a:rPr lang="en-US" dirty="0"/>
-              <a:t>9/12/23</a:t>
+              <a:t>11/21/23</a:t>
             </a:fld>
             <a:endParaRPr lang="en-US" dirty="0"/>
           </a:p>
@@ -1233,7 +1230,7 @@
             <a:fld id="{87DE6118-2437-4B30-8E3C-4D2BE6020583}" type="datetimeFigureOut">
               <a:rPr lang="en-US" dirty="0"/>
               <a:pPr/>
-              <a:t>9/12/23</a:t>
+              <a:t>11/21/23</a:t>
             </a:fld>
             <a:endParaRPr lang="en-US" dirty="0"/>
           </a:p>
@@ -1623,7 +1620,7 @@
           <a:p>
             <a:fld id="{87DE6118-2437-4B30-8E3C-4D2BE6020583}" type="datetimeFigureOut">
               <a:rPr lang="en-US" dirty="0"/>
-              <a:t>9/12/23</a:t>
+              <a:t>11/21/23</a:t>
             </a:fld>
             <a:endParaRPr lang="en-US" dirty="0"/>
           </a:p>
@@ -2095,7 +2092,7 @@
           <a:p>
             <a:fld id="{87DE6118-2437-4B30-8E3C-4D2BE6020583}" type="datetimeFigureOut">
               <a:rPr lang="en-US" dirty="0"/>
-              <a:t>9/12/23</a:t>
+              <a:t>11/21/23</a:t>
             </a:fld>
             <a:endParaRPr lang="en-US" dirty="0"/>
           </a:p>
@@ -2208,7 +2205,7 @@
           <a:p>
             <a:fld id="{87DE6118-2437-4B30-8E3C-4D2BE6020583}" type="datetimeFigureOut">
               <a:rPr lang="en-US" dirty="0"/>
-              <a:t>9/12/23</a:t>
+              <a:t>11/21/23</a:t>
             </a:fld>
             <a:endParaRPr lang="en-US" dirty="0"/>
           </a:p>
@@ -2298,7 +2295,7 @@
           <a:p>
             <a:fld id="{87DE6118-2437-4B30-8E3C-4D2BE6020583}" type="datetimeFigureOut">
               <a:rPr lang="en-US" dirty="0"/>
-              <a:t>9/12/23</a:t>
+              <a:t>11/21/23</a:t>
             </a:fld>
             <a:endParaRPr lang="en-US" dirty="0"/>
           </a:p>
@@ -2640,7 +2637,7 @@
             <a:fld id="{87DE6118-2437-4B30-8E3C-4D2BE6020583}" type="datetimeFigureOut">
               <a:rPr lang="en-US" dirty="0"/>
               <a:pPr/>
-              <a:t>9/12/23</a:t>
+              <a:t>11/21/23</a:t>
             </a:fld>
             <a:endParaRPr lang="en-US" dirty="0"/>
           </a:p>
@@ -3025,7 +3022,7 @@
             <a:fld id="{87DE6118-2437-4B30-8E3C-4D2BE6020583}" type="datetimeFigureOut">
               <a:rPr lang="en-US" dirty="0"/>
               <a:pPr/>
-              <a:t>9/12/23</a:t>
+              <a:t>11/21/23</a:t>
             </a:fld>
             <a:endParaRPr lang="en-US" dirty="0"/>
           </a:p>
@@ -3300,7 +3297,7 @@
             <a:fld id="{87DE6118-2437-4B30-8E3C-4D2BE6020583}" type="datetimeFigureOut">
               <a:rPr lang="en-US" dirty="0"/>
               <a:pPr/>
-              <a:t>9/12/23</a:t>
+              <a:t>11/21/23</a:t>
             </a:fld>
             <a:endParaRPr lang="en-US" dirty="0"/>
           </a:p>
@@ -3835,38 +3832,22 @@
           <a:lstStyle/>
           <a:p>
             <a:r>
-              <a:rPr lang="en-IN" sz="3200" i="0" u="sng" strike="noStrike" dirty="0">
+              <a:rPr lang="en-IN" sz="2800" b="1" i="0" u="sng" strike="noStrike" dirty="0">
                 <a:solidFill>
                   <a:schemeClr val="tx1"/>
                 </a:solidFill>
                 <a:effectLst/>
-                <a:latin typeface="Söhne"/>
+                <a:latin typeface="Times New Roman" panose="02020603050405020304" pitchFamily="18" charset="0"/>
+                <a:cs typeface="Times New Roman" panose="02020603050405020304" pitchFamily="18" charset="0"/>
               </a:rPr>
-              <a:t>Traffic Sign Detection </a:t>
-            </a:r>
-            <a:br>
-              <a:rPr lang="en-IN" sz="3200" i="0" u="sng" strike="noStrike" dirty="0">
-                <a:solidFill>
-                  <a:schemeClr val="tx1"/>
-                </a:solidFill>
-                <a:effectLst/>
-                <a:latin typeface="Söhne"/>
-              </a:rPr>
-            </a:br>
-            <a:r>
-              <a:rPr lang="en-IN" sz="3200" i="0" u="sng" strike="noStrike" dirty="0">
-                <a:solidFill>
-                  <a:schemeClr val="tx1"/>
-                </a:solidFill>
-                <a:effectLst/>
-                <a:latin typeface="Söhne"/>
-              </a:rPr>
-              <a:t>for Safer Roads</a:t>
-            </a:r>
-            <a:endParaRPr lang="en-US" sz="3200" u="sng" dirty="0">
+              <a:t>Autonomous Traffic Flow Control through V2X Communication: A Research Study</a:t>
+            </a:r>
+            <a:endParaRPr lang="en-US" sz="9600" u="sng" dirty="0">
               <a:solidFill>
                 <a:schemeClr val="tx1"/>
               </a:solidFill>
+              <a:latin typeface="Times New Roman" panose="02020603050405020304" pitchFamily="18" charset="0"/>
+              <a:cs typeface="Times New Roman" panose="02020603050405020304" pitchFamily="18" charset="0"/>
             </a:endParaRPr>
           </a:p>
         </p:txBody>
@@ -3885,6 +3866,906 @@
 </file>
 
 <file path=ppt/slides/slide10.xml><?xml version="1.0" encoding="utf-8"?>
+<p:sld xmlns:a="http://schemas.openxmlformats.org/drawingml/2006/main" xmlns:r="http://schemas.openxmlformats.org/officeDocument/2006/relationships" xmlns:p="http://schemas.openxmlformats.org/presentationml/2006/main">
+  <p:cSld>
+    <p:bg>
+      <p:bgPr>
+        <a:solidFill>
+          <a:schemeClr val="bg2"/>
+        </a:solidFill>
+        <a:effectLst/>
+      </p:bgPr>
+    </p:bg>
+    <p:spTree>
+      <p:nvGrpSpPr>
+        <p:cNvPr id="1" name=""/>
+        <p:cNvGrpSpPr/>
+        <p:nvPr/>
+      </p:nvGrpSpPr>
+      <p:grpSpPr>
+        <a:xfrm>
+          <a:off x="0" y="0"/>
+          <a:ext cx="0" cy="0"/>
+          <a:chOff x="0" y="0"/>
+          <a:chExt cx="0" cy="0"/>
+        </a:xfrm>
+      </p:grpSpPr>
+      <p:sp>
+        <p:nvSpPr>
+          <p:cNvPr id="11" name="Rectangle 10">
+            <a:extLst>
+              <a:ext uri="{FF2B5EF4-FFF2-40B4-BE49-F238E27FC236}">
+                <a16:creationId xmlns:a16="http://schemas.microsoft.com/office/drawing/2014/main" id="{0E807223-DF88-4D6D-970E-08919E5E02EB}"/>
+              </a:ext>
+              <a:ext uri="{C183D7F6-B498-43B3-948B-1728B52AA6E4}">
+                <adec:decorative xmlns:adec="http://schemas.microsoft.com/office/drawing/2017/decorative" val="1"/>
+              </a:ext>
+            </a:extLst>
+          </p:cNvPr>
+          <p:cNvSpPr>
+            <a:spLocks noGrp="1" noRot="1" noChangeAspect="1" noMove="1" noResize="1" noEditPoints="1" noAdjustHandles="1" noChangeArrowheads="1" noChangeShapeType="1" noTextEdit="1"/>
+          </p:cNvSpPr>
+          <p:nvPr>
+            <p:extLst>
+              <p:ext uri="{386F3935-93C4-4BCD-93E2-E3B085C9AB24}">
+                <p16:designElem xmlns:p16="http://schemas.microsoft.com/office/powerpoint/2015/main" val="1"/>
+              </p:ext>
+            </p:extLst>
+          </p:nvPr>
+        </p:nvSpPr>
+        <p:spPr>
+          <a:xfrm>
+            <a:off x="478095" y="376"/>
+            <a:ext cx="228600" cy="6858000"/>
+          </a:xfrm>
+          <a:prstGeom prst="rect">
+            <a:avLst/>
+          </a:prstGeom>
+          <a:solidFill>
+            <a:schemeClr val="tx2"/>
+          </a:solidFill>
+          <a:ln>
+            <a:noFill/>
+          </a:ln>
+        </p:spPr>
+        <p:style>
+          <a:lnRef idx="2">
+            <a:schemeClr val="accent1">
+              <a:shade val="50000"/>
+            </a:schemeClr>
+          </a:lnRef>
+          <a:fillRef idx="1">
+            <a:schemeClr val="accent1"/>
+          </a:fillRef>
+          <a:effectRef idx="0">
+            <a:schemeClr val="accent1"/>
+          </a:effectRef>
+          <a:fontRef idx="minor">
+            <a:schemeClr val="lt1"/>
+          </a:fontRef>
+        </p:style>
+        <p:txBody>
+          <a:bodyPr/>
+          <a:lstStyle/>
+          <a:p>
+            <a:endParaRPr lang="en-US"/>
+          </a:p>
+        </p:txBody>
+      </p:sp>
+      <p:sp useBgFill="1">
+        <p:nvSpPr>
+          <p:cNvPr id="13" name="Rectangle 12">
+            <a:extLst>
+              <a:ext uri="{FF2B5EF4-FFF2-40B4-BE49-F238E27FC236}">
+                <a16:creationId xmlns:a16="http://schemas.microsoft.com/office/drawing/2014/main" id="{C96282C0-351C-48EE-A89D-D662C5DB2509}"/>
+              </a:ext>
+              <a:ext uri="{C183D7F6-B498-43B3-948B-1728B52AA6E4}">
+                <adec:decorative xmlns:adec="http://schemas.microsoft.com/office/drawing/2017/decorative" val="1"/>
+              </a:ext>
+            </a:extLst>
+          </p:cNvPr>
+          <p:cNvSpPr>
+            <a:spLocks noGrp="1" noRot="1" noChangeAspect="1" noMove="1" noResize="1" noEditPoints="1" noAdjustHandles="1" noChangeArrowheads="1" noChangeShapeType="1" noTextEdit="1"/>
+          </p:cNvSpPr>
+          <p:nvPr>
+            <p:extLst>
+              <p:ext uri="{386F3935-93C4-4BCD-93E2-E3B085C9AB24}">
+                <p16:designElem xmlns:p16="http://schemas.microsoft.com/office/powerpoint/2015/main" val="1"/>
+              </p:ext>
+            </p:extLst>
+          </p:nvPr>
+        </p:nvSpPr>
+        <p:spPr>
+          <a:xfrm>
+            <a:off x="0" y="0"/>
+            <a:ext cx="12192000" cy="6858000"/>
+          </a:xfrm>
+          <a:prstGeom prst="rect">
+            <a:avLst/>
+          </a:prstGeom>
+          <a:ln>
+            <a:noFill/>
+          </a:ln>
+        </p:spPr>
+        <p:style>
+          <a:lnRef idx="2">
+            <a:schemeClr val="accent1">
+              <a:shade val="50000"/>
+            </a:schemeClr>
+          </a:lnRef>
+          <a:fillRef idx="1">
+            <a:schemeClr val="accent1"/>
+          </a:fillRef>
+          <a:effectRef idx="0">
+            <a:schemeClr val="accent1"/>
+          </a:effectRef>
+          <a:fontRef idx="minor">
+            <a:schemeClr val="lt1"/>
+          </a:fontRef>
+        </p:style>
+        <p:txBody>
+          <a:bodyPr rtlCol="0" anchor="ctr"/>
+          <a:lstStyle/>
+          <a:p>
+            <a:pPr algn="ctr"/>
+            <a:endParaRPr lang="en-US"/>
+          </a:p>
+        </p:txBody>
+      </p:sp>
+      <p:sp>
+        <p:nvSpPr>
+          <p:cNvPr id="2" name="Title 1">
+            <a:extLst>
+              <a:ext uri="{FF2B5EF4-FFF2-40B4-BE49-F238E27FC236}">
+                <a16:creationId xmlns:a16="http://schemas.microsoft.com/office/drawing/2014/main" id="{D9431ABB-1569-6627-240E-060BDA137148}"/>
+              </a:ext>
+            </a:extLst>
+          </p:cNvPr>
+          <p:cNvSpPr>
+            <a:spLocks noGrp="1"/>
+          </p:cNvSpPr>
+          <p:nvPr>
+            <p:ph type="title"/>
+          </p:nvPr>
+        </p:nvSpPr>
+        <p:spPr>
+          <a:xfrm>
+            <a:off x="5537129" y="2686050"/>
+            <a:ext cx="6176776" cy="1485900"/>
+          </a:xfrm>
+        </p:spPr>
+        <p:txBody>
+          <a:bodyPr vert="horz" lIns="91440" tIns="45720" rIns="91440" bIns="45720" rtlCol="0" anchor="t">
+            <a:normAutofit/>
+          </a:bodyPr>
+          <a:lstStyle/>
+          <a:p>
+            <a:pPr algn="ctr">
+              <a:lnSpc>
+                <a:spcPct val="89000"/>
+              </a:lnSpc>
+            </a:pPr>
+            <a:r>
+              <a:rPr lang="en-US" sz="4400" dirty="0"/>
+              <a:t>Plan Of Action(POA)</a:t>
+            </a:r>
+          </a:p>
+        </p:txBody>
+      </p:sp>
+      <p:pic>
+        <p:nvPicPr>
+          <p:cNvPr id="6" name="Picture Placeholder 5" descr="A diagram of a software development process&#10;&#10;Description automatically generated">
+            <a:extLst>
+              <a:ext uri="{FF2B5EF4-FFF2-40B4-BE49-F238E27FC236}">
+                <a16:creationId xmlns:a16="http://schemas.microsoft.com/office/drawing/2014/main" id="{40FBB8B7-5E3D-3A57-1943-59C26D782F26}"/>
+              </a:ext>
+            </a:extLst>
+          </p:cNvPr>
+          <p:cNvPicPr>
+            <a:picLocks noGrp="1" noChangeAspect="1"/>
+          </p:cNvPicPr>
+          <p:nvPr>
+            <p:ph type="pic" idx="1"/>
+          </p:nvPr>
+        </p:nvPicPr>
+        <p:blipFill rotWithShape="1">
+          <a:blip r:embed="rId2"/>
+          <a:srcRect t="3000" r="-2" b="9579"/>
+          <a:stretch/>
+        </p:blipFill>
+        <p:spPr>
+          <a:xfrm>
+            <a:off x="-1" y="10"/>
+            <a:ext cx="4373546" cy="6857990"/>
+          </a:xfrm>
+          <a:prstGeom prst="rect">
+            <a:avLst/>
+          </a:prstGeom>
+        </p:spPr>
+      </p:pic>
+      <p:sp>
+        <p:nvSpPr>
+          <p:cNvPr id="15" name="Rectangle 14">
+            <a:extLst>
+              <a:ext uri="{FF2B5EF4-FFF2-40B4-BE49-F238E27FC236}">
+                <a16:creationId xmlns:a16="http://schemas.microsoft.com/office/drawing/2014/main" id="{1B35EC73-2F87-44A7-B231-910536590D14}"/>
+              </a:ext>
+              <a:ext uri="{C183D7F6-B498-43B3-948B-1728B52AA6E4}">
+                <adec:decorative xmlns:adec="http://schemas.microsoft.com/office/drawing/2017/decorative" val="1"/>
+              </a:ext>
+            </a:extLst>
+          </p:cNvPr>
+          <p:cNvSpPr>
+            <a:spLocks noGrp="1" noRot="1" noChangeAspect="1" noMove="1" noResize="1" noEditPoints="1" noAdjustHandles="1" noChangeArrowheads="1" noChangeShapeType="1" noTextEdit="1"/>
+          </p:cNvSpPr>
+          <p:nvPr>
+            <p:extLst>
+              <p:ext uri="{386F3935-93C4-4BCD-93E2-E3B085C9AB24}">
+                <p16:designElem xmlns:p16="http://schemas.microsoft.com/office/powerpoint/2015/main" val="1"/>
+              </p:ext>
+            </p:extLst>
+          </p:nvPr>
+        </p:nvSpPr>
+        <p:spPr>
+          <a:xfrm>
+            <a:off x="4373545" y="376"/>
+            <a:ext cx="228600" cy="6858000"/>
+          </a:xfrm>
+          <a:prstGeom prst="rect">
+            <a:avLst/>
+          </a:prstGeom>
+          <a:solidFill>
+            <a:schemeClr val="tx2"/>
+          </a:solidFill>
+          <a:ln>
+            <a:noFill/>
+          </a:ln>
+        </p:spPr>
+        <p:style>
+          <a:lnRef idx="2">
+            <a:schemeClr val="accent1">
+              <a:shade val="50000"/>
+            </a:schemeClr>
+          </a:lnRef>
+          <a:fillRef idx="1">
+            <a:schemeClr val="accent1"/>
+          </a:fillRef>
+          <a:effectRef idx="0">
+            <a:schemeClr val="accent1"/>
+          </a:effectRef>
+          <a:fontRef idx="minor">
+            <a:schemeClr val="lt1"/>
+          </a:fontRef>
+        </p:style>
+        <p:txBody>
+          <a:bodyPr/>
+          <a:lstStyle/>
+          <a:p>
+            <a:endParaRPr lang="en-US"/>
+          </a:p>
+        </p:txBody>
+      </p:sp>
+    </p:spTree>
+    <p:extLst>
+      <p:ext uri="{BB962C8B-B14F-4D97-AF65-F5344CB8AC3E}">
+        <p14:creationId xmlns:p14="http://schemas.microsoft.com/office/powerpoint/2010/main" val="2884752345"/>
+      </p:ext>
+    </p:extLst>
+  </p:cSld>
+  <p:clrMapOvr>
+    <a:overrideClrMapping bg1="dk1" tx1="lt1" bg2="dk2" tx2="lt2" accent1="accent1" accent2="accent2" accent3="accent3" accent4="accent4" accent5="accent5" accent6="accent6" hlink="hlink" folHlink="folHlink"/>
+  </p:clrMapOvr>
+</p:sld>
+</file>
+
+<file path=ppt/slides/slide2.xml><?xml version="1.0" encoding="utf-8"?>
+<p:sld xmlns:a="http://schemas.openxmlformats.org/drawingml/2006/main" xmlns:r="http://schemas.openxmlformats.org/officeDocument/2006/relationships" xmlns:p="http://schemas.openxmlformats.org/presentationml/2006/main">
+  <p:cSld>
+    <p:spTree>
+      <p:nvGrpSpPr>
+        <p:cNvPr id="1" name=""/>
+        <p:cNvGrpSpPr/>
+        <p:nvPr/>
+      </p:nvGrpSpPr>
+      <p:grpSpPr>
+        <a:xfrm>
+          <a:off x="0" y="0"/>
+          <a:ext cx="0" cy="0"/>
+          <a:chOff x="0" y="0"/>
+          <a:chExt cx="0" cy="0"/>
+        </a:xfrm>
+      </p:grpSpPr>
+      <p:sp>
+        <p:nvSpPr>
+          <p:cNvPr id="2" name="Title 1">
+            <a:extLst>
+              <a:ext uri="{FF2B5EF4-FFF2-40B4-BE49-F238E27FC236}">
+                <a16:creationId xmlns:a16="http://schemas.microsoft.com/office/drawing/2014/main" id="{69BCFA0A-5B54-DFEA-E4AB-8216343C6740}"/>
+              </a:ext>
+            </a:extLst>
+          </p:cNvPr>
+          <p:cNvSpPr>
+            <a:spLocks noGrp="1"/>
+          </p:cNvSpPr>
+          <p:nvPr>
+            <p:ph type="title"/>
+          </p:nvPr>
+        </p:nvSpPr>
+        <p:spPr>
+          <a:xfrm>
+            <a:off x="838596" y="691758"/>
+            <a:ext cx="9612971" cy="2852737"/>
+          </a:xfrm>
+        </p:spPr>
+        <p:txBody>
+          <a:bodyPr/>
+          <a:lstStyle/>
+          <a:p>
+            <a:pPr algn="ctr"/>
+            <a:r>
+              <a:rPr lang="en-US" dirty="0"/>
+              <a:t>Zeroth review </a:t>
+            </a:r>
+          </a:p>
+        </p:txBody>
+      </p:sp>
+      <p:sp>
+        <p:nvSpPr>
+          <p:cNvPr id="3" name="Text Placeholder 2">
+            <a:extLst>
+              <a:ext uri="{FF2B5EF4-FFF2-40B4-BE49-F238E27FC236}">
+                <a16:creationId xmlns:a16="http://schemas.microsoft.com/office/drawing/2014/main" id="{6C10263F-4812-18D5-7474-54B479F7A66A}"/>
+              </a:ext>
+            </a:extLst>
+          </p:cNvPr>
+          <p:cNvSpPr>
+            <a:spLocks noGrp="1"/>
+          </p:cNvSpPr>
+          <p:nvPr>
+            <p:ph type="body" idx="1"/>
+          </p:nvPr>
+        </p:nvSpPr>
+        <p:spPr>
+          <a:xfrm>
+            <a:off x="6222124" y="4363472"/>
+            <a:ext cx="4502712" cy="1143324"/>
+          </a:xfrm>
+        </p:spPr>
+        <p:txBody>
+          <a:bodyPr>
+            <a:normAutofit/>
+          </a:bodyPr>
+          <a:lstStyle/>
+          <a:p>
+            <a:pPr algn="l"/>
+            <a:r>
+              <a:rPr lang="en-US" sz="2000" dirty="0"/>
+              <a:t>Project Team Members:</a:t>
+            </a:r>
+          </a:p>
+          <a:p>
+            <a:pPr algn="l"/>
+            <a:r>
+              <a:rPr lang="en-US" sz="2000" dirty="0"/>
+              <a:t>Aditya Chaturvedi (RA2011033010012)</a:t>
+            </a:r>
+          </a:p>
+          <a:p>
+            <a:pPr algn="l"/>
+            <a:r>
+              <a:rPr lang="en-US" sz="2000" dirty="0"/>
+              <a:t>Pratham </a:t>
+            </a:r>
+            <a:r>
+              <a:rPr lang="en-US" sz="2000" dirty="0" err="1"/>
+              <a:t>Sahu</a:t>
+            </a:r>
+            <a:r>
+              <a:rPr lang="en-US" sz="2000" dirty="0"/>
+              <a:t> (RA2011033010031)</a:t>
+            </a:r>
+          </a:p>
+        </p:txBody>
+      </p:sp>
+      <p:sp>
+        <p:nvSpPr>
+          <p:cNvPr id="4" name="Text Placeholder 2">
+            <a:extLst>
+              <a:ext uri="{FF2B5EF4-FFF2-40B4-BE49-F238E27FC236}">
+                <a16:creationId xmlns:a16="http://schemas.microsoft.com/office/drawing/2014/main" id="{890EE02B-405F-F494-9615-286F0BEEE10A}"/>
+              </a:ext>
+            </a:extLst>
+          </p:cNvPr>
+          <p:cNvSpPr txBox="1">
+            <a:spLocks/>
+          </p:cNvSpPr>
+          <p:nvPr/>
+        </p:nvSpPr>
+        <p:spPr>
+          <a:xfrm>
+            <a:off x="838596" y="4363472"/>
+            <a:ext cx="4502712" cy="1143324"/>
+          </a:xfrm>
+          <a:prstGeom prst="rect">
+            <a:avLst/>
+          </a:prstGeom>
+        </p:spPr>
+        <p:txBody>
+          <a:bodyPr vert="horz" lIns="91440" tIns="45720" rIns="91440" bIns="45720" rtlCol="0">
+            <a:normAutofit/>
+          </a:bodyPr>
+          <a:lstStyle>
+            <a:lvl1pPr marL="0" indent="0" algn="r" defTabSz="914400" rtl="0" eaLnBrk="1" latinLnBrk="0" hangingPunct="1">
+              <a:lnSpc>
+                <a:spcPct val="112000"/>
+              </a:lnSpc>
+              <a:spcBef>
+                <a:spcPts val="0"/>
+              </a:spcBef>
+              <a:spcAft>
+                <a:spcPts val="0"/>
+              </a:spcAft>
+              <a:buFont typeface="Franklin Gothic Book" panose="020B0503020102020204" pitchFamily="34" charset="0"/>
+              <a:buNone/>
+              <a:defRPr sz="2400" kern="1200" baseline="0">
+                <a:solidFill>
+                  <a:schemeClr val="tx2"/>
+                </a:solidFill>
+                <a:latin typeface="+mn-lt"/>
+                <a:ea typeface="+mn-ea"/>
+                <a:cs typeface="+mn-cs"/>
+              </a:defRPr>
+            </a:lvl1pPr>
+            <a:lvl2pPr marL="457200" indent="0" algn="l" defTabSz="914400" rtl="0" eaLnBrk="1" latinLnBrk="0" hangingPunct="1">
+              <a:lnSpc>
+                <a:spcPct val="94000"/>
+              </a:lnSpc>
+              <a:spcBef>
+                <a:spcPts val="500"/>
+              </a:spcBef>
+              <a:spcAft>
+                <a:spcPts val="200"/>
+              </a:spcAft>
+              <a:buFont typeface="Franklin Gothic Book" panose="020B0503020102020204" pitchFamily="34" charset="0"/>
+              <a:buNone/>
+              <a:defRPr sz="2000" i="1" kern="1200" baseline="0">
+                <a:solidFill>
+                  <a:schemeClr val="tx1">
+                    <a:tint val="75000"/>
+                  </a:schemeClr>
+                </a:solidFill>
+                <a:latin typeface="+mn-lt"/>
+                <a:ea typeface="+mn-ea"/>
+                <a:cs typeface="+mn-cs"/>
+              </a:defRPr>
+            </a:lvl2pPr>
+            <a:lvl3pPr marL="914400" indent="0" algn="l" defTabSz="914400" rtl="0" eaLnBrk="1" latinLnBrk="0" hangingPunct="1">
+              <a:lnSpc>
+                <a:spcPct val="94000"/>
+              </a:lnSpc>
+              <a:spcBef>
+                <a:spcPts val="500"/>
+              </a:spcBef>
+              <a:spcAft>
+                <a:spcPts val="200"/>
+              </a:spcAft>
+              <a:buFont typeface="Franklin Gothic Book" panose="020B0503020102020204" pitchFamily="34" charset="0"/>
+              <a:buNone/>
+              <a:defRPr sz="1800" kern="1200" baseline="0">
+                <a:solidFill>
+                  <a:schemeClr val="tx1">
+                    <a:tint val="75000"/>
+                  </a:schemeClr>
+                </a:solidFill>
+                <a:latin typeface="+mn-lt"/>
+                <a:ea typeface="+mn-ea"/>
+                <a:cs typeface="+mn-cs"/>
+              </a:defRPr>
+            </a:lvl3pPr>
+            <a:lvl4pPr marL="1371600" indent="0" algn="l" defTabSz="914400" rtl="0" eaLnBrk="1" latinLnBrk="0" hangingPunct="1">
+              <a:lnSpc>
+                <a:spcPct val="94000"/>
+              </a:lnSpc>
+              <a:spcBef>
+                <a:spcPts val="500"/>
+              </a:spcBef>
+              <a:spcAft>
+                <a:spcPts val="200"/>
+              </a:spcAft>
+              <a:buFont typeface="Franklin Gothic Book" panose="020B0503020102020204" pitchFamily="34" charset="0"/>
+              <a:buNone/>
+              <a:defRPr sz="1600" i="1" kern="1200" baseline="0">
+                <a:solidFill>
+                  <a:schemeClr val="tx1">
+                    <a:tint val="75000"/>
+                  </a:schemeClr>
+                </a:solidFill>
+                <a:latin typeface="+mn-lt"/>
+                <a:ea typeface="+mn-ea"/>
+                <a:cs typeface="+mn-cs"/>
+              </a:defRPr>
+            </a:lvl4pPr>
+            <a:lvl5pPr marL="1828800" indent="0" algn="l" defTabSz="914400" rtl="0" eaLnBrk="1" latinLnBrk="0" hangingPunct="1">
+              <a:lnSpc>
+                <a:spcPct val="94000"/>
+              </a:lnSpc>
+              <a:spcBef>
+                <a:spcPts val="500"/>
+              </a:spcBef>
+              <a:spcAft>
+                <a:spcPts val="200"/>
+              </a:spcAft>
+              <a:buFont typeface="Franklin Gothic Book" panose="020B0503020102020204" pitchFamily="34" charset="0"/>
+              <a:buNone/>
+              <a:defRPr sz="1600" kern="1200" baseline="0">
+                <a:solidFill>
+                  <a:schemeClr val="tx1">
+                    <a:tint val="75000"/>
+                  </a:schemeClr>
+                </a:solidFill>
+                <a:latin typeface="+mn-lt"/>
+                <a:ea typeface="+mn-ea"/>
+                <a:cs typeface="+mn-cs"/>
+              </a:defRPr>
+            </a:lvl5pPr>
+            <a:lvl6pPr marL="2286000" indent="0" algn="l" defTabSz="914400" rtl="0" eaLnBrk="1" latinLnBrk="0" hangingPunct="1">
+              <a:lnSpc>
+                <a:spcPct val="94000"/>
+              </a:lnSpc>
+              <a:spcBef>
+                <a:spcPts val="500"/>
+              </a:spcBef>
+              <a:spcAft>
+                <a:spcPts val="200"/>
+              </a:spcAft>
+              <a:buFont typeface="Franklin Gothic Book" panose="020B0503020102020204" pitchFamily="34" charset="0"/>
+              <a:buNone/>
+              <a:defRPr sz="1600" i="1" kern="1200" baseline="0">
+                <a:solidFill>
+                  <a:schemeClr val="tx1">
+                    <a:tint val="75000"/>
+                  </a:schemeClr>
+                </a:solidFill>
+                <a:latin typeface="+mn-lt"/>
+                <a:ea typeface="+mn-ea"/>
+                <a:cs typeface="+mn-cs"/>
+              </a:defRPr>
+            </a:lvl6pPr>
+            <a:lvl7pPr marL="2743200" indent="0" algn="l" defTabSz="914400" rtl="0" eaLnBrk="1" latinLnBrk="0" hangingPunct="1">
+              <a:lnSpc>
+                <a:spcPct val="94000"/>
+              </a:lnSpc>
+              <a:spcBef>
+                <a:spcPts val="500"/>
+              </a:spcBef>
+              <a:spcAft>
+                <a:spcPts val="200"/>
+              </a:spcAft>
+              <a:buFont typeface="Franklin Gothic Book" panose="020B0503020102020204" pitchFamily="34" charset="0"/>
+              <a:buNone/>
+              <a:defRPr sz="1600" kern="1200" baseline="0">
+                <a:solidFill>
+                  <a:schemeClr val="tx1">
+                    <a:tint val="75000"/>
+                  </a:schemeClr>
+                </a:solidFill>
+                <a:latin typeface="+mn-lt"/>
+                <a:ea typeface="+mn-ea"/>
+                <a:cs typeface="+mn-cs"/>
+              </a:defRPr>
+            </a:lvl7pPr>
+            <a:lvl8pPr marL="3200400" indent="0" algn="l" defTabSz="914400" rtl="0" eaLnBrk="1" latinLnBrk="0" hangingPunct="1">
+              <a:lnSpc>
+                <a:spcPct val="94000"/>
+              </a:lnSpc>
+              <a:spcBef>
+                <a:spcPts val="500"/>
+              </a:spcBef>
+              <a:spcAft>
+                <a:spcPts val="200"/>
+              </a:spcAft>
+              <a:buFont typeface="Franklin Gothic Book" panose="020B0503020102020204" pitchFamily="34" charset="0"/>
+              <a:buNone/>
+              <a:defRPr sz="1600" i="1" kern="1200" baseline="0">
+                <a:solidFill>
+                  <a:schemeClr val="tx1">
+                    <a:tint val="75000"/>
+                  </a:schemeClr>
+                </a:solidFill>
+                <a:latin typeface="+mn-lt"/>
+                <a:ea typeface="+mn-ea"/>
+                <a:cs typeface="+mn-cs"/>
+              </a:defRPr>
+            </a:lvl8pPr>
+            <a:lvl9pPr marL="3657600" indent="0" algn="l" defTabSz="914400" rtl="0" eaLnBrk="1" latinLnBrk="0" hangingPunct="1">
+              <a:lnSpc>
+                <a:spcPct val="94000"/>
+              </a:lnSpc>
+              <a:spcBef>
+                <a:spcPts val="500"/>
+              </a:spcBef>
+              <a:spcAft>
+                <a:spcPts val="200"/>
+              </a:spcAft>
+              <a:buFont typeface="Franklin Gothic Book" panose="020B0503020102020204" pitchFamily="34" charset="0"/>
+              <a:buNone/>
+              <a:defRPr sz="1600" kern="1200" baseline="0">
+                <a:solidFill>
+                  <a:schemeClr val="tx1">
+                    <a:tint val="75000"/>
+                  </a:schemeClr>
+                </a:solidFill>
+                <a:latin typeface="+mn-lt"/>
+                <a:ea typeface="+mn-ea"/>
+                <a:cs typeface="+mn-cs"/>
+              </a:defRPr>
+            </a:lvl9pPr>
+          </a:lstStyle>
+          <a:p>
+            <a:pPr algn="l"/>
+            <a:r>
+              <a:rPr lang="en-US" sz="2000" dirty="0"/>
+              <a:t>Project Guide:</a:t>
+            </a:r>
+          </a:p>
+          <a:p>
+            <a:pPr algn="l"/>
+            <a:r>
+              <a:rPr lang="en-US" sz="2000" dirty="0"/>
+              <a:t>Dr. A. </a:t>
+            </a:r>
+            <a:r>
+              <a:rPr lang="en-US" sz="2000" dirty="0" err="1"/>
+              <a:t>Jackulin</a:t>
+            </a:r>
+            <a:r>
+              <a:rPr lang="en-US" sz="2000" dirty="0"/>
+              <a:t> </a:t>
+            </a:r>
+            <a:r>
+              <a:rPr lang="en-US" sz="2000" dirty="0" err="1"/>
+              <a:t>Mahariba</a:t>
+            </a:r>
+            <a:endParaRPr lang="en-US" sz="2000" dirty="0"/>
+          </a:p>
+          <a:p>
+            <a:pPr algn="l"/>
+            <a:r>
+              <a:rPr lang="en-US" sz="2000" dirty="0"/>
+              <a:t>Assistant Professor (101370)</a:t>
+            </a:r>
+          </a:p>
+        </p:txBody>
+      </p:sp>
+    </p:spTree>
+    <p:extLst>
+      <p:ext uri="{BB962C8B-B14F-4D97-AF65-F5344CB8AC3E}">
+        <p14:creationId xmlns:p14="http://schemas.microsoft.com/office/powerpoint/2010/main" val="2729603014"/>
+      </p:ext>
+    </p:extLst>
+  </p:cSld>
+  <p:clrMapOvr>
+    <a:masterClrMapping/>
+  </p:clrMapOvr>
+</p:sld>
+</file>
+
+<file path=ppt/slides/slide3.xml><?xml version="1.0" encoding="utf-8"?>
+<p:sld xmlns:a="http://schemas.openxmlformats.org/drawingml/2006/main" xmlns:r="http://schemas.openxmlformats.org/officeDocument/2006/relationships" xmlns:p="http://schemas.openxmlformats.org/presentationml/2006/main">
+  <p:cSld>
+    <p:spTree>
+      <p:nvGrpSpPr>
+        <p:cNvPr id="1" name=""/>
+        <p:cNvGrpSpPr/>
+        <p:nvPr/>
+      </p:nvGrpSpPr>
+      <p:grpSpPr>
+        <a:xfrm>
+          <a:off x="0" y="0"/>
+          <a:ext cx="0" cy="0"/>
+          <a:chOff x="0" y="0"/>
+          <a:chExt cx="0" cy="0"/>
+        </a:xfrm>
+      </p:grpSpPr>
+      <p:sp>
+        <p:nvSpPr>
+          <p:cNvPr id="2" name="Title 1">
+            <a:extLst>
+              <a:ext uri="{FF2B5EF4-FFF2-40B4-BE49-F238E27FC236}">
+                <a16:creationId xmlns:a16="http://schemas.microsoft.com/office/drawing/2014/main" id="{89432B00-2BDE-FD18-61D1-75164674AFF9}"/>
+              </a:ext>
+            </a:extLst>
+          </p:cNvPr>
+          <p:cNvSpPr>
+            <a:spLocks noGrp="1"/>
+          </p:cNvSpPr>
+          <p:nvPr>
+            <p:ph type="title"/>
+          </p:nvPr>
+        </p:nvSpPr>
+        <p:spPr>
+          <a:xfrm>
+            <a:off x="1371600" y="685800"/>
+            <a:ext cx="9601200" cy="838200"/>
+          </a:xfrm>
+        </p:spPr>
+        <p:txBody>
+          <a:bodyPr/>
+          <a:lstStyle/>
+          <a:p>
+            <a:pPr algn="ctr"/>
+            <a:r>
+              <a:rPr lang="en-US" dirty="0"/>
+              <a:t>Abstract</a:t>
+            </a:r>
+          </a:p>
+        </p:txBody>
+      </p:sp>
+      <p:sp>
+        <p:nvSpPr>
+          <p:cNvPr id="3" name="Content Placeholder 2">
+            <a:extLst>
+              <a:ext uri="{FF2B5EF4-FFF2-40B4-BE49-F238E27FC236}">
+                <a16:creationId xmlns:a16="http://schemas.microsoft.com/office/drawing/2014/main" id="{A5B26B77-43D9-0AD2-ADD9-BB92D073AB92}"/>
+              </a:ext>
+            </a:extLst>
+          </p:cNvPr>
+          <p:cNvSpPr>
+            <a:spLocks noGrp="1"/>
+          </p:cNvSpPr>
+          <p:nvPr>
+            <p:ph idx="1"/>
+          </p:nvPr>
+        </p:nvSpPr>
+        <p:spPr>
+          <a:xfrm>
+            <a:off x="1371600" y="1933903"/>
+            <a:ext cx="9601200" cy="3933497"/>
+          </a:xfrm>
+        </p:spPr>
+        <p:txBody>
+          <a:bodyPr>
+            <a:normAutofit fontScale="92500" lnSpcReduction="10000"/>
+          </a:bodyPr>
+          <a:lstStyle/>
+          <a:p>
+            <a:pPr marL="0" indent="0" algn="just">
+              <a:buNone/>
+            </a:pPr>
+            <a:r>
+              <a:rPr lang="en-IN" sz="1800" dirty="0">
+                <a:latin typeface="Times New Roman" panose="02020603050405020304" pitchFamily="18" charset="0"/>
+                <a:cs typeface="Times New Roman" panose="02020603050405020304" pitchFamily="18" charset="0"/>
+              </a:rPr>
+              <a:t>In the contemporary landscape of urban mobility, the convergence of autonomous In the contemporary landscape of urban mobility, the convergence of autonomous technologies and Vehicle-to-Everything (V2X) communication emerges as a pivotal avenue for refining traffic flow dynamics. This research undertakes a systematic exploration, focusing on the development of a robust theoretical model and innovative algorithmic frameworks for autonomous traffic management. Through rigorous simulation-based analyses, we assess the adaptability and performance of the proposed system in dynamic traffic scenarios. Ethical considerations, data privacy intricacies, and broader societal implications are meticulously examined. This research contributes nuanced insights and strategic recommendations, advancing the discourse on intelligent traffic control systems and fostering a safer and more optimized urban mobility eco-system. Technologies and Vehicle-to-Everything (V2X) communication emerges as a pivotal traffic flow dynamics. This research undertakes a systematic exploration, focusing on the development of a robust theoretical model and innovative algorithmic frameworks for autonomous traffic management. Through rigorous simulation-based analyses, we assess the adaptability and performance of the proposed system in dynamic traffic scenarios. Ethical considerations, data privacy intricacies, and broader societal implications are meticulously examined. This research contributes nuanced insights and strategic recommendations, advancing the discourse on intelligent traffic control systems and fostering a safer and more optimized urban mobility ecosystem.</a:t>
+            </a:r>
+          </a:p>
+        </p:txBody>
+      </p:sp>
+    </p:spTree>
+    <p:extLst>
+      <p:ext uri="{BB962C8B-B14F-4D97-AF65-F5344CB8AC3E}">
+        <p14:creationId xmlns:p14="http://schemas.microsoft.com/office/powerpoint/2010/main" val="24947007"/>
+      </p:ext>
+    </p:extLst>
+  </p:cSld>
+  <p:clrMapOvr>
+    <a:masterClrMapping/>
+  </p:clrMapOvr>
+</p:sld>
+</file>
+
+<file path=ppt/slides/slide4.xml><?xml version="1.0" encoding="utf-8"?>
+<p:sld xmlns:a="http://schemas.openxmlformats.org/drawingml/2006/main" xmlns:r="http://schemas.openxmlformats.org/officeDocument/2006/relationships" xmlns:p="http://schemas.openxmlformats.org/presentationml/2006/main">
+  <p:cSld>
+    <p:spTree>
+      <p:nvGrpSpPr>
+        <p:cNvPr id="1" name=""/>
+        <p:cNvGrpSpPr/>
+        <p:nvPr/>
+      </p:nvGrpSpPr>
+      <p:grpSpPr>
+        <a:xfrm>
+          <a:off x="0" y="0"/>
+          <a:ext cx="0" cy="0"/>
+          <a:chOff x="0" y="0"/>
+          <a:chExt cx="0" cy="0"/>
+        </a:xfrm>
+      </p:grpSpPr>
+      <p:sp>
+        <p:nvSpPr>
+          <p:cNvPr id="2" name="Title 1">
+            <a:extLst>
+              <a:ext uri="{FF2B5EF4-FFF2-40B4-BE49-F238E27FC236}">
+                <a16:creationId xmlns:a16="http://schemas.microsoft.com/office/drawing/2014/main" id="{7614BCD5-C251-0237-A8A8-BE3DA5915439}"/>
+              </a:ext>
+            </a:extLst>
+          </p:cNvPr>
+          <p:cNvSpPr>
+            <a:spLocks noGrp="1"/>
+          </p:cNvSpPr>
+          <p:nvPr>
+            <p:ph type="title"/>
+          </p:nvPr>
+        </p:nvSpPr>
+        <p:spPr/>
+        <p:txBody>
+          <a:bodyPr/>
+          <a:lstStyle/>
+          <a:p>
+            <a:pPr algn="ctr"/>
+            <a:r>
+              <a:rPr lang="en-US" dirty="0"/>
+              <a:t>Introduction </a:t>
+            </a:r>
+          </a:p>
+        </p:txBody>
+      </p:sp>
+      <p:sp>
+        <p:nvSpPr>
+          <p:cNvPr id="3" name="Content Placeholder 2">
+            <a:extLst>
+              <a:ext uri="{FF2B5EF4-FFF2-40B4-BE49-F238E27FC236}">
+                <a16:creationId xmlns:a16="http://schemas.microsoft.com/office/drawing/2014/main" id="{FACF06F0-E49D-FD27-E0A7-8D6A362B52E2}"/>
+              </a:ext>
+            </a:extLst>
+          </p:cNvPr>
+          <p:cNvSpPr>
+            <a:spLocks noGrp="1"/>
+          </p:cNvSpPr>
+          <p:nvPr>
+            <p:ph idx="1"/>
+          </p:nvPr>
+        </p:nvSpPr>
+        <p:spPr>
+          <a:xfrm>
+            <a:off x="1371600" y="1813034"/>
+            <a:ext cx="9601200" cy="3581400"/>
+          </a:xfrm>
+        </p:spPr>
+        <p:txBody>
+          <a:bodyPr>
+            <a:normAutofit/>
+          </a:bodyPr>
+          <a:lstStyle/>
+          <a:p>
+            <a:pPr algn="just"/>
+            <a:r>
+              <a:rPr lang="en-IN" sz="1800" b="0" i="0" u="none" strike="noStrike" dirty="0">
+                <a:effectLst/>
+                <a:latin typeface="Times New Roman" panose="02020603050405020304" pitchFamily="18" charset="0"/>
+                <a:cs typeface="Times New Roman" panose="02020603050405020304" pitchFamily="18" charset="0"/>
+              </a:rPr>
+              <a:t>As our cities evolve and embrace the challenges of burgeoning urbanization, the paradigm of urban mobility is at the forefront of transformation. The amalgamation of rapid urban growth, technological innovation, and the inherent complexities of contemporary traffic congestion necessitates a reimagining of how we approach transportation. Within this landscape, we direct our focus toward the synergy of autonomous vehicles and the transformative potential of Vehicle-to-Everything (V2X) communication.</a:t>
+            </a:r>
+          </a:p>
+          <a:p>
+            <a:pPr algn="just"/>
+            <a:r>
+              <a:rPr lang="en-IN" sz="1800" b="0" i="0" u="none" strike="noStrike" dirty="0">
+                <a:effectLst/>
+                <a:latin typeface="Times New Roman" panose="02020603050405020304" pitchFamily="18" charset="0"/>
+                <a:cs typeface="Times New Roman" panose="02020603050405020304" pitchFamily="18" charset="0"/>
+              </a:rPr>
+              <a:t>The rise of autonomous vehicles promises a future where transportation is not only driverless but intelligently orchestrated. In parallel, V2X communication introduces a dynamic layer, enabling vehicles to communicate not only with each other but with the entire urban infrastructure. This presentation aims to unravel the intricacies and potentials of marrying autonomy with communication for the purpose of revolutionizing urban traffic flow.</a:t>
+            </a:r>
+          </a:p>
+        </p:txBody>
+      </p:sp>
+    </p:spTree>
+    <p:extLst>
+      <p:ext uri="{BB962C8B-B14F-4D97-AF65-F5344CB8AC3E}">
+        <p14:creationId xmlns:p14="http://schemas.microsoft.com/office/powerpoint/2010/main" val="4213339421"/>
+      </p:ext>
+    </p:extLst>
+  </p:cSld>
+  <p:clrMapOvr>
+    <a:masterClrMapping/>
+  </p:clrMapOvr>
+</p:sld>
+</file>
+
+<file path=ppt/slides/slide5.xml><?xml version="1.0" encoding="utf-8"?>
 <p:sld xmlns:a="http://schemas.openxmlformats.org/drawingml/2006/main" xmlns:r="http://schemas.openxmlformats.org/officeDocument/2006/relationships" xmlns:p="http://schemas.openxmlformats.org/presentationml/2006/main">
   <p:cSld>
     <p:spTree>
@@ -4452,1670 +5333,6 @@
 </p:sld>
 </file>
 
-<file path=ppt/slides/slide11.xml><?xml version="1.0" encoding="utf-8"?>
-<p:sld xmlns:a="http://schemas.openxmlformats.org/drawingml/2006/main" xmlns:r="http://schemas.openxmlformats.org/officeDocument/2006/relationships" xmlns:p="http://schemas.openxmlformats.org/presentationml/2006/main">
-  <p:cSld>
-    <p:spTree>
-      <p:nvGrpSpPr>
-        <p:cNvPr id="1" name=""/>
-        <p:cNvGrpSpPr/>
-        <p:nvPr/>
-      </p:nvGrpSpPr>
-      <p:grpSpPr>
-        <a:xfrm>
-          <a:off x="0" y="0"/>
-          <a:ext cx="0" cy="0"/>
-          <a:chOff x="0" y="0"/>
-          <a:chExt cx="0" cy="0"/>
-        </a:xfrm>
-      </p:grpSpPr>
-      <p:graphicFrame>
-        <p:nvGraphicFramePr>
-          <p:cNvPr id="2" name="Table 2">
-            <a:extLst>
-              <a:ext uri="{FF2B5EF4-FFF2-40B4-BE49-F238E27FC236}">
-                <a16:creationId xmlns:a16="http://schemas.microsoft.com/office/drawing/2014/main" id="{AAA30B8A-D2D0-385F-75E4-9601BC5AF458}"/>
-              </a:ext>
-            </a:extLst>
-          </p:cNvPr>
-          <p:cNvGraphicFramePr>
-            <a:graphicFrameLocks noGrp="1"/>
-          </p:cNvGraphicFramePr>
-          <p:nvPr/>
-        </p:nvGraphicFramePr>
-        <p:xfrm>
-          <a:off x="2032000" y="719666"/>
-          <a:ext cx="8127999" cy="2966720"/>
-        </p:xfrm>
-        <a:graphic>
-          <a:graphicData uri="http://schemas.openxmlformats.org/drawingml/2006/table">
-            <a:tbl>
-              <a:tblPr firstRow="1" bandRow="1">
-                <a:tableStyleId>{5C22544A-7EE6-4342-B048-85BDC9FD1C3A}</a:tableStyleId>
-              </a:tblPr>
-              <a:tblGrid>
-                <a:gridCol w="2709333">
-                  <a:extLst>
-                    <a:ext uri="{9D8B030D-6E8A-4147-A177-3AD203B41FA5}">
-                      <a16:colId xmlns:a16="http://schemas.microsoft.com/office/drawing/2014/main" val="14974808"/>
-                    </a:ext>
-                  </a:extLst>
-                </a:gridCol>
-                <a:gridCol w="2709333">
-                  <a:extLst>
-                    <a:ext uri="{9D8B030D-6E8A-4147-A177-3AD203B41FA5}">
-                      <a16:colId xmlns:a16="http://schemas.microsoft.com/office/drawing/2014/main" val="2243808640"/>
-                    </a:ext>
-                  </a:extLst>
-                </a:gridCol>
-                <a:gridCol w="2709333">
-                  <a:extLst>
-                    <a:ext uri="{9D8B030D-6E8A-4147-A177-3AD203B41FA5}">
-                      <a16:colId xmlns:a16="http://schemas.microsoft.com/office/drawing/2014/main" val="3523243815"/>
-                    </a:ext>
-                  </a:extLst>
-                </a:gridCol>
-              </a:tblGrid>
-              <a:tr h="370840">
-                <a:tc>
-                  <a:txBody>
-                    <a:bodyPr/>
-                    <a:lstStyle/>
-                    <a:p>
-                      <a:endParaRPr lang="en-US"/>
-                    </a:p>
-                  </a:txBody>
-                  <a:tcPr/>
-                </a:tc>
-                <a:tc>
-                  <a:txBody>
-                    <a:bodyPr/>
-                    <a:lstStyle/>
-                    <a:p>
-                      <a:endParaRPr lang="en-US"/>
-                    </a:p>
-                  </a:txBody>
-                  <a:tcPr/>
-                </a:tc>
-                <a:tc>
-                  <a:txBody>
-                    <a:bodyPr/>
-                    <a:lstStyle/>
-                    <a:p>
-                      <a:endParaRPr lang="en-US"/>
-                    </a:p>
-                  </a:txBody>
-                  <a:tcPr/>
-                </a:tc>
-                <a:extLst>
-                  <a:ext uri="{0D108BD9-81ED-4DB2-BD59-A6C34878D82A}">
-                    <a16:rowId xmlns:a16="http://schemas.microsoft.com/office/drawing/2014/main" val="1430205691"/>
-                  </a:ext>
-                </a:extLst>
-              </a:tr>
-              <a:tr h="370840">
-                <a:tc>
-                  <a:txBody>
-                    <a:bodyPr/>
-                    <a:lstStyle/>
-                    <a:p>
-                      <a:endParaRPr lang="en-US"/>
-                    </a:p>
-                  </a:txBody>
-                  <a:tcPr/>
-                </a:tc>
-                <a:tc>
-                  <a:txBody>
-                    <a:bodyPr/>
-                    <a:lstStyle/>
-                    <a:p>
-                      <a:endParaRPr lang="en-US"/>
-                    </a:p>
-                  </a:txBody>
-                  <a:tcPr/>
-                </a:tc>
-                <a:tc>
-                  <a:txBody>
-                    <a:bodyPr/>
-                    <a:lstStyle/>
-                    <a:p>
-                      <a:endParaRPr lang="en-US"/>
-                    </a:p>
-                  </a:txBody>
-                  <a:tcPr/>
-                </a:tc>
-                <a:extLst>
-                  <a:ext uri="{0D108BD9-81ED-4DB2-BD59-A6C34878D82A}">
-                    <a16:rowId xmlns:a16="http://schemas.microsoft.com/office/drawing/2014/main" val="1779956005"/>
-                  </a:ext>
-                </a:extLst>
-              </a:tr>
-              <a:tr h="370840">
-                <a:tc>
-                  <a:txBody>
-                    <a:bodyPr/>
-                    <a:lstStyle/>
-                    <a:p>
-                      <a:endParaRPr lang="en-US"/>
-                    </a:p>
-                  </a:txBody>
-                  <a:tcPr/>
-                </a:tc>
-                <a:tc>
-                  <a:txBody>
-                    <a:bodyPr/>
-                    <a:lstStyle/>
-                    <a:p>
-                      <a:endParaRPr lang="en-US"/>
-                    </a:p>
-                  </a:txBody>
-                  <a:tcPr/>
-                </a:tc>
-                <a:tc>
-                  <a:txBody>
-                    <a:bodyPr/>
-                    <a:lstStyle/>
-                    <a:p>
-                      <a:endParaRPr lang="en-US"/>
-                    </a:p>
-                  </a:txBody>
-                  <a:tcPr/>
-                </a:tc>
-                <a:extLst>
-                  <a:ext uri="{0D108BD9-81ED-4DB2-BD59-A6C34878D82A}">
-                    <a16:rowId xmlns:a16="http://schemas.microsoft.com/office/drawing/2014/main" val="1784055035"/>
-                  </a:ext>
-                </a:extLst>
-              </a:tr>
-              <a:tr h="370840">
-                <a:tc>
-                  <a:txBody>
-                    <a:bodyPr/>
-                    <a:lstStyle/>
-                    <a:p>
-                      <a:endParaRPr lang="en-US"/>
-                    </a:p>
-                  </a:txBody>
-                  <a:tcPr/>
-                </a:tc>
-                <a:tc>
-                  <a:txBody>
-                    <a:bodyPr/>
-                    <a:lstStyle/>
-                    <a:p>
-                      <a:endParaRPr lang="en-US"/>
-                    </a:p>
-                  </a:txBody>
-                  <a:tcPr/>
-                </a:tc>
-                <a:tc>
-                  <a:txBody>
-                    <a:bodyPr/>
-                    <a:lstStyle/>
-                    <a:p>
-                      <a:endParaRPr lang="en-US"/>
-                    </a:p>
-                  </a:txBody>
-                  <a:tcPr/>
-                </a:tc>
-                <a:extLst>
-                  <a:ext uri="{0D108BD9-81ED-4DB2-BD59-A6C34878D82A}">
-                    <a16:rowId xmlns:a16="http://schemas.microsoft.com/office/drawing/2014/main" val="1082901079"/>
-                  </a:ext>
-                </a:extLst>
-              </a:tr>
-              <a:tr h="370840">
-                <a:tc>
-                  <a:txBody>
-                    <a:bodyPr/>
-                    <a:lstStyle/>
-                    <a:p>
-                      <a:endParaRPr lang="en-US"/>
-                    </a:p>
-                  </a:txBody>
-                  <a:tcPr/>
-                </a:tc>
-                <a:tc>
-                  <a:txBody>
-                    <a:bodyPr/>
-                    <a:lstStyle/>
-                    <a:p>
-                      <a:endParaRPr lang="en-US"/>
-                    </a:p>
-                  </a:txBody>
-                  <a:tcPr/>
-                </a:tc>
-                <a:tc>
-                  <a:txBody>
-                    <a:bodyPr/>
-                    <a:lstStyle/>
-                    <a:p>
-                      <a:endParaRPr lang="en-US"/>
-                    </a:p>
-                  </a:txBody>
-                  <a:tcPr/>
-                </a:tc>
-                <a:extLst>
-                  <a:ext uri="{0D108BD9-81ED-4DB2-BD59-A6C34878D82A}">
-                    <a16:rowId xmlns:a16="http://schemas.microsoft.com/office/drawing/2014/main" val="4266276138"/>
-                  </a:ext>
-                </a:extLst>
-              </a:tr>
-              <a:tr h="370840">
-                <a:tc>
-                  <a:txBody>
-                    <a:bodyPr/>
-                    <a:lstStyle/>
-                    <a:p>
-                      <a:endParaRPr lang="en-US"/>
-                    </a:p>
-                  </a:txBody>
-                  <a:tcPr/>
-                </a:tc>
-                <a:tc>
-                  <a:txBody>
-                    <a:bodyPr/>
-                    <a:lstStyle/>
-                    <a:p>
-                      <a:endParaRPr lang="en-US"/>
-                    </a:p>
-                  </a:txBody>
-                  <a:tcPr/>
-                </a:tc>
-                <a:tc>
-                  <a:txBody>
-                    <a:bodyPr/>
-                    <a:lstStyle/>
-                    <a:p>
-                      <a:endParaRPr lang="en-US"/>
-                    </a:p>
-                  </a:txBody>
-                  <a:tcPr/>
-                </a:tc>
-                <a:extLst>
-                  <a:ext uri="{0D108BD9-81ED-4DB2-BD59-A6C34878D82A}">
-                    <a16:rowId xmlns:a16="http://schemas.microsoft.com/office/drawing/2014/main" val="3989319312"/>
-                  </a:ext>
-                </a:extLst>
-              </a:tr>
-              <a:tr h="370840">
-                <a:tc>
-                  <a:txBody>
-                    <a:bodyPr/>
-                    <a:lstStyle/>
-                    <a:p>
-                      <a:endParaRPr lang="en-US"/>
-                    </a:p>
-                  </a:txBody>
-                  <a:tcPr/>
-                </a:tc>
-                <a:tc>
-                  <a:txBody>
-                    <a:bodyPr/>
-                    <a:lstStyle/>
-                    <a:p>
-                      <a:endParaRPr lang="en-US"/>
-                    </a:p>
-                  </a:txBody>
-                  <a:tcPr/>
-                </a:tc>
-                <a:tc>
-                  <a:txBody>
-                    <a:bodyPr/>
-                    <a:lstStyle/>
-                    <a:p>
-                      <a:endParaRPr lang="en-US"/>
-                    </a:p>
-                  </a:txBody>
-                  <a:tcPr/>
-                </a:tc>
-                <a:extLst>
-                  <a:ext uri="{0D108BD9-81ED-4DB2-BD59-A6C34878D82A}">
-                    <a16:rowId xmlns:a16="http://schemas.microsoft.com/office/drawing/2014/main" val="4244068336"/>
-                  </a:ext>
-                </a:extLst>
-              </a:tr>
-              <a:tr h="370840">
-                <a:tc>
-                  <a:txBody>
-                    <a:bodyPr/>
-                    <a:lstStyle/>
-                    <a:p>
-                      <a:endParaRPr lang="en-US"/>
-                    </a:p>
-                  </a:txBody>
-                  <a:tcPr/>
-                </a:tc>
-                <a:tc>
-                  <a:txBody>
-                    <a:bodyPr/>
-                    <a:lstStyle/>
-                    <a:p>
-                      <a:endParaRPr lang="en-US"/>
-                    </a:p>
-                  </a:txBody>
-                  <a:tcPr/>
-                </a:tc>
-                <a:tc>
-                  <a:txBody>
-                    <a:bodyPr/>
-                    <a:lstStyle/>
-                    <a:p>
-                      <a:endParaRPr lang="en-US" dirty="0"/>
-                    </a:p>
-                  </a:txBody>
-                  <a:tcPr/>
-                </a:tc>
-                <a:extLst>
-                  <a:ext uri="{0D108BD9-81ED-4DB2-BD59-A6C34878D82A}">
-                    <a16:rowId xmlns:a16="http://schemas.microsoft.com/office/drawing/2014/main" val="1176188881"/>
-                  </a:ext>
-                </a:extLst>
-              </a:tr>
-            </a:tbl>
-          </a:graphicData>
-        </a:graphic>
-      </p:graphicFrame>
-    </p:spTree>
-    <p:extLst>
-      <p:ext uri="{BB962C8B-B14F-4D97-AF65-F5344CB8AC3E}">
-        <p14:creationId xmlns:p14="http://schemas.microsoft.com/office/powerpoint/2010/main" val="45110269"/>
-      </p:ext>
-    </p:extLst>
-  </p:cSld>
-  <p:clrMapOvr>
-    <a:masterClrMapping/>
-  </p:clrMapOvr>
-</p:sld>
-</file>
-
-<file path=ppt/slides/slide12.xml><?xml version="1.0" encoding="utf-8"?>
-<p:sld xmlns:a="http://schemas.openxmlformats.org/drawingml/2006/main" xmlns:r="http://schemas.openxmlformats.org/officeDocument/2006/relationships" xmlns:p="http://schemas.openxmlformats.org/presentationml/2006/main">
-  <p:cSld>
-    <p:spTree>
-      <p:nvGrpSpPr>
-        <p:cNvPr id="1" name=""/>
-        <p:cNvGrpSpPr/>
-        <p:nvPr/>
-      </p:nvGrpSpPr>
-      <p:grpSpPr>
-        <a:xfrm>
-          <a:off x="0" y="0"/>
-          <a:ext cx="0" cy="0"/>
-          <a:chOff x="0" y="0"/>
-          <a:chExt cx="0" cy="0"/>
-        </a:xfrm>
-      </p:grpSpPr>
-      <p:sp>
-        <p:nvSpPr>
-          <p:cNvPr id="2" name="Title 1">
-            <a:extLst>
-              <a:ext uri="{FF2B5EF4-FFF2-40B4-BE49-F238E27FC236}">
-                <a16:creationId xmlns:a16="http://schemas.microsoft.com/office/drawing/2014/main" id="{C64D622F-0F18-3313-B19D-A3C712DBC0CC}"/>
-              </a:ext>
-            </a:extLst>
-          </p:cNvPr>
-          <p:cNvSpPr>
-            <a:spLocks noGrp="1"/>
-          </p:cNvSpPr>
-          <p:nvPr>
-            <p:ph type="title"/>
-          </p:nvPr>
-        </p:nvSpPr>
-        <p:spPr/>
-        <p:txBody>
-          <a:bodyPr/>
-          <a:lstStyle/>
-          <a:p>
-            <a:pPr algn="ctr"/>
-            <a:r>
-              <a:rPr lang="en-US" dirty="0"/>
-              <a:t>Scope</a:t>
-            </a:r>
-          </a:p>
-        </p:txBody>
-      </p:sp>
-      <p:sp>
-        <p:nvSpPr>
-          <p:cNvPr id="3" name="Content Placeholder 2">
-            <a:extLst>
-              <a:ext uri="{FF2B5EF4-FFF2-40B4-BE49-F238E27FC236}">
-                <a16:creationId xmlns:a16="http://schemas.microsoft.com/office/drawing/2014/main" id="{25CF0D0A-4A45-4C97-47C6-87F20BF2B66C}"/>
-              </a:ext>
-            </a:extLst>
-          </p:cNvPr>
-          <p:cNvSpPr>
-            <a:spLocks noGrp="1"/>
-          </p:cNvSpPr>
-          <p:nvPr>
-            <p:ph idx="1"/>
-          </p:nvPr>
-        </p:nvSpPr>
-        <p:spPr>
-          <a:xfrm>
-            <a:off x="1295400" y="1680340"/>
-            <a:ext cx="9601200" cy="3581400"/>
-          </a:xfrm>
-        </p:spPr>
-        <p:txBody>
-          <a:bodyPr/>
-          <a:lstStyle/>
-          <a:p>
-            <a:pPr algn="just">
-              <a:buFont typeface="Wingdings" pitchFamily="2" charset="2"/>
-              <a:buChar char="§"/>
-            </a:pPr>
-            <a:r>
-              <a:rPr lang="en-IN" dirty="0"/>
-              <a:t>The project's scope involves creating an </a:t>
-            </a:r>
-            <a:r>
-              <a:rPr lang="en-IN" b="1" i="1" dirty="0"/>
-              <a:t>accurate traffic sign detection system </a:t>
-            </a:r>
-          </a:p>
-          <a:p>
-            <a:pPr algn="just">
-              <a:buFont typeface="Wingdings" pitchFamily="2" charset="2"/>
-              <a:buChar char="§"/>
-            </a:pPr>
-            <a:r>
-              <a:rPr lang="en-IN" dirty="0"/>
-              <a:t>We are using advanced </a:t>
-            </a:r>
-            <a:r>
-              <a:rPr lang="en-IN" b="1" i="1" dirty="0"/>
-              <a:t>computer vision </a:t>
-            </a:r>
-            <a:r>
-              <a:rPr lang="en-IN" dirty="0"/>
-              <a:t>and </a:t>
-            </a:r>
-            <a:r>
-              <a:rPr lang="en-IN" b="1" i="1" dirty="0"/>
-              <a:t>deep learning techniques</a:t>
-            </a:r>
-            <a:r>
-              <a:rPr lang="en-IN" dirty="0"/>
-              <a:t>. </a:t>
-            </a:r>
-          </a:p>
-          <a:p>
-            <a:pPr algn="just">
-              <a:buFont typeface="Wingdings" pitchFamily="2" charset="2"/>
-              <a:buChar char="§"/>
-            </a:pPr>
-            <a:r>
-              <a:rPr lang="en-IN" dirty="0"/>
-              <a:t>This includes data collection, algorithm development, model training, and real-time processing. </a:t>
-            </a:r>
-          </a:p>
-          <a:p>
-            <a:pPr algn="just">
-              <a:buFont typeface="Wingdings" pitchFamily="2" charset="2"/>
-              <a:buChar char="§"/>
-            </a:pPr>
-            <a:r>
-              <a:rPr lang="en-IN" dirty="0"/>
-              <a:t>The system will accurately locate and classify different types of traffic signs, addressing challenges like varying conditions. </a:t>
-            </a:r>
-          </a:p>
-          <a:p>
-            <a:pPr algn="just">
-              <a:buFont typeface="Wingdings" pitchFamily="2" charset="2"/>
-              <a:buChar char="§"/>
-            </a:pPr>
-            <a:r>
-              <a:rPr lang="en-IN" dirty="0"/>
-              <a:t>It aims to enhance road safety and traffic management, with potential for future expansion and integration into various applications.</a:t>
-            </a:r>
-            <a:endParaRPr lang="en-US" dirty="0"/>
-          </a:p>
-        </p:txBody>
-      </p:sp>
-    </p:spTree>
-    <p:extLst>
-      <p:ext uri="{BB962C8B-B14F-4D97-AF65-F5344CB8AC3E}">
-        <p14:creationId xmlns:p14="http://schemas.microsoft.com/office/powerpoint/2010/main" val="2493971527"/>
-      </p:ext>
-    </p:extLst>
-  </p:cSld>
-  <p:clrMapOvr>
-    <a:masterClrMapping/>
-  </p:clrMapOvr>
-</p:sld>
-</file>
-
-<file path=ppt/slides/slide13.xml><?xml version="1.0" encoding="utf-8"?>
-<p:sld xmlns:a="http://schemas.openxmlformats.org/drawingml/2006/main" xmlns:r="http://schemas.openxmlformats.org/officeDocument/2006/relationships" xmlns:p="http://schemas.openxmlformats.org/presentationml/2006/main">
-  <p:cSld>
-    <p:spTree>
-      <p:nvGrpSpPr>
-        <p:cNvPr id="1" name=""/>
-        <p:cNvGrpSpPr/>
-        <p:nvPr/>
-      </p:nvGrpSpPr>
-      <p:grpSpPr>
-        <a:xfrm>
-          <a:off x="0" y="0"/>
-          <a:ext cx="0" cy="0"/>
-          <a:chOff x="0" y="0"/>
-          <a:chExt cx="0" cy="0"/>
-        </a:xfrm>
-      </p:grpSpPr>
-      <p:sp>
-        <p:nvSpPr>
-          <p:cNvPr id="2" name="Title 1">
-            <a:extLst>
-              <a:ext uri="{FF2B5EF4-FFF2-40B4-BE49-F238E27FC236}">
-                <a16:creationId xmlns:a16="http://schemas.microsoft.com/office/drawing/2014/main" id="{14702EC7-957B-3D7B-C591-0AFC4D35B4CF}"/>
-              </a:ext>
-            </a:extLst>
-          </p:cNvPr>
-          <p:cNvSpPr>
-            <a:spLocks noGrp="1"/>
-          </p:cNvSpPr>
-          <p:nvPr>
-            <p:ph type="title"/>
-          </p:nvPr>
-        </p:nvSpPr>
-        <p:spPr>
-          <a:xfrm>
-            <a:off x="1371600" y="685800"/>
-            <a:ext cx="9601200" cy="722586"/>
-          </a:xfrm>
-        </p:spPr>
-        <p:txBody>
-          <a:bodyPr/>
-          <a:lstStyle/>
-          <a:p>
-            <a:pPr algn="ctr"/>
-            <a:r>
-              <a:rPr lang="en-US" dirty="0"/>
-              <a:t>Reference</a:t>
-            </a:r>
-          </a:p>
-        </p:txBody>
-      </p:sp>
-      <p:sp>
-        <p:nvSpPr>
-          <p:cNvPr id="3" name="Content Placeholder 2">
-            <a:extLst>
-              <a:ext uri="{FF2B5EF4-FFF2-40B4-BE49-F238E27FC236}">
-                <a16:creationId xmlns:a16="http://schemas.microsoft.com/office/drawing/2014/main" id="{F136895F-0CA2-7D8D-B819-BF4EABBFFA60}"/>
-              </a:ext>
-            </a:extLst>
-          </p:cNvPr>
-          <p:cNvSpPr>
-            <a:spLocks noGrp="1"/>
-          </p:cNvSpPr>
-          <p:nvPr>
-            <p:ph idx="1"/>
-          </p:nvPr>
-        </p:nvSpPr>
-        <p:spPr>
-          <a:xfrm>
-            <a:off x="1371600" y="1638299"/>
-            <a:ext cx="9601200" cy="3932183"/>
-          </a:xfrm>
-        </p:spPr>
-        <p:txBody>
-          <a:bodyPr/>
-          <a:lstStyle/>
-          <a:p>
-            <a:pPr>
-              <a:buFont typeface="Wingdings" pitchFamily="2" charset="2"/>
-              <a:buChar char="§"/>
-            </a:pPr>
-            <a:r>
-              <a:rPr lang="en-US" dirty="0"/>
-              <a:t>Dataset Kaggle (</a:t>
-            </a:r>
-            <a:r>
-              <a:rPr lang="en-US" dirty="0">
-                <a:hlinkClick r:id="rId2"/>
-              </a:rPr>
-              <a:t>LINK</a:t>
-            </a:r>
-            <a:r>
-              <a:rPr lang="en-US" dirty="0"/>
-              <a:t>)</a:t>
-            </a:r>
-          </a:p>
-          <a:p>
-            <a:pPr>
-              <a:buFont typeface="Wingdings" pitchFamily="2" charset="2"/>
-              <a:buChar char="§"/>
-            </a:pPr>
-            <a:r>
-              <a:rPr lang="en-US" dirty="0"/>
-              <a:t>Crash Statistics Wikipedia (</a:t>
-            </a:r>
-            <a:r>
-              <a:rPr lang="en-US" dirty="0">
-                <a:hlinkClick r:id="rId3"/>
-              </a:rPr>
-              <a:t>LINK</a:t>
-            </a:r>
-            <a:r>
-              <a:rPr lang="en-US" dirty="0"/>
-              <a:t>)</a:t>
-            </a:r>
-          </a:p>
-          <a:p>
-            <a:pPr>
-              <a:buFont typeface="Wingdings" pitchFamily="2" charset="2"/>
-              <a:buChar char="§"/>
-            </a:pPr>
-            <a:r>
-              <a:rPr lang="en-US" dirty="0"/>
-              <a:t>Research Papers (</a:t>
-            </a:r>
-            <a:r>
-              <a:rPr lang="en-US" dirty="0">
-                <a:hlinkClick r:id="rId4"/>
-              </a:rPr>
-              <a:t>LINK</a:t>
-            </a:r>
-            <a:r>
-              <a:rPr lang="en-US" dirty="0"/>
-              <a:t> </a:t>
-            </a:r>
-            <a:r>
-              <a:rPr lang="en-US" dirty="0">
-                <a:hlinkClick r:id="rId5"/>
-              </a:rPr>
-              <a:t>LINK</a:t>
-            </a:r>
-            <a:r>
-              <a:rPr lang="en-US" dirty="0"/>
-              <a:t>)</a:t>
-            </a:r>
-          </a:p>
-          <a:p>
-            <a:pPr>
-              <a:buFont typeface="Wingdings" pitchFamily="2" charset="2"/>
-              <a:buChar char="§"/>
-            </a:pPr>
-            <a:r>
-              <a:rPr lang="en-US" dirty="0"/>
-              <a:t>Algorithms (</a:t>
-            </a:r>
-            <a:r>
-              <a:rPr lang="en-US" dirty="0">
-                <a:hlinkClick r:id="rId6"/>
-              </a:rPr>
-              <a:t>LINK</a:t>
-            </a:r>
-            <a:r>
-              <a:rPr lang="en-US" dirty="0"/>
-              <a:t>)</a:t>
-            </a:r>
-          </a:p>
-          <a:p>
-            <a:pPr>
-              <a:buFont typeface="Wingdings" pitchFamily="2" charset="2"/>
-              <a:buChar char="§"/>
-            </a:pPr>
-            <a:endParaRPr lang="en-US" dirty="0"/>
-          </a:p>
-        </p:txBody>
-      </p:sp>
-    </p:spTree>
-    <p:extLst>
-      <p:ext uri="{BB962C8B-B14F-4D97-AF65-F5344CB8AC3E}">
-        <p14:creationId xmlns:p14="http://schemas.microsoft.com/office/powerpoint/2010/main" val="1081541707"/>
-      </p:ext>
-    </p:extLst>
-  </p:cSld>
-  <p:clrMapOvr>
-    <a:masterClrMapping/>
-  </p:clrMapOvr>
-</p:sld>
-</file>
-
-<file path=ppt/slides/slide2.xml><?xml version="1.0" encoding="utf-8"?>
-<p:sld xmlns:a="http://schemas.openxmlformats.org/drawingml/2006/main" xmlns:r="http://schemas.openxmlformats.org/officeDocument/2006/relationships" xmlns:p="http://schemas.openxmlformats.org/presentationml/2006/main">
-  <p:cSld>
-    <p:spTree>
-      <p:nvGrpSpPr>
-        <p:cNvPr id="1" name=""/>
-        <p:cNvGrpSpPr/>
-        <p:nvPr/>
-      </p:nvGrpSpPr>
-      <p:grpSpPr>
-        <a:xfrm>
-          <a:off x="0" y="0"/>
-          <a:ext cx="0" cy="0"/>
-          <a:chOff x="0" y="0"/>
-          <a:chExt cx="0" cy="0"/>
-        </a:xfrm>
-      </p:grpSpPr>
-      <p:sp>
-        <p:nvSpPr>
-          <p:cNvPr id="2" name="Title 1">
-            <a:extLst>
-              <a:ext uri="{FF2B5EF4-FFF2-40B4-BE49-F238E27FC236}">
-                <a16:creationId xmlns:a16="http://schemas.microsoft.com/office/drawing/2014/main" id="{69BCFA0A-5B54-DFEA-E4AB-8216343C6740}"/>
-              </a:ext>
-            </a:extLst>
-          </p:cNvPr>
-          <p:cNvSpPr>
-            <a:spLocks noGrp="1"/>
-          </p:cNvSpPr>
-          <p:nvPr>
-            <p:ph type="title"/>
-          </p:nvPr>
-        </p:nvSpPr>
-        <p:spPr>
-          <a:xfrm>
-            <a:off x="838596" y="691758"/>
-            <a:ext cx="9612971" cy="2852737"/>
-          </a:xfrm>
-        </p:spPr>
-        <p:txBody>
-          <a:bodyPr/>
-          <a:lstStyle/>
-          <a:p>
-            <a:pPr algn="ctr"/>
-            <a:r>
-              <a:rPr lang="en-US" dirty="0"/>
-              <a:t>Zeroth review </a:t>
-            </a:r>
-          </a:p>
-        </p:txBody>
-      </p:sp>
-      <p:sp>
-        <p:nvSpPr>
-          <p:cNvPr id="3" name="Text Placeholder 2">
-            <a:extLst>
-              <a:ext uri="{FF2B5EF4-FFF2-40B4-BE49-F238E27FC236}">
-                <a16:creationId xmlns:a16="http://schemas.microsoft.com/office/drawing/2014/main" id="{6C10263F-4812-18D5-7474-54B479F7A66A}"/>
-              </a:ext>
-            </a:extLst>
-          </p:cNvPr>
-          <p:cNvSpPr>
-            <a:spLocks noGrp="1"/>
-          </p:cNvSpPr>
-          <p:nvPr>
-            <p:ph type="body" idx="1"/>
-          </p:nvPr>
-        </p:nvSpPr>
-        <p:spPr>
-          <a:xfrm>
-            <a:off x="6222124" y="4363472"/>
-            <a:ext cx="4502712" cy="1143324"/>
-          </a:xfrm>
-        </p:spPr>
-        <p:txBody>
-          <a:bodyPr>
-            <a:normAutofit/>
-          </a:bodyPr>
-          <a:lstStyle/>
-          <a:p>
-            <a:pPr algn="l"/>
-            <a:r>
-              <a:rPr lang="en-US" sz="2000" dirty="0"/>
-              <a:t>Project Team Members:</a:t>
-            </a:r>
-          </a:p>
-          <a:p>
-            <a:pPr algn="l"/>
-            <a:r>
-              <a:rPr lang="en-US" sz="2000" dirty="0"/>
-              <a:t>Aditya Chaturvedi (RA2011033010012)</a:t>
-            </a:r>
-          </a:p>
-          <a:p>
-            <a:pPr algn="l"/>
-            <a:r>
-              <a:rPr lang="en-US" sz="2000" dirty="0"/>
-              <a:t>Pratham </a:t>
-            </a:r>
-            <a:r>
-              <a:rPr lang="en-US" sz="2000" dirty="0" err="1"/>
-              <a:t>Sahu</a:t>
-            </a:r>
-            <a:r>
-              <a:rPr lang="en-US" sz="2000" dirty="0"/>
-              <a:t> (RA2011033010031)</a:t>
-            </a:r>
-          </a:p>
-        </p:txBody>
-      </p:sp>
-      <p:sp>
-        <p:nvSpPr>
-          <p:cNvPr id="4" name="Text Placeholder 2">
-            <a:extLst>
-              <a:ext uri="{FF2B5EF4-FFF2-40B4-BE49-F238E27FC236}">
-                <a16:creationId xmlns:a16="http://schemas.microsoft.com/office/drawing/2014/main" id="{890EE02B-405F-F494-9615-286F0BEEE10A}"/>
-              </a:ext>
-            </a:extLst>
-          </p:cNvPr>
-          <p:cNvSpPr txBox="1">
-            <a:spLocks/>
-          </p:cNvSpPr>
-          <p:nvPr/>
-        </p:nvSpPr>
-        <p:spPr>
-          <a:xfrm>
-            <a:off x="838596" y="4363472"/>
-            <a:ext cx="4502712" cy="1143324"/>
-          </a:xfrm>
-          <a:prstGeom prst="rect">
-            <a:avLst/>
-          </a:prstGeom>
-        </p:spPr>
-        <p:txBody>
-          <a:bodyPr vert="horz" lIns="91440" tIns="45720" rIns="91440" bIns="45720" rtlCol="0">
-            <a:normAutofit/>
-          </a:bodyPr>
-          <a:lstStyle>
-            <a:lvl1pPr marL="0" indent="0" algn="r" defTabSz="914400" rtl="0" eaLnBrk="1" latinLnBrk="0" hangingPunct="1">
-              <a:lnSpc>
-                <a:spcPct val="112000"/>
-              </a:lnSpc>
-              <a:spcBef>
-                <a:spcPts val="0"/>
-              </a:spcBef>
-              <a:spcAft>
-                <a:spcPts val="0"/>
-              </a:spcAft>
-              <a:buFont typeface="Franklin Gothic Book" panose="020B0503020102020204" pitchFamily="34" charset="0"/>
-              <a:buNone/>
-              <a:defRPr sz="2400" kern="1200" baseline="0">
-                <a:solidFill>
-                  <a:schemeClr val="tx2"/>
-                </a:solidFill>
-                <a:latin typeface="+mn-lt"/>
-                <a:ea typeface="+mn-ea"/>
-                <a:cs typeface="+mn-cs"/>
-              </a:defRPr>
-            </a:lvl1pPr>
-            <a:lvl2pPr marL="457200" indent="0" algn="l" defTabSz="914400" rtl="0" eaLnBrk="1" latinLnBrk="0" hangingPunct="1">
-              <a:lnSpc>
-                <a:spcPct val="94000"/>
-              </a:lnSpc>
-              <a:spcBef>
-                <a:spcPts val="500"/>
-              </a:spcBef>
-              <a:spcAft>
-                <a:spcPts val="200"/>
-              </a:spcAft>
-              <a:buFont typeface="Franklin Gothic Book" panose="020B0503020102020204" pitchFamily="34" charset="0"/>
-              <a:buNone/>
-              <a:defRPr sz="2000" i="1" kern="1200" baseline="0">
-                <a:solidFill>
-                  <a:schemeClr val="tx1">
-                    <a:tint val="75000"/>
-                  </a:schemeClr>
-                </a:solidFill>
-                <a:latin typeface="+mn-lt"/>
-                <a:ea typeface="+mn-ea"/>
-                <a:cs typeface="+mn-cs"/>
-              </a:defRPr>
-            </a:lvl2pPr>
-            <a:lvl3pPr marL="914400" indent="0" algn="l" defTabSz="914400" rtl="0" eaLnBrk="1" latinLnBrk="0" hangingPunct="1">
-              <a:lnSpc>
-                <a:spcPct val="94000"/>
-              </a:lnSpc>
-              <a:spcBef>
-                <a:spcPts val="500"/>
-              </a:spcBef>
-              <a:spcAft>
-                <a:spcPts val="200"/>
-              </a:spcAft>
-              <a:buFont typeface="Franklin Gothic Book" panose="020B0503020102020204" pitchFamily="34" charset="0"/>
-              <a:buNone/>
-              <a:defRPr sz="1800" kern="1200" baseline="0">
-                <a:solidFill>
-                  <a:schemeClr val="tx1">
-                    <a:tint val="75000"/>
-                  </a:schemeClr>
-                </a:solidFill>
-                <a:latin typeface="+mn-lt"/>
-                <a:ea typeface="+mn-ea"/>
-                <a:cs typeface="+mn-cs"/>
-              </a:defRPr>
-            </a:lvl3pPr>
-            <a:lvl4pPr marL="1371600" indent="0" algn="l" defTabSz="914400" rtl="0" eaLnBrk="1" latinLnBrk="0" hangingPunct="1">
-              <a:lnSpc>
-                <a:spcPct val="94000"/>
-              </a:lnSpc>
-              <a:spcBef>
-                <a:spcPts val="500"/>
-              </a:spcBef>
-              <a:spcAft>
-                <a:spcPts val="200"/>
-              </a:spcAft>
-              <a:buFont typeface="Franklin Gothic Book" panose="020B0503020102020204" pitchFamily="34" charset="0"/>
-              <a:buNone/>
-              <a:defRPr sz="1600" i="1" kern="1200" baseline="0">
-                <a:solidFill>
-                  <a:schemeClr val="tx1">
-                    <a:tint val="75000"/>
-                  </a:schemeClr>
-                </a:solidFill>
-                <a:latin typeface="+mn-lt"/>
-                <a:ea typeface="+mn-ea"/>
-                <a:cs typeface="+mn-cs"/>
-              </a:defRPr>
-            </a:lvl4pPr>
-            <a:lvl5pPr marL="1828800" indent="0" algn="l" defTabSz="914400" rtl="0" eaLnBrk="1" latinLnBrk="0" hangingPunct="1">
-              <a:lnSpc>
-                <a:spcPct val="94000"/>
-              </a:lnSpc>
-              <a:spcBef>
-                <a:spcPts val="500"/>
-              </a:spcBef>
-              <a:spcAft>
-                <a:spcPts val="200"/>
-              </a:spcAft>
-              <a:buFont typeface="Franklin Gothic Book" panose="020B0503020102020204" pitchFamily="34" charset="0"/>
-              <a:buNone/>
-              <a:defRPr sz="1600" kern="1200" baseline="0">
-                <a:solidFill>
-                  <a:schemeClr val="tx1">
-                    <a:tint val="75000"/>
-                  </a:schemeClr>
-                </a:solidFill>
-                <a:latin typeface="+mn-lt"/>
-                <a:ea typeface="+mn-ea"/>
-                <a:cs typeface="+mn-cs"/>
-              </a:defRPr>
-            </a:lvl5pPr>
-            <a:lvl6pPr marL="2286000" indent="0" algn="l" defTabSz="914400" rtl="0" eaLnBrk="1" latinLnBrk="0" hangingPunct="1">
-              <a:lnSpc>
-                <a:spcPct val="94000"/>
-              </a:lnSpc>
-              <a:spcBef>
-                <a:spcPts val="500"/>
-              </a:spcBef>
-              <a:spcAft>
-                <a:spcPts val="200"/>
-              </a:spcAft>
-              <a:buFont typeface="Franklin Gothic Book" panose="020B0503020102020204" pitchFamily="34" charset="0"/>
-              <a:buNone/>
-              <a:defRPr sz="1600" i="1" kern="1200" baseline="0">
-                <a:solidFill>
-                  <a:schemeClr val="tx1">
-                    <a:tint val="75000"/>
-                  </a:schemeClr>
-                </a:solidFill>
-                <a:latin typeface="+mn-lt"/>
-                <a:ea typeface="+mn-ea"/>
-                <a:cs typeface="+mn-cs"/>
-              </a:defRPr>
-            </a:lvl6pPr>
-            <a:lvl7pPr marL="2743200" indent="0" algn="l" defTabSz="914400" rtl="0" eaLnBrk="1" latinLnBrk="0" hangingPunct="1">
-              <a:lnSpc>
-                <a:spcPct val="94000"/>
-              </a:lnSpc>
-              <a:spcBef>
-                <a:spcPts val="500"/>
-              </a:spcBef>
-              <a:spcAft>
-                <a:spcPts val="200"/>
-              </a:spcAft>
-              <a:buFont typeface="Franklin Gothic Book" panose="020B0503020102020204" pitchFamily="34" charset="0"/>
-              <a:buNone/>
-              <a:defRPr sz="1600" kern="1200" baseline="0">
-                <a:solidFill>
-                  <a:schemeClr val="tx1">
-                    <a:tint val="75000"/>
-                  </a:schemeClr>
-                </a:solidFill>
-                <a:latin typeface="+mn-lt"/>
-                <a:ea typeface="+mn-ea"/>
-                <a:cs typeface="+mn-cs"/>
-              </a:defRPr>
-            </a:lvl7pPr>
-            <a:lvl8pPr marL="3200400" indent="0" algn="l" defTabSz="914400" rtl="0" eaLnBrk="1" latinLnBrk="0" hangingPunct="1">
-              <a:lnSpc>
-                <a:spcPct val="94000"/>
-              </a:lnSpc>
-              <a:spcBef>
-                <a:spcPts val="500"/>
-              </a:spcBef>
-              <a:spcAft>
-                <a:spcPts val="200"/>
-              </a:spcAft>
-              <a:buFont typeface="Franklin Gothic Book" panose="020B0503020102020204" pitchFamily="34" charset="0"/>
-              <a:buNone/>
-              <a:defRPr sz="1600" i="1" kern="1200" baseline="0">
-                <a:solidFill>
-                  <a:schemeClr val="tx1">
-                    <a:tint val="75000"/>
-                  </a:schemeClr>
-                </a:solidFill>
-                <a:latin typeface="+mn-lt"/>
-                <a:ea typeface="+mn-ea"/>
-                <a:cs typeface="+mn-cs"/>
-              </a:defRPr>
-            </a:lvl8pPr>
-            <a:lvl9pPr marL="3657600" indent="0" algn="l" defTabSz="914400" rtl="0" eaLnBrk="1" latinLnBrk="0" hangingPunct="1">
-              <a:lnSpc>
-                <a:spcPct val="94000"/>
-              </a:lnSpc>
-              <a:spcBef>
-                <a:spcPts val="500"/>
-              </a:spcBef>
-              <a:spcAft>
-                <a:spcPts val="200"/>
-              </a:spcAft>
-              <a:buFont typeface="Franklin Gothic Book" panose="020B0503020102020204" pitchFamily="34" charset="0"/>
-              <a:buNone/>
-              <a:defRPr sz="1600" kern="1200" baseline="0">
-                <a:solidFill>
-                  <a:schemeClr val="tx1">
-                    <a:tint val="75000"/>
-                  </a:schemeClr>
-                </a:solidFill>
-                <a:latin typeface="+mn-lt"/>
-                <a:ea typeface="+mn-ea"/>
-                <a:cs typeface="+mn-cs"/>
-              </a:defRPr>
-            </a:lvl9pPr>
-          </a:lstStyle>
-          <a:p>
-            <a:pPr algn="l"/>
-            <a:r>
-              <a:rPr lang="en-US" sz="2000" dirty="0"/>
-              <a:t>Project Guide:</a:t>
-            </a:r>
-          </a:p>
-          <a:p>
-            <a:pPr algn="l"/>
-            <a:r>
-              <a:rPr lang="en-US" sz="2000" dirty="0"/>
-              <a:t>Dr. A. </a:t>
-            </a:r>
-            <a:r>
-              <a:rPr lang="en-US" sz="2000" dirty="0" err="1"/>
-              <a:t>Jackulin</a:t>
-            </a:r>
-            <a:r>
-              <a:rPr lang="en-US" sz="2000" dirty="0"/>
-              <a:t> </a:t>
-            </a:r>
-            <a:r>
-              <a:rPr lang="en-US" sz="2000" dirty="0" err="1"/>
-              <a:t>Mahariba</a:t>
-            </a:r>
-            <a:endParaRPr lang="en-US" sz="2000" dirty="0"/>
-          </a:p>
-          <a:p>
-            <a:pPr algn="l"/>
-            <a:r>
-              <a:rPr lang="en-US" sz="2000" dirty="0"/>
-              <a:t>Assistant Professor (101370)</a:t>
-            </a:r>
-          </a:p>
-        </p:txBody>
-      </p:sp>
-    </p:spTree>
-    <p:extLst>
-      <p:ext uri="{BB962C8B-B14F-4D97-AF65-F5344CB8AC3E}">
-        <p14:creationId xmlns:p14="http://schemas.microsoft.com/office/powerpoint/2010/main" val="2729603014"/>
-      </p:ext>
-    </p:extLst>
-  </p:cSld>
-  <p:clrMapOvr>
-    <a:masterClrMapping/>
-  </p:clrMapOvr>
-</p:sld>
-</file>
-
-<file path=ppt/slides/slide3.xml><?xml version="1.0" encoding="utf-8"?>
-<p:sld xmlns:a="http://schemas.openxmlformats.org/drawingml/2006/main" xmlns:r="http://schemas.openxmlformats.org/officeDocument/2006/relationships" xmlns:p="http://schemas.openxmlformats.org/presentationml/2006/main">
-  <p:cSld>
-    <p:spTree>
-      <p:nvGrpSpPr>
-        <p:cNvPr id="1" name=""/>
-        <p:cNvGrpSpPr/>
-        <p:nvPr/>
-      </p:nvGrpSpPr>
-      <p:grpSpPr>
-        <a:xfrm>
-          <a:off x="0" y="0"/>
-          <a:ext cx="0" cy="0"/>
-          <a:chOff x="0" y="0"/>
-          <a:chExt cx="0" cy="0"/>
-        </a:xfrm>
-      </p:grpSpPr>
-      <p:sp>
-        <p:nvSpPr>
-          <p:cNvPr id="2" name="Title 1">
-            <a:extLst>
-              <a:ext uri="{FF2B5EF4-FFF2-40B4-BE49-F238E27FC236}">
-                <a16:creationId xmlns:a16="http://schemas.microsoft.com/office/drawing/2014/main" id="{89432B00-2BDE-FD18-61D1-75164674AFF9}"/>
-              </a:ext>
-            </a:extLst>
-          </p:cNvPr>
-          <p:cNvSpPr>
-            <a:spLocks noGrp="1"/>
-          </p:cNvSpPr>
-          <p:nvPr>
-            <p:ph type="title"/>
-          </p:nvPr>
-        </p:nvSpPr>
-        <p:spPr>
-          <a:xfrm>
-            <a:off x="1371600" y="685800"/>
-            <a:ext cx="9601200" cy="838200"/>
-          </a:xfrm>
-        </p:spPr>
-        <p:txBody>
-          <a:bodyPr/>
-          <a:lstStyle/>
-          <a:p>
-            <a:pPr algn="ctr"/>
-            <a:r>
-              <a:rPr lang="en-US" dirty="0"/>
-              <a:t>Abstract</a:t>
-            </a:r>
-          </a:p>
-        </p:txBody>
-      </p:sp>
-      <p:sp>
-        <p:nvSpPr>
-          <p:cNvPr id="3" name="Content Placeholder 2">
-            <a:extLst>
-              <a:ext uri="{FF2B5EF4-FFF2-40B4-BE49-F238E27FC236}">
-                <a16:creationId xmlns:a16="http://schemas.microsoft.com/office/drawing/2014/main" id="{A5B26B77-43D9-0AD2-ADD9-BB92D073AB92}"/>
-              </a:ext>
-            </a:extLst>
-          </p:cNvPr>
-          <p:cNvSpPr>
-            <a:spLocks noGrp="1"/>
-          </p:cNvSpPr>
-          <p:nvPr>
-            <p:ph idx="1"/>
-          </p:nvPr>
-        </p:nvSpPr>
-        <p:spPr>
-          <a:xfrm>
-            <a:off x="1371600" y="1933903"/>
-            <a:ext cx="9601200" cy="3933497"/>
-          </a:xfrm>
-        </p:spPr>
-        <p:txBody>
-          <a:bodyPr>
-            <a:normAutofit/>
-          </a:bodyPr>
-          <a:lstStyle/>
-          <a:p>
-            <a:pPr marL="0" indent="0" algn="just">
-              <a:buNone/>
-            </a:pPr>
-            <a:r>
-              <a:rPr lang="en-IN" dirty="0"/>
-              <a:t>Introduces a </a:t>
-            </a:r>
-            <a:r>
-              <a:rPr lang="en-IN" b="1" i="1" dirty="0"/>
-              <a:t>cutting-edge Traffic Sign Detector (TSD) </a:t>
-            </a:r>
-            <a:r>
-              <a:rPr lang="en-IN" dirty="0"/>
-              <a:t>system designed to enhance road safety and traffic management. Accurately identifying and categorizing traffic signs from images and videos. </a:t>
-            </a:r>
-            <a:r>
-              <a:rPr lang="en-IN" b="1" i="1" dirty="0"/>
-              <a:t>Convolutional Neural Network (CNN)</a:t>
-            </a:r>
-            <a:r>
-              <a:rPr lang="en-IN" i="1" dirty="0"/>
-              <a:t> </a:t>
-            </a:r>
-            <a:r>
-              <a:rPr lang="en-IN" dirty="0"/>
-              <a:t>is trained on a comprehensive dataset of annotated traffic sign images. Learns intricate sign features and patterns. Consists of </a:t>
-            </a:r>
-            <a:r>
-              <a:rPr lang="en-IN" b="1" i="1" dirty="0"/>
-              <a:t>object localization and classification modules</a:t>
-            </a:r>
-            <a:r>
-              <a:rPr lang="en-IN" dirty="0"/>
-              <a:t>. Categorizes the detected signs into </a:t>
-            </a:r>
-            <a:r>
-              <a:rPr lang="en-IN" b="1" i="1" dirty="0"/>
-              <a:t>regulatory, warning</a:t>
-            </a:r>
-            <a:r>
-              <a:rPr lang="en-IN" i="1" dirty="0"/>
-              <a:t>, and </a:t>
-            </a:r>
-            <a:r>
-              <a:rPr lang="en-IN" b="1" i="1" dirty="0"/>
-              <a:t>informational</a:t>
-            </a:r>
-            <a:r>
-              <a:rPr lang="en-IN" dirty="0"/>
-              <a:t> classes based on learned features.</a:t>
-            </a:r>
-            <a:r>
-              <a:rPr lang="en-US" dirty="0"/>
-              <a:t> </a:t>
-            </a:r>
-            <a:r>
-              <a:rPr lang="en-IN" dirty="0"/>
-              <a:t>TSD integrates </a:t>
-            </a:r>
-            <a:r>
-              <a:rPr lang="en-IN" b="1" i="1" dirty="0"/>
-              <a:t>adaptive learning mechanisms </a:t>
-            </a:r>
-            <a:r>
-              <a:rPr lang="en-IN" dirty="0"/>
-              <a:t>and </a:t>
-            </a:r>
-            <a:r>
-              <a:rPr lang="en-IN" b="1" i="1" dirty="0"/>
-              <a:t>domain adaptation strategies</a:t>
-            </a:r>
-            <a:r>
-              <a:rPr lang="en-IN" dirty="0"/>
-              <a:t>. Enhanced ability to generalize across diverse environments and maintain consistent performance. The TSD system is </a:t>
-            </a:r>
-            <a:r>
-              <a:rPr lang="en-IN" b="1" i="1" dirty="0"/>
-              <a:t>effective,</a:t>
-            </a:r>
-            <a:r>
-              <a:rPr lang="en-IN" dirty="0"/>
-              <a:t> </a:t>
-            </a:r>
-            <a:r>
-              <a:rPr lang="en-IN" b="1" i="1" dirty="0"/>
-              <a:t>accurate, fast, robust </a:t>
-            </a:r>
-            <a:r>
-              <a:rPr lang="en-IN" dirty="0"/>
-              <a:t>in real time traffic sign detection. Contributes significantly in </a:t>
-            </a:r>
-            <a:r>
-              <a:rPr lang="en-IN" b="1" i="1" dirty="0"/>
-              <a:t>road safety</a:t>
-            </a:r>
-            <a:r>
-              <a:rPr lang="en-IN" dirty="0"/>
-              <a:t> and </a:t>
-            </a:r>
-            <a:r>
-              <a:rPr lang="en-IN" b="1" i="1" dirty="0"/>
-              <a:t>traffic management. </a:t>
-            </a:r>
-            <a:endParaRPr lang="en-US" dirty="0"/>
-          </a:p>
-          <a:p>
-            <a:endParaRPr lang="en-IN" dirty="0"/>
-          </a:p>
-        </p:txBody>
-      </p:sp>
-    </p:spTree>
-    <p:extLst>
-      <p:ext uri="{BB962C8B-B14F-4D97-AF65-F5344CB8AC3E}">
-        <p14:creationId xmlns:p14="http://schemas.microsoft.com/office/powerpoint/2010/main" val="24947007"/>
-      </p:ext>
-    </p:extLst>
-  </p:cSld>
-  <p:clrMapOvr>
-    <a:masterClrMapping/>
-  </p:clrMapOvr>
-</p:sld>
-</file>
-
-<file path=ppt/slides/slide4.xml><?xml version="1.0" encoding="utf-8"?>
-<p:sld xmlns:a="http://schemas.openxmlformats.org/drawingml/2006/main" xmlns:r="http://schemas.openxmlformats.org/officeDocument/2006/relationships" xmlns:p="http://schemas.openxmlformats.org/presentationml/2006/main">
-  <p:cSld>
-    <p:spTree>
-      <p:nvGrpSpPr>
-        <p:cNvPr id="1" name=""/>
-        <p:cNvGrpSpPr/>
-        <p:nvPr/>
-      </p:nvGrpSpPr>
-      <p:grpSpPr>
-        <a:xfrm>
-          <a:off x="0" y="0"/>
-          <a:ext cx="0" cy="0"/>
-          <a:chOff x="0" y="0"/>
-          <a:chExt cx="0" cy="0"/>
-        </a:xfrm>
-      </p:grpSpPr>
-      <p:sp>
-        <p:nvSpPr>
-          <p:cNvPr id="2" name="Title 1">
-            <a:extLst>
-              <a:ext uri="{FF2B5EF4-FFF2-40B4-BE49-F238E27FC236}">
-                <a16:creationId xmlns:a16="http://schemas.microsoft.com/office/drawing/2014/main" id="{7614BCD5-C251-0237-A8A8-BE3DA5915439}"/>
-              </a:ext>
-            </a:extLst>
-          </p:cNvPr>
-          <p:cNvSpPr>
-            <a:spLocks noGrp="1"/>
-          </p:cNvSpPr>
-          <p:nvPr>
-            <p:ph type="title"/>
-          </p:nvPr>
-        </p:nvSpPr>
-        <p:spPr/>
-        <p:txBody>
-          <a:bodyPr/>
-          <a:lstStyle/>
-          <a:p>
-            <a:pPr algn="ctr"/>
-            <a:r>
-              <a:rPr lang="en-US" dirty="0"/>
-              <a:t>Introduction </a:t>
-            </a:r>
-          </a:p>
-        </p:txBody>
-      </p:sp>
-      <p:sp>
-        <p:nvSpPr>
-          <p:cNvPr id="3" name="Content Placeholder 2">
-            <a:extLst>
-              <a:ext uri="{FF2B5EF4-FFF2-40B4-BE49-F238E27FC236}">
-                <a16:creationId xmlns:a16="http://schemas.microsoft.com/office/drawing/2014/main" id="{FACF06F0-E49D-FD27-E0A7-8D6A362B52E2}"/>
-              </a:ext>
-            </a:extLst>
-          </p:cNvPr>
-          <p:cNvSpPr>
-            <a:spLocks noGrp="1"/>
-          </p:cNvSpPr>
-          <p:nvPr>
-            <p:ph idx="1"/>
-          </p:nvPr>
-        </p:nvSpPr>
-        <p:spPr>
-          <a:xfrm>
-            <a:off x="1371600" y="1813034"/>
-            <a:ext cx="9601200" cy="3581400"/>
-          </a:xfrm>
-        </p:spPr>
-        <p:txBody>
-          <a:bodyPr/>
-          <a:lstStyle/>
-          <a:p>
-            <a:pPr algn="just">
-              <a:buFont typeface="Wingdings" pitchFamily="2" charset="2"/>
-              <a:buChar char="§"/>
-            </a:pPr>
-            <a:r>
-              <a:rPr lang="en-IN" dirty="0"/>
-              <a:t>Development of a sophisticated system to </a:t>
-            </a:r>
-            <a:r>
-              <a:rPr lang="en-IN" b="1" i="1" dirty="0"/>
-              <a:t>automatically identify and categorize </a:t>
-            </a:r>
-            <a:r>
-              <a:rPr lang="en-IN" dirty="0"/>
-              <a:t>traffic signs from images and videos. </a:t>
-            </a:r>
-          </a:p>
-          <a:p>
-            <a:pPr algn="just">
-              <a:buFont typeface="Wingdings" pitchFamily="2" charset="2"/>
-              <a:buChar char="§"/>
-            </a:pPr>
-            <a:r>
-              <a:rPr lang="en-IN" dirty="0"/>
-              <a:t>By harnessing cutting-edge </a:t>
-            </a:r>
-            <a:r>
-              <a:rPr lang="en-IN" b="1" i="1" dirty="0"/>
-              <a:t>computer vision </a:t>
-            </a:r>
-            <a:r>
-              <a:rPr lang="en-IN" dirty="0"/>
-              <a:t>and </a:t>
-            </a:r>
-            <a:r>
-              <a:rPr lang="en-IN" b="1" i="1" dirty="0"/>
-              <a:t>deep learning techniques</a:t>
-            </a:r>
-            <a:r>
-              <a:rPr lang="en-IN" dirty="0"/>
-              <a:t>. </a:t>
-            </a:r>
-          </a:p>
-          <a:p>
-            <a:pPr algn="just">
-              <a:buFont typeface="Wingdings" pitchFamily="2" charset="2"/>
-              <a:buChar char="§"/>
-            </a:pPr>
-            <a:r>
-              <a:rPr lang="en-IN" dirty="0"/>
-              <a:t>This project aims to </a:t>
-            </a:r>
-            <a:r>
-              <a:rPr lang="en-IN" b="1" i="1" dirty="0"/>
-              <a:t>enhance road safety</a:t>
-            </a:r>
-            <a:r>
-              <a:rPr lang="en-IN" dirty="0"/>
-              <a:t>, </a:t>
-            </a:r>
-            <a:r>
-              <a:rPr lang="en-IN" b="1" i="1" dirty="0"/>
-              <a:t>streamline traffic management</a:t>
-            </a:r>
-            <a:r>
-              <a:rPr lang="en-IN" dirty="0"/>
-              <a:t>, and contribute </a:t>
-            </a:r>
-            <a:r>
-              <a:rPr lang="en-IN" b="1" i="1" dirty="0"/>
-              <a:t>to more efficient transportation systems</a:t>
-            </a:r>
-            <a:r>
-              <a:rPr lang="en-IN" dirty="0"/>
-              <a:t>. </a:t>
-            </a:r>
-          </a:p>
-          <a:p>
-            <a:pPr algn="just">
-              <a:buFont typeface="Wingdings" pitchFamily="2" charset="2"/>
-              <a:buChar char="§"/>
-            </a:pPr>
-            <a:r>
-              <a:rPr lang="en-IN" dirty="0"/>
-              <a:t>Through the accurate recognition of diverse traffic signs, the project </a:t>
-            </a:r>
-            <a:r>
-              <a:rPr lang="en-IN" b="1" i="1" dirty="0"/>
-              <a:t>addresses crucial challenges</a:t>
-            </a:r>
-            <a:r>
-              <a:rPr lang="en-IN" dirty="0"/>
-              <a:t> and </a:t>
-            </a:r>
-            <a:r>
-              <a:rPr lang="en-IN" b="1" i="1" dirty="0"/>
-              <a:t>holds the promise of revolutionizing </a:t>
-            </a:r>
-            <a:r>
-              <a:rPr lang="en-IN" dirty="0"/>
-              <a:t>how traffic signs are detected and interpreted in </a:t>
-            </a:r>
-            <a:r>
-              <a:rPr lang="en-IN" b="1" i="1" dirty="0"/>
-              <a:t>real-world scenarios.</a:t>
-            </a:r>
-            <a:endParaRPr lang="en-US" b="1" i="1" dirty="0"/>
-          </a:p>
-        </p:txBody>
-      </p:sp>
-    </p:spTree>
-    <p:extLst>
-      <p:ext uri="{BB962C8B-B14F-4D97-AF65-F5344CB8AC3E}">
-        <p14:creationId xmlns:p14="http://schemas.microsoft.com/office/powerpoint/2010/main" val="4213339421"/>
-      </p:ext>
-    </p:extLst>
-  </p:cSld>
-  <p:clrMapOvr>
-    <a:masterClrMapping/>
-  </p:clrMapOvr>
-</p:sld>
-</file>
-
-<file path=ppt/slides/slide5.xml><?xml version="1.0" encoding="utf-8"?>
-<p:sld xmlns:a="http://schemas.openxmlformats.org/drawingml/2006/main" xmlns:r="http://schemas.openxmlformats.org/officeDocument/2006/relationships" xmlns:p="http://schemas.openxmlformats.org/presentationml/2006/main">
-  <p:cSld>
-    <p:spTree>
-      <p:nvGrpSpPr>
-        <p:cNvPr id="1" name=""/>
-        <p:cNvGrpSpPr/>
-        <p:nvPr/>
-      </p:nvGrpSpPr>
-      <p:grpSpPr>
-        <a:xfrm>
-          <a:off x="0" y="0"/>
-          <a:ext cx="0" cy="0"/>
-          <a:chOff x="0" y="0"/>
-          <a:chExt cx="0" cy="0"/>
-        </a:xfrm>
-      </p:grpSpPr>
-      <p:sp>
-        <p:nvSpPr>
-          <p:cNvPr id="2" name="Title 1">
-            <a:extLst>
-              <a:ext uri="{FF2B5EF4-FFF2-40B4-BE49-F238E27FC236}">
-                <a16:creationId xmlns:a16="http://schemas.microsoft.com/office/drawing/2014/main" id="{5F220EBC-C47C-7D1B-535B-092C4E0B8AD2}"/>
-              </a:ext>
-            </a:extLst>
-          </p:cNvPr>
-          <p:cNvSpPr>
-            <a:spLocks noGrp="1"/>
-          </p:cNvSpPr>
-          <p:nvPr>
-            <p:ph type="title"/>
-          </p:nvPr>
-        </p:nvSpPr>
-        <p:spPr/>
-        <p:txBody>
-          <a:bodyPr/>
-          <a:lstStyle/>
-          <a:p>
-            <a:pPr algn="ctr"/>
-            <a:r>
-              <a:rPr lang="en-US" dirty="0"/>
-              <a:t>Motivation</a:t>
-            </a:r>
-          </a:p>
-        </p:txBody>
-      </p:sp>
-      <p:sp>
-        <p:nvSpPr>
-          <p:cNvPr id="3" name="Content Placeholder 2">
-            <a:extLst>
-              <a:ext uri="{FF2B5EF4-FFF2-40B4-BE49-F238E27FC236}">
-                <a16:creationId xmlns:a16="http://schemas.microsoft.com/office/drawing/2014/main" id="{FDA78D7D-86F4-5C28-8CB6-BDEFD6560269}"/>
-              </a:ext>
-            </a:extLst>
-          </p:cNvPr>
-          <p:cNvSpPr>
-            <a:spLocks noGrp="1"/>
-          </p:cNvSpPr>
-          <p:nvPr>
-            <p:ph idx="1"/>
-          </p:nvPr>
-        </p:nvSpPr>
-        <p:spPr>
-          <a:xfrm>
-            <a:off x="1371600" y="1770993"/>
-            <a:ext cx="9601200" cy="3581400"/>
-          </a:xfrm>
-        </p:spPr>
-        <p:txBody>
-          <a:bodyPr>
-            <a:normAutofit fontScale="92500" lnSpcReduction="20000"/>
-          </a:bodyPr>
-          <a:lstStyle/>
-          <a:p>
-            <a:pPr algn="just">
-              <a:buFont typeface="Wingdings" pitchFamily="2" charset="2"/>
-              <a:buChar char="§"/>
-            </a:pPr>
-            <a:r>
-              <a:rPr lang="en-IN" dirty="0"/>
-              <a:t>In 2019, India reported approximately </a:t>
-            </a:r>
-            <a:r>
-              <a:rPr lang="en-IN" b="1" i="1" dirty="0"/>
-              <a:t>449,002 road accidents </a:t>
-            </a:r>
-            <a:r>
-              <a:rPr lang="en-IN" dirty="0"/>
-              <a:t>whose one of the main reason was absence of traffic signs.</a:t>
-            </a:r>
-          </a:p>
-          <a:p>
-            <a:pPr algn="just">
-              <a:buFont typeface="Wingdings" pitchFamily="2" charset="2"/>
-              <a:buChar char="§"/>
-            </a:pPr>
-            <a:r>
-              <a:rPr lang="en-IN" dirty="0"/>
-              <a:t>Missing speed limit signs can lead to accidents from excessive speeding. Speeding contributes to </a:t>
-            </a:r>
-            <a:r>
-              <a:rPr lang="en-IN" b="1" i="1" dirty="0"/>
-              <a:t>1.25 million global road deaths yearly</a:t>
-            </a:r>
-            <a:r>
-              <a:rPr lang="en-IN" dirty="0"/>
-              <a:t>, about 30% of all traffic fatalities (WHO).</a:t>
-            </a:r>
-          </a:p>
-          <a:p>
-            <a:pPr algn="just">
-              <a:buFont typeface="Wingdings" pitchFamily="2" charset="2"/>
-              <a:buChar char="§"/>
-            </a:pPr>
-            <a:r>
-              <a:rPr lang="en-IN" dirty="0"/>
-              <a:t>Level 2 systems are designed to operate within specific conditions, such as well-marked roads and favourable weather conditions. They may </a:t>
-            </a:r>
-            <a:r>
-              <a:rPr lang="en-IN" b="1" i="1" dirty="0"/>
-              <a:t>struggle in situations where road markings are faded, visibility is poor, or the road environment is complex </a:t>
-            </a:r>
-            <a:r>
-              <a:rPr lang="en-IN" dirty="0"/>
-              <a:t>(e.g., construction zones, crowded urban areas). Drivers must remain attentive and ready to take control in such scenarios.</a:t>
-            </a:r>
-          </a:p>
-          <a:p>
-            <a:pPr algn="just">
-              <a:buFont typeface="Wingdings" pitchFamily="2" charset="2"/>
-              <a:buChar char="§"/>
-            </a:pPr>
-            <a:r>
-              <a:rPr lang="en-IN" dirty="0"/>
-              <a:t>Without proper signage, drivers may be uncertain about the right of way, speed limits, lane usage, and other important rules. This confusion can lead to accidents, especially at intersections and in areas with complex traffic patterns.</a:t>
-            </a:r>
-            <a:endParaRPr lang="en-US" dirty="0"/>
-          </a:p>
-        </p:txBody>
-      </p:sp>
-    </p:spTree>
-    <p:extLst>
-      <p:ext uri="{BB962C8B-B14F-4D97-AF65-F5344CB8AC3E}">
-        <p14:creationId xmlns:p14="http://schemas.microsoft.com/office/powerpoint/2010/main" val="3088159963"/>
-      </p:ext>
-    </p:extLst>
-  </p:cSld>
-  <p:clrMapOvr>
-    <a:masterClrMapping/>
-  </p:clrMapOvr>
-</p:sld>
-</file>
-
 <file path=ppt/slides/slide6.xml><?xml version="1.0" encoding="utf-8"?>
 <p:sld xmlns:a="http://schemas.openxmlformats.org/drawingml/2006/main" xmlns:r="http://schemas.openxmlformats.org/officeDocument/2006/relationships" xmlns:p="http://schemas.openxmlformats.org/presentationml/2006/main">
   <p:cSld>
@@ -6162,7 +5379,7 @@
             <a:pPr algn="ctr"/>
             <a:r>
               <a:rPr lang="en-US" dirty="0"/>
-              <a:t>Innovation and Idea</a:t>
+              <a:t>Objective</a:t>
             </a:r>
           </a:p>
         </p:txBody>
@@ -6190,104 +5407,96 @@
           </a:xfrm>
         </p:spPr>
         <p:txBody>
-          <a:bodyPr/>
+          <a:bodyPr>
+            <a:normAutofit/>
+          </a:bodyPr>
           <a:lstStyle/>
           <a:p>
-            <a:pPr>
-              <a:buFont typeface="Wingdings" pitchFamily="2" charset="2"/>
-              <a:buChar char="§"/>
+            <a:pPr algn="l"/>
+            <a:r>
+              <a:rPr lang="en-IN" sz="1800" b="1" i="0" u="none" strike="noStrike" dirty="0">
+                <a:effectLst/>
+                <a:latin typeface="Times New Roman" panose="02020603050405020304" pitchFamily="18" charset="0"/>
+                <a:cs typeface="Times New Roman" panose="02020603050405020304" pitchFamily="18" charset="0"/>
+              </a:rPr>
+              <a:t>1. Develop a Theoretical Model for Autonomous Traffic Management:</a:t>
+            </a:r>
+            <a:endParaRPr lang="en-IN" sz="1800" b="0" i="0" u="none" strike="noStrike" dirty="0">
+              <a:effectLst/>
+              <a:latin typeface="Times New Roman" panose="02020603050405020304" pitchFamily="18" charset="0"/>
+              <a:cs typeface="Times New Roman" panose="02020603050405020304" pitchFamily="18" charset="0"/>
+            </a:endParaRPr>
+          </a:p>
+          <a:p>
+            <a:pPr algn="l">
+              <a:buFont typeface="Arial" panose="020B0604020202020204" pitchFamily="34" charset="0"/>
+              <a:buChar char="•"/>
             </a:pPr>
             <a:r>
-              <a:rPr lang="en-IN" dirty="0"/>
-              <a:t>An innovative traffic sign detection system idea involves vehicles forming a </a:t>
-            </a:r>
-            <a:r>
-              <a:rPr lang="en-IN" b="1" i="1" dirty="0"/>
-              <a:t>decentralized network</a:t>
-            </a:r>
-            <a:r>
-              <a:rPr lang="en-IN" dirty="0"/>
-              <a:t>. </a:t>
-            </a:r>
-          </a:p>
-          <a:p>
-            <a:pPr>
-              <a:buFont typeface="Wingdings" pitchFamily="2" charset="2"/>
-              <a:buChar char="§"/>
+              <a:rPr lang="en-IN" sz="1800" b="0" i="0" u="none" strike="noStrike" dirty="0">
+                <a:effectLst/>
+                <a:latin typeface="Times New Roman" panose="02020603050405020304" pitchFamily="18" charset="0"/>
+                <a:cs typeface="Times New Roman" panose="02020603050405020304" pitchFamily="18" charset="0"/>
+              </a:rPr>
+              <a:t>Explore the integration of Vehicle-to-Everything (V2X) communication protocols in the development of a robust theoretical framework.</a:t>
+            </a:r>
+          </a:p>
+          <a:p>
+            <a:pPr algn="l">
+              <a:buFont typeface="Arial" panose="020B0604020202020204" pitchFamily="34" charset="0"/>
+              <a:buChar char="•"/>
             </a:pPr>
             <a:r>
-              <a:rPr lang="en-IN" dirty="0"/>
-              <a:t>Each vehicle has </a:t>
-            </a:r>
-            <a:r>
-              <a:rPr lang="en-IN" b="1" i="1" dirty="0"/>
-              <a:t>onboard processing and communicates</a:t>
-            </a:r>
-            <a:r>
-              <a:rPr lang="en-IN" dirty="0"/>
-              <a:t> with nearby vehicles (V2V). </a:t>
-            </a:r>
-          </a:p>
-          <a:p>
-            <a:pPr>
-              <a:buFont typeface="Wingdings" pitchFamily="2" charset="2"/>
-              <a:buChar char="§"/>
+              <a:rPr lang="en-IN" sz="1800" b="0" i="0" u="none" strike="noStrike" dirty="0">
+                <a:effectLst/>
+                <a:latin typeface="Times New Roman" panose="02020603050405020304" pitchFamily="18" charset="0"/>
+                <a:cs typeface="Times New Roman" panose="02020603050405020304" pitchFamily="18" charset="0"/>
+              </a:rPr>
+              <a:t>Examine how autonomous vehicles can leverage this model for intelligent decision-making in diverse traffic scenarios.</a:t>
+            </a:r>
+          </a:p>
+          <a:p>
+            <a:pPr algn="l"/>
+            <a:r>
+              <a:rPr lang="en-IN" sz="1800" b="1" i="0" u="none" strike="noStrike" dirty="0">
+                <a:effectLst/>
+                <a:latin typeface="Times New Roman" panose="02020603050405020304" pitchFamily="18" charset="0"/>
+                <a:cs typeface="Times New Roman" panose="02020603050405020304" pitchFamily="18" charset="0"/>
+              </a:rPr>
+              <a:t>2. Propose Innovative Algorithmic Frameworks for Real-Time Decision-Making:</a:t>
+            </a:r>
+            <a:endParaRPr lang="en-IN" sz="1800" b="0" i="0" u="none" strike="noStrike" dirty="0">
+              <a:effectLst/>
+              <a:latin typeface="Times New Roman" panose="02020603050405020304" pitchFamily="18" charset="0"/>
+              <a:cs typeface="Times New Roman" panose="02020603050405020304" pitchFamily="18" charset="0"/>
+            </a:endParaRPr>
+          </a:p>
+          <a:p>
+            <a:pPr algn="l">
+              <a:buFont typeface="Arial" panose="020B0604020202020204" pitchFamily="34" charset="0"/>
+              <a:buChar char="•"/>
             </a:pPr>
             <a:r>
-              <a:rPr lang="en-IN" dirty="0"/>
-              <a:t>This </a:t>
-            </a:r>
-            <a:r>
-              <a:rPr lang="en-IN" b="1" i="1" dirty="0"/>
-              <a:t>collaborative approach </a:t>
-            </a:r>
-            <a:r>
-              <a:rPr lang="en-IN" dirty="0"/>
-              <a:t>improves sign detection accuracy, especially in challenging conditions. </a:t>
-            </a:r>
-          </a:p>
-          <a:p>
-            <a:pPr>
-              <a:buFont typeface="Wingdings" pitchFamily="2" charset="2"/>
-              <a:buChar char="§"/>
+              <a:rPr lang="en-IN" sz="1800" b="0" i="0" u="none" strike="noStrike" dirty="0">
+                <a:effectLst/>
+                <a:latin typeface="Times New Roman" panose="02020603050405020304" pitchFamily="18" charset="0"/>
+                <a:cs typeface="Times New Roman" panose="02020603050405020304" pitchFamily="18" charset="0"/>
+              </a:rPr>
+              <a:t>Devise adaptive algorithms capable of making real-time decisions based on dynamic traffic conditions.</a:t>
+            </a:r>
+          </a:p>
+          <a:p>
+            <a:pPr algn="l">
+              <a:buFont typeface="Arial" panose="020B0604020202020204" pitchFamily="34" charset="0"/>
+              <a:buChar char="•"/>
             </a:pPr>
             <a:r>
-              <a:rPr lang="en-IN" dirty="0"/>
-              <a:t>Vehicles maintain a </a:t>
-            </a:r>
-            <a:r>
-              <a:rPr lang="en-IN" b="1" i="1" dirty="0"/>
-              <a:t>local sign database </a:t>
-            </a:r>
-            <a:r>
-              <a:rPr lang="en-IN" dirty="0"/>
-              <a:t>and</a:t>
-            </a:r>
-            <a:r>
-              <a:rPr lang="en-IN" b="1" i="1" dirty="0"/>
-              <a:t> dynamic map</a:t>
-            </a:r>
-            <a:r>
-              <a:rPr lang="en-IN" dirty="0"/>
-              <a:t>, enhancing reliability.</a:t>
-            </a:r>
-          </a:p>
-          <a:p>
-            <a:pPr>
-              <a:buFont typeface="Wingdings" pitchFamily="2" charset="2"/>
-              <a:buChar char="§"/>
-            </a:pPr>
-            <a:r>
-              <a:rPr lang="en-IN" dirty="0"/>
-              <a:t>This system uses edge computing, collaboration, and </a:t>
-            </a:r>
-            <a:r>
-              <a:rPr lang="en-IN" b="1" i="1" dirty="0"/>
-              <a:t>decentralized data sharing </a:t>
-            </a:r>
-            <a:r>
-              <a:rPr lang="en-IN" dirty="0"/>
-              <a:t>for more accurate and adaptable traffic sign detection, ultimately leading to safer roads.</a:t>
+              <a:rPr lang="en-IN" sz="1800" b="0" i="0" u="none" strike="noStrike" dirty="0">
+                <a:effectLst/>
+                <a:latin typeface="Times New Roman" panose="02020603050405020304" pitchFamily="18" charset="0"/>
+                <a:cs typeface="Times New Roman" panose="02020603050405020304" pitchFamily="18" charset="0"/>
+              </a:rPr>
+              <a:t>Address challenges such as scalability, responsiveness, and adaptability to ensure effectiveness in varying urban scenarios.</a:t>
             </a:r>
           </a:p>
         </p:txBody>
@@ -6327,7 +5536,7 @@
           <p:cNvPr id="2" name="Title 1">
             <a:extLst>
               <a:ext uri="{FF2B5EF4-FFF2-40B4-BE49-F238E27FC236}">
-                <a16:creationId xmlns:a16="http://schemas.microsoft.com/office/drawing/2014/main" id="{91FF2A73-E6E7-FF2C-0273-DD77F040492E}"/>
+                <a16:creationId xmlns:a16="http://schemas.microsoft.com/office/drawing/2014/main" id="{6546E93E-5FC8-61F4-612A-DC70607AB56F}"/>
               </a:ext>
             </a:extLst>
           </p:cNvPr>
@@ -6346,7 +5555,7 @@
             <a:pPr algn="ctr"/>
             <a:r>
               <a:rPr lang="en-US" dirty="0"/>
-              <a:t>Requirement Gathering</a:t>
+              <a:t>Objective</a:t>
             </a:r>
           </a:p>
         </p:txBody>
@@ -6356,7 +5565,7 @@
           <p:cNvPr id="3" name="Content Placeholder 2">
             <a:extLst>
               <a:ext uri="{FF2B5EF4-FFF2-40B4-BE49-F238E27FC236}">
-                <a16:creationId xmlns:a16="http://schemas.microsoft.com/office/drawing/2014/main" id="{2779701A-F46A-4F78-6A83-63913758397D}"/>
+                <a16:creationId xmlns:a16="http://schemas.microsoft.com/office/drawing/2014/main" id="{ABB7B3DA-3B8C-1168-D99E-10C66083208D}"/>
               </a:ext>
             </a:extLst>
           </p:cNvPr>
@@ -6370,141 +5579,109 @@
         <p:spPr/>
         <p:txBody>
           <a:bodyPr>
-            <a:noAutofit/>
+            <a:normAutofit/>
           </a:bodyPr>
           <a:lstStyle/>
           <a:p>
             <a:pPr algn="l"/>
             <a:r>
-              <a:rPr lang="en-IN" b="0" i="0" u="none" strike="noStrike" dirty="0">
-                <a:solidFill>
-                  <a:schemeClr val="tx1"/>
-                </a:solidFill>
+              <a:rPr lang="en-IN" sz="1800" b="1" i="0" u="none" strike="noStrike" dirty="0">
                 <a:effectLst/>
+                <a:latin typeface="Times New Roman" panose="02020603050405020304" pitchFamily="18" charset="0"/>
+                <a:cs typeface="Times New Roman" panose="02020603050405020304" pitchFamily="18" charset="0"/>
               </a:rPr>
-              <a:t>To gather requirements for a traffic sign detection system, follow these steps:</a:t>
-            </a:r>
-          </a:p>
-          <a:p>
-            <a:r>
-              <a:rPr lang="en-IN" b="1" i="0" u="none" strike="noStrike" dirty="0">
-                <a:solidFill>
-                  <a:schemeClr val="tx1"/>
-                </a:solidFill>
+              <a:t>3. Evaluate System Performance through Rigorous Simulation-Based Analyses:</a:t>
+            </a:r>
+            <a:endParaRPr lang="en-IN" sz="1800" b="0" i="0" u="none" strike="noStrike" dirty="0">
+              <a:effectLst/>
+              <a:latin typeface="Times New Roman" panose="02020603050405020304" pitchFamily="18" charset="0"/>
+              <a:cs typeface="Times New Roman" panose="02020603050405020304" pitchFamily="18" charset="0"/>
+            </a:endParaRPr>
+          </a:p>
+          <a:p>
+            <a:pPr algn="l">
+              <a:buFont typeface="Arial" panose="020B0604020202020204" pitchFamily="34" charset="0"/>
+              <a:buChar char="•"/>
+            </a:pPr>
+            <a:r>
+              <a:rPr lang="en-IN" sz="1800" b="0" i="0" u="none" strike="noStrike" dirty="0">
                 <a:effectLst/>
+                <a:latin typeface="Times New Roman" panose="02020603050405020304" pitchFamily="18" charset="0"/>
+                <a:cs typeface="Times New Roman" panose="02020603050405020304" pitchFamily="18" charset="0"/>
               </a:rPr>
-              <a:t>Scope Definition:</a:t>
-            </a:r>
-            <a:endParaRPr lang="en-IN" dirty="0">
-              <a:solidFill>
-                <a:schemeClr val="tx1"/>
-              </a:solidFill>
+              <a:t>Utilize advanced simulation tools to assess the performance and efficiency of the proposed autonomous traffic flow control system.</a:t>
+            </a:r>
+          </a:p>
+          <a:p>
+            <a:pPr algn="l">
+              <a:buFont typeface="Arial" panose="020B0604020202020204" pitchFamily="34" charset="0"/>
+              <a:buChar char="•"/>
+            </a:pPr>
+            <a:r>
+              <a:rPr lang="en-IN" sz="1800" b="0" i="0" u="none" strike="noStrike" dirty="0">
+                <a:effectLst/>
+                <a:latin typeface="Times New Roman" panose="02020603050405020304" pitchFamily="18" charset="0"/>
+                <a:cs typeface="Times New Roman" panose="02020603050405020304" pitchFamily="18" charset="0"/>
+              </a:rPr>
+              <a:t>Analyse results under diverse scenarios to validate the adaptability and robustness of the system.</a:t>
+            </a:r>
+          </a:p>
+          <a:p>
+            <a:pPr algn="l"/>
+            <a:r>
+              <a:rPr lang="en-IN" sz="1800" b="1" i="0" u="none" strike="noStrike" dirty="0">
+                <a:effectLst/>
+                <a:latin typeface="Times New Roman" panose="02020603050405020304" pitchFamily="18" charset="0"/>
+                <a:cs typeface="Times New Roman" panose="02020603050405020304" pitchFamily="18" charset="0"/>
+              </a:rPr>
+              <a:t>4. Explore Ethical Considerations and Societal Impacts:</a:t>
+            </a:r>
+            <a:endParaRPr lang="en-IN" sz="1800" b="0" i="0" u="none" strike="noStrike" dirty="0">
+              <a:effectLst/>
+              <a:latin typeface="Times New Roman" panose="02020603050405020304" pitchFamily="18" charset="0"/>
+              <a:cs typeface="Times New Roman" panose="02020603050405020304" pitchFamily="18" charset="0"/>
             </a:endParaRPr>
           </a:p>
           <a:p>
-            <a:pPr lvl="1"/>
-            <a:r>
-              <a:rPr lang="en-IN" b="0" i="0" u="none" strike="noStrike" dirty="0">
-                <a:solidFill>
-                  <a:schemeClr val="tx1"/>
-                </a:solidFill>
+            <a:pPr algn="l">
+              <a:buFont typeface="Arial" panose="020B0604020202020204" pitchFamily="34" charset="0"/>
+              <a:buChar char="•"/>
+            </a:pPr>
+            <a:r>
+              <a:rPr lang="en-IN" sz="1800" b="0" i="0" u="none" strike="noStrike" dirty="0">
                 <a:effectLst/>
+                <a:latin typeface="Times New Roman" panose="02020603050405020304" pitchFamily="18" charset="0"/>
+                <a:cs typeface="Times New Roman" panose="02020603050405020304" pitchFamily="18" charset="0"/>
               </a:rPr>
-              <a:t>Clearly define project goals and boundaries.</a:t>
-            </a:r>
-          </a:p>
-          <a:p>
-            <a:r>
-              <a:rPr lang="en-IN" b="1" i="0" u="none" strike="noStrike" dirty="0">
-                <a:solidFill>
-                  <a:schemeClr val="tx1"/>
-                </a:solidFill>
+              <a:t>Investigate the ethical implications associated with autonomous traffic management, including issues of fairness, transparency, and accountability.</a:t>
+            </a:r>
+          </a:p>
+          <a:p>
+            <a:pPr algn="l">
+              <a:buFont typeface="Arial" panose="020B0604020202020204" pitchFamily="34" charset="0"/>
+              <a:buChar char="•"/>
+            </a:pPr>
+            <a:r>
+              <a:rPr lang="en-IN" sz="1800" b="0" i="0" u="none" strike="noStrike" dirty="0">
                 <a:effectLst/>
+                <a:latin typeface="Times New Roman" panose="02020603050405020304" pitchFamily="18" charset="0"/>
+                <a:cs typeface="Times New Roman" panose="02020603050405020304" pitchFamily="18" charset="0"/>
               </a:rPr>
-              <a:t>Stakeholder Identification:</a:t>
-            </a:r>
-            <a:endParaRPr lang="en-IN" dirty="0">
-              <a:solidFill>
-                <a:schemeClr val="tx1"/>
-              </a:solidFill>
+              <a:t>Evaluate the broader societal impacts, considering aspects of accessibility, inclusivity, and potential social transformations.</a:t>
+            </a:r>
+          </a:p>
+          <a:p>
+            <a:endParaRPr lang="en-US" sz="1800" dirty="0">
+              <a:latin typeface="Times New Roman" panose="02020603050405020304" pitchFamily="18" charset="0"/>
+              <a:cs typeface="Times New Roman" panose="02020603050405020304" pitchFamily="18" charset="0"/>
             </a:endParaRPr>
-          </a:p>
-          <a:p>
-            <a:pPr lvl="1"/>
-            <a:r>
-              <a:rPr lang="en-IN" b="0" i="0" u="none" strike="noStrike" dirty="0">
-                <a:solidFill>
-                  <a:schemeClr val="tx1"/>
-                </a:solidFill>
-                <a:effectLst/>
-              </a:rPr>
-              <a:t>Identify all involved parties.</a:t>
-            </a:r>
-          </a:p>
-          <a:p>
-            <a:r>
-              <a:rPr lang="en-IN" b="1" i="0" u="none" strike="noStrike" dirty="0">
-                <a:solidFill>
-                  <a:schemeClr val="tx1"/>
-                </a:solidFill>
-                <a:effectLst/>
-              </a:rPr>
-              <a:t>Stakeholder Input:</a:t>
-            </a:r>
-            <a:endParaRPr lang="en-IN" b="0" i="0" u="none" strike="noStrike" dirty="0">
-              <a:solidFill>
-                <a:schemeClr val="tx1"/>
-              </a:solidFill>
-              <a:effectLst/>
-            </a:endParaRPr>
-          </a:p>
-          <a:p>
-            <a:pPr marL="800100" lvl="1" indent="-342900"/>
-            <a:r>
-              <a:rPr lang="en-IN" b="0" i="0" u="none" strike="noStrike" dirty="0">
-                <a:solidFill>
-                  <a:schemeClr val="tx1"/>
-                </a:solidFill>
-                <a:effectLst/>
-              </a:rPr>
-              <a:t>Gather input through interviews or surveys.</a:t>
-            </a:r>
-          </a:p>
-          <a:p>
-            <a:r>
-              <a:rPr lang="en-IN" b="1" i="0" u="none" strike="noStrike" dirty="0">
-                <a:solidFill>
-                  <a:schemeClr val="tx1"/>
-                </a:solidFill>
-                <a:effectLst/>
-              </a:rPr>
-              <a:t>Analyse Existing Systems (if any):</a:t>
-            </a:r>
-            <a:endParaRPr lang="en-IN" b="0" i="0" u="none" strike="noStrike" dirty="0">
-              <a:solidFill>
-                <a:schemeClr val="tx1"/>
-              </a:solidFill>
-              <a:effectLst/>
-            </a:endParaRPr>
-          </a:p>
-          <a:p>
-            <a:pPr marL="800100" lvl="1" indent="-342900"/>
-            <a:r>
-              <a:rPr lang="en-IN" b="0" i="0" u="none" strike="noStrike" dirty="0">
-                <a:solidFill>
-                  <a:schemeClr val="tx1"/>
-                </a:solidFill>
-                <a:effectLst/>
-              </a:rPr>
-              <a:t>Evaluate strengths and weaknesses.</a:t>
-            </a:r>
           </a:p>
         </p:txBody>
       </p:sp>
     </p:spTree>
     <p:extLst>
       <p:ext uri="{BB962C8B-B14F-4D97-AF65-F5344CB8AC3E}">
-        <p14:creationId xmlns:p14="http://schemas.microsoft.com/office/powerpoint/2010/main" val="1978781931"/>
+        <p14:creationId xmlns:p14="http://schemas.microsoft.com/office/powerpoint/2010/main" val="2505411940"/>
       </p:ext>
     </p:extLst>
   </p:cSld>
@@ -6533,290 +5710,232 @@
       </p:grpSpPr>
       <p:sp>
         <p:nvSpPr>
-          <p:cNvPr id="2" name="TextBox 1">
+          <p:cNvPr id="2" name="Title 1">
             <a:extLst>
               <a:ext uri="{FF2B5EF4-FFF2-40B4-BE49-F238E27FC236}">
-                <a16:creationId xmlns:a16="http://schemas.microsoft.com/office/drawing/2014/main" id="{34D02CFF-A383-0FF9-CFD6-D26F46EBACBB}"/>
+                <a16:creationId xmlns:a16="http://schemas.microsoft.com/office/drawing/2014/main" id="{91FF2A73-E6E7-FF2C-0273-DD77F040492E}"/>
               </a:ext>
             </a:extLst>
           </p:cNvPr>
-          <p:cNvSpPr txBox="1"/>
-          <p:nvPr/>
-        </p:nvSpPr>
-        <p:spPr>
-          <a:xfrm>
-            <a:off x="683172" y="185081"/>
-            <a:ext cx="11508828" cy="5078313"/>
-          </a:xfrm>
-          <a:prstGeom prst="rect">
-            <a:avLst/>
-          </a:prstGeom>
-          <a:noFill/>
-        </p:spPr>
-        <p:txBody>
-          <a:bodyPr wrap="square" rtlCol="0">
-            <a:spAutoFit/>
+          <p:cNvSpPr>
+            <a:spLocks noGrp="1"/>
+          </p:cNvSpPr>
+          <p:nvPr>
+            <p:ph type="title"/>
+          </p:nvPr>
+        </p:nvSpPr>
+        <p:spPr/>
+        <p:txBody>
+          <a:bodyPr/>
+          <a:lstStyle/>
+          <a:p>
+            <a:pPr algn="ctr"/>
+            <a:r>
+              <a:rPr lang="en-US" dirty="0"/>
+              <a:t>Proposed Architecture </a:t>
+            </a:r>
+          </a:p>
+        </p:txBody>
+      </p:sp>
+      <p:sp>
+        <p:nvSpPr>
+          <p:cNvPr id="3" name="Content Placeholder 2">
+            <a:extLst>
+              <a:ext uri="{FF2B5EF4-FFF2-40B4-BE49-F238E27FC236}">
+                <a16:creationId xmlns:a16="http://schemas.microsoft.com/office/drawing/2014/main" id="{2779701A-F46A-4F78-6A83-63913758397D}"/>
+              </a:ext>
+            </a:extLst>
+          </p:cNvPr>
+          <p:cNvSpPr>
+            <a:spLocks noGrp="1"/>
+          </p:cNvSpPr>
+          <p:nvPr>
+            <p:ph idx="1"/>
+          </p:nvPr>
+        </p:nvSpPr>
+        <p:spPr/>
+        <p:txBody>
+          <a:bodyPr>
+            <a:noAutofit/>
           </a:bodyPr>
           <a:lstStyle/>
           <a:p>
-            <a:pPr marL="285750" indent="-285750" algn="l">
-              <a:buFont typeface="Wingdings" pitchFamily="2" charset="2"/>
-              <a:buChar char="§"/>
+            <a:pPr algn="l">
+              <a:buFont typeface="+mj-lt"/>
+              <a:buAutoNum type="arabicPeriod"/>
             </a:pPr>
-            <a:endParaRPr lang="en-IN" b="1" i="0" u="none" strike="noStrike" dirty="0">
+            <a:r>
+              <a:rPr lang="en-IN" sz="1600" b="1" i="0" u="none" strike="noStrike" dirty="0">
+                <a:effectLst/>
+                <a:latin typeface="Times New Roman" panose="02020603050405020304" pitchFamily="18" charset="0"/>
+                <a:cs typeface="Times New Roman" panose="02020603050405020304" pitchFamily="18" charset="0"/>
+              </a:rPr>
+              <a:t>Data Collection:</a:t>
+            </a:r>
+            <a:endParaRPr lang="en-IN" sz="1600" b="0" i="0" u="none" strike="noStrike" dirty="0">
+              <a:effectLst/>
+              <a:latin typeface="Times New Roman" panose="02020603050405020304" pitchFamily="18" charset="0"/>
+              <a:cs typeface="Times New Roman" panose="02020603050405020304" pitchFamily="18" charset="0"/>
+            </a:endParaRPr>
+          </a:p>
+          <a:p>
+            <a:pPr marL="457200" lvl="1" indent="0" algn="l">
+              <a:buNone/>
+            </a:pPr>
+            <a:r>
+              <a:rPr lang="en-IN" sz="1600" b="0" i="0" u="none" strike="noStrike" dirty="0">
+                <a:effectLst/>
+                <a:latin typeface="Times New Roman" panose="02020603050405020304" pitchFamily="18" charset="0"/>
+                <a:cs typeface="Times New Roman" panose="02020603050405020304" pitchFamily="18" charset="0"/>
+              </a:rPr>
+              <a:t>Autonomous vehicles collect real-time traffic data.</a:t>
+            </a:r>
+          </a:p>
+          <a:p>
+            <a:pPr algn="l">
+              <a:buFont typeface="+mj-lt"/>
+              <a:buAutoNum type="arabicPeriod"/>
+            </a:pPr>
+            <a:r>
+              <a:rPr lang="en-IN" sz="1600" b="1" i="0" u="none" strike="noStrike" dirty="0">
+                <a:effectLst/>
+                <a:latin typeface="Times New Roman" panose="02020603050405020304" pitchFamily="18" charset="0"/>
+                <a:cs typeface="Times New Roman" panose="02020603050405020304" pitchFamily="18" charset="0"/>
+              </a:rPr>
+              <a:t>V2X Communication:</a:t>
+            </a:r>
+            <a:endParaRPr lang="en-IN" sz="1600" b="0" i="0" u="none" strike="noStrike" dirty="0">
+              <a:effectLst/>
+              <a:latin typeface="Times New Roman" panose="02020603050405020304" pitchFamily="18" charset="0"/>
+              <a:cs typeface="Times New Roman" panose="02020603050405020304" pitchFamily="18" charset="0"/>
+            </a:endParaRPr>
+          </a:p>
+          <a:p>
+            <a:pPr marL="457200" lvl="1" indent="0" algn="l">
+              <a:buNone/>
+            </a:pPr>
+            <a:r>
+              <a:rPr lang="en-IN" sz="1600" b="0" i="0" u="none" strike="noStrike" dirty="0">
+                <a:effectLst/>
+                <a:latin typeface="Times New Roman" panose="02020603050405020304" pitchFamily="18" charset="0"/>
+                <a:cs typeface="Times New Roman" panose="02020603050405020304" pitchFamily="18" charset="0"/>
+              </a:rPr>
+              <a:t>Enable communication between vehicles and infrastructure.</a:t>
+            </a:r>
+          </a:p>
+          <a:p>
+            <a:pPr algn="l">
+              <a:buFont typeface="+mj-lt"/>
+              <a:buAutoNum type="arabicPeriod"/>
+            </a:pPr>
+            <a:r>
+              <a:rPr lang="en-IN" sz="1600" b="1" i="0" u="none" strike="noStrike" dirty="0">
+                <a:effectLst/>
+                <a:latin typeface="Times New Roman" panose="02020603050405020304" pitchFamily="18" charset="0"/>
+                <a:cs typeface="Times New Roman" panose="02020603050405020304" pitchFamily="18" charset="0"/>
+              </a:rPr>
+              <a:t>Centralized Decision System:</a:t>
+            </a:r>
+            <a:endParaRPr lang="en-IN" sz="1600" b="0" i="0" u="none" strike="noStrike" dirty="0">
+              <a:effectLst/>
+              <a:latin typeface="Times New Roman" panose="02020603050405020304" pitchFamily="18" charset="0"/>
+              <a:cs typeface="Times New Roman" panose="02020603050405020304" pitchFamily="18" charset="0"/>
+            </a:endParaRPr>
+          </a:p>
+          <a:p>
+            <a:pPr marL="457200" lvl="1" indent="0" algn="l">
+              <a:buNone/>
+            </a:pPr>
+            <a:r>
+              <a:rPr lang="en-IN" sz="1600" b="0" i="0" u="none" strike="noStrike" dirty="0">
+                <a:effectLst/>
+                <a:latin typeface="Times New Roman" panose="02020603050405020304" pitchFamily="18" charset="0"/>
+                <a:cs typeface="Times New Roman" panose="02020603050405020304" pitchFamily="18" charset="0"/>
+              </a:rPr>
+              <a:t>Central system processes data and makes traffic flow decisions.</a:t>
+            </a:r>
+          </a:p>
+          <a:p>
+            <a:pPr algn="l">
+              <a:buFont typeface="+mj-lt"/>
+              <a:buAutoNum type="arabicPeriod"/>
+            </a:pPr>
+            <a:r>
+              <a:rPr lang="en-IN" sz="1600" b="1" i="0" u="none" strike="noStrike" dirty="0">
+                <a:effectLst/>
+                <a:latin typeface="Times New Roman" panose="02020603050405020304" pitchFamily="18" charset="0"/>
+                <a:cs typeface="Times New Roman" panose="02020603050405020304" pitchFamily="18" charset="0"/>
+              </a:rPr>
+              <a:t>Decision Broadcast:</a:t>
+            </a:r>
+            <a:endParaRPr lang="en-IN" sz="1600" b="0" i="0" u="none" strike="noStrike" dirty="0">
+              <a:effectLst/>
+              <a:latin typeface="Times New Roman" panose="02020603050405020304" pitchFamily="18" charset="0"/>
+              <a:cs typeface="Times New Roman" panose="02020603050405020304" pitchFamily="18" charset="0"/>
+            </a:endParaRPr>
+          </a:p>
+          <a:p>
+            <a:pPr marL="457200" lvl="1" indent="0" algn="l">
+              <a:buNone/>
+            </a:pPr>
+            <a:r>
+              <a:rPr lang="en-IN" sz="1600" b="0" i="0" u="none" strike="noStrike" dirty="0">
+                <a:effectLst/>
+                <a:latin typeface="Times New Roman" panose="02020603050405020304" pitchFamily="18" charset="0"/>
+                <a:cs typeface="Times New Roman" panose="02020603050405020304" pitchFamily="18" charset="0"/>
+              </a:rPr>
+              <a:t>Broadcast decisions to all connected vehicles.</a:t>
+            </a:r>
+          </a:p>
+          <a:p>
+            <a:pPr algn="l">
+              <a:buFont typeface="+mj-lt"/>
+              <a:buAutoNum type="arabicPeriod"/>
+            </a:pPr>
+            <a:r>
+              <a:rPr lang="en-IN" sz="1600" b="1" i="0" u="none" strike="noStrike" dirty="0">
+                <a:effectLst/>
+                <a:latin typeface="Times New Roman" panose="02020603050405020304" pitchFamily="18" charset="0"/>
+                <a:cs typeface="Times New Roman" panose="02020603050405020304" pitchFamily="18" charset="0"/>
+              </a:rPr>
+              <a:t>Vehicle Adaptation:</a:t>
+            </a:r>
+            <a:endParaRPr lang="en-IN" sz="1600" b="0" i="0" u="none" strike="noStrike" dirty="0">
+              <a:effectLst/>
+              <a:latin typeface="Times New Roman" panose="02020603050405020304" pitchFamily="18" charset="0"/>
+              <a:cs typeface="Times New Roman" panose="02020603050405020304" pitchFamily="18" charset="0"/>
+            </a:endParaRPr>
+          </a:p>
+          <a:p>
+            <a:pPr marL="457200" lvl="1" indent="0" algn="l">
+              <a:buNone/>
+            </a:pPr>
+            <a:r>
+              <a:rPr lang="en-IN" sz="1600" b="0" i="0" u="none" strike="noStrike" dirty="0">
+                <a:effectLst/>
+                <a:latin typeface="Times New Roman" panose="02020603050405020304" pitchFamily="18" charset="0"/>
+                <a:cs typeface="Times New Roman" panose="02020603050405020304" pitchFamily="18" charset="0"/>
+              </a:rPr>
+              <a:t>Autonomous vehicles adapt based on received decisions.</a:t>
+            </a:r>
+          </a:p>
+          <a:p>
+            <a:pPr algn="l"/>
+            <a:endParaRPr lang="en-IN" sz="1600" b="0" i="0" u="none" strike="noStrike" dirty="0">
               <a:solidFill>
                 <a:schemeClr val="tx1"/>
               </a:solidFill>
               <a:effectLst/>
+              <a:latin typeface="Times New Roman" panose="02020603050405020304" pitchFamily="18" charset="0"/>
+              <a:cs typeface="Times New Roman" panose="02020603050405020304" pitchFamily="18" charset="0"/>
             </a:endParaRPr>
-          </a:p>
-          <a:p>
-            <a:pPr marL="285750" indent="-285750" algn="l">
-              <a:buFont typeface="Wingdings" pitchFamily="2" charset="2"/>
-              <a:buChar char="§"/>
-            </a:pPr>
-            <a:endParaRPr lang="en-IN" b="1" dirty="0"/>
-          </a:p>
-          <a:p>
-            <a:pPr marL="285750" indent="-285750" algn="l">
-              <a:buFont typeface="Wingdings" pitchFamily="2" charset="2"/>
-              <a:buChar char="§"/>
-            </a:pPr>
-            <a:endParaRPr lang="en-IN" b="1" i="0" u="none" strike="noStrike" dirty="0">
-              <a:solidFill>
-                <a:schemeClr val="tx1"/>
-              </a:solidFill>
-              <a:effectLst/>
-            </a:endParaRPr>
-          </a:p>
-          <a:p>
-            <a:pPr marL="285750" indent="-285750" algn="l">
-              <a:buFont typeface="Wingdings" pitchFamily="2" charset="2"/>
-              <a:buChar char="§"/>
-            </a:pPr>
-            <a:endParaRPr lang="en-IN" b="1" i="0" u="none" strike="noStrike" dirty="0">
-              <a:solidFill>
-                <a:schemeClr val="tx1"/>
-              </a:solidFill>
-              <a:effectLst/>
-            </a:endParaRPr>
-          </a:p>
-          <a:p>
-            <a:pPr marL="285750" indent="-285750" algn="l">
-              <a:buFont typeface="Wingdings" pitchFamily="2" charset="2"/>
-              <a:buChar char="§"/>
-            </a:pPr>
-            <a:endParaRPr lang="en-IN" b="1" dirty="0"/>
-          </a:p>
-          <a:p>
-            <a:pPr marL="285750" indent="-285750" algn="l">
-              <a:buFont typeface="Wingdings" pitchFamily="2" charset="2"/>
-              <a:buChar char="§"/>
-            </a:pPr>
-            <a:r>
-              <a:rPr lang="en-IN" b="1" i="0" u="none" strike="noStrike" dirty="0">
-                <a:solidFill>
-                  <a:schemeClr val="tx1"/>
-                </a:solidFill>
-                <a:effectLst/>
-              </a:rPr>
-              <a:t>Legal and Safety Compliance</a:t>
-            </a:r>
-            <a:r>
-              <a:rPr lang="en-IN" b="1" dirty="0"/>
-              <a:t>:</a:t>
-            </a:r>
-          </a:p>
-          <a:p>
-            <a:pPr lvl="1"/>
-            <a:r>
-              <a:rPr lang="en-IN" b="0" i="0" u="none" strike="noStrike" dirty="0">
-                <a:solidFill>
-                  <a:schemeClr val="tx1"/>
-                </a:solidFill>
-                <a:effectLst/>
-              </a:rPr>
-              <a:t>Ensure adherence to regulations and safety standards.</a:t>
-            </a:r>
-          </a:p>
-          <a:p>
-            <a:pPr marL="285750" indent="-285750" algn="l">
-              <a:buFont typeface="Wingdings" pitchFamily="2" charset="2"/>
-              <a:buChar char="§"/>
-            </a:pPr>
-            <a:r>
-              <a:rPr lang="en-IN" b="1" i="0" u="none" strike="noStrike" dirty="0">
-                <a:solidFill>
-                  <a:schemeClr val="tx1"/>
-                </a:solidFill>
-                <a:effectLst/>
-              </a:rPr>
-              <a:t>Functional Requirements:</a:t>
-            </a:r>
-            <a:endParaRPr lang="en-IN" b="0" i="0" u="none" strike="noStrike" dirty="0">
-              <a:solidFill>
-                <a:schemeClr val="tx1"/>
-              </a:solidFill>
-              <a:effectLst/>
-            </a:endParaRPr>
-          </a:p>
-          <a:p>
-            <a:pPr lvl="1" algn="l"/>
-            <a:r>
-              <a:rPr lang="en-IN" b="0" i="0" u="none" strike="noStrike" dirty="0">
-                <a:solidFill>
-                  <a:schemeClr val="tx1"/>
-                </a:solidFill>
-                <a:effectLst/>
-              </a:rPr>
-              <a:t>Specify what the system should do.</a:t>
-            </a:r>
-          </a:p>
-          <a:p>
-            <a:pPr marL="285750" indent="-285750" algn="l">
-              <a:buFont typeface="Wingdings" pitchFamily="2" charset="2"/>
-              <a:buChar char="§"/>
-            </a:pPr>
-            <a:r>
-              <a:rPr lang="en-IN" b="1" i="0" u="none" strike="noStrike" dirty="0">
-                <a:solidFill>
-                  <a:schemeClr val="tx1"/>
-                </a:solidFill>
-                <a:effectLst/>
-              </a:rPr>
-              <a:t>Non-functional Requirements:</a:t>
-            </a:r>
-            <a:endParaRPr lang="en-IN" b="0" i="0" u="none" strike="noStrike" dirty="0">
-              <a:solidFill>
-                <a:schemeClr val="tx1"/>
-              </a:solidFill>
-              <a:effectLst/>
-            </a:endParaRPr>
-          </a:p>
-          <a:p>
-            <a:pPr lvl="1" algn="l"/>
-            <a:r>
-              <a:rPr lang="en-IN" dirty="0"/>
-              <a:t>A</a:t>
-            </a:r>
-            <a:r>
-              <a:rPr lang="en-IN" b="0" i="0" u="none" strike="noStrike" dirty="0">
-                <a:solidFill>
-                  <a:schemeClr val="tx1"/>
-                </a:solidFill>
-                <a:effectLst/>
-              </a:rPr>
-              <a:t>ddress performance and reliability.</a:t>
-            </a:r>
-          </a:p>
-          <a:p>
-            <a:pPr marL="285750" indent="-285750" algn="l">
-              <a:buFont typeface="Wingdings" pitchFamily="2" charset="2"/>
-              <a:buChar char="§"/>
-            </a:pPr>
-            <a:r>
-              <a:rPr lang="en-IN" b="1" i="0" u="none" strike="noStrike" dirty="0">
-                <a:solidFill>
-                  <a:schemeClr val="tx1"/>
-                </a:solidFill>
-                <a:effectLst/>
-              </a:rPr>
-              <a:t>Data Requirements:</a:t>
-            </a:r>
-            <a:endParaRPr lang="en-IN" b="0" i="0" u="none" strike="noStrike" dirty="0">
-              <a:solidFill>
-                <a:schemeClr val="tx1"/>
-              </a:solidFill>
-              <a:effectLst/>
-            </a:endParaRPr>
-          </a:p>
-          <a:p>
-            <a:pPr lvl="1" algn="l"/>
-            <a:r>
-              <a:rPr lang="en-IN" b="0" i="0" u="none" strike="noStrike" dirty="0">
-                <a:solidFill>
-                  <a:schemeClr val="tx1"/>
-                </a:solidFill>
-                <a:effectLst/>
-              </a:rPr>
-              <a:t>Define data sources and quality.</a:t>
-            </a:r>
-          </a:p>
-          <a:p>
-            <a:pPr marL="285750" indent="-285750" algn="l">
-              <a:buFont typeface="Wingdings" pitchFamily="2" charset="2"/>
-              <a:buChar char="§"/>
-            </a:pPr>
-            <a:r>
-              <a:rPr lang="en-IN" b="1" i="0" u="none" strike="noStrike" dirty="0">
-                <a:solidFill>
-                  <a:schemeClr val="tx1"/>
-                </a:solidFill>
-                <a:effectLst/>
-              </a:rPr>
-              <a:t>Integration Needs:</a:t>
-            </a:r>
-            <a:endParaRPr lang="en-IN" b="0" i="0" u="none" strike="noStrike" dirty="0">
-              <a:solidFill>
-                <a:schemeClr val="tx1"/>
-              </a:solidFill>
-              <a:effectLst/>
-            </a:endParaRPr>
-          </a:p>
-          <a:p>
-            <a:pPr lvl="1" algn="l"/>
-            <a:r>
-              <a:rPr lang="en-IN" b="0" i="0" u="none" strike="noStrike" dirty="0">
-                <a:solidFill>
-                  <a:schemeClr val="tx1"/>
-                </a:solidFill>
-                <a:effectLst/>
-              </a:rPr>
-              <a:t>Determine if integration is necessary.</a:t>
-            </a:r>
-          </a:p>
-          <a:p>
-            <a:pPr marL="285750" indent="-285750" algn="l">
-              <a:buFont typeface="Wingdings" pitchFamily="2" charset="2"/>
-              <a:buChar char="§"/>
-            </a:pPr>
-            <a:r>
-              <a:rPr lang="en-IN" b="1" i="0" u="none" strike="noStrike" dirty="0">
-                <a:solidFill>
-                  <a:schemeClr val="tx1"/>
-                </a:solidFill>
-                <a:effectLst/>
-              </a:rPr>
-              <a:t>UI/UX Requirements:</a:t>
-            </a:r>
-            <a:endParaRPr lang="en-IN" b="0" i="0" u="none" strike="noStrike" dirty="0">
-              <a:solidFill>
-                <a:schemeClr val="tx1"/>
-              </a:solidFill>
-              <a:effectLst/>
-            </a:endParaRPr>
-          </a:p>
-          <a:p>
-            <a:pPr lvl="1" algn="l"/>
-            <a:r>
-              <a:rPr lang="en-IN" b="0" i="0" u="none" strike="noStrike" dirty="0">
-                <a:solidFill>
-                  <a:schemeClr val="tx1"/>
-                </a:solidFill>
-                <a:effectLst/>
-              </a:rPr>
-              <a:t>Outline user interface expectations.</a:t>
-            </a:r>
-          </a:p>
-          <a:p>
-            <a:endParaRPr lang="en-US" dirty="0"/>
           </a:p>
         </p:txBody>
       </p:sp>
     </p:spTree>
     <p:extLst>
       <p:ext uri="{BB962C8B-B14F-4D97-AF65-F5344CB8AC3E}">
-        <p14:creationId xmlns:p14="http://schemas.microsoft.com/office/powerpoint/2010/main" val="354766995"/>
+        <p14:creationId xmlns:p14="http://schemas.microsoft.com/office/powerpoint/2010/main" val="1978781931"/>
       </p:ext>
     </p:extLst>
   </p:cSld>
@@ -6845,288 +5964,232 @@
       </p:grpSpPr>
       <p:sp>
         <p:nvSpPr>
-          <p:cNvPr id="3" name="TextBox 2">
+          <p:cNvPr id="2" name="Title 1">
             <a:extLst>
               <a:ext uri="{FF2B5EF4-FFF2-40B4-BE49-F238E27FC236}">
-                <a16:creationId xmlns:a16="http://schemas.microsoft.com/office/drawing/2014/main" id="{085F0339-5A79-EE62-4EF3-73C7B86EC5F8}"/>
+                <a16:creationId xmlns:a16="http://schemas.microsoft.com/office/drawing/2014/main" id="{F515C3F4-322E-AF36-86B5-A40ADB8ABEB0}"/>
               </a:ext>
             </a:extLst>
           </p:cNvPr>
-          <p:cNvSpPr txBox="1"/>
-          <p:nvPr/>
-        </p:nvSpPr>
-        <p:spPr>
-          <a:xfrm>
-            <a:off x="662153" y="189186"/>
-            <a:ext cx="11435254" cy="5078313"/>
-          </a:xfrm>
-          <a:prstGeom prst="rect">
-            <a:avLst/>
-          </a:prstGeom>
-          <a:noFill/>
-        </p:spPr>
-        <p:txBody>
-          <a:bodyPr wrap="square" rtlCol="0">
-            <a:spAutoFit/>
+          <p:cNvSpPr>
+            <a:spLocks noGrp="1"/>
+          </p:cNvSpPr>
+          <p:nvPr>
+            <p:ph type="title"/>
+          </p:nvPr>
+        </p:nvSpPr>
+        <p:spPr/>
+        <p:txBody>
+          <a:bodyPr/>
+          <a:lstStyle/>
+          <a:p>
+            <a:pPr algn="ctr"/>
+            <a:r>
+              <a:rPr lang="en-US" dirty="0"/>
+              <a:t>Proposed Modules</a:t>
+            </a:r>
+          </a:p>
+        </p:txBody>
+      </p:sp>
+      <p:sp>
+        <p:nvSpPr>
+          <p:cNvPr id="3" name="Content Placeholder 2">
+            <a:extLst>
+              <a:ext uri="{FF2B5EF4-FFF2-40B4-BE49-F238E27FC236}">
+                <a16:creationId xmlns:a16="http://schemas.microsoft.com/office/drawing/2014/main" id="{26D7838F-ABB7-8921-7502-36DD9341A977}"/>
+              </a:ext>
+            </a:extLst>
+          </p:cNvPr>
+          <p:cNvSpPr>
+            <a:spLocks noGrp="1"/>
+          </p:cNvSpPr>
+          <p:nvPr>
+            <p:ph idx="1"/>
+          </p:nvPr>
+        </p:nvSpPr>
+        <p:spPr/>
+        <p:txBody>
+          <a:bodyPr>
+            <a:normAutofit/>
           </a:bodyPr>
           <a:lstStyle/>
           <a:p>
-            <a:pPr marL="285750" indent="-285750" algn="just">
-              <a:buFont typeface="Wingdings" pitchFamily="2" charset="2"/>
-              <a:buChar char="§"/>
+            <a:pPr algn="l">
+              <a:buFont typeface="+mj-lt"/>
+              <a:buAutoNum type="arabicPeriod"/>
             </a:pPr>
-            <a:endParaRPr lang="en-IN" b="1" i="0" u="none" strike="noStrike" dirty="0">
-              <a:solidFill>
-                <a:schemeClr val="tx1"/>
-              </a:solidFill>
+            <a:r>
+              <a:rPr lang="en-IN" sz="1600" b="1" i="0" u="none" strike="noStrike" dirty="0">
+                <a:effectLst/>
+                <a:latin typeface="Times New Roman" panose="02020603050405020304" pitchFamily="18" charset="0"/>
+                <a:cs typeface="Times New Roman" panose="02020603050405020304" pitchFamily="18" charset="0"/>
+              </a:rPr>
+              <a:t>Data Collection:</a:t>
+            </a:r>
+            <a:endParaRPr lang="en-IN" sz="1600" b="0" i="0" u="none" strike="noStrike" dirty="0">
               <a:effectLst/>
+              <a:latin typeface="Times New Roman" panose="02020603050405020304" pitchFamily="18" charset="0"/>
+              <a:cs typeface="Times New Roman" panose="02020603050405020304" pitchFamily="18" charset="0"/>
             </a:endParaRPr>
           </a:p>
           <a:p>
-            <a:pPr marL="285750" indent="-285750" algn="just">
-              <a:buFont typeface="Wingdings" pitchFamily="2" charset="2"/>
-              <a:buChar char="§"/>
+            <a:pPr marL="742950" lvl="1" indent="-285750" algn="l">
+              <a:buFont typeface="+mj-lt"/>
+              <a:buAutoNum type="arabicPeriod"/>
             </a:pPr>
-            <a:endParaRPr lang="en-IN" b="1" dirty="0"/>
-          </a:p>
-          <a:p>
-            <a:pPr marL="285750" indent="-285750" algn="just">
-              <a:buFont typeface="Wingdings" pitchFamily="2" charset="2"/>
-              <a:buChar char="§"/>
+            <a:r>
+              <a:rPr lang="en-IN" sz="1600" b="0" i="0" u="none" strike="noStrike" dirty="0">
+                <a:effectLst/>
+                <a:latin typeface="Times New Roman" panose="02020603050405020304" pitchFamily="18" charset="0"/>
+                <a:cs typeface="Times New Roman" panose="02020603050405020304" pitchFamily="18" charset="0"/>
+              </a:rPr>
+              <a:t>Module responsible for collecting real-time traffic data from autonomous vehicles.</a:t>
+            </a:r>
+          </a:p>
+          <a:p>
+            <a:pPr algn="l">
+              <a:buFont typeface="+mj-lt"/>
+              <a:buAutoNum type="arabicPeriod"/>
             </a:pPr>
-            <a:endParaRPr lang="en-IN" b="1" i="0" u="none" strike="noStrike" dirty="0">
-              <a:solidFill>
-                <a:schemeClr val="tx1"/>
-              </a:solidFill>
+            <a:r>
+              <a:rPr lang="en-IN" sz="1600" b="1" i="0" u="none" strike="noStrike" dirty="0">
+                <a:effectLst/>
+                <a:latin typeface="Times New Roman" panose="02020603050405020304" pitchFamily="18" charset="0"/>
+                <a:cs typeface="Times New Roman" panose="02020603050405020304" pitchFamily="18" charset="0"/>
+              </a:rPr>
+              <a:t>Communication Module:</a:t>
+            </a:r>
+            <a:endParaRPr lang="en-IN" sz="1600" b="0" i="0" u="none" strike="noStrike" dirty="0">
               <a:effectLst/>
+              <a:latin typeface="Times New Roman" panose="02020603050405020304" pitchFamily="18" charset="0"/>
+              <a:cs typeface="Times New Roman" panose="02020603050405020304" pitchFamily="18" charset="0"/>
             </a:endParaRPr>
           </a:p>
           <a:p>
-            <a:pPr marL="285750" indent="-285750" algn="just">
-              <a:buFont typeface="Wingdings" pitchFamily="2" charset="2"/>
-              <a:buChar char="§"/>
+            <a:pPr marL="742950" lvl="1" indent="-285750" algn="l">
+              <a:buFont typeface="+mj-lt"/>
+              <a:buAutoNum type="arabicPeriod"/>
             </a:pPr>
-            <a:endParaRPr lang="en-IN" b="1" dirty="0"/>
-          </a:p>
-          <a:p>
-            <a:pPr marL="285750" indent="-285750" algn="just">
-              <a:buFont typeface="Wingdings" pitchFamily="2" charset="2"/>
-              <a:buChar char="§"/>
+            <a:r>
+              <a:rPr lang="en-IN" sz="1600" b="0" i="0" u="none" strike="noStrike" dirty="0">
+                <a:effectLst/>
+                <a:latin typeface="Times New Roman" panose="02020603050405020304" pitchFamily="18" charset="0"/>
+                <a:cs typeface="Times New Roman" panose="02020603050405020304" pitchFamily="18" charset="0"/>
+              </a:rPr>
+              <a:t>Facilitates V2X communication, enabling data exchange between vehicles and infrastructure.</a:t>
+            </a:r>
+          </a:p>
+          <a:p>
+            <a:pPr algn="l">
+              <a:buFont typeface="+mj-lt"/>
+              <a:buAutoNum type="arabicPeriod"/>
             </a:pPr>
-            <a:endParaRPr lang="en-IN" b="1" i="0" u="none" strike="noStrike" dirty="0">
-              <a:solidFill>
-                <a:schemeClr val="tx1"/>
-              </a:solidFill>
+            <a:r>
+              <a:rPr lang="en-IN" sz="1600" b="1" i="0" u="none" strike="noStrike" dirty="0">
+                <a:effectLst/>
+                <a:latin typeface="Times New Roman" panose="02020603050405020304" pitchFamily="18" charset="0"/>
+                <a:cs typeface="Times New Roman" panose="02020603050405020304" pitchFamily="18" charset="0"/>
+              </a:rPr>
+              <a:t>Decision Engine:</a:t>
+            </a:r>
+            <a:endParaRPr lang="en-IN" sz="1600" b="0" i="0" u="none" strike="noStrike" dirty="0">
               <a:effectLst/>
+              <a:latin typeface="Times New Roman" panose="02020603050405020304" pitchFamily="18" charset="0"/>
+              <a:cs typeface="Times New Roman" panose="02020603050405020304" pitchFamily="18" charset="0"/>
             </a:endParaRPr>
           </a:p>
           <a:p>
-            <a:pPr marL="285750" indent="-285750" algn="just">
-              <a:buFont typeface="Wingdings" pitchFamily="2" charset="2"/>
-              <a:buChar char="§"/>
+            <a:pPr marL="742950" lvl="1" indent="-285750" algn="l">
+              <a:buFont typeface="+mj-lt"/>
+              <a:buAutoNum type="arabicPeriod"/>
             </a:pPr>
             <a:r>
-              <a:rPr lang="en-IN" b="1" i="0" u="none" strike="noStrike" dirty="0">
-                <a:solidFill>
-                  <a:schemeClr val="tx1"/>
-                </a:solidFill>
+              <a:rPr lang="en-IN" sz="1600" b="0" i="0" u="none" strike="noStrike" dirty="0">
                 <a:effectLst/>
+                <a:latin typeface="Times New Roman" panose="02020603050405020304" pitchFamily="18" charset="0"/>
+                <a:cs typeface="Times New Roman" panose="02020603050405020304" pitchFamily="18" charset="0"/>
               </a:rPr>
-              <a:t>Testing and Validation:</a:t>
-            </a:r>
-            <a:endParaRPr lang="en-IN" b="0" i="0" u="none" strike="noStrike" dirty="0">
-              <a:solidFill>
-                <a:schemeClr val="tx1"/>
-              </a:solidFill>
+              <a:t>Central module that processes incoming data and makes decisions for traffic flow optimization.</a:t>
+            </a:r>
+          </a:p>
+          <a:p>
+            <a:pPr algn="l">
+              <a:buFont typeface="+mj-lt"/>
+              <a:buAutoNum type="arabicPeriod"/>
+            </a:pPr>
+            <a:r>
+              <a:rPr lang="en-IN" sz="1600" b="1" i="0" u="none" strike="noStrike" dirty="0">
+                <a:effectLst/>
+                <a:latin typeface="Times New Roman" panose="02020603050405020304" pitchFamily="18" charset="0"/>
+                <a:cs typeface="Times New Roman" panose="02020603050405020304" pitchFamily="18" charset="0"/>
+              </a:rPr>
+              <a:t>Broadcast Module:</a:t>
+            </a:r>
+            <a:endParaRPr lang="en-IN" sz="1600" b="0" i="0" u="none" strike="noStrike" dirty="0">
               <a:effectLst/>
+              <a:latin typeface="Times New Roman" panose="02020603050405020304" pitchFamily="18" charset="0"/>
+              <a:cs typeface="Times New Roman" panose="02020603050405020304" pitchFamily="18" charset="0"/>
             </a:endParaRPr>
           </a:p>
           <a:p>
-            <a:pPr lvl="1" algn="just"/>
-            <a:r>
-              <a:rPr lang="en-IN" b="0" i="0" u="none" strike="noStrike" dirty="0">
-                <a:solidFill>
-                  <a:schemeClr val="tx1"/>
-                </a:solidFill>
+            <a:pPr marL="742950" lvl="1" indent="-285750" algn="l">
+              <a:buFont typeface="+mj-lt"/>
+              <a:buAutoNum type="arabicPeriod"/>
+            </a:pPr>
+            <a:r>
+              <a:rPr lang="en-IN" sz="1600" b="0" i="0" u="none" strike="noStrike" dirty="0">
                 <a:effectLst/>
+                <a:latin typeface="Times New Roman" panose="02020603050405020304" pitchFamily="18" charset="0"/>
+                <a:cs typeface="Times New Roman" panose="02020603050405020304" pitchFamily="18" charset="0"/>
               </a:rPr>
-              <a:t>Define evaluation methods.</a:t>
-            </a:r>
-          </a:p>
-          <a:p>
-            <a:pPr marL="285750" indent="-285750" algn="just">
-              <a:buFont typeface="Wingdings" pitchFamily="2" charset="2"/>
-              <a:buChar char="§"/>
+              <a:t>Handles the broadcast of decisions to all connected vehicles within the V2X network.</a:t>
+            </a:r>
+          </a:p>
+          <a:p>
+            <a:pPr algn="l">
+              <a:buFont typeface="+mj-lt"/>
+              <a:buAutoNum type="arabicPeriod"/>
             </a:pPr>
             <a:r>
-              <a:rPr lang="en-IN" b="1" i="0" u="none" strike="noStrike" dirty="0">
-                <a:solidFill>
-                  <a:schemeClr val="tx1"/>
-                </a:solidFill>
+              <a:rPr lang="en-IN" sz="1600" b="1" i="0" u="none" strike="noStrike" dirty="0">
                 <a:effectLst/>
+                <a:latin typeface="Times New Roman" panose="02020603050405020304" pitchFamily="18" charset="0"/>
+                <a:cs typeface="Times New Roman" panose="02020603050405020304" pitchFamily="18" charset="0"/>
               </a:rPr>
-              <a:t>Maintenance and Support:</a:t>
-            </a:r>
-            <a:endParaRPr lang="en-IN" b="0" i="0" u="none" strike="noStrike" dirty="0">
-              <a:solidFill>
-                <a:schemeClr val="tx1"/>
-              </a:solidFill>
+              <a:t>Vehicle Adaptation Module:</a:t>
+            </a:r>
+            <a:endParaRPr lang="en-IN" sz="1600" b="0" i="0" u="none" strike="noStrike" dirty="0">
               <a:effectLst/>
+              <a:latin typeface="Times New Roman" panose="02020603050405020304" pitchFamily="18" charset="0"/>
+              <a:cs typeface="Times New Roman" panose="02020603050405020304" pitchFamily="18" charset="0"/>
             </a:endParaRPr>
           </a:p>
           <a:p>
-            <a:pPr lvl="1" algn="just"/>
-            <a:r>
-              <a:rPr lang="en-IN" b="0" i="0" u="none" strike="noStrike" dirty="0">
-                <a:solidFill>
-                  <a:schemeClr val="tx1"/>
-                </a:solidFill>
+            <a:pPr marL="742950" lvl="1" indent="-285750" algn="l">
+              <a:buFont typeface="+mj-lt"/>
+              <a:buAutoNum type="arabicPeriod"/>
+            </a:pPr>
+            <a:r>
+              <a:rPr lang="en-IN" sz="1600" b="0" i="0" u="none" strike="noStrike" dirty="0">
                 <a:effectLst/>
+                <a:latin typeface="Times New Roman" panose="02020603050405020304" pitchFamily="18" charset="0"/>
+                <a:cs typeface="Times New Roman" panose="02020603050405020304" pitchFamily="18" charset="0"/>
               </a:rPr>
-              <a:t>Plan for post-deployment needs.</a:t>
-            </a:r>
-          </a:p>
-          <a:p>
-            <a:pPr marL="285750" indent="-285750" algn="just">
-              <a:buFont typeface="Wingdings" pitchFamily="2" charset="2"/>
-              <a:buChar char="§"/>
-            </a:pPr>
-            <a:r>
-              <a:rPr lang="en-IN" b="1" i="0" u="none" strike="noStrike" dirty="0">
-                <a:solidFill>
-                  <a:schemeClr val="tx1"/>
-                </a:solidFill>
-                <a:effectLst/>
-              </a:rPr>
-              <a:t>Documentation and Training:</a:t>
-            </a:r>
-            <a:endParaRPr lang="en-IN" b="0" i="0" u="none" strike="noStrike" dirty="0">
-              <a:solidFill>
-                <a:schemeClr val="tx1"/>
-              </a:solidFill>
-              <a:effectLst/>
+              <a:t>Enables autonomous vehicles to receive and adapt routes and speeds based on decisions.</a:t>
+            </a:r>
+          </a:p>
+          <a:p>
+            <a:endParaRPr lang="en-US" sz="1600" dirty="0">
+              <a:latin typeface="Times New Roman" panose="02020603050405020304" pitchFamily="18" charset="0"/>
+              <a:cs typeface="Times New Roman" panose="02020603050405020304" pitchFamily="18" charset="0"/>
             </a:endParaRPr>
-          </a:p>
-          <a:p>
-            <a:pPr lvl="1" algn="just"/>
-            <a:r>
-              <a:rPr lang="en-IN" b="0" i="0" u="none" strike="noStrike" dirty="0">
-                <a:solidFill>
-                  <a:schemeClr val="tx1"/>
-                </a:solidFill>
-                <a:effectLst/>
-              </a:rPr>
-              <a:t>Prepare user materials.</a:t>
-            </a:r>
-          </a:p>
-          <a:p>
-            <a:pPr marL="285750" indent="-285750" algn="just">
-              <a:buFont typeface="Wingdings" pitchFamily="2" charset="2"/>
-              <a:buChar char="§"/>
-            </a:pPr>
-            <a:r>
-              <a:rPr lang="en-IN" b="1" i="0" u="none" strike="noStrike" dirty="0">
-                <a:solidFill>
-                  <a:schemeClr val="tx1"/>
-                </a:solidFill>
-                <a:effectLst/>
-              </a:rPr>
-              <a:t>Cost and Timeline:</a:t>
-            </a:r>
-            <a:endParaRPr lang="en-IN" b="0" i="0" u="none" strike="noStrike" dirty="0">
-              <a:solidFill>
-                <a:schemeClr val="tx1"/>
-              </a:solidFill>
-              <a:effectLst/>
-            </a:endParaRPr>
-          </a:p>
-          <a:p>
-            <a:pPr lvl="1" algn="just"/>
-            <a:r>
-              <a:rPr lang="en-IN" b="0" i="0" u="none" strike="noStrike" dirty="0">
-                <a:solidFill>
-                  <a:schemeClr val="tx1"/>
-                </a:solidFill>
-                <a:effectLst/>
-              </a:rPr>
-              <a:t>Consider budget and project schedule.</a:t>
-            </a:r>
-          </a:p>
-          <a:p>
-            <a:pPr marL="285750" indent="-285750" algn="just">
-              <a:buFont typeface="Wingdings" pitchFamily="2" charset="2"/>
-              <a:buChar char="§"/>
-            </a:pPr>
-            <a:r>
-              <a:rPr lang="en-IN" b="1" i="0" u="none" strike="noStrike" dirty="0">
-                <a:solidFill>
-                  <a:schemeClr val="tx1"/>
-                </a:solidFill>
-                <a:effectLst/>
-              </a:rPr>
-              <a:t>Risk Assessment:</a:t>
-            </a:r>
-            <a:endParaRPr lang="en-IN" b="0" i="0" u="none" strike="noStrike" dirty="0">
-              <a:solidFill>
-                <a:schemeClr val="tx1"/>
-              </a:solidFill>
-              <a:effectLst/>
-            </a:endParaRPr>
-          </a:p>
-          <a:p>
-            <a:pPr lvl="1" algn="just"/>
-            <a:r>
-              <a:rPr lang="en-IN" b="0" i="0" u="none" strike="noStrike" dirty="0">
-                <a:solidFill>
-                  <a:schemeClr val="tx1"/>
-                </a:solidFill>
-                <a:effectLst/>
-              </a:rPr>
-              <a:t>Identify and address potential risks.</a:t>
-            </a:r>
-          </a:p>
-          <a:p>
-            <a:pPr marL="285750" indent="-285750" algn="just">
-              <a:buFont typeface="Wingdings" pitchFamily="2" charset="2"/>
-              <a:buChar char="§"/>
-            </a:pPr>
-            <a:r>
-              <a:rPr lang="en-IN" b="1" i="0" u="none" strike="noStrike" dirty="0">
-                <a:solidFill>
-                  <a:schemeClr val="tx1"/>
-                </a:solidFill>
-                <a:effectLst/>
-              </a:rPr>
-              <a:t>Review and Validation:</a:t>
-            </a:r>
-            <a:endParaRPr lang="en-IN" dirty="0"/>
-          </a:p>
-          <a:p>
-            <a:pPr algn="just"/>
-            <a:r>
-              <a:rPr lang="en-IN" dirty="0"/>
-              <a:t>	</a:t>
-            </a:r>
-            <a:r>
-              <a:rPr lang="en-IN" b="0" i="0" u="none" strike="noStrike" dirty="0">
-                <a:solidFill>
-                  <a:schemeClr val="tx1"/>
-                </a:solidFill>
-                <a:effectLst/>
-              </a:rPr>
-              <a:t>Regularly confirm alignment with stakeholders.</a:t>
-            </a:r>
-          </a:p>
-          <a:p>
-            <a:pPr algn="just"/>
-            <a:endParaRPr lang="en-US" dirty="0"/>
           </a:p>
         </p:txBody>
       </p:sp>
     </p:spTree>
     <p:extLst>
       <p:ext uri="{BB962C8B-B14F-4D97-AF65-F5344CB8AC3E}">
-        <p14:creationId xmlns:p14="http://schemas.microsoft.com/office/powerpoint/2010/main" val="2323133445"/>
+        <p14:creationId xmlns:p14="http://schemas.microsoft.com/office/powerpoint/2010/main" val="3604505056"/>
       </p:ext>
     </p:extLst>
   </p:cSld>
